--- a/ReinforcmentLearning.pptx
+++ b/ReinforcmentLearning.pptx
@@ -2,7 +2,7 @@
 <file path=ppt/presentation.xml><?xml version="1.0" encoding="utf-8"?>
 <p:presentation xmlns:a="http://schemas.openxmlformats.org/drawingml/2006/main" xmlns:r="http://schemas.openxmlformats.org/officeDocument/2006/relationships" xmlns:mc="http://schemas.openxmlformats.org/markup-compatibility/2006" xmlns:mv="urn:schemas-microsoft-com:mac:vml" xmlns:p="http://schemas.openxmlformats.org/presentationml/2006/main" xmlns:c="http://schemas.openxmlformats.org/drawingml/2006/chart" xmlns:dgm="http://schemas.openxmlformats.org/drawingml/2006/diagram" xmlns:o="urn:schemas-microsoft-com:office:office" xmlns:v="urn:schemas-microsoft-com:vml" xmlns:pvml="urn:schemas-microsoft-com:office:powerpoint" xmlns:com="http://schemas.openxmlformats.org/drawingml/2006/compatibility" xmlns:p14="http://schemas.microsoft.com/office/powerpoint/2010/main" xmlns:p15="http://schemas.microsoft.com/office/powerpoint/2012/main" xmlns:ahyp="http://schemas.microsoft.com/office/drawing/2018/hyperlinkcolor" autoCompressPictures="0" strictFirstAndLastChars="0" saveSubsetFonts="1">
   <p:sldMasterIdLst>
-    <p:sldMasterId id="2147483659" r:id="rId4"/>
+    <p:sldMasterId id="2147483648" r:id="rId4"/>
   </p:sldMasterIdLst>
   <p:notesMasterIdLst>
     <p:notesMasterId r:id="rId5"/>
@@ -263,6 +263,9 @@
         </p15:guide>
       </p15:sldGuideLst>
     </p:ext>
+    <p:ext uri="GoogleSlidesCustomDataVersion2">
+      <go:slidesCustomData xmlns:go="http://customooxmlschemas.google.com/" r:id="rId14" roundtripDataSignature="AMtx7mgQDm1WF/3+GsP9Tg6jZZrKRGF8+g=="/>
+    </p:ext>
   </p:extLst>
 </p:presentation>
 </file>
@@ -355,104 +358,239 @@
             <a:noAutofit/>
           </a:bodyPr>
           <a:lstStyle>
-            <a:lvl1pPr indent="-298450" lvl="0" marL="457200">
-              <a:spcBef>
-                <a:spcPts val="0"/>
-              </a:spcBef>
-              <a:spcAft>
-                <a:spcPts val="0"/>
-              </a:spcAft>
+            <a:lvl1pPr indent="-298450" lvl="0" marL="457200" marR="0" rtl="0" algn="l">
+              <a:lnSpc>
+                <a:spcPct val="100000"/>
+              </a:lnSpc>
+              <a:spcBef>
+                <a:spcPts val="0"/>
+              </a:spcBef>
+              <a:spcAft>
+                <a:spcPts val="0"/>
+              </a:spcAft>
+              <a:buClr>
+                <a:srgbClr val="000000"/>
+              </a:buClr>
               <a:buSzPts val="1100"/>
+              <a:buFont typeface="Arial"/>
               <a:buChar char="●"/>
-              <a:defRPr sz="1100"/>
+              <a:defRPr b="0" i="0" sz="1100" u="none" cap="none" strike="noStrike">
+                <a:solidFill>
+                  <a:srgbClr val="000000"/>
+                </a:solidFill>
+                <a:latin typeface="Arial"/>
+                <a:ea typeface="Arial"/>
+                <a:cs typeface="Arial"/>
+                <a:sym typeface="Arial"/>
+              </a:defRPr>
             </a:lvl1pPr>
-            <a:lvl2pPr indent="-298450" lvl="1" marL="914400">
-              <a:spcBef>
-                <a:spcPts val="0"/>
-              </a:spcBef>
-              <a:spcAft>
-                <a:spcPts val="0"/>
-              </a:spcAft>
+            <a:lvl2pPr indent="-298450" lvl="1" marL="914400" marR="0" rtl="0" algn="l">
+              <a:lnSpc>
+                <a:spcPct val="100000"/>
+              </a:lnSpc>
+              <a:spcBef>
+                <a:spcPts val="0"/>
+              </a:spcBef>
+              <a:spcAft>
+                <a:spcPts val="0"/>
+              </a:spcAft>
+              <a:buClr>
+                <a:srgbClr val="000000"/>
+              </a:buClr>
               <a:buSzPts val="1100"/>
+              <a:buFont typeface="Arial"/>
               <a:buChar char="○"/>
-              <a:defRPr sz="1100"/>
+              <a:defRPr b="0" i="0" sz="1100" u="none" cap="none" strike="noStrike">
+                <a:solidFill>
+                  <a:srgbClr val="000000"/>
+                </a:solidFill>
+                <a:latin typeface="Arial"/>
+                <a:ea typeface="Arial"/>
+                <a:cs typeface="Arial"/>
+                <a:sym typeface="Arial"/>
+              </a:defRPr>
             </a:lvl2pPr>
-            <a:lvl3pPr indent="-298450" lvl="2" marL="1371600">
-              <a:spcBef>
-                <a:spcPts val="0"/>
-              </a:spcBef>
-              <a:spcAft>
-                <a:spcPts val="0"/>
-              </a:spcAft>
+            <a:lvl3pPr indent="-298450" lvl="2" marL="1371600" marR="0" rtl="0" algn="l">
+              <a:lnSpc>
+                <a:spcPct val="100000"/>
+              </a:lnSpc>
+              <a:spcBef>
+                <a:spcPts val="0"/>
+              </a:spcBef>
+              <a:spcAft>
+                <a:spcPts val="0"/>
+              </a:spcAft>
+              <a:buClr>
+                <a:srgbClr val="000000"/>
+              </a:buClr>
               <a:buSzPts val="1100"/>
+              <a:buFont typeface="Arial"/>
               <a:buChar char="■"/>
-              <a:defRPr sz="1100"/>
+              <a:defRPr b="0" i="0" sz="1100" u="none" cap="none" strike="noStrike">
+                <a:solidFill>
+                  <a:srgbClr val="000000"/>
+                </a:solidFill>
+                <a:latin typeface="Arial"/>
+                <a:ea typeface="Arial"/>
+                <a:cs typeface="Arial"/>
+                <a:sym typeface="Arial"/>
+              </a:defRPr>
             </a:lvl3pPr>
-            <a:lvl4pPr indent="-298450" lvl="3" marL="1828800">
-              <a:spcBef>
-                <a:spcPts val="0"/>
-              </a:spcBef>
-              <a:spcAft>
-                <a:spcPts val="0"/>
-              </a:spcAft>
+            <a:lvl4pPr indent="-298450" lvl="3" marL="1828800" marR="0" rtl="0" algn="l">
+              <a:lnSpc>
+                <a:spcPct val="100000"/>
+              </a:lnSpc>
+              <a:spcBef>
+                <a:spcPts val="0"/>
+              </a:spcBef>
+              <a:spcAft>
+                <a:spcPts val="0"/>
+              </a:spcAft>
+              <a:buClr>
+                <a:srgbClr val="000000"/>
+              </a:buClr>
               <a:buSzPts val="1100"/>
+              <a:buFont typeface="Arial"/>
               <a:buChar char="●"/>
-              <a:defRPr sz="1100"/>
+              <a:defRPr b="0" i="0" sz="1100" u="none" cap="none" strike="noStrike">
+                <a:solidFill>
+                  <a:srgbClr val="000000"/>
+                </a:solidFill>
+                <a:latin typeface="Arial"/>
+                <a:ea typeface="Arial"/>
+                <a:cs typeface="Arial"/>
+                <a:sym typeface="Arial"/>
+              </a:defRPr>
             </a:lvl4pPr>
-            <a:lvl5pPr indent="-298450" lvl="4" marL="2286000">
-              <a:spcBef>
-                <a:spcPts val="0"/>
-              </a:spcBef>
-              <a:spcAft>
-                <a:spcPts val="0"/>
-              </a:spcAft>
+            <a:lvl5pPr indent="-298450" lvl="4" marL="2286000" marR="0" rtl="0" algn="l">
+              <a:lnSpc>
+                <a:spcPct val="100000"/>
+              </a:lnSpc>
+              <a:spcBef>
+                <a:spcPts val="0"/>
+              </a:spcBef>
+              <a:spcAft>
+                <a:spcPts val="0"/>
+              </a:spcAft>
+              <a:buClr>
+                <a:srgbClr val="000000"/>
+              </a:buClr>
               <a:buSzPts val="1100"/>
+              <a:buFont typeface="Arial"/>
               <a:buChar char="○"/>
-              <a:defRPr sz="1100"/>
+              <a:defRPr b="0" i="0" sz="1100" u="none" cap="none" strike="noStrike">
+                <a:solidFill>
+                  <a:srgbClr val="000000"/>
+                </a:solidFill>
+                <a:latin typeface="Arial"/>
+                <a:ea typeface="Arial"/>
+                <a:cs typeface="Arial"/>
+                <a:sym typeface="Arial"/>
+              </a:defRPr>
             </a:lvl5pPr>
-            <a:lvl6pPr indent="-298450" lvl="5" marL="2743200">
-              <a:spcBef>
-                <a:spcPts val="0"/>
-              </a:spcBef>
-              <a:spcAft>
-                <a:spcPts val="0"/>
-              </a:spcAft>
+            <a:lvl6pPr indent="-298450" lvl="5" marL="2743200" marR="0" rtl="0" algn="l">
+              <a:lnSpc>
+                <a:spcPct val="100000"/>
+              </a:lnSpc>
+              <a:spcBef>
+                <a:spcPts val="0"/>
+              </a:spcBef>
+              <a:spcAft>
+                <a:spcPts val="0"/>
+              </a:spcAft>
+              <a:buClr>
+                <a:srgbClr val="000000"/>
+              </a:buClr>
               <a:buSzPts val="1100"/>
+              <a:buFont typeface="Arial"/>
               <a:buChar char="■"/>
-              <a:defRPr sz="1100"/>
+              <a:defRPr b="0" i="0" sz="1100" u="none" cap="none" strike="noStrike">
+                <a:solidFill>
+                  <a:srgbClr val="000000"/>
+                </a:solidFill>
+                <a:latin typeface="Arial"/>
+                <a:ea typeface="Arial"/>
+                <a:cs typeface="Arial"/>
+                <a:sym typeface="Arial"/>
+              </a:defRPr>
             </a:lvl6pPr>
-            <a:lvl7pPr indent="-298450" lvl="6" marL="3200400">
-              <a:spcBef>
-                <a:spcPts val="0"/>
-              </a:spcBef>
-              <a:spcAft>
-                <a:spcPts val="0"/>
-              </a:spcAft>
+            <a:lvl7pPr indent="-298450" lvl="6" marL="3200400" marR="0" rtl="0" algn="l">
+              <a:lnSpc>
+                <a:spcPct val="100000"/>
+              </a:lnSpc>
+              <a:spcBef>
+                <a:spcPts val="0"/>
+              </a:spcBef>
+              <a:spcAft>
+                <a:spcPts val="0"/>
+              </a:spcAft>
+              <a:buClr>
+                <a:srgbClr val="000000"/>
+              </a:buClr>
               <a:buSzPts val="1100"/>
+              <a:buFont typeface="Arial"/>
               <a:buChar char="●"/>
-              <a:defRPr sz="1100"/>
+              <a:defRPr b="0" i="0" sz="1100" u="none" cap="none" strike="noStrike">
+                <a:solidFill>
+                  <a:srgbClr val="000000"/>
+                </a:solidFill>
+                <a:latin typeface="Arial"/>
+                <a:ea typeface="Arial"/>
+                <a:cs typeface="Arial"/>
+                <a:sym typeface="Arial"/>
+              </a:defRPr>
             </a:lvl7pPr>
-            <a:lvl8pPr indent="-298450" lvl="7" marL="3657600">
-              <a:spcBef>
-                <a:spcPts val="0"/>
-              </a:spcBef>
-              <a:spcAft>
-                <a:spcPts val="0"/>
-              </a:spcAft>
+            <a:lvl8pPr indent="-298450" lvl="7" marL="3657600" marR="0" rtl="0" algn="l">
+              <a:lnSpc>
+                <a:spcPct val="100000"/>
+              </a:lnSpc>
+              <a:spcBef>
+                <a:spcPts val="0"/>
+              </a:spcBef>
+              <a:spcAft>
+                <a:spcPts val="0"/>
+              </a:spcAft>
+              <a:buClr>
+                <a:srgbClr val="000000"/>
+              </a:buClr>
               <a:buSzPts val="1100"/>
+              <a:buFont typeface="Arial"/>
               <a:buChar char="○"/>
-              <a:defRPr sz="1100"/>
+              <a:defRPr b="0" i="0" sz="1100" u="none" cap="none" strike="noStrike">
+                <a:solidFill>
+                  <a:srgbClr val="000000"/>
+                </a:solidFill>
+                <a:latin typeface="Arial"/>
+                <a:ea typeface="Arial"/>
+                <a:cs typeface="Arial"/>
+                <a:sym typeface="Arial"/>
+              </a:defRPr>
             </a:lvl8pPr>
-            <a:lvl9pPr indent="-298450" lvl="8" marL="4114800">
-              <a:spcBef>
-                <a:spcPts val="0"/>
-              </a:spcBef>
-              <a:spcAft>
-                <a:spcPts val="0"/>
-              </a:spcAft>
+            <a:lvl9pPr indent="-298450" lvl="8" marL="4114800" marR="0" rtl="0" algn="l">
+              <a:lnSpc>
+                <a:spcPct val="100000"/>
+              </a:lnSpc>
+              <a:spcBef>
+                <a:spcPts val="0"/>
+              </a:spcBef>
+              <a:spcAft>
+                <a:spcPts val="0"/>
+              </a:spcAft>
+              <a:buClr>
+                <a:srgbClr val="000000"/>
+              </a:buClr>
               <a:buSzPts val="1100"/>
+              <a:buFont typeface="Arial"/>
               <a:buChar char="■"/>
-              <a:defRPr sz="1100"/>
+              <a:defRPr b="0" i="0" sz="1100" u="none" cap="none" strike="noStrike">
+                <a:solidFill>
+                  <a:srgbClr val="000000"/>
+                </a:solidFill>
+                <a:latin typeface="Arial"/>
+                <a:ea typeface="Arial"/>
+                <a:cs typeface="Arial"/>
+                <a:sym typeface="Arial"/>
+              </a:defRPr>
             </a:lvl9pPr>
           </a:lstStyle>
           <a:p/>
@@ -712,7 +850,7 @@
       </p:grpSpPr>
       <p:sp>
         <p:nvSpPr>
-          <p:cNvPr id="51" name="Google Shape;51;p:notes"/>
+          <p:cNvPr id="51" name="Google Shape;51;p1:notes"/>
           <p:cNvSpPr/>
           <p:nvPr>
             <p:ph idx="2" type="sldImg"/>
@@ -743,11 +881,21 @@
               </a:path>
             </a:pathLst>
           </a:custGeom>
+          <a:noFill/>
+          <a:ln cap="flat" cmpd="sng" w="9525">
+            <a:solidFill>
+              <a:srgbClr val="000000"/>
+            </a:solidFill>
+            <a:prstDash val="solid"/>
+            <a:round/>
+            <a:headEnd len="sm" w="sm" type="none"/>
+            <a:tailEnd len="sm" w="sm" type="none"/>
+          </a:ln>
         </p:spPr>
       </p:sp>
       <p:sp>
         <p:nvSpPr>
-          <p:cNvPr id="52" name="Google Shape;52;p:notes"/>
+          <p:cNvPr id="52" name="Google Shape;52;p1:notes"/>
           <p:cNvSpPr txBox="1"/>
           <p:nvPr>
             <p:ph idx="1" type="body"/>
@@ -761,6 +909,10 @@
           <a:prstGeom prst="rect">
             <a:avLst/>
           </a:prstGeom>
+          <a:noFill/>
+          <a:ln>
+            <a:noFill/>
+          </a:ln>
         </p:spPr>
         <p:txBody>
           <a:bodyPr anchorCtr="0" anchor="t" bIns="91425" lIns="91425" spcFirstLastPara="1" rIns="91425" wrap="square" tIns="91425">
@@ -769,12 +921,16 @@
           <a:lstStyle/>
           <a:p>
             <a:pPr indent="0" lvl="0" marL="0" rtl="0" algn="l">
-              <a:spcBef>
-                <a:spcPts val="0"/>
-              </a:spcBef>
-              <a:spcAft>
-                <a:spcPts val="0"/>
-              </a:spcAft>
+              <a:lnSpc>
+                <a:spcPct val="100000"/>
+              </a:lnSpc>
+              <a:spcBef>
+                <a:spcPts val="0"/>
+              </a:spcBef>
+              <a:spcAft>
+                <a:spcPts val="0"/>
+              </a:spcAft>
+              <a:buSzPts val="1100"/>
               <a:buNone/>
             </a:pPr>
             <a:r>
@@ -811,7 +967,7 @@
       </p:grpSpPr>
       <p:sp>
         <p:nvSpPr>
-          <p:cNvPr id="59" name="Google Shape;59;g20565127d90_0_2:notes"/>
+          <p:cNvPr id="59" name="Google Shape;59;p2:notes"/>
           <p:cNvSpPr/>
           <p:nvPr>
             <p:ph idx="2" type="sldImg"/>
@@ -842,11 +998,21 @@
               </a:path>
             </a:pathLst>
           </a:custGeom>
+          <a:noFill/>
+          <a:ln cap="flat" cmpd="sng" w="9525">
+            <a:solidFill>
+              <a:srgbClr val="000000"/>
+            </a:solidFill>
+            <a:prstDash val="solid"/>
+            <a:round/>
+            <a:headEnd len="sm" w="sm" type="none"/>
+            <a:tailEnd len="sm" w="sm" type="none"/>
+          </a:ln>
         </p:spPr>
       </p:sp>
       <p:sp>
         <p:nvSpPr>
-          <p:cNvPr id="60" name="Google Shape;60;g20565127d90_0_2:notes"/>
+          <p:cNvPr id="60" name="Google Shape;60;p2:notes"/>
           <p:cNvSpPr txBox="1"/>
           <p:nvPr>
             <p:ph idx="1" type="body"/>
@@ -860,6 +1026,10 @@
           <a:prstGeom prst="rect">
             <a:avLst/>
           </a:prstGeom>
+          <a:noFill/>
+          <a:ln>
+            <a:noFill/>
+          </a:ln>
         </p:spPr>
         <p:txBody>
           <a:bodyPr anchorCtr="0" anchor="t" bIns="91425" lIns="91425" spcFirstLastPara="1" rIns="91425" wrap="square" tIns="91425">
@@ -868,12 +1038,16 @@
           <a:lstStyle/>
           <a:p>
             <a:pPr indent="0" lvl="0" marL="0" rtl="0" algn="l">
-              <a:spcBef>
-                <a:spcPts val="0"/>
-              </a:spcBef>
-              <a:spcAft>
-                <a:spcPts val="0"/>
-              </a:spcAft>
+              <a:lnSpc>
+                <a:spcPct val="100000"/>
+              </a:lnSpc>
+              <a:spcBef>
+                <a:spcPts val="0"/>
+              </a:spcBef>
+              <a:spcAft>
+                <a:spcPts val="0"/>
+              </a:spcAft>
+              <a:buSzPts val="1100"/>
               <a:buNone/>
             </a:pPr>
             <a:r>
@@ -910,7 +1084,7 @@
       </p:grpSpPr>
       <p:sp>
         <p:nvSpPr>
-          <p:cNvPr id="69" name="Google Shape;69;g20565127d90_0_9:notes"/>
+          <p:cNvPr id="69" name="Google Shape;69;p3:notes"/>
           <p:cNvSpPr/>
           <p:nvPr>
             <p:ph idx="2" type="sldImg"/>
@@ -941,11 +1115,21 @@
               </a:path>
             </a:pathLst>
           </a:custGeom>
+          <a:noFill/>
+          <a:ln cap="flat" cmpd="sng" w="9525">
+            <a:solidFill>
+              <a:srgbClr val="000000"/>
+            </a:solidFill>
+            <a:prstDash val="solid"/>
+            <a:round/>
+            <a:headEnd len="sm" w="sm" type="none"/>
+            <a:tailEnd len="sm" w="sm" type="none"/>
+          </a:ln>
         </p:spPr>
       </p:sp>
       <p:sp>
         <p:nvSpPr>
-          <p:cNvPr id="70" name="Google Shape;70;g20565127d90_0_9:notes"/>
+          <p:cNvPr id="70" name="Google Shape;70;p3:notes"/>
           <p:cNvSpPr txBox="1"/>
           <p:nvPr>
             <p:ph idx="1" type="body"/>
@@ -959,6 +1143,10 @@
           <a:prstGeom prst="rect">
             <a:avLst/>
           </a:prstGeom>
+          <a:noFill/>
+          <a:ln>
+            <a:noFill/>
+          </a:ln>
         </p:spPr>
         <p:txBody>
           <a:bodyPr anchorCtr="0" anchor="t" bIns="91425" lIns="91425" spcFirstLastPara="1" rIns="91425" wrap="square" tIns="91425">
@@ -967,12 +1155,16 @@
           <a:lstStyle/>
           <a:p>
             <a:pPr indent="0" lvl="0" marL="0" rtl="0" algn="l">
-              <a:spcBef>
-                <a:spcPts val="0"/>
-              </a:spcBef>
-              <a:spcAft>
-                <a:spcPts val="0"/>
-              </a:spcAft>
+              <a:lnSpc>
+                <a:spcPct val="100000"/>
+              </a:lnSpc>
+              <a:spcBef>
+                <a:spcPts val="0"/>
+              </a:spcBef>
+              <a:spcAft>
+                <a:spcPts val="0"/>
+              </a:spcAft>
+              <a:buSzPts val="1100"/>
               <a:buNone/>
             </a:pPr>
             <a:r>
@@ -1009,7 +1201,7 @@
       </p:grpSpPr>
       <p:sp>
         <p:nvSpPr>
-          <p:cNvPr id="79" name="Google Shape;79;g20565127d90_0_19:notes"/>
+          <p:cNvPr id="79" name="Google Shape;79;p4:notes"/>
           <p:cNvSpPr/>
           <p:nvPr>
             <p:ph idx="2" type="sldImg"/>
@@ -1040,11 +1232,21 @@
               </a:path>
             </a:pathLst>
           </a:custGeom>
+          <a:noFill/>
+          <a:ln cap="flat" cmpd="sng" w="9525">
+            <a:solidFill>
+              <a:srgbClr val="000000"/>
+            </a:solidFill>
+            <a:prstDash val="solid"/>
+            <a:round/>
+            <a:headEnd len="sm" w="sm" type="none"/>
+            <a:tailEnd len="sm" w="sm" type="none"/>
+          </a:ln>
         </p:spPr>
       </p:sp>
       <p:sp>
         <p:nvSpPr>
-          <p:cNvPr id="80" name="Google Shape;80;g20565127d90_0_19:notes"/>
+          <p:cNvPr id="80" name="Google Shape;80;p4:notes"/>
           <p:cNvSpPr txBox="1"/>
           <p:nvPr>
             <p:ph idx="1" type="body"/>
@@ -1058,6 +1260,10 @@
           <a:prstGeom prst="rect">
             <a:avLst/>
           </a:prstGeom>
+          <a:noFill/>
+          <a:ln>
+            <a:noFill/>
+          </a:ln>
         </p:spPr>
         <p:txBody>
           <a:bodyPr anchorCtr="0" anchor="t" bIns="91425" lIns="91425" spcFirstLastPara="1" rIns="91425" wrap="square" tIns="91425">
@@ -1066,12 +1272,16 @@
           <a:lstStyle/>
           <a:p>
             <a:pPr indent="0" lvl="0" marL="0" rtl="0" algn="l">
-              <a:spcBef>
-                <a:spcPts val="0"/>
-              </a:spcBef>
-              <a:spcAft>
-                <a:spcPts val="0"/>
-              </a:spcAft>
+              <a:lnSpc>
+                <a:spcPct val="100000"/>
+              </a:lnSpc>
+              <a:spcBef>
+                <a:spcPts val="0"/>
+              </a:spcBef>
+              <a:spcAft>
+                <a:spcPts val="0"/>
+              </a:spcAft>
+              <a:buSzPts val="1100"/>
               <a:buNone/>
             </a:pPr>
             <a:r>
@@ -1108,7 +1318,7 @@
       </p:grpSpPr>
       <p:sp>
         <p:nvSpPr>
-          <p:cNvPr id="85" name="Google Shape;85;g20565127d90_0_32:notes"/>
+          <p:cNvPr id="85" name="Google Shape;85;p5:notes"/>
           <p:cNvSpPr/>
           <p:nvPr>
             <p:ph idx="2" type="sldImg"/>
@@ -1139,11 +1349,21 @@
               </a:path>
             </a:pathLst>
           </a:custGeom>
+          <a:noFill/>
+          <a:ln cap="flat" cmpd="sng" w="9525">
+            <a:solidFill>
+              <a:srgbClr val="000000"/>
+            </a:solidFill>
+            <a:prstDash val="solid"/>
+            <a:round/>
+            <a:headEnd len="sm" w="sm" type="none"/>
+            <a:tailEnd len="sm" w="sm" type="none"/>
+          </a:ln>
         </p:spPr>
       </p:sp>
       <p:sp>
         <p:nvSpPr>
-          <p:cNvPr id="86" name="Google Shape;86;g20565127d90_0_32:notes"/>
+          <p:cNvPr id="86" name="Google Shape;86;p5:notes"/>
           <p:cNvSpPr txBox="1"/>
           <p:nvPr>
             <p:ph idx="1" type="body"/>
@@ -1157,6 +1377,10 @@
           <a:prstGeom prst="rect">
             <a:avLst/>
           </a:prstGeom>
+          <a:noFill/>
+          <a:ln>
+            <a:noFill/>
+          </a:ln>
         </p:spPr>
         <p:txBody>
           <a:bodyPr anchorCtr="0" anchor="t" bIns="91425" lIns="91425" spcFirstLastPara="1" rIns="91425" wrap="square" tIns="91425">
@@ -1165,12 +1389,16 @@
           <a:lstStyle/>
           <a:p>
             <a:pPr indent="0" lvl="0" marL="0" rtl="0" algn="l">
-              <a:spcBef>
-                <a:spcPts val="0"/>
-              </a:spcBef>
-              <a:spcAft>
-                <a:spcPts val="0"/>
-              </a:spcAft>
+              <a:lnSpc>
+                <a:spcPct val="100000"/>
+              </a:lnSpc>
+              <a:spcBef>
+                <a:spcPts val="0"/>
+              </a:spcBef>
+              <a:spcAft>
+                <a:spcPts val="0"/>
+              </a:spcAft>
+              <a:buSzPts val="1100"/>
               <a:buNone/>
             </a:pPr>
             <a:r>
@@ -1207,7 +1435,7 @@
       </p:grpSpPr>
       <p:sp>
         <p:nvSpPr>
-          <p:cNvPr id="91" name="Google Shape;91;g20565127d90_0_37:notes"/>
+          <p:cNvPr id="91" name="Google Shape;91;p6:notes"/>
           <p:cNvSpPr/>
           <p:nvPr>
             <p:ph idx="2" type="sldImg"/>
@@ -1238,11 +1466,21 @@
               </a:path>
             </a:pathLst>
           </a:custGeom>
+          <a:noFill/>
+          <a:ln cap="flat" cmpd="sng" w="9525">
+            <a:solidFill>
+              <a:srgbClr val="000000"/>
+            </a:solidFill>
+            <a:prstDash val="solid"/>
+            <a:round/>
+            <a:headEnd len="sm" w="sm" type="none"/>
+            <a:tailEnd len="sm" w="sm" type="none"/>
+          </a:ln>
         </p:spPr>
       </p:sp>
       <p:sp>
         <p:nvSpPr>
-          <p:cNvPr id="92" name="Google Shape;92;g20565127d90_0_37:notes"/>
+          <p:cNvPr id="92" name="Google Shape;92;p6:notes"/>
           <p:cNvSpPr txBox="1"/>
           <p:nvPr>
             <p:ph idx="1" type="body"/>
@@ -1256,6 +1494,10 @@
           <a:prstGeom prst="rect">
             <a:avLst/>
           </a:prstGeom>
+          <a:noFill/>
+          <a:ln>
+            <a:noFill/>
+          </a:ln>
         </p:spPr>
         <p:txBody>
           <a:bodyPr anchorCtr="0" anchor="t" bIns="91425" lIns="91425" spcFirstLastPara="1" rIns="91425" wrap="square" tIns="91425">
@@ -1264,12 +1506,16 @@
           <a:lstStyle/>
           <a:p>
             <a:pPr indent="0" lvl="0" marL="0" rtl="0" algn="l">
-              <a:spcBef>
-                <a:spcPts val="0"/>
-              </a:spcBef>
-              <a:spcAft>
-                <a:spcPts val="0"/>
-              </a:spcAft>
+              <a:lnSpc>
+                <a:spcPct val="100000"/>
+              </a:lnSpc>
+              <a:spcBef>
+                <a:spcPts val="0"/>
+              </a:spcBef>
+              <a:spcAft>
+                <a:spcPts val="0"/>
+              </a:spcAft>
+              <a:buSzPts val="1100"/>
               <a:buNone/>
             </a:pPr>
             <a:r>
@@ -1306,7 +1552,7 @@
       </p:grpSpPr>
       <p:sp>
         <p:nvSpPr>
-          <p:cNvPr id="97" name="Google Shape;97;g20565127d90_0_47:notes"/>
+          <p:cNvPr id="97" name="Google Shape;97;p7:notes"/>
           <p:cNvSpPr/>
           <p:nvPr>
             <p:ph idx="2" type="sldImg"/>
@@ -1337,11 +1583,21 @@
               </a:path>
             </a:pathLst>
           </a:custGeom>
+          <a:noFill/>
+          <a:ln cap="flat" cmpd="sng" w="9525">
+            <a:solidFill>
+              <a:srgbClr val="000000"/>
+            </a:solidFill>
+            <a:prstDash val="solid"/>
+            <a:round/>
+            <a:headEnd len="sm" w="sm" type="none"/>
+            <a:tailEnd len="sm" w="sm" type="none"/>
+          </a:ln>
         </p:spPr>
       </p:sp>
       <p:sp>
         <p:nvSpPr>
-          <p:cNvPr id="98" name="Google Shape;98;g20565127d90_0_47:notes"/>
+          <p:cNvPr id="98" name="Google Shape;98;p7:notes"/>
           <p:cNvSpPr txBox="1"/>
           <p:nvPr>
             <p:ph idx="1" type="body"/>
@@ -1355,6 +1611,10 @@
           <a:prstGeom prst="rect">
             <a:avLst/>
           </a:prstGeom>
+          <a:noFill/>
+          <a:ln>
+            <a:noFill/>
+          </a:ln>
         </p:spPr>
         <p:txBody>
           <a:bodyPr anchorCtr="0" anchor="t" bIns="91425" lIns="91425" spcFirstLastPara="1" rIns="91425" wrap="square" tIns="91425">
@@ -1363,12 +1623,16 @@
           <a:lstStyle/>
           <a:p>
             <a:pPr indent="0" lvl="0" marL="0" rtl="0" algn="l">
-              <a:spcBef>
-                <a:spcPts val="0"/>
-              </a:spcBef>
-              <a:spcAft>
-                <a:spcPts val="0"/>
-              </a:spcAft>
+              <a:lnSpc>
+                <a:spcPct val="100000"/>
+              </a:lnSpc>
+              <a:spcBef>
+                <a:spcPts val="0"/>
+              </a:spcBef>
+              <a:spcAft>
+                <a:spcPts val="0"/>
+              </a:spcAft>
+              <a:buSzPts val="1100"/>
               <a:buNone/>
             </a:pPr>
             <a:r>
@@ -1405,7 +1669,7 @@
       </p:grpSpPr>
       <p:sp>
         <p:nvSpPr>
-          <p:cNvPr id="103" name="Google Shape;103;g20565127d90_0_52:notes"/>
+          <p:cNvPr id="103" name="Google Shape;103;p8:notes"/>
           <p:cNvSpPr/>
           <p:nvPr>
             <p:ph idx="2" type="sldImg"/>
@@ -1436,11 +1700,21 @@
               </a:path>
             </a:pathLst>
           </a:custGeom>
+          <a:noFill/>
+          <a:ln cap="flat" cmpd="sng" w="9525">
+            <a:solidFill>
+              <a:srgbClr val="000000"/>
+            </a:solidFill>
+            <a:prstDash val="solid"/>
+            <a:round/>
+            <a:headEnd len="sm" w="sm" type="none"/>
+            <a:tailEnd len="sm" w="sm" type="none"/>
+          </a:ln>
         </p:spPr>
       </p:sp>
       <p:sp>
         <p:nvSpPr>
-          <p:cNvPr id="104" name="Google Shape;104;g20565127d90_0_52:notes"/>
+          <p:cNvPr id="104" name="Google Shape;104;p8:notes"/>
           <p:cNvSpPr txBox="1"/>
           <p:nvPr>
             <p:ph idx="1" type="body"/>
@@ -1454,6 +1728,10 @@
           <a:prstGeom prst="rect">
             <a:avLst/>
           </a:prstGeom>
+          <a:noFill/>
+          <a:ln>
+            <a:noFill/>
+          </a:ln>
         </p:spPr>
         <p:txBody>
           <a:bodyPr anchorCtr="0" anchor="t" bIns="91425" lIns="91425" spcFirstLastPara="1" rIns="91425" wrap="square" tIns="91425">
@@ -1462,12 +1740,16 @@
           <a:lstStyle/>
           <a:p>
             <a:pPr indent="0" lvl="0" marL="0" rtl="0" algn="l">
-              <a:spcBef>
-                <a:spcPts val="0"/>
-              </a:spcBef>
-              <a:spcAft>
-                <a:spcPts val="0"/>
-              </a:spcAft>
+              <a:lnSpc>
+                <a:spcPct val="100000"/>
+              </a:lnSpc>
+              <a:spcBef>
+                <a:spcPts val="0"/>
+              </a:spcBef>
+              <a:spcAft>
+                <a:spcPts val="0"/>
+              </a:spcAft>
+              <a:buSzPts val="1100"/>
               <a:buNone/>
             </a:pPr>
             <a:r>
@@ -1504,7 +1786,7 @@
       </p:grpSpPr>
       <p:sp>
         <p:nvSpPr>
-          <p:cNvPr id="10" name="Google Shape;10;p2"/>
+          <p:cNvPr id="10" name="Google Shape;10;p10"/>
           <p:cNvSpPr txBox="1"/>
           <p:nvPr>
             <p:ph type="ctrTitle"/>
@@ -1518,6 +1800,10 @@
           <a:prstGeom prst="rect">
             <a:avLst/>
           </a:prstGeom>
+          <a:noFill/>
+          <a:ln>
+            <a:noFill/>
+          </a:ln>
         </p:spPr>
         <p:txBody>
           <a:bodyPr anchorCtr="0" anchor="b" bIns="91425" lIns="91425" spcFirstLastPara="1" rIns="91425" wrap="square" tIns="91425">
@@ -1525,6 +1811,9 @@
           </a:bodyPr>
           <a:lstStyle>
             <a:lvl1pPr lvl="0" algn="ctr">
+              <a:lnSpc>
+                <a:spcPct val="100000"/>
+              </a:lnSpc>
               <a:spcBef>
                 <a:spcPts val="0"/>
               </a:spcBef>
@@ -1536,6 +1825,9 @@
               <a:defRPr sz="5200"/>
             </a:lvl1pPr>
             <a:lvl2pPr lvl="1" algn="ctr">
+              <a:lnSpc>
+                <a:spcPct val="100000"/>
+              </a:lnSpc>
               <a:spcBef>
                 <a:spcPts val="0"/>
               </a:spcBef>
@@ -1547,6 +1839,9 @@
               <a:defRPr sz="5200"/>
             </a:lvl2pPr>
             <a:lvl3pPr lvl="2" algn="ctr">
+              <a:lnSpc>
+                <a:spcPct val="100000"/>
+              </a:lnSpc>
               <a:spcBef>
                 <a:spcPts val="0"/>
               </a:spcBef>
@@ -1558,6 +1853,9 @@
               <a:defRPr sz="5200"/>
             </a:lvl3pPr>
             <a:lvl4pPr lvl="3" algn="ctr">
+              <a:lnSpc>
+                <a:spcPct val="100000"/>
+              </a:lnSpc>
               <a:spcBef>
                 <a:spcPts val="0"/>
               </a:spcBef>
@@ -1569,6 +1867,9 @@
               <a:defRPr sz="5200"/>
             </a:lvl4pPr>
             <a:lvl5pPr lvl="4" algn="ctr">
+              <a:lnSpc>
+                <a:spcPct val="100000"/>
+              </a:lnSpc>
               <a:spcBef>
                 <a:spcPts val="0"/>
               </a:spcBef>
@@ -1580,6 +1881,9 @@
               <a:defRPr sz="5200"/>
             </a:lvl5pPr>
             <a:lvl6pPr lvl="5" algn="ctr">
+              <a:lnSpc>
+                <a:spcPct val="100000"/>
+              </a:lnSpc>
               <a:spcBef>
                 <a:spcPts val="0"/>
               </a:spcBef>
@@ -1591,6 +1895,9 @@
               <a:defRPr sz="5200"/>
             </a:lvl6pPr>
             <a:lvl7pPr lvl="6" algn="ctr">
+              <a:lnSpc>
+                <a:spcPct val="100000"/>
+              </a:lnSpc>
               <a:spcBef>
                 <a:spcPts val="0"/>
               </a:spcBef>
@@ -1602,6 +1909,9 @@
               <a:defRPr sz="5200"/>
             </a:lvl7pPr>
             <a:lvl8pPr lvl="7" algn="ctr">
+              <a:lnSpc>
+                <a:spcPct val="100000"/>
+              </a:lnSpc>
               <a:spcBef>
                 <a:spcPts val="0"/>
               </a:spcBef>
@@ -1613,6 +1923,9 @@
               <a:defRPr sz="5200"/>
             </a:lvl8pPr>
             <a:lvl9pPr lvl="8" algn="ctr">
+              <a:lnSpc>
+                <a:spcPct val="100000"/>
+              </a:lnSpc>
               <a:spcBef>
                 <a:spcPts val="0"/>
               </a:spcBef>
@@ -1629,7 +1942,7 @@
       </p:sp>
       <p:sp>
         <p:nvSpPr>
-          <p:cNvPr id="11" name="Google Shape;11;p2"/>
+          <p:cNvPr id="11" name="Google Shape;11;p10"/>
           <p:cNvSpPr txBox="1"/>
           <p:nvPr>
             <p:ph idx="1" type="subTitle"/>
@@ -1643,6 +1956,10 @@
           <a:prstGeom prst="rect">
             <a:avLst/>
           </a:prstGeom>
+          <a:noFill/>
+          <a:ln>
+            <a:noFill/>
+          </a:ln>
         </p:spPr>
         <p:txBody>
           <a:bodyPr anchorCtr="0" anchor="t" bIns="91425" lIns="91425" spcFirstLastPara="1" rIns="91425" wrap="square" tIns="91425">
@@ -1781,7 +2098,7 @@
       </p:sp>
       <p:sp>
         <p:nvSpPr>
-          <p:cNvPr id="12" name="Google Shape;12;p2"/>
+          <p:cNvPr id="12" name="Google Shape;12;p10"/>
           <p:cNvSpPr txBox="1"/>
           <p:nvPr>
             <p:ph idx="12" type="sldNum"/>
@@ -1795,47 +2112,249 @@
           <a:prstGeom prst="rect">
             <a:avLst/>
           </a:prstGeom>
+          <a:noFill/>
+          <a:ln>
+            <a:noFill/>
+          </a:ln>
         </p:spPr>
         <p:txBody>
           <a:bodyPr anchorCtr="0" anchor="ctr" bIns="91425" lIns="91425" spcFirstLastPara="1" rIns="91425" wrap="square" tIns="91425">
             <a:normAutofit/>
           </a:bodyPr>
           <a:lstStyle>
-            <a:lvl1pPr lvl="0">
-              <a:buNone/>
-              <a:defRPr/>
+            <a:lvl1pPr indent="0" lvl="0" marL="0" marR="0" algn="r">
+              <a:lnSpc>
+                <a:spcPct val="100000"/>
+              </a:lnSpc>
+              <a:spcBef>
+                <a:spcPts val="0"/>
+              </a:spcBef>
+              <a:spcAft>
+                <a:spcPts val="0"/>
+              </a:spcAft>
+              <a:buClr>
+                <a:srgbClr val="000000"/>
+              </a:buClr>
+              <a:buSzPts val="1000"/>
+              <a:buFont typeface="Arial"/>
+              <a:buNone/>
+              <a:defRPr b="0" i="0" sz="1000" u="none" cap="none" strike="noStrike">
+                <a:solidFill>
+                  <a:schemeClr val="dk2"/>
+                </a:solidFill>
+                <a:latin typeface="Arial"/>
+                <a:ea typeface="Arial"/>
+                <a:cs typeface="Arial"/>
+                <a:sym typeface="Arial"/>
+              </a:defRPr>
             </a:lvl1pPr>
-            <a:lvl2pPr lvl="1">
-              <a:buNone/>
-              <a:defRPr/>
+            <a:lvl2pPr indent="0" lvl="1" marL="0" marR="0" algn="r">
+              <a:lnSpc>
+                <a:spcPct val="100000"/>
+              </a:lnSpc>
+              <a:spcBef>
+                <a:spcPts val="0"/>
+              </a:spcBef>
+              <a:spcAft>
+                <a:spcPts val="0"/>
+              </a:spcAft>
+              <a:buClr>
+                <a:srgbClr val="000000"/>
+              </a:buClr>
+              <a:buSzPts val="1000"/>
+              <a:buFont typeface="Arial"/>
+              <a:buNone/>
+              <a:defRPr b="0" i="0" sz="1000" u="none" cap="none" strike="noStrike">
+                <a:solidFill>
+                  <a:schemeClr val="dk2"/>
+                </a:solidFill>
+                <a:latin typeface="Arial"/>
+                <a:ea typeface="Arial"/>
+                <a:cs typeface="Arial"/>
+                <a:sym typeface="Arial"/>
+              </a:defRPr>
             </a:lvl2pPr>
-            <a:lvl3pPr lvl="2">
-              <a:buNone/>
-              <a:defRPr/>
+            <a:lvl3pPr indent="0" lvl="2" marL="0" marR="0" algn="r">
+              <a:lnSpc>
+                <a:spcPct val="100000"/>
+              </a:lnSpc>
+              <a:spcBef>
+                <a:spcPts val="0"/>
+              </a:spcBef>
+              <a:spcAft>
+                <a:spcPts val="0"/>
+              </a:spcAft>
+              <a:buClr>
+                <a:srgbClr val="000000"/>
+              </a:buClr>
+              <a:buSzPts val="1000"/>
+              <a:buFont typeface="Arial"/>
+              <a:buNone/>
+              <a:defRPr b="0" i="0" sz="1000" u="none" cap="none" strike="noStrike">
+                <a:solidFill>
+                  <a:schemeClr val="dk2"/>
+                </a:solidFill>
+                <a:latin typeface="Arial"/>
+                <a:ea typeface="Arial"/>
+                <a:cs typeface="Arial"/>
+                <a:sym typeface="Arial"/>
+              </a:defRPr>
             </a:lvl3pPr>
-            <a:lvl4pPr lvl="3">
-              <a:buNone/>
-              <a:defRPr/>
+            <a:lvl4pPr indent="0" lvl="3" marL="0" marR="0" algn="r">
+              <a:lnSpc>
+                <a:spcPct val="100000"/>
+              </a:lnSpc>
+              <a:spcBef>
+                <a:spcPts val="0"/>
+              </a:spcBef>
+              <a:spcAft>
+                <a:spcPts val="0"/>
+              </a:spcAft>
+              <a:buClr>
+                <a:srgbClr val="000000"/>
+              </a:buClr>
+              <a:buSzPts val="1000"/>
+              <a:buFont typeface="Arial"/>
+              <a:buNone/>
+              <a:defRPr b="0" i="0" sz="1000" u="none" cap="none" strike="noStrike">
+                <a:solidFill>
+                  <a:schemeClr val="dk2"/>
+                </a:solidFill>
+                <a:latin typeface="Arial"/>
+                <a:ea typeface="Arial"/>
+                <a:cs typeface="Arial"/>
+                <a:sym typeface="Arial"/>
+              </a:defRPr>
             </a:lvl4pPr>
-            <a:lvl5pPr lvl="4">
-              <a:buNone/>
-              <a:defRPr/>
+            <a:lvl5pPr indent="0" lvl="4" marL="0" marR="0" algn="r">
+              <a:lnSpc>
+                <a:spcPct val="100000"/>
+              </a:lnSpc>
+              <a:spcBef>
+                <a:spcPts val="0"/>
+              </a:spcBef>
+              <a:spcAft>
+                <a:spcPts val="0"/>
+              </a:spcAft>
+              <a:buClr>
+                <a:srgbClr val="000000"/>
+              </a:buClr>
+              <a:buSzPts val="1000"/>
+              <a:buFont typeface="Arial"/>
+              <a:buNone/>
+              <a:defRPr b="0" i="0" sz="1000" u="none" cap="none" strike="noStrike">
+                <a:solidFill>
+                  <a:schemeClr val="dk2"/>
+                </a:solidFill>
+                <a:latin typeface="Arial"/>
+                <a:ea typeface="Arial"/>
+                <a:cs typeface="Arial"/>
+                <a:sym typeface="Arial"/>
+              </a:defRPr>
             </a:lvl5pPr>
-            <a:lvl6pPr lvl="5">
-              <a:buNone/>
-              <a:defRPr/>
+            <a:lvl6pPr indent="0" lvl="5" marL="0" marR="0" algn="r">
+              <a:lnSpc>
+                <a:spcPct val="100000"/>
+              </a:lnSpc>
+              <a:spcBef>
+                <a:spcPts val="0"/>
+              </a:spcBef>
+              <a:spcAft>
+                <a:spcPts val="0"/>
+              </a:spcAft>
+              <a:buClr>
+                <a:srgbClr val="000000"/>
+              </a:buClr>
+              <a:buSzPts val="1000"/>
+              <a:buFont typeface="Arial"/>
+              <a:buNone/>
+              <a:defRPr b="0" i="0" sz="1000" u="none" cap="none" strike="noStrike">
+                <a:solidFill>
+                  <a:schemeClr val="dk2"/>
+                </a:solidFill>
+                <a:latin typeface="Arial"/>
+                <a:ea typeface="Arial"/>
+                <a:cs typeface="Arial"/>
+                <a:sym typeface="Arial"/>
+              </a:defRPr>
             </a:lvl6pPr>
-            <a:lvl7pPr lvl="6">
-              <a:buNone/>
-              <a:defRPr/>
+            <a:lvl7pPr indent="0" lvl="6" marL="0" marR="0" algn="r">
+              <a:lnSpc>
+                <a:spcPct val="100000"/>
+              </a:lnSpc>
+              <a:spcBef>
+                <a:spcPts val="0"/>
+              </a:spcBef>
+              <a:spcAft>
+                <a:spcPts val="0"/>
+              </a:spcAft>
+              <a:buClr>
+                <a:srgbClr val="000000"/>
+              </a:buClr>
+              <a:buSzPts val="1000"/>
+              <a:buFont typeface="Arial"/>
+              <a:buNone/>
+              <a:defRPr b="0" i="0" sz="1000" u="none" cap="none" strike="noStrike">
+                <a:solidFill>
+                  <a:schemeClr val="dk2"/>
+                </a:solidFill>
+                <a:latin typeface="Arial"/>
+                <a:ea typeface="Arial"/>
+                <a:cs typeface="Arial"/>
+                <a:sym typeface="Arial"/>
+              </a:defRPr>
             </a:lvl7pPr>
-            <a:lvl8pPr lvl="7">
-              <a:buNone/>
-              <a:defRPr/>
+            <a:lvl8pPr indent="0" lvl="7" marL="0" marR="0" algn="r">
+              <a:lnSpc>
+                <a:spcPct val="100000"/>
+              </a:lnSpc>
+              <a:spcBef>
+                <a:spcPts val="0"/>
+              </a:spcBef>
+              <a:spcAft>
+                <a:spcPts val="0"/>
+              </a:spcAft>
+              <a:buClr>
+                <a:srgbClr val="000000"/>
+              </a:buClr>
+              <a:buSzPts val="1000"/>
+              <a:buFont typeface="Arial"/>
+              <a:buNone/>
+              <a:defRPr b="0" i="0" sz="1000" u="none" cap="none" strike="noStrike">
+                <a:solidFill>
+                  <a:schemeClr val="dk2"/>
+                </a:solidFill>
+                <a:latin typeface="Arial"/>
+                <a:ea typeface="Arial"/>
+                <a:cs typeface="Arial"/>
+                <a:sym typeface="Arial"/>
+              </a:defRPr>
             </a:lvl8pPr>
-            <a:lvl9pPr lvl="8">
-              <a:buNone/>
-              <a:defRPr/>
+            <a:lvl9pPr indent="0" lvl="8" marL="0" marR="0" algn="r">
+              <a:lnSpc>
+                <a:spcPct val="100000"/>
+              </a:lnSpc>
+              <a:spcBef>
+                <a:spcPts val="0"/>
+              </a:spcBef>
+              <a:spcAft>
+                <a:spcPts val="0"/>
+              </a:spcAft>
+              <a:buClr>
+                <a:srgbClr val="000000"/>
+              </a:buClr>
+              <a:buSzPts val="1000"/>
+              <a:buFont typeface="Arial"/>
+              <a:buNone/>
+              <a:defRPr b="0" i="0" sz="1000" u="none" cap="none" strike="noStrike">
+                <a:solidFill>
+                  <a:schemeClr val="dk2"/>
+                </a:solidFill>
+                <a:latin typeface="Arial"/>
+                <a:ea typeface="Arial"/>
+                <a:cs typeface="Arial"/>
+                <a:sym typeface="Arial"/>
+              </a:defRPr>
             </a:lvl9pPr>
           </a:lstStyle>
           <a:p>
@@ -1865,11 +2384,11 @@
 </file>
 
 <file path=ppt/slideLayouts/slideLayout10.xml><?xml version="1.0" encoding="utf-8"?>
-<p:sldLayout xmlns:a="http://schemas.openxmlformats.org/drawingml/2006/main" xmlns:r="http://schemas.openxmlformats.org/officeDocument/2006/relationships" xmlns:mc="http://schemas.openxmlformats.org/markup-compatibility/2006" xmlns:mv="urn:schemas-microsoft-com:mac:vml" xmlns:p="http://schemas.openxmlformats.org/presentationml/2006/main" xmlns:c="http://schemas.openxmlformats.org/drawingml/2006/chart" xmlns:dgm="http://schemas.openxmlformats.org/drawingml/2006/diagram" xmlns:o="urn:schemas-microsoft-com:office:office" xmlns:v="urn:schemas-microsoft-com:vml" xmlns:pvml="urn:schemas-microsoft-com:office:powerpoint" xmlns:com="http://schemas.openxmlformats.org/drawingml/2006/compatibility" xmlns:p14="http://schemas.microsoft.com/office/powerpoint/2010/main" xmlns:p15="http://schemas.microsoft.com/office/powerpoint/2012/main" xmlns:ahyp="http://schemas.microsoft.com/office/drawing/2018/hyperlinkcolor" matchingName="Big number">
-  <p:cSld name="BIG_NUMBER">
+<p:sldLayout xmlns:a="http://schemas.openxmlformats.org/drawingml/2006/main" xmlns:r="http://schemas.openxmlformats.org/officeDocument/2006/relationships" xmlns:mc="http://schemas.openxmlformats.org/markup-compatibility/2006" xmlns:mv="urn:schemas-microsoft-com:mac:vml" xmlns:p="http://schemas.openxmlformats.org/presentationml/2006/main" xmlns:c="http://schemas.openxmlformats.org/drawingml/2006/chart" xmlns:dgm="http://schemas.openxmlformats.org/drawingml/2006/diagram" xmlns:o="urn:schemas-microsoft-com:office:office" xmlns:v="urn:schemas-microsoft-com:vml" xmlns:pvml="urn:schemas-microsoft-com:office:powerpoint" xmlns:com="http://schemas.openxmlformats.org/drawingml/2006/compatibility" xmlns:p14="http://schemas.microsoft.com/office/powerpoint/2010/main" xmlns:p15="http://schemas.microsoft.com/office/powerpoint/2012/main" xmlns:ahyp="http://schemas.microsoft.com/office/drawing/2018/hyperlinkcolor" matchingName="Caption">
+  <p:cSld name="CAPTION_ONLY">
     <p:spTree>
       <p:nvGrpSpPr>
-        <p:cNvPr id="44" name="Shape 44"/>
+        <p:cNvPr id="43" name="Shape 43"/>
         <p:cNvGrpSpPr/>
         <p:nvPr/>
       </p:nvGrpSpPr>
@@ -1883,136 +2402,7 @@
       </p:grpSpPr>
       <p:sp>
         <p:nvSpPr>
-          <p:cNvPr id="45" name="Google Shape;45;p11"/>
-          <p:cNvSpPr txBox="1"/>
-          <p:nvPr>
-            <p:ph hasCustomPrompt="1" type="title"/>
-          </p:nvPr>
-        </p:nvSpPr>
-        <p:spPr>
-          <a:xfrm>
-            <a:off x="311700" y="1106125"/>
-            <a:ext cx="8520600" cy="1963500"/>
-          </a:xfrm>
-          <a:prstGeom prst="rect">
-            <a:avLst/>
-          </a:prstGeom>
-        </p:spPr>
-        <p:txBody>
-          <a:bodyPr anchorCtr="0" anchor="b" bIns="91425" lIns="91425" spcFirstLastPara="1" rIns="91425" wrap="square" tIns="91425">
-            <a:normAutofit/>
-          </a:bodyPr>
-          <a:lstStyle>
-            <a:lvl1pPr lvl="0" algn="ctr">
-              <a:spcBef>
-                <a:spcPts val="0"/>
-              </a:spcBef>
-              <a:spcAft>
-                <a:spcPts val="0"/>
-              </a:spcAft>
-              <a:buSzPts val="12000"/>
-              <a:buNone/>
-              <a:defRPr sz="12000"/>
-            </a:lvl1pPr>
-            <a:lvl2pPr lvl="1" algn="ctr">
-              <a:spcBef>
-                <a:spcPts val="0"/>
-              </a:spcBef>
-              <a:spcAft>
-                <a:spcPts val="0"/>
-              </a:spcAft>
-              <a:buSzPts val="12000"/>
-              <a:buNone/>
-              <a:defRPr sz="12000"/>
-            </a:lvl2pPr>
-            <a:lvl3pPr lvl="2" algn="ctr">
-              <a:spcBef>
-                <a:spcPts val="0"/>
-              </a:spcBef>
-              <a:spcAft>
-                <a:spcPts val="0"/>
-              </a:spcAft>
-              <a:buSzPts val="12000"/>
-              <a:buNone/>
-              <a:defRPr sz="12000"/>
-            </a:lvl3pPr>
-            <a:lvl4pPr lvl="3" algn="ctr">
-              <a:spcBef>
-                <a:spcPts val="0"/>
-              </a:spcBef>
-              <a:spcAft>
-                <a:spcPts val="0"/>
-              </a:spcAft>
-              <a:buSzPts val="12000"/>
-              <a:buNone/>
-              <a:defRPr sz="12000"/>
-            </a:lvl4pPr>
-            <a:lvl5pPr lvl="4" algn="ctr">
-              <a:spcBef>
-                <a:spcPts val="0"/>
-              </a:spcBef>
-              <a:spcAft>
-                <a:spcPts val="0"/>
-              </a:spcAft>
-              <a:buSzPts val="12000"/>
-              <a:buNone/>
-              <a:defRPr sz="12000"/>
-            </a:lvl5pPr>
-            <a:lvl6pPr lvl="5" algn="ctr">
-              <a:spcBef>
-                <a:spcPts val="0"/>
-              </a:spcBef>
-              <a:spcAft>
-                <a:spcPts val="0"/>
-              </a:spcAft>
-              <a:buSzPts val="12000"/>
-              <a:buNone/>
-              <a:defRPr sz="12000"/>
-            </a:lvl6pPr>
-            <a:lvl7pPr lvl="6" algn="ctr">
-              <a:spcBef>
-                <a:spcPts val="0"/>
-              </a:spcBef>
-              <a:spcAft>
-                <a:spcPts val="0"/>
-              </a:spcAft>
-              <a:buSzPts val="12000"/>
-              <a:buNone/>
-              <a:defRPr sz="12000"/>
-            </a:lvl7pPr>
-            <a:lvl8pPr lvl="7" algn="ctr">
-              <a:spcBef>
-                <a:spcPts val="0"/>
-              </a:spcBef>
-              <a:spcAft>
-                <a:spcPts val="0"/>
-              </a:spcAft>
-              <a:buSzPts val="12000"/>
-              <a:buNone/>
-              <a:defRPr sz="12000"/>
-            </a:lvl8pPr>
-            <a:lvl9pPr lvl="8" algn="ctr">
-              <a:spcBef>
-                <a:spcPts val="0"/>
-              </a:spcBef>
-              <a:spcAft>
-                <a:spcPts val="0"/>
-              </a:spcAft>
-              <a:buSzPts val="12000"/>
-              <a:buNone/>
-              <a:defRPr sz="12000"/>
-            </a:lvl9pPr>
-          </a:lstStyle>
-          <a:p>
-            <a:r>
-              <a:t>xx%</a:t>
-            </a:r>
-          </a:p>
-        </p:txBody>
-      </p:sp>
-      <p:sp>
-        <p:nvSpPr>
-          <p:cNvPr id="46" name="Google Shape;46;p11"/>
+          <p:cNvPr id="44" name="Google Shape;44;p19"/>
           <p:cNvSpPr txBox="1"/>
           <p:nvPr>
             <p:ph idx="1" type="body"/>
@@ -2020,19 +2410,26 @@
         </p:nvSpPr>
         <p:spPr>
           <a:xfrm>
-            <a:off x="311700" y="3152225"/>
-            <a:ext cx="8520600" cy="1300800"/>
+            <a:off x="311700" y="4230575"/>
+            <a:ext cx="5998800" cy="605100"/>
           </a:xfrm>
           <a:prstGeom prst="rect">
             <a:avLst/>
           </a:prstGeom>
+          <a:noFill/>
+          <a:ln>
+            <a:noFill/>
+          </a:ln>
         </p:spPr>
         <p:txBody>
-          <a:bodyPr anchorCtr="0" anchor="t" bIns="91425" lIns="91425" spcFirstLastPara="1" rIns="91425" wrap="square" tIns="91425">
+          <a:bodyPr anchorCtr="0" anchor="ctr" bIns="91425" lIns="91425" spcFirstLastPara="1" rIns="91425" wrap="square" tIns="91425">
             <a:normAutofit/>
           </a:bodyPr>
           <a:lstStyle>
-            <a:lvl1pPr indent="-342900" lvl="0" marL="457200" algn="ctr">
+            <a:lvl1pPr indent="-228600" lvl="0" marL="457200" algn="l">
+              <a:lnSpc>
+                <a:spcPct val="100000"/>
+              </a:lnSpc>
               <a:spcBef>
                 <a:spcPts val="0"/>
               </a:spcBef>
@@ -2040,104 +2437,16 @@
                 <a:spcPts val="0"/>
               </a:spcAft>
               <a:buSzPts val="1800"/>
-              <a:buChar char="●"/>
+              <a:buNone/>
               <a:defRPr/>
             </a:lvl1pPr>
-            <a:lvl2pPr indent="-317500" lvl="1" marL="914400" algn="ctr">
-              <a:spcBef>
-                <a:spcPts val="0"/>
-              </a:spcBef>
-              <a:spcAft>
-                <a:spcPts val="0"/>
-              </a:spcAft>
-              <a:buSzPts val="1400"/>
-              <a:buChar char="○"/>
-              <a:defRPr/>
-            </a:lvl2pPr>
-            <a:lvl3pPr indent="-317500" lvl="2" marL="1371600" algn="ctr">
-              <a:spcBef>
-                <a:spcPts val="0"/>
-              </a:spcBef>
-              <a:spcAft>
-                <a:spcPts val="0"/>
-              </a:spcAft>
-              <a:buSzPts val="1400"/>
-              <a:buChar char="■"/>
-              <a:defRPr/>
-            </a:lvl3pPr>
-            <a:lvl4pPr indent="-317500" lvl="3" marL="1828800" algn="ctr">
-              <a:spcBef>
-                <a:spcPts val="0"/>
-              </a:spcBef>
-              <a:spcAft>
-                <a:spcPts val="0"/>
-              </a:spcAft>
-              <a:buSzPts val="1400"/>
-              <a:buChar char="●"/>
-              <a:defRPr/>
-            </a:lvl4pPr>
-            <a:lvl5pPr indent="-317500" lvl="4" marL="2286000" algn="ctr">
-              <a:spcBef>
-                <a:spcPts val="0"/>
-              </a:spcBef>
-              <a:spcAft>
-                <a:spcPts val="0"/>
-              </a:spcAft>
-              <a:buSzPts val="1400"/>
-              <a:buChar char="○"/>
-              <a:defRPr/>
-            </a:lvl5pPr>
-            <a:lvl6pPr indent="-317500" lvl="5" marL="2743200" algn="ctr">
-              <a:spcBef>
-                <a:spcPts val="0"/>
-              </a:spcBef>
-              <a:spcAft>
-                <a:spcPts val="0"/>
-              </a:spcAft>
-              <a:buSzPts val="1400"/>
-              <a:buChar char="■"/>
-              <a:defRPr/>
-            </a:lvl6pPr>
-            <a:lvl7pPr indent="-317500" lvl="6" marL="3200400" algn="ctr">
-              <a:spcBef>
-                <a:spcPts val="0"/>
-              </a:spcBef>
-              <a:spcAft>
-                <a:spcPts val="0"/>
-              </a:spcAft>
-              <a:buSzPts val="1400"/>
-              <a:buChar char="●"/>
-              <a:defRPr/>
-            </a:lvl7pPr>
-            <a:lvl8pPr indent="-317500" lvl="7" marL="3657600" algn="ctr">
-              <a:spcBef>
-                <a:spcPts val="0"/>
-              </a:spcBef>
-              <a:spcAft>
-                <a:spcPts val="0"/>
-              </a:spcAft>
-              <a:buSzPts val="1400"/>
-              <a:buChar char="○"/>
-              <a:defRPr/>
-            </a:lvl8pPr>
-            <a:lvl9pPr indent="-317500" lvl="8" marL="4114800" algn="ctr">
-              <a:spcBef>
-                <a:spcPts val="0"/>
-              </a:spcBef>
-              <a:spcAft>
-                <a:spcPts val="0"/>
-              </a:spcAft>
-              <a:buSzPts val="1400"/>
-              <a:buChar char="■"/>
-              <a:defRPr/>
-            </a:lvl9pPr>
           </a:lstStyle>
           <a:p/>
         </p:txBody>
       </p:sp>
       <p:sp>
         <p:nvSpPr>
-          <p:cNvPr id="47" name="Google Shape;47;p11"/>
+          <p:cNvPr id="45" name="Google Shape;45;p19"/>
           <p:cNvSpPr txBox="1"/>
           <p:nvPr>
             <p:ph idx="12" type="sldNum"/>
@@ -2151,47 +2460,249 @@
           <a:prstGeom prst="rect">
             <a:avLst/>
           </a:prstGeom>
+          <a:noFill/>
+          <a:ln>
+            <a:noFill/>
+          </a:ln>
         </p:spPr>
         <p:txBody>
           <a:bodyPr anchorCtr="0" anchor="ctr" bIns="91425" lIns="91425" spcFirstLastPara="1" rIns="91425" wrap="square" tIns="91425">
             <a:normAutofit/>
           </a:bodyPr>
           <a:lstStyle>
-            <a:lvl1pPr lvl="0">
-              <a:buNone/>
-              <a:defRPr/>
+            <a:lvl1pPr indent="0" lvl="0" marL="0" marR="0" algn="r">
+              <a:lnSpc>
+                <a:spcPct val="100000"/>
+              </a:lnSpc>
+              <a:spcBef>
+                <a:spcPts val="0"/>
+              </a:spcBef>
+              <a:spcAft>
+                <a:spcPts val="0"/>
+              </a:spcAft>
+              <a:buClr>
+                <a:srgbClr val="000000"/>
+              </a:buClr>
+              <a:buSzPts val="1000"/>
+              <a:buFont typeface="Arial"/>
+              <a:buNone/>
+              <a:defRPr b="0" i="0" sz="1000" u="none" cap="none" strike="noStrike">
+                <a:solidFill>
+                  <a:schemeClr val="dk2"/>
+                </a:solidFill>
+                <a:latin typeface="Arial"/>
+                <a:ea typeface="Arial"/>
+                <a:cs typeface="Arial"/>
+                <a:sym typeface="Arial"/>
+              </a:defRPr>
             </a:lvl1pPr>
-            <a:lvl2pPr lvl="1">
-              <a:buNone/>
-              <a:defRPr/>
+            <a:lvl2pPr indent="0" lvl="1" marL="0" marR="0" algn="r">
+              <a:lnSpc>
+                <a:spcPct val="100000"/>
+              </a:lnSpc>
+              <a:spcBef>
+                <a:spcPts val="0"/>
+              </a:spcBef>
+              <a:spcAft>
+                <a:spcPts val="0"/>
+              </a:spcAft>
+              <a:buClr>
+                <a:srgbClr val="000000"/>
+              </a:buClr>
+              <a:buSzPts val="1000"/>
+              <a:buFont typeface="Arial"/>
+              <a:buNone/>
+              <a:defRPr b="0" i="0" sz="1000" u="none" cap="none" strike="noStrike">
+                <a:solidFill>
+                  <a:schemeClr val="dk2"/>
+                </a:solidFill>
+                <a:latin typeface="Arial"/>
+                <a:ea typeface="Arial"/>
+                <a:cs typeface="Arial"/>
+                <a:sym typeface="Arial"/>
+              </a:defRPr>
             </a:lvl2pPr>
-            <a:lvl3pPr lvl="2">
-              <a:buNone/>
-              <a:defRPr/>
+            <a:lvl3pPr indent="0" lvl="2" marL="0" marR="0" algn="r">
+              <a:lnSpc>
+                <a:spcPct val="100000"/>
+              </a:lnSpc>
+              <a:spcBef>
+                <a:spcPts val="0"/>
+              </a:spcBef>
+              <a:spcAft>
+                <a:spcPts val="0"/>
+              </a:spcAft>
+              <a:buClr>
+                <a:srgbClr val="000000"/>
+              </a:buClr>
+              <a:buSzPts val="1000"/>
+              <a:buFont typeface="Arial"/>
+              <a:buNone/>
+              <a:defRPr b="0" i="0" sz="1000" u="none" cap="none" strike="noStrike">
+                <a:solidFill>
+                  <a:schemeClr val="dk2"/>
+                </a:solidFill>
+                <a:latin typeface="Arial"/>
+                <a:ea typeface="Arial"/>
+                <a:cs typeface="Arial"/>
+                <a:sym typeface="Arial"/>
+              </a:defRPr>
             </a:lvl3pPr>
-            <a:lvl4pPr lvl="3">
-              <a:buNone/>
-              <a:defRPr/>
+            <a:lvl4pPr indent="0" lvl="3" marL="0" marR="0" algn="r">
+              <a:lnSpc>
+                <a:spcPct val="100000"/>
+              </a:lnSpc>
+              <a:spcBef>
+                <a:spcPts val="0"/>
+              </a:spcBef>
+              <a:spcAft>
+                <a:spcPts val="0"/>
+              </a:spcAft>
+              <a:buClr>
+                <a:srgbClr val="000000"/>
+              </a:buClr>
+              <a:buSzPts val="1000"/>
+              <a:buFont typeface="Arial"/>
+              <a:buNone/>
+              <a:defRPr b="0" i="0" sz="1000" u="none" cap="none" strike="noStrike">
+                <a:solidFill>
+                  <a:schemeClr val="dk2"/>
+                </a:solidFill>
+                <a:latin typeface="Arial"/>
+                <a:ea typeface="Arial"/>
+                <a:cs typeface="Arial"/>
+                <a:sym typeface="Arial"/>
+              </a:defRPr>
             </a:lvl4pPr>
-            <a:lvl5pPr lvl="4">
-              <a:buNone/>
-              <a:defRPr/>
+            <a:lvl5pPr indent="0" lvl="4" marL="0" marR="0" algn="r">
+              <a:lnSpc>
+                <a:spcPct val="100000"/>
+              </a:lnSpc>
+              <a:spcBef>
+                <a:spcPts val="0"/>
+              </a:spcBef>
+              <a:spcAft>
+                <a:spcPts val="0"/>
+              </a:spcAft>
+              <a:buClr>
+                <a:srgbClr val="000000"/>
+              </a:buClr>
+              <a:buSzPts val="1000"/>
+              <a:buFont typeface="Arial"/>
+              <a:buNone/>
+              <a:defRPr b="0" i="0" sz="1000" u="none" cap="none" strike="noStrike">
+                <a:solidFill>
+                  <a:schemeClr val="dk2"/>
+                </a:solidFill>
+                <a:latin typeface="Arial"/>
+                <a:ea typeface="Arial"/>
+                <a:cs typeface="Arial"/>
+                <a:sym typeface="Arial"/>
+              </a:defRPr>
             </a:lvl5pPr>
-            <a:lvl6pPr lvl="5">
-              <a:buNone/>
-              <a:defRPr/>
+            <a:lvl6pPr indent="0" lvl="5" marL="0" marR="0" algn="r">
+              <a:lnSpc>
+                <a:spcPct val="100000"/>
+              </a:lnSpc>
+              <a:spcBef>
+                <a:spcPts val="0"/>
+              </a:spcBef>
+              <a:spcAft>
+                <a:spcPts val="0"/>
+              </a:spcAft>
+              <a:buClr>
+                <a:srgbClr val="000000"/>
+              </a:buClr>
+              <a:buSzPts val="1000"/>
+              <a:buFont typeface="Arial"/>
+              <a:buNone/>
+              <a:defRPr b="0" i="0" sz="1000" u="none" cap="none" strike="noStrike">
+                <a:solidFill>
+                  <a:schemeClr val="dk2"/>
+                </a:solidFill>
+                <a:latin typeface="Arial"/>
+                <a:ea typeface="Arial"/>
+                <a:cs typeface="Arial"/>
+                <a:sym typeface="Arial"/>
+              </a:defRPr>
             </a:lvl6pPr>
-            <a:lvl7pPr lvl="6">
-              <a:buNone/>
-              <a:defRPr/>
+            <a:lvl7pPr indent="0" lvl="6" marL="0" marR="0" algn="r">
+              <a:lnSpc>
+                <a:spcPct val="100000"/>
+              </a:lnSpc>
+              <a:spcBef>
+                <a:spcPts val="0"/>
+              </a:spcBef>
+              <a:spcAft>
+                <a:spcPts val="0"/>
+              </a:spcAft>
+              <a:buClr>
+                <a:srgbClr val="000000"/>
+              </a:buClr>
+              <a:buSzPts val="1000"/>
+              <a:buFont typeface="Arial"/>
+              <a:buNone/>
+              <a:defRPr b="0" i="0" sz="1000" u="none" cap="none" strike="noStrike">
+                <a:solidFill>
+                  <a:schemeClr val="dk2"/>
+                </a:solidFill>
+                <a:latin typeface="Arial"/>
+                <a:ea typeface="Arial"/>
+                <a:cs typeface="Arial"/>
+                <a:sym typeface="Arial"/>
+              </a:defRPr>
             </a:lvl7pPr>
-            <a:lvl8pPr lvl="7">
-              <a:buNone/>
-              <a:defRPr/>
+            <a:lvl8pPr indent="0" lvl="7" marL="0" marR="0" algn="r">
+              <a:lnSpc>
+                <a:spcPct val="100000"/>
+              </a:lnSpc>
+              <a:spcBef>
+                <a:spcPts val="0"/>
+              </a:spcBef>
+              <a:spcAft>
+                <a:spcPts val="0"/>
+              </a:spcAft>
+              <a:buClr>
+                <a:srgbClr val="000000"/>
+              </a:buClr>
+              <a:buSzPts val="1000"/>
+              <a:buFont typeface="Arial"/>
+              <a:buNone/>
+              <a:defRPr b="0" i="0" sz="1000" u="none" cap="none" strike="noStrike">
+                <a:solidFill>
+                  <a:schemeClr val="dk2"/>
+                </a:solidFill>
+                <a:latin typeface="Arial"/>
+                <a:ea typeface="Arial"/>
+                <a:cs typeface="Arial"/>
+                <a:sym typeface="Arial"/>
+              </a:defRPr>
             </a:lvl8pPr>
-            <a:lvl9pPr lvl="8">
-              <a:buNone/>
-              <a:defRPr/>
+            <a:lvl9pPr indent="0" lvl="8" marL="0" marR="0" algn="r">
+              <a:lnSpc>
+                <a:spcPct val="100000"/>
+              </a:lnSpc>
+              <a:spcBef>
+                <a:spcPts val="0"/>
+              </a:spcBef>
+              <a:spcAft>
+                <a:spcPts val="0"/>
+              </a:spcAft>
+              <a:buClr>
+                <a:srgbClr val="000000"/>
+              </a:buClr>
+              <a:buSzPts val="1000"/>
+              <a:buFont typeface="Arial"/>
+              <a:buNone/>
+              <a:defRPr b="0" i="0" sz="1000" u="none" cap="none" strike="noStrike">
+                <a:solidFill>
+                  <a:schemeClr val="dk2"/>
+                </a:solidFill>
+                <a:latin typeface="Arial"/>
+                <a:ea typeface="Arial"/>
+                <a:cs typeface="Arial"/>
+                <a:sym typeface="Arial"/>
+              </a:defRPr>
             </a:lvl9pPr>
           </a:lstStyle>
           <a:p>
@@ -2221,11 +2732,11 @@
 </file>
 
 <file path=ppt/slideLayouts/slideLayout11.xml><?xml version="1.0" encoding="utf-8"?>
-<p:sldLayout xmlns:a="http://schemas.openxmlformats.org/drawingml/2006/main" xmlns:r="http://schemas.openxmlformats.org/officeDocument/2006/relationships" xmlns:mc="http://schemas.openxmlformats.org/markup-compatibility/2006" xmlns:mv="urn:schemas-microsoft-com:mac:vml" xmlns:p="http://schemas.openxmlformats.org/presentationml/2006/main" xmlns:c="http://schemas.openxmlformats.org/drawingml/2006/chart" xmlns:dgm="http://schemas.openxmlformats.org/drawingml/2006/diagram" xmlns:o="urn:schemas-microsoft-com:office:office" xmlns:v="urn:schemas-microsoft-com:vml" xmlns:pvml="urn:schemas-microsoft-com:office:powerpoint" xmlns:com="http://schemas.openxmlformats.org/drawingml/2006/compatibility" xmlns:p14="http://schemas.microsoft.com/office/powerpoint/2010/main" xmlns:p15="http://schemas.microsoft.com/office/powerpoint/2012/main" xmlns:ahyp="http://schemas.microsoft.com/office/drawing/2018/hyperlinkcolor" matchingName="Blank" type="blank">
-  <p:cSld name="BLANK">
+<p:sldLayout xmlns:a="http://schemas.openxmlformats.org/drawingml/2006/main" xmlns:r="http://schemas.openxmlformats.org/officeDocument/2006/relationships" xmlns:mc="http://schemas.openxmlformats.org/markup-compatibility/2006" xmlns:mv="urn:schemas-microsoft-com:mac:vml" xmlns:p="http://schemas.openxmlformats.org/presentationml/2006/main" xmlns:c="http://schemas.openxmlformats.org/drawingml/2006/chart" xmlns:dgm="http://schemas.openxmlformats.org/drawingml/2006/diagram" xmlns:o="urn:schemas-microsoft-com:office:office" xmlns:v="urn:schemas-microsoft-com:vml" xmlns:pvml="urn:schemas-microsoft-com:office:powerpoint" xmlns:com="http://schemas.openxmlformats.org/drawingml/2006/compatibility" xmlns:p14="http://schemas.microsoft.com/office/powerpoint/2010/main" xmlns:p15="http://schemas.microsoft.com/office/powerpoint/2012/main" xmlns:ahyp="http://schemas.microsoft.com/office/drawing/2018/hyperlinkcolor" matchingName="Big number">
+  <p:cSld name="BIG_NUMBER">
     <p:spTree>
       <p:nvGrpSpPr>
-        <p:cNvPr id="48" name="Shape 48"/>
+        <p:cNvPr id="46" name="Shape 46"/>
         <p:cNvGrpSpPr/>
         <p:nvPr/>
       </p:nvGrpSpPr>
@@ -2239,7 +2750,323 @@
       </p:grpSpPr>
       <p:sp>
         <p:nvSpPr>
-          <p:cNvPr id="49" name="Google Shape;49;p12"/>
+          <p:cNvPr id="47" name="Google Shape;47;p20"/>
+          <p:cNvSpPr txBox="1"/>
+          <p:nvPr>
+            <p:ph hasCustomPrompt="1" type="title"/>
+          </p:nvPr>
+        </p:nvSpPr>
+        <p:spPr>
+          <a:xfrm>
+            <a:off x="311700" y="1106125"/>
+            <a:ext cx="8520600" cy="1963500"/>
+          </a:xfrm>
+          <a:prstGeom prst="rect">
+            <a:avLst/>
+          </a:prstGeom>
+          <a:noFill/>
+          <a:ln>
+            <a:noFill/>
+          </a:ln>
+        </p:spPr>
+        <p:txBody>
+          <a:bodyPr anchorCtr="0" anchor="b" bIns="91425" lIns="91425" spcFirstLastPara="1" rIns="91425" wrap="square" tIns="91425">
+            <a:normAutofit/>
+          </a:bodyPr>
+          <a:lstStyle>
+            <a:lvl1pPr lvl="0" algn="ctr">
+              <a:lnSpc>
+                <a:spcPct val="100000"/>
+              </a:lnSpc>
+              <a:spcBef>
+                <a:spcPts val="0"/>
+              </a:spcBef>
+              <a:spcAft>
+                <a:spcPts val="0"/>
+              </a:spcAft>
+              <a:buSzPts val="12000"/>
+              <a:buNone/>
+              <a:defRPr sz="12000"/>
+            </a:lvl1pPr>
+            <a:lvl2pPr lvl="1" algn="ctr">
+              <a:lnSpc>
+                <a:spcPct val="100000"/>
+              </a:lnSpc>
+              <a:spcBef>
+                <a:spcPts val="0"/>
+              </a:spcBef>
+              <a:spcAft>
+                <a:spcPts val="0"/>
+              </a:spcAft>
+              <a:buSzPts val="12000"/>
+              <a:buNone/>
+              <a:defRPr sz="12000"/>
+            </a:lvl2pPr>
+            <a:lvl3pPr lvl="2" algn="ctr">
+              <a:lnSpc>
+                <a:spcPct val="100000"/>
+              </a:lnSpc>
+              <a:spcBef>
+                <a:spcPts val="0"/>
+              </a:spcBef>
+              <a:spcAft>
+                <a:spcPts val="0"/>
+              </a:spcAft>
+              <a:buSzPts val="12000"/>
+              <a:buNone/>
+              <a:defRPr sz="12000"/>
+            </a:lvl3pPr>
+            <a:lvl4pPr lvl="3" algn="ctr">
+              <a:lnSpc>
+                <a:spcPct val="100000"/>
+              </a:lnSpc>
+              <a:spcBef>
+                <a:spcPts val="0"/>
+              </a:spcBef>
+              <a:spcAft>
+                <a:spcPts val="0"/>
+              </a:spcAft>
+              <a:buSzPts val="12000"/>
+              <a:buNone/>
+              <a:defRPr sz="12000"/>
+            </a:lvl4pPr>
+            <a:lvl5pPr lvl="4" algn="ctr">
+              <a:lnSpc>
+                <a:spcPct val="100000"/>
+              </a:lnSpc>
+              <a:spcBef>
+                <a:spcPts val="0"/>
+              </a:spcBef>
+              <a:spcAft>
+                <a:spcPts val="0"/>
+              </a:spcAft>
+              <a:buSzPts val="12000"/>
+              <a:buNone/>
+              <a:defRPr sz="12000"/>
+            </a:lvl5pPr>
+            <a:lvl6pPr lvl="5" algn="ctr">
+              <a:lnSpc>
+                <a:spcPct val="100000"/>
+              </a:lnSpc>
+              <a:spcBef>
+                <a:spcPts val="0"/>
+              </a:spcBef>
+              <a:spcAft>
+                <a:spcPts val="0"/>
+              </a:spcAft>
+              <a:buSzPts val="12000"/>
+              <a:buNone/>
+              <a:defRPr sz="12000"/>
+            </a:lvl6pPr>
+            <a:lvl7pPr lvl="6" algn="ctr">
+              <a:lnSpc>
+                <a:spcPct val="100000"/>
+              </a:lnSpc>
+              <a:spcBef>
+                <a:spcPts val="0"/>
+              </a:spcBef>
+              <a:spcAft>
+                <a:spcPts val="0"/>
+              </a:spcAft>
+              <a:buSzPts val="12000"/>
+              <a:buNone/>
+              <a:defRPr sz="12000"/>
+            </a:lvl7pPr>
+            <a:lvl8pPr lvl="7" algn="ctr">
+              <a:lnSpc>
+                <a:spcPct val="100000"/>
+              </a:lnSpc>
+              <a:spcBef>
+                <a:spcPts val="0"/>
+              </a:spcBef>
+              <a:spcAft>
+                <a:spcPts val="0"/>
+              </a:spcAft>
+              <a:buSzPts val="12000"/>
+              <a:buNone/>
+              <a:defRPr sz="12000"/>
+            </a:lvl8pPr>
+            <a:lvl9pPr lvl="8" algn="ctr">
+              <a:lnSpc>
+                <a:spcPct val="100000"/>
+              </a:lnSpc>
+              <a:spcBef>
+                <a:spcPts val="0"/>
+              </a:spcBef>
+              <a:spcAft>
+                <a:spcPts val="0"/>
+              </a:spcAft>
+              <a:buSzPts val="12000"/>
+              <a:buNone/>
+              <a:defRPr sz="12000"/>
+            </a:lvl9pPr>
+          </a:lstStyle>
+          <a:p>
+            <a:r>
+              <a:t>xx%</a:t>
+            </a:r>
+          </a:p>
+        </p:txBody>
+      </p:sp>
+      <p:sp>
+        <p:nvSpPr>
+          <p:cNvPr id="48" name="Google Shape;48;p20"/>
+          <p:cNvSpPr txBox="1"/>
+          <p:nvPr>
+            <p:ph idx="1" type="body"/>
+          </p:nvPr>
+        </p:nvSpPr>
+        <p:spPr>
+          <a:xfrm>
+            <a:off x="311700" y="3152225"/>
+            <a:ext cx="8520600" cy="1300800"/>
+          </a:xfrm>
+          <a:prstGeom prst="rect">
+            <a:avLst/>
+          </a:prstGeom>
+          <a:noFill/>
+          <a:ln>
+            <a:noFill/>
+          </a:ln>
+        </p:spPr>
+        <p:txBody>
+          <a:bodyPr anchorCtr="0" anchor="t" bIns="91425" lIns="91425" spcFirstLastPara="1" rIns="91425" wrap="square" tIns="91425">
+            <a:normAutofit/>
+          </a:bodyPr>
+          <a:lstStyle>
+            <a:lvl1pPr indent="-342900" lvl="0" marL="457200" algn="ctr">
+              <a:lnSpc>
+                <a:spcPct val="115000"/>
+              </a:lnSpc>
+              <a:spcBef>
+                <a:spcPts val="0"/>
+              </a:spcBef>
+              <a:spcAft>
+                <a:spcPts val="0"/>
+              </a:spcAft>
+              <a:buSzPts val="1800"/>
+              <a:buChar char="●"/>
+              <a:defRPr/>
+            </a:lvl1pPr>
+            <a:lvl2pPr indent="-317500" lvl="1" marL="914400" algn="ctr">
+              <a:lnSpc>
+                <a:spcPct val="115000"/>
+              </a:lnSpc>
+              <a:spcBef>
+                <a:spcPts val="0"/>
+              </a:spcBef>
+              <a:spcAft>
+                <a:spcPts val="0"/>
+              </a:spcAft>
+              <a:buSzPts val="1400"/>
+              <a:buChar char="○"/>
+              <a:defRPr/>
+            </a:lvl2pPr>
+            <a:lvl3pPr indent="-317500" lvl="2" marL="1371600" algn="ctr">
+              <a:lnSpc>
+                <a:spcPct val="115000"/>
+              </a:lnSpc>
+              <a:spcBef>
+                <a:spcPts val="0"/>
+              </a:spcBef>
+              <a:spcAft>
+                <a:spcPts val="0"/>
+              </a:spcAft>
+              <a:buSzPts val="1400"/>
+              <a:buChar char="■"/>
+              <a:defRPr/>
+            </a:lvl3pPr>
+            <a:lvl4pPr indent="-317500" lvl="3" marL="1828800" algn="ctr">
+              <a:lnSpc>
+                <a:spcPct val="115000"/>
+              </a:lnSpc>
+              <a:spcBef>
+                <a:spcPts val="0"/>
+              </a:spcBef>
+              <a:spcAft>
+                <a:spcPts val="0"/>
+              </a:spcAft>
+              <a:buSzPts val="1400"/>
+              <a:buChar char="●"/>
+              <a:defRPr/>
+            </a:lvl4pPr>
+            <a:lvl5pPr indent="-317500" lvl="4" marL="2286000" algn="ctr">
+              <a:lnSpc>
+                <a:spcPct val="115000"/>
+              </a:lnSpc>
+              <a:spcBef>
+                <a:spcPts val="0"/>
+              </a:spcBef>
+              <a:spcAft>
+                <a:spcPts val="0"/>
+              </a:spcAft>
+              <a:buSzPts val="1400"/>
+              <a:buChar char="○"/>
+              <a:defRPr/>
+            </a:lvl5pPr>
+            <a:lvl6pPr indent="-317500" lvl="5" marL="2743200" algn="ctr">
+              <a:lnSpc>
+                <a:spcPct val="115000"/>
+              </a:lnSpc>
+              <a:spcBef>
+                <a:spcPts val="0"/>
+              </a:spcBef>
+              <a:spcAft>
+                <a:spcPts val="0"/>
+              </a:spcAft>
+              <a:buSzPts val="1400"/>
+              <a:buChar char="■"/>
+              <a:defRPr/>
+            </a:lvl6pPr>
+            <a:lvl7pPr indent="-317500" lvl="6" marL="3200400" algn="ctr">
+              <a:lnSpc>
+                <a:spcPct val="115000"/>
+              </a:lnSpc>
+              <a:spcBef>
+                <a:spcPts val="0"/>
+              </a:spcBef>
+              <a:spcAft>
+                <a:spcPts val="0"/>
+              </a:spcAft>
+              <a:buSzPts val="1400"/>
+              <a:buChar char="●"/>
+              <a:defRPr/>
+            </a:lvl7pPr>
+            <a:lvl8pPr indent="-317500" lvl="7" marL="3657600" algn="ctr">
+              <a:lnSpc>
+                <a:spcPct val="115000"/>
+              </a:lnSpc>
+              <a:spcBef>
+                <a:spcPts val="0"/>
+              </a:spcBef>
+              <a:spcAft>
+                <a:spcPts val="0"/>
+              </a:spcAft>
+              <a:buSzPts val="1400"/>
+              <a:buChar char="○"/>
+              <a:defRPr/>
+            </a:lvl8pPr>
+            <a:lvl9pPr indent="-317500" lvl="8" marL="4114800" algn="ctr">
+              <a:lnSpc>
+                <a:spcPct val="115000"/>
+              </a:lnSpc>
+              <a:spcBef>
+                <a:spcPts val="0"/>
+              </a:spcBef>
+              <a:spcAft>
+                <a:spcPts val="0"/>
+              </a:spcAft>
+              <a:buSzPts val="1400"/>
+              <a:buChar char="■"/>
+              <a:defRPr/>
+            </a:lvl9pPr>
+          </a:lstStyle>
+          <a:p/>
+        </p:txBody>
+      </p:sp>
+      <p:sp>
+        <p:nvSpPr>
+          <p:cNvPr id="49" name="Google Shape;49;p20"/>
           <p:cNvSpPr txBox="1"/>
           <p:nvPr>
             <p:ph idx="12" type="sldNum"/>
@@ -2253,47 +3080,249 @@
           <a:prstGeom prst="rect">
             <a:avLst/>
           </a:prstGeom>
+          <a:noFill/>
+          <a:ln>
+            <a:noFill/>
+          </a:ln>
         </p:spPr>
         <p:txBody>
           <a:bodyPr anchorCtr="0" anchor="ctr" bIns="91425" lIns="91425" spcFirstLastPara="1" rIns="91425" wrap="square" tIns="91425">
             <a:normAutofit/>
           </a:bodyPr>
           <a:lstStyle>
-            <a:lvl1pPr lvl="0">
-              <a:buNone/>
-              <a:defRPr/>
+            <a:lvl1pPr indent="0" lvl="0" marL="0" marR="0" algn="r">
+              <a:lnSpc>
+                <a:spcPct val="100000"/>
+              </a:lnSpc>
+              <a:spcBef>
+                <a:spcPts val="0"/>
+              </a:spcBef>
+              <a:spcAft>
+                <a:spcPts val="0"/>
+              </a:spcAft>
+              <a:buClr>
+                <a:srgbClr val="000000"/>
+              </a:buClr>
+              <a:buSzPts val="1000"/>
+              <a:buFont typeface="Arial"/>
+              <a:buNone/>
+              <a:defRPr b="0" i="0" sz="1000" u="none" cap="none" strike="noStrike">
+                <a:solidFill>
+                  <a:schemeClr val="dk2"/>
+                </a:solidFill>
+                <a:latin typeface="Arial"/>
+                <a:ea typeface="Arial"/>
+                <a:cs typeface="Arial"/>
+                <a:sym typeface="Arial"/>
+              </a:defRPr>
             </a:lvl1pPr>
-            <a:lvl2pPr lvl="1">
-              <a:buNone/>
-              <a:defRPr/>
+            <a:lvl2pPr indent="0" lvl="1" marL="0" marR="0" algn="r">
+              <a:lnSpc>
+                <a:spcPct val="100000"/>
+              </a:lnSpc>
+              <a:spcBef>
+                <a:spcPts val="0"/>
+              </a:spcBef>
+              <a:spcAft>
+                <a:spcPts val="0"/>
+              </a:spcAft>
+              <a:buClr>
+                <a:srgbClr val="000000"/>
+              </a:buClr>
+              <a:buSzPts val="1000"/>
+              <a:buFont typeface="Arial"/>
+              <a:buNone/>
+              <a:defRPr b="0" i="0" sz="1000" u="none" cap="none" strike="noStrike">
+                <a:solidFill>
+                  <a:schemeClr val="dk2"/>
+                </a:solidFill>
+                <a:latin typeface="Arial"/>
+                <a:ea typeface="Arial"/>
+                <a:cs typeface="Arial"/>
+                <a:sym typeface="Arial"/>
+              </a:defRPr>
             </a:lvl2pPr>
-            <a:lvl3pPr lvl="2">
-              <a:buNone/>
-              <a:defRPr/>
+            <a:lvl3pPr indent="0" lvl="2" marL="0" marR="0" algn="r">
+              <a:lnSpc>
+                <a:spcPct val="100000"/>
+              </a:lnSpc>
+              <a:spcBef>
+                <a:spcPts val="0"/>
+              </a:spcBef>
+              <a:spcAft>
+                <a:spcPts val="0"/>
+              </a:spcAft>
+              <a:buClr>
+                <a:srgbClr val="000000"/>
+              </a:buClr>
+              <a:buSzPts val="1000"/>
+              <a:buFont typeface="Arial"/>
+              <a:buNone/>
+              <a:defRPr b="0" i="0" sz="1000" u="none" cap="none" strike="noStrike">
+                <a:solidFill>
+                  <a:schemeClr val="dk2"/>
+                </a:solidFill>
+                <a:latin typeface="Arial"/>
+                <a:ea typeface="Arial"/>
+                <a:cs typeface="Arial"/>
+                <a:sym typeface="Arial"/>
+              </a:defRPr>
             </a:lvl3pPr>
-            <a:lvl4pPr lvl="3">
-              <a:buNone/>
-              <a:defRPr/>
+            <a:lvl4pPr indent="0" lvl="3" marL="0" marR="0" algn="r">
+              <a:lnSpc>
+                <a:spcPct val="100000"/>
+              </a:lnSpc>
+              <a:spcBef>
+                <a:spcPts val="0"/>
+              </a:spcBef>
+              <a:spcAft>
+                <a:spcPts val="0"/>
+              </a:spcAft>
+              <a:buClr>
+                <a:srgbClr val="000000"/>
+              </a:buClr>
+              <a:buSzPts val="1000"/>
+              <a:buFont typeface="Arial"/>
+              <a:buNone/>
+              <a:defRPr b="0" i="0" sz="1000" u="none" cap="none" strike="noStrike">
+                <a:solidFill>
+                  <a:schemeClr val="dk2"/>
+                </a:solidFill>
+                <a:latin typeface="Arial"/>
+                <a:ea typeface="Arial"/>
+                <a:cs typeface="Arial"/>
+                <a:sym typeface="Arial"/>
+              </a:defRPr>
             </a:lvl4pPr>
-            <a:lvl5pPr lvl="4">
-              <a:buNone/>
-              <a:defRPr/>
+            <a:lvl5pPr indent="0" lvl="4" marL="0" marR="0" algn="r">
+              <a:lnSpc>
+                <a:spcPct val="100000"/>
+              </a:lnSpc>
+              <a:spcBef>
+                <a:spcPts val="0"/>
+              </a:spcBef>
+              <a:spcAft>
+                <a:spcPts val="0"/>
+              </a:spcAft>
+              <a:buClr>
+                <a:srgbClr val="000000"/>
+              </a:buClr>
+              <a:buSzPts val="1000"/>
+              <a:buFont typeface="Arial"/>
+              <a:buNone/>
+              <a:defRPr b="0" i="0" sz="1000" u="none" cap="none" strike="noStrike">
+                <a:solidFill>
+                  <a:schemeClr val="dk2"/>
+                </a:solidFill>
+                <a:latin typeface="Arial"/>
+                <a:ea typeface="Arial"/>
+                <a:cs typeface="Arial"/>
+                <a:sym typeface="Arial"/>
+              </a:defRPr>
             </a:lvl5pPr>
-            <a:lvl6pPr lvl="5">
-              <a:buNone/>
-              <a:defRPr/>
+            <a:lvl6pPr indent="0" lvl="5" marL="0" marR="0" algn="r">
+              <a:lnSpc>
+                <a:spcPct val="100000"/>
+              </a:lnSpc>
+              <a:spcBef>
+                <a:spcPts val="0"/>
+              </a:spcBef>
+              <a:spcAft>
+                <a:spcPts val="0"/>
+              </a:spcAft>
+              <a:buClr>
+                <a:srgbClr val="000000"/>
+              </a:buClr>
+              <a:buSzPts val="1000"/>
+              <a:buFont typeface="Arial"/>
+              <a:buNone/>
+              <a:defRPr b="0" i="0" sz="1000" u="none" cap="none" strike="noStrike">
+                <a:solidFill>
+                  <a:schemeClr val="dk2"/>
+                </a:solidFill>
+                <a:latin typeface="Arial"/>
+                <a:ea typeface="Arial"/>
+                <a:cs typeface="Arial"/>
+                <a:sym typeface="Arial"/>
+              </a:defRPr>
             </a:lvl6pPr>
-            <a:lvl7pPr lvl="6">
-              <a:buNone/>
-              <a:defRPr/>
+            <a:lvl7pPr indent="0" lvl="6" marL="0" marR="0" algn="r">
+              <a:lnSpc>
+                <a:spcPct val="100000"/>
+              </a:lnSpc>
+              <a:spcBef>
+                <a:spcPts val="0"/>
+              </a:spcBef>
+              <a:spcAft>
+                <a:spcPts val="0"/>
+              </a:spcAft>
+              <a:buClr>
+                <a:srgbClr val="000000"/>
+              </a:buClr>
+              <a:buSzPts val="1000"/>
+              <a:buFont typeface="Arial"/>
+              <a:buNone/>
+              <a:defRPr b="0" i="0" sz="1000" u="none" cap="none" strike="noStrike">
+                <a:solidFill>
+                  <a:schemeClr val="dk2"/>
+                </a:solidFill>
+                <a:latin typeface="Arial"/>
+                <a:ea typeface="Arial"/>
+                <a:cs typeface="Arial"/>
+                <a:sym typeface="Arial"/>
+              </a:defRPr>
             </a:lvl7pPr>
-            <a:lvl8pPr lvl="7">
-              <a:buNone/>
-              <a:defRPr/>
+            <a:lvl8pPr indent="0" lvl="7" marL="0" marR="0" algn="r">
+              <a:lnSpc>
+                <a:spcPct val="100000"/>
+              </a:lnSpc>
+              <a:spcBef>
+                <a:spcPts val="0"/>
+              </a:spcBef>
+              <a:spcAft>
+                <a:spcPts val="0"/>
+              </a:spcAft>
+              <a:buClr>
+                <a:srgbClr val="000000"/>
+              </a:buClr>
+              <a:buSzPts val="1000"/>
+              <a:buFont typeface="Arial"/>
+              <a:buNone/>
+              <a:defRPr b="0" i="0" sz="1000" u="none" cap="none" strike="noStrike">
+                <a:solidFill>
+                  <a:schemeClr val="dk2"/>
+                </a:solidFill>
+                <a:latin typeface="Arial"/>
+                <a:ea typeface="Arial"/>
+                <a:cs typeface="Arial"/>
+                <a:sym typeface="Arial"/>
+              </a:defRPr>
             </a:lvl8pPr>
-            <a:lvl9pPr lvl="8">
-              <a:buNone/>
-              <a:defRPr/>
+            <a:lvl9pPr indent="0" lvl="8" marL="0" marR="0" algn="r">
+              <a:lnSpc>
+                <a:spcPct val="100000"/>
+              </a:lnSpc>
+              <a:spcBef>
+                <a:spcPts val="0"/>
+              </a:spcBef>
+              <a:spcAft>
+                <a:spcPts val="0"/>
+              </a:spcAft>
+              <a:buClr>
+                <a:srgbClr val="000000"/>
+              </a:buClr>
+              <a:buSzPts val="1000"/>
+              <a:buFont typeface="Arial"/>
+              <a:buNone/>
+              <a:defRPr b="0" i="0" sz="1000" u="none" cap="none" strike="noStrike">
+                <a:solidFill>
+                  <a:schemeClr val="dk2"/>
+                </a:solidFill>
+                <a:latin typeface="Arial"/>
+                <a:ea typeface="Arial"/>
+                <a:cs typeface="Arial"/>
+                <a:sym typeface="Arial"/>
+              </a:defRPr>
             </a:lvl9pPr>
           </a:lstStyle>
           <a:p>
@@ -2323,8 +3352,8 @@
 </file>
 
 <file path=ppt/slideLayouts/slideLayout2.xml><?xml version="1.0" encoding="utf-8"?>
-<p:sldLayout xmlns:a="http://schemas.openxmlformats.org/drawingml/2006/main" xmlns:r="http://schemas.openxmlformats.org/officeDocument/2006/relationships" xmlns:mc="http://schemas.openxmlformats.org/markup-compatibility/2006" xmlns:mv="urn:schemas-microsoft-com:mac:vml" xmlns:p="http://schemas.openxmlformats.org/presentationml/2006/main" xmlns:c="http://schemas.openxmlformats.org/drawingml/2006/chart" xmlns:dgm="http://schemas.openxmlformats.org/drawingml/2006/diagram" xmlns:o="urn:schemas-microsoft-com:office:office" xmlns:v="urn:schemas-microsoft-com:vml" xmlns:pvml="urn:schemas-microsoft-com:office:powerpoint" xmlns:com="http://schemas.openxmlformats.org/drawingml/2006/compatibility" xmlns:p14="http://schemas.microsoft.com/office/powerpoint/2010/main" xmlns:p15="http://schemas.microsoft.com/office/powerpoint/2012/main" xmlns:ahyp="http://schemas.microsoft.com/office/drawing/2018/hyperlinkcolor" matchingName="Section header" type="secHead">
-  <p:cSld name="SECTION_HEADER">
+<p:sldLayout xmlns:a="http://schemas.openxmlformats.org/drawingml/2006/main" xmlns:r="http://schemas.openxmlformats.org/officeDocument/2006/relationships" xmlns:mc="http://schemas.openxmlformats.org/markup-compatibility/2006" xmlns:mv="urn:schemas-microsoft-com:mac:vml" xmlns:p="http://schemas.openxmlformats.org/presentationml/2006/main" xmlns:c="http://schemas.openxmlformats.org/drawingml/2006/chart" xmlns:dgm="http://schemas.openxmlformats.org/drawingml/2006/diagram" xmlns:o="urn:schemas-microsoft-com:office:office" xmlns:v="urn:schemas-microsoft-com:vml" xmlns:pvml="urn:schemas-microsoft-com:office:powerpoint" xmlns:com="http://schemas.openxmlformats.org/drawingml/2006/compatibility" xmlns:p14="http://schemas.microsoft.com/office/powerpoint/2010/main" xmlns:p15="http://schemas.microsoft.com/office/powerpoint/2012/main" xmlns:ahyp="http://schemas.microsoft.com/office/drawing/2018/hyperlinkcolor" matchingName="Title and body" type="tx">
+  <p:cSld name="TITLE_AND_BODY">
     <p:spTree>
       <p:nvGrpSpPr>
         <p:cNvPr id="13" name="Shape 13"/>
@@ -2341,7 +3370,7 @@
       </p:grpSpPr>
       <p:sp>
         <p:nvSpPr>
-          <p:cNvPr id="14" name="Google Shape;14;p3"/>
+          <p:cNvPr id="14" name="Google Shape;14;p11"/>
           <p:cNvSpPr txBox="1"/>
           <p:nvPr>
             <p:ph type="title"/>
@@ -2349,116 +3378,147 @@
         </p:nvSpPr>
         <p:spPr>
           <a:xfrm>
-            <a:off x="311700" y="2150850"/>
-            <a:ext cx="8520600" cy="841800"/>
+            <a:off x="311700" y="445025"/>
+            <a:ext cx="8520600" cy="572700"/>
           </a:xfrm>
           <a:prstGeom prst="rect">
             <a:avLst/>
           </a:prstGeom>
+          <a:noFill/>
+          <a:ln>
+            <a:noFill/>
+          </a:ln>
         </p:spPr>
         <p:txBody>
-          <a:bodyPr anchorCtr="0" anchor="ctr" bIns="91425" lIns="91425" spcFirstLastPara="1" rIns="91425" wrap="square" tIns="91425">
+          <a:bodyPr anchorCtr="0" anchor="t" bIns="91425" lIns="91425" spcFirstLastPara="1" rIns="91425" wrap="square" tIns="91425">
             <a:normAutofit/>
           </a:bodyPr>
           <a:lstStyle>
-            <a:lvl1pPr lvl="0" algn="ctr">
-              <a:spcBef>
-                <a:spcPts val="0"/>
-              </a:spcBef>
-              <a:spcAft>
-                <a:spcPts val="0"/>
-              </a:spcAft>
-              <a:buSzPts val="3600"/>
-              <a:buNone/>
-              <a:defRPr sz="3600"/>
+            <a:lvl1pPr lvl="0" algn="l">
+              <a:lnSpc>
+                <a:spcPct val="100000"/>
+              </a:lnSpc>
+              <a:spcBef>
+                <a:spcPts val="0"/>
+              </a:spcBef>
+              <a:spcAft>
+                <a:spcPts val="0"/>
+              </a:spcAft>
+              <a:buSzPts val="2800"/>
+              <a:buNone/>
+              <a:defRPr/>
             </a:lvl1pPr>
-            <a:lvl2pPr lvl="1" algn="ctr">
-              <a:spcBef>
-                <a:spcPts val="0"/>
-              </a:spcBef>
-              <a:spcAft>
-                <a:spcPts val="0"/>
-              </a:spcAft>
-              <a:buSzPts val="3600"/>
-              <a:buNone/>
-              <a:defRPr sz="3600"/>
+            <a:lvl2pPr lvl="1" algn="l">
+              <a:lnSpc>
+                <a:spcPct val="100000"/>
+              </a:lnSpc>
+              <a:spcBef>
+                <a:spcPts val="0"/>
+              </a:spcBef>
+              <a:spcAft>
+                <a:spcPts val="0"/>
+              </a:spcAft>
+              <a:buSzPts val="2800"/>
+              <a:buNone/>
+              <a:defRPr/>
             </a:lvl2pPr>
-            <a:lvl3pPr lvl="2" algn="ctr">
-              <a:spcBef>
-                <a:spcPts val="0"/>
-              </a:spcBef>
-              <a:spcAft>
-                <a:spcPts val="0"/>
-              </a:spcAft>
-              <a:buSzPts val="3600"/>
-              <a:buNone/>
-              <a:defRPr sz="3600"/>
+            <a:lvl3pPr lvl="2" algn="l">
+              <a:lnSpc>
+                <a:spcPct val="100000"/>
+              </a:lnSpc>
+              <a:spcBef>
+                <a:spcPts val="0"/>
+              </a:spcBef>
+              <a:spcAft>
+                <a:spcPts val="0"/>
+              </a:spcAft>
+              <a:buSzPts val="2800"/>
+              <a:buNone/>
+              <a:defRPr/>
             </a:lvl3pPr>
-            <a:lvl4pPr lvl="3" algn="ctr">
-              <a:spcBef>
-                <a:spcPts val="0"/>
-              </a:spcBef>
-              <a:spcAft>
-                <a:spcPts val="0"/>
-              </a:spcAft>
-              <a:buSzPts val="3600"/>
-              <a:buNone/>
-              <a:defRPr sz="3600"/>
+            <a:lvl4pPr lvl="3" algn="l">
+              <a:lnSpc>
+                <a:spcPct val="100000"/>
+              </a:lnSpc>
+              <a:spcBef>
+                <a:spcPts val="0"/>
+              </a:spcBef>
+              <a:spcAft>
+                <a:spcPts val="0"/>
+              </a:spcAft>
+              <a:buSzPts val="2800"/>
+              <a:buNone/>
+              <a:defRPr/>
             </a:lvl4pPr>
-            <a:lvl5pPr lvl="4" algn="ctr">
-              <a:spcBef>
-                <a:spcPts val="0"/>
-              </a:spcBef>
-              <a:spcAft>
-                <a:spcPts val="0"/>
-              </a:spcAft>
-              <a:buSzPts val="3600"/>
-              <a:buNone/>
-              <a:defRPr sz="3600"/>
+            <a:lvl5pPr lvl="4" algn="l">
+              <a:lnSpc>
+                <a:spcPct val="100000"/>
+              </a:lnSpc>
+              <a:spcBef>
+                <a:spcPts val="0"/>
+              </a:spcBef>
+              <a:spcAft>
+                <a:spcPts val="0"/>
+              </a:spcAft>
+              <a:buSzPts val="2800"/>
+              <a:buNone/>
+              <a:defRPr/>
             </a:lvl5pPr>
-            <a:lvl6pPr lvl="5" algn="ctr">
-              <a:spcBef>
-                <a:spcPts val="0"/>
-              </a:spcBef>
-              <a:spcAft>
-                <a:spcPts val="0"/>
-              </a:spcAft>
-              <a:buSzPts val="3600"/>
-              <a:buNone/>
-              <a:defRPr sz="3600"/>
+            <a:lvl6pPr lvl="5" algn="l">
+              <a:lnSpc>
+                <a:spcPct val="100000"/>
+              </a:lnSpc>
+              <a:spcBef>
+                <a:spcPts val="0"/>
+              </a:spcBef>
+              <a:spcAft>
+                <a:spcPts val="0"/>
+              </a:spcAft>
+              <a:buSzPts val="2800"/>
+              <a:buNone/>
+              <a:defRPr/>
             </a:lvl6pPr>
-            <a:lvl7pPr lvl="6" algn="ctr">
-              <a:spcBef>
-                <a:spcPts val="0"/>
-              </a:spcBef>
-              <a:spcAft>
-                <a:spcPts val="0"/>
-              </a:spcAft>
-              <a:buSzPts val="3600"/>
-              <a:buNone/>
-              <a:defRPr sz="3600"/>
+            <a:lvl7pPr lvl="6" algn="l">
+              <a:lnSpc>
+                <a:spcPct val="100000"/>
+              </a:lnSpc>
+              <a:spcBef>
+                <a:spcPts val="0"/>
+              </a:spcBef>
+              <a:spcAft>
+                <a:spcPts val="0"/>
+              </a:spcAft>
+              <a:buSzPts val="2800"/>
+              <a:buNone/>
+              <a:defRPr/>
             </a:lvl7pPr>
-            <a:lvl8pPr lvl="7" algn="ctr">
-              <a:spcBef>
-                <a:spcPts val="0"/>
-              </a:spcBef>
-              <a:spcAft>
-                <a:spcPts val="0"/>
-              </a:spcAft>
-              <a:buSzPts val="3600"/>
-              <a:buNone/>
-              <a:defRPr sz="3600"/>
+            <a:lvl8pPr lvl="7" algn="l">
+              <a:lnSpc>
+                <a:spcPct val="100000"/>
+              </a:lnSpc>
+              <a:spcBef>
+                <a:spcPts val="0"/>
+              </a:spcBef>
+              <a:spcAft>
+                <a:spcPts val="0"/>
+              </a:spcAft>
+              <a:buSzPts val="2800"/>
+              <a:buNone/>
+              <a:defRPr/>
             </a:lvl8pPr>
-            <a:lvl9pPr lvl="8" algn="ctr">
-              <a:spcBef>
-                <a:spcPts val="0"/>
-              </a:spcBef>
-              <a:spcAft>
-                <a:spcPts val="0"/>
-              </a:spcAft>
-              <a:buSzPts val="3600"/>
-              <a:buNone/>
-              <a:defRPr sz="3600"/>
+            <a:lvl9pPr lvl="8" algn="l">
+              <a:lnSpc>
+                <a:spcPct val="100000"/>
+              </a:lnSpc>
+              <a:spcBef>
+                <a:spcPts val="0"/>
+              </a:spcBef>
+              <a:spcAft>
+                <a:spcPts val="0"/>
+              </a:spcAft>
+              <a:buSzPts val="2800"/>
+              <a:buNone/>
+              <a:defRPr/>
             </a:lvl9pPr>
           </a:lstStyle>
           <a:p/>
@@ -2466,7 +3526,163 @@
       </p:sp>
       <p:sp>
         <p:nvSpPr>
-          <p:cNvPr id="15" name="Google Shape;15;p3"/>
+          <p:cNvPr id="15" name="Google Shape;15;p11"/>
+          <p:cNvSpPr txBox="1"/>
+          <p:nvPr>
+            <p:ph idx="1" type="body"/>
+          </p:nvPr>
+        </p:nvSpPr>
+        <p:spPr>
+          <a:xfrm>
+            <a:off x="311700" y="1152475"/>
+            <a:ext cx="8520600" cy="3416400"/>
+          </a:xfrm>
+          <a:prstGeom prst="rect">
+            <a:avLst/>
+          </a:prstGeom>
+          <a:noFill/>
+          <a:ln>
+            <a:noFill/>
+          </a:ln>
+        </p:spPr>
+        <p:txBody>
+          <a:bodyPr anchorCtr="0" anchor="t" bIns="91425" lIns="91425" spcFirstLastPara="1" rIns="91425" wrap="square" tIns="91425">
+            <a:normAutofit/>
+          </a:bodyPr>
+          <a:lstStyle>
+            <a:lvl1pPr indent="-342900" lvl="0" marL="457200" algn="l">
+              <a:lnSpc>
+                <a:spcPct val="115000"/>
+              </a:lnSpc>
+              <a:spcBef>
+                <a:spcPts val="0"/>
+              </a:spcBef>
+              <a:spcAft>
+                <a:spcPts val="0"/>
+              </a:spcAft>
+              <a:buSzPts val="1800"/>
+              <a:buChar char="●"/>
+              <a:defRPr/>
+            </a:lvl1pPr>
+            <a:lvl2pPr indent="-317500" lvl="1" marL="914400" algn="l">
+              <a:lnSpc>
+                <a:spcPct val="115000"/>
+              </a:lnSpc>
+              <a:spcBef>
+                <a:spcPts val="0"/>
+              </a:spcBef>
+              <a:spcAft>
+                <a:spcPts val="0"/>
+              </a:spcAft>
+              <a:buSzPts val="1400"/>
+              <a:buChar char="○"/>
+              <a:defRPr/>
+            </a:lvl2pPr>
+            <a:lvl3pPr indent="-317500" lvl="2" marL="1371600" algn="l">
+              <a:lnSpc>
+                <a:spcPct val="115000"/>
+              </a:lnSpc>
+              <a:spcBef>
+                <a:spcPts val="0"/>
+              </a:spcBef>
+              <a:spcAft>
+                <a:spcPts val="0"/>
+              </a:spcAft>
+              <a:buSzPts val="1400"/>
+              <a:buChar char="■"/>
+              <a:defRPr/>
+            </a:lvl3pPr>
+            <a:lvl4pPr indent="-317500" lvl="3" marL="1828800" algn="l">
+              <a:lnSpc>
+                <a:spcPct val="115000"/>
+              </a:lnSpc>
+              <a:spcBef>
+                <a:spcPts val="0"/>
+              </a:spcBef>
+              <a:spcAft>
+                <a:spcPts val="0"/>
+              </a:spcAft>
+              <a:buSzPts val="1400"/>
+              <a:buChar char="●"/>
+              <a:defRPr/>
+            </a:lvl4pPr>
+            <a:lvl5pPr indent="-317500" lvl="4" marL="2286000" algn="l">
+              <a:lnSpc>
+                <a:spcPct val="115000"/>
+              </a:lnSpc>
+              <a:spcBef>
+                <a:spcPts val="0"/>
+              </a:spcBef>
+              <a:spcAft>
+                <a:spcPts val="0"/>
+              </a:spcAft>
+              <a:buSzPts val="1400"/>
+              <a:buChar char="○"/>
+              <a:defRPr/>
+            </a:lvl5pPr>
+            <a:lvl6pPr indent="-317500" lvl="5" marL="2743200" algn="l">
+              <a:lnSpc>
+                <a:spcPct val="115000"/>
+              </a:lnSpc>
+              <a:spcBef>
+                <a:spcPts val="0"/>
+              </a:spcBef>
+              <a:spcAft>
+                <a:spcPts val="0"/>
+              </a:spcAft>
+              <a:buSzPts val="1400"/>
+              <a:buChar char="■"/>
+              <a:defRPr/>
+            </a:lvl6pPr>
+            <a:lvl7pPr indent="-317500" lvl="6" marL="3200400" algn="l">
+              <a:lnSpc>
+                <a:spcPct val="115000"/>
+              </a:lnSpc>
+              <a:spcBef>
+                <a:spcPts val="0"/>
+              </a:spcBef>
+              <a:spcAft>
+                <a:spcPts val="0"/>
+              </a:spcAft>
+              <a:buSzPts val="1400"/>
+              <a:buChar char="●"/>
+              <a:defRPr/>
+            </a:lvl7pPr>
+            <a:lvl8pPr indent="-317500" lvl="7" marL="3657600" algn="l">
+              <a:lnSpc>
+                <a:spcPct val="115000"/>
+              </a:lnSpc>
+              <a:spcBef>
+                <a:spcPts val="0"/>
+              </a:spcBef>
+              <a:spcAft>
+                <a:spcPts val="0"/>
+              </a:spcAft>
+              <a:buSzPts val="1400"/>
+              <a:buChar char="○"/>
+              <a:defRPr/>
+            </a:lvl8pPr>
+            <a:lvl9pPr indent="-317500" lvl="8" marL="4114800" algn="l">
+              <a:lnSpc>
+                <a:spcPct val="115000"/>
+              </a:lnSpc>
+              <a:spcBef>
+                <a:spcPts val="0"/>
+              </a:spcBef>
+              <a:spcAft>
+                <a:spcPts val="0"/>
+              </a:spcAft>
+              <a:buSzPts val="1400"/>
+              <a:buChar char="■"/>
+              <a:defRPr/>
+            </a:lvl9pPr>
+          </a:lstStyle>
+          <a:p/>
+        </p:txBody>
+      </p:sp>
+      <p:sp>
+        <p:nvSpPr>
+          <p:cNvPr id="16" name="Google Shape;16;p11"/>
           <p:cNvSpPr txBox="1"/>
           <p:nvPr>
             <p:ph idx="12" type="sldNum"/>
@@ -2480,47 +3696,249 @@
           <a:prstGeom prst="rect">
             <a:avLst/>
           </a:prstGeom>
+          <a:noFill/>
+          <a:ln>
+            <a:noFill/>
+          </a:ln>
         </p:spPr>
         <p:txBody>
           <a:bodyPr anchorCtr="0" anchor="ctr" bIns="91425" lIns="91425" spcFirstLastPara="1" rIns="91425" wrap="square" tIns="91425">
             <a:normAutofit/>
           </a:bodyPr>
           <a:lstStyle>
-            <a:lvl1pPr lvl="0">
-              <a:buNone/>
-              <a:defRPr/>
+            <a:lvl1pPr indent="0" lvl="0" marL="0" marR="0" algn="r">
+              <a:lnSpc>
+                <a:spcPct val="100000"/>
+              </a:lnSpc>
+              <a:spcBef>
+                <a:spcPts val="0"/>
+              </a:spcBef>
+              <a:spcAft>
+                <a:spcPts val="0"/>
+              </a:spcAft>
+              <a:buClr>
+                <a:srgbClr val="000000"/>
+              </a:buClr>
+              <a:buSzPts val="1000"/>
+              <a:buFont typeface="Arial"/>
+              <a:buNone/>
+              <a:defRPr b="0" i="0" sz="1000" u="none" cap="none" strike="noStrike">
+                <a:solidFill>
+                  <a:schemeClr val="dk2"/>
+                </a:solidFill>
+                <a:latin typeface="Arial"/>
+                <a:ea typeface="Arial"/>
+                <a:cs typeface="Arial"/>
+                <a:sym typeface="Arial"/>
+              </a:defRPr>
             </a:lvl1pPr>
-            <a:lvl2pPr lvl="1">
-              <a:buNone/>
-              <a:defRPr/>
+            <a:lvl2pPr indent="0" lvl="1" marL="0" marR="0" algn="r">
+              <a:lnSpc>
+                <a:spcPct val="100000"/>
+              </a:lnSpc>
+              <a:spcBef>
+                <a:spcPts val="0"/>
+              </a:spcBef>
+              <a:spcAft>
+                <a:spcPts val="0"/>
+              </a:spcAft>
+              <a:buClr>
+                <a:srgbClr val="000000"/>
+              </a:buClr>
+              <a:buSzPts val="1000"/>
+              <a:buFont typeface="Arial"/>
+              <a:buNone/>
+              <a:defRPr b="0" i="0" sz="1000" u="none" cap="none" strike="noStrike">
+                <a:solidFill>
+                  <a:schemeClr val="dk2"/>
+                </a:solidFill>
+                <a:latin typeface="Arial"/>
+                <a:ea typeface="Arial"/>
+                <a:cs typeface="Arial"/>
+                <a:sym typeface="Arial"/>
+              </a:defRPr>
             </a:lvl2pPr>
-            <a:lvl3pPr lvl="2">
-              <a:buNone/>
-              <a:defRPr/>
+            <a:lvl3pPr indent="0" lvl="2" marL="0" marR="0" algn="r">
+              <a:lnSpc>
+                <a:spcPct val="100000"/>
+              </a:lnSpc>
+              <a:spcBef>
+                <a:spcPts val="0"/>
+              </a:spcBef>
+              <a:spcAft>
+                <a:spcPts val="0"/>
+              </a:spcAft>
+              <a:buClr>
+                <a:srgbClr val="000000"/>
+              </a:buClr>
+              <a:buSzPts val="1000"/>
+              <a:buFont typeface="Arial"/>
+              <a:buNone/>
+              <a:defRPr b="0" i="0" sz="1000" u="none" cap="none" strike="noStrike">
+                <a:solidFill>
+                  <a:schemeClr val="dk2"/>
+                </a:solidFill>
+                <a:latin typeface="Arial"/>
+                <a:ea typeface="Arial"/>
+                <a:cs typeface="Arial"/>
+                <a:sym typeface="Arial"/>
+              </a:defRPr>
             </a:lvl3pPr>
-            <a:lvl4pPr lvl="3">
-              <a:buNone/>
-              <a:defRPr/>
+            <a:lvl4pPr indent="0" lvl="3" marL="0" marR="0" algn="r">
+              <a:lnSpc>
+                <a:spcPct val="100000"/>
+              </a:lnSpc>
+              <a:spcBef>
+                <a:spcPts val="0"/>
+              </a:spcBef>
+              <a:spcAft>
+                <a:spcPts val="0"/>
+              </a:spcAft>
+              <a:buClr>
+                <a:srgbClr val="000000"/>
+              </a:buClr>
+              <a:buSzPts val="1000"/>
+              <a:buFont typeface="Arial"/>
+              <a:buNone/>
+              <a:defRPr b="0" i="0" sz="1000" u="none" cap="none" strike="noStrike">
+                <a:solidFill>
+                  <a:schemeClr val="dk2"/>
+                </a:solidFill>
+                <a:latin typeface="Arial"/>
+                <a:ea typeface="Arial"/>
+                <a:cs typeface="Arial"/>
+                <a:sym typeface="Arial"/>
+              </a:defRPr>
             </a:lvl4pPr>
-            <a:lvl5pPr lvl="4">
-              <a:buNone/>
-              <a:defRPr/>
+            <a:lvl5pPr indent="0" lvl="4" marL="0" marR="0" algn="r">
+              <a:lnSpc>
+                <a:spcPct val="100000"/>
+              </a:lnSpc>
+              <a:spcBef>
+                <a:spcPts val="0"/>
+              </a:spcBef>
+              <a:spcAft>
+                <a:spcPts val="0"/>
+              </a:spcAft>
+              <a:buClr>
+                <a:srgbClr val="000000"/>
+              </a:buClr>
+              <a:buSzPts val="1000"/>
+              <a:buFont typeface="Arial"/>
+              <a:buNone/>
+              <a:defRPr b="0" i="0" sz="1000" u="none" cap="none" strike="noStrike">
+                <a:solidFill>
+                  <a:schemeClr val="dk2"/>
+                </a:solidFill>
+                <a:latin typeface="Arial"/>
+                <a:ea typeface="Arial"/>
+                <a:cs typeface="Arial"/>
+                <a:sym typeface="Arial"/>
+              </a:defRPr>
             </a:lvl5pPr>
-            <a:lvl6pPr lvl="5">
-              <a:buNone/>
-              <a:defRPr/>
+            <a:lvl6pPr indent="0" lvl="5" marL="0" marR="0" algn="r">
+              <a:lnSpc>
+                <a:spcPct val="100000"/>
+              </a:lnSpc>
+              <a:spcBef>
+                <a:spcPts val="0"/>
+              </a:spcBef>
+              <a:spcAft>
+                <a:spcPts val="0"/>
+              </a:spcAft>
+              <a:buClr>
+                <a:srgbClr val="000000"/>
+              </a:buClr>
+              <a:buSzPts val="1000"/>
+              <a:buFont typeface="Arial"/>
+              <a:buNone/>
+              <a:defRPr b="0" i="0" sz="1000" u="none" cap="none" strike="noStrike">
+                <a:solidFill>
+                  <a:schemeClr val="dk2"/>
+                </a:solidFill>
+                <a:latin typeface="Arial"/>
+                <a:ea typeface="Arial"/>
+                <a:cs typeface="Arial"/>
+                <a:sym typeface="Arial"/>
+              </a:defRPr>
             </a:lvl6pPr>
-            <a:lvl7pPr lvl="6">
-              <a:buNone/>
-              <a:defRPr/>
+            <a:lvl7pPr indent="0" lvl="6" marL="0" marR="0" algn="r">
+              <a:lnSpc>
+                <a:spcPct val="100000"/>
+              </a:lnSpc>
+              <a:spcBef>
+                <a:spcPts val="0"/>
+              </a:spcBef>
+              <a:spcAft>
+                <a:spcPts val="0"/>
+              </a:spcAft>
+              <a:buClr>
+                <a:srgbClr val="000000"/>
+              </a:buClr>
+              <a:buSzPts val="1000"/>
+              <a:buFont typeface="Arial"/>
+              <a:buNone/>
+              <a:defRPr b="0" i="0" sz="1000" u="none" cap="none" strike="noStrike">
+                <a:solidFill>
+                  <a:schemeClr val="dk2"/>
+                </a:solidFill>
+                <a:latin typeface="Arial"/>
+                <a:ea typeface="Arial"/>
+                <a:cs typeface="Arial"/>
+                <a:sym typeface="Arial"/>
+              </a:defRPr>
             </a:lvl7pPr>
-            <a:lvl8pPr lvl="7">
-              <a:buNone/>
-              <a:defRPr/>
+            <a:lvl8pPr indent="0" lvl="7" marL="0" marR="0" algn="r">
+              <a:lnSpc>
+                <a:spcPct val="100000"/>
+              </a:lnSpc>
+              <a:spcBef>
+                <a:spcPts val="0"/>
+              </a:spcBef>
+              <a:spcAft>
+                <a:spcPts val="0"/>
+              </a:spcAft>
+              <a:buClr>
+                <a:srgbClr val="000000"/>
+              </a:buClr>
+              <a:buSzPts val="1000"/>
+              <a:buFont typeface="Arial"/>
+              <a:buNone/>
+              <a:defRPr b="0" i="0" sz="1000" u="none" cap="none" strike="noStrike">
+                <a:solidFill>
+                  <a:schemeClr val="dk2"/>
+                </a:solidFill>
+                <a:latin typeface="Arial"/>
+                <a:ea typeface="Arial"/>
+                <a:cs typeface="Arial"/>
+                <a:sym typeface="Arial"/>
+              </a:defRPr>
             </a:lvl8pPr>
-            <a:lvl9pPr lvl="8">
-              <a:buNone/>
-              <a:defRPr/>
+            <a:lvl9pPr indent="0" lvl="8" marL="0" marR="0" algn="r">
+              <a:lnSpc>
+                <a:spcPct val="100000"/>
+              </a:lnSpc>
+              <a:spcBef>
+                <a:spcPts val="0"/>
+              </a:spcBef>
+              <a:spcAft>
+                <a:spcPts val="0"/>
+              </a:spcAft>
+              <a:buClr>
+                <a:srgbClr val="000000"/>
+              </a:buClr>
+              <a:buSzPts val="1000"/>
+              <a:buFont typeface="Arial"/>
+              <a:buNone/>
+              <a:defRPr b="0" i="0" sz="1000" u="none" cap="none" strike="noStrike">
+                <a:solidFill>
+                  <a:schemeClr val="dk2"/>
+                </a:solidFill>
+                <a:latin typeface="Arial"/>
+                <a:ea typeface="Arial"/>
+                <a:cs typeface="Arial"/>
+                <a:sym typeface="Arial"/>
+              </a:defRPr>
             </a:lvl9pPr>
           </a:lstStyle>
           <a:p>
@@ -2550,11 +3968,11 @@
 </file>
 
 <file path=ppt/slideLayouts/slideLayout3.xml><?xml version="1.0" encoding="utf-8"?>
-<p:sldLayout xmlns:a="http://schemas.openxmlformats.org/drawingml/2006/main" xmlns:r="http://schemas.openxmlformats.org/officeDocument/2006/relationships" xmlns:mc="http://schemas.openxmlformats.org/markup-compatibility/2006" xmlns:mv="urn:schemas-microsoft-com:mac:vml" xmlns:p="http://schemas.openxmlformats.org/presentationml/2006/main" xmlns:c="http://schemas.openxmlformats.org/drawingml/2006/chart" xmlns:dgm="http://schemas.openxmlformats.org/drawingml/2006/diagram" xmlns:o="urn:schemas-microsoft-com:office:office" xmlns:v="urn:schemas-microsoft-com:vml" xmlns:pvml="urn:schemas-microsoft-com:office:powerpoint" xmlns:com="http://schemas.openxmlformats.org/drawingml/2006/compatibility" xmlns:p14="http://schemas.microsoft.com/office/powerpoint/2010/main" xmlns:p15="http://schemas.microsoft.com/office/powerpoint/2012/main" xmlns:ahyp="http://schemas.microsoft.com/office/drawing/2018/hyperlinkcolor" matchingName="Title and body" type="tx">
-  <p:cSld name="TITLE_AND_BODY">
+<p:sldLayout xmlns:a="http://schemas.openxmlformats.org/drawingml/2006/main" xmlns:r="http://schemas.openxmlformats.org/officeDocument/2006/relationships" xmlns:mc="http://schemas.openxmlformats.org/markup-compatibility/2006" xmlns:mv="urn:schemas-microsoft-com:mac:vml" xmlns:p="http://schemas.openxmlformats.org/presentationml/2006/main" xmlns:c="http://schemas.openxmlformats.org/drawingml/2006/chart" xmlns:dgm="http://schemas.openxmlformats.org/drawingml/2006/diagram" xmlns:o="urn:schemas-microsoft-com:office:office" xmlns:v="urn:schemas-microsoft-com:vml" xmlns:pvml="urn:schemas-microsoft-com:office:powerpoint" xmlns:com="http://schemas.openxmlformats.org/drawingml/2006/compatibility" xmlns:p14="http://schemas.microsoft.com/office/powerpoint/2010/main" xmlns:p15="http://schemas.microsoft.com/office/powerpoint/2012/main" xmlns:ahyp="http://schemas.microsoft.com/office/drawing/2018/hyperlinkcolor" matchingName="Blank" type="blank">
+  <p:cSld name="BLANK">
     <p:spTree>
       <p:nvGrpSpPr>
-        <p:cNvPr id="16" name="Shape 16"/>
+        <p:cNvPr id="17" name="Shape 17"/>
         <p:cNvGrpSpPr/>
         <p:nvPr/>
       </p:nvGrpSpPr>
@@ -2568,257 +3986,7 @@
       </p:grpSpPr>
       <p:sp>
         <p:nvSpPr>
-          <p:cNvPr id="17" name="Google Shape;17;p4"/>
-          <p:cNvSpPr txBox="1"/>
-          <p:nvPr>
-            <p:ph type="title"/>
-          </p:nvPr>
-        </p:nvSpPr>
-        <p:spPr>
-          <a:xfrm>
-            <a:off x="311700" y="445025"/>
-            <a:ext cx="8520600" cy="572700"/>
-          </a:xfrm>
-          <a:prstGeom prst="rect">
-            <a:avLst/>
-          </a:prstGeom>
-        </p:spPr>
-        <p:txBody>
-          <a:bodyPr anchorCtr="0" anchor="t" bIns="91425" lIns="91425" spcFirstLastPara="1" rIns="91425" wrap="square" tIns="91425">
-            <a:normAutofit/>
-          </a:bodyPr>
-          <a:lstStyle>
-            <a:lvl1pPr lvl="0">
-              <a:spcBef>
-                <a:spcPts val="0"/>
-              </a:spcBef>
-              <a:spcAft>
-                <a:spcPts val="0"/>
-              </a:spcAft>
-              <a:buSzPts val="2800"/>
-              <a:buNone/>
-              <a:defRPr/>
-            </a:lvl1pPr>
-            <a:lvl2pPr lvl="1">
-              <a:spcBef>
-                <a:spcPts val="0"/>
-              </a:spcBef>
-              <a:spcAft>
-                <a:spcPts val="0"/>
-              </a:spcAft>
-              <a:buSzPts val="2800"/>
-              <a:buNone/>
-              <a:defRPr/>
-            </a:lvl2pPr>
-            <a:lvl3pPr lvl="2">
-              <a:spcBef>
-                <a:spcPts val="0"/>
-              </a:spcBef>
-              <a:spcAft>
-                <a:spcPts val="0"/>
-              </a:spcAft>
-              <a:buSzPts val="2800"/>
-              <a:buNone/>
-              <a:defRPr/>
-            </a:lvl3pPr>
-            <a:lvl4pPr lvl="3">
-              <a:spcBef>
-                <a:spcPts val="0"/>
-              </a:spcBef>
-              <a:spcAft>
-                <a:spcPts val="0"/>
-              </a:spcAft>
-              <a:buSzPts val="2800"/>
-              <a:buNone/>
-              <a:defRPr/>
-            </a:lvl4pPr>
-            <a:lvl5pPr lvl="4">
-              <a:spcBef>
-                <a:spcPts val="0"/>
-              </a:spcBef>
-              <a:spcAft>
-                <a:spcPts val="0"/>
-              </a:spcAft>
-              <a:buSzPts val="2800"/>
-              <a:buNone/>
-              <a:defRPr/>
-            </a:lvl5pPr>
-            <a:lvl6pPr lvl="5">
-              <a:spcBef>
-                <a:spcPts val="0"/>
-              </a:spcBef>
-              <a:spcAft>
-                <a:spcPts val="0"/>
-              </a:spcAft>
-              <a:buSzPts val="2800"/>
-              <a:buNone/>
-              <a:defRPr/>
-            </a:lvl6pPr>
-            <a:lvl7pPr lvl="6">
-              <a:spcBef>
-                <a:spcPts val="0"/>
-              </a:spcBef>
-              <a:spcAft>
-                <a:spcPts val="0"/>
-              </a:spcAft>
-              <a:buSzPts val="2800"/>
-              <a:buNone/>
-              <a:defRPr/>
-            </a:lvl7pPr>
-            <a:lvl8pPr lvl="7">
-              <a:spcBef>
-                <a:spcPts val="0"/>
-              </a:spcBef>
-              <a:spcAft>
-                <a:spcPts val="0"/>
-              </a:spcAft>
-              <a:buSzPts val="2800"/>
-              <a:buNone/>
-              <a:defRPr/>
-            </a:lvl8pPr>
-            <a:lvl9pPr lvl="8">
-              <a:spcBef>
-                <a:spcPts val="0"/>
-              </a:spcBef>
-              <a:spcAft>
-                <a:spcPts val="0"/>
-              </a:spcAft>
-              <a:buSzPts val="2800"/>
-              <a:buNone/>
-              <a:defRPr/>
-            </a:lvl9pPr>
-          </a:lstStyle>
-          <a:p/>
-        </p:txBody>
-      </p:sp>
-      <p:sp>
-        <p:nvSpPr>
-          <p:cNvPr id="18" name="Google Shape;18;p4"/>
-          <p:cNvSpPr txBox="1"/>
-          <p:nvPr>
-            <p:ph idx="1" type="body"/>
-          </p:nvPr>
-        </p:nvSpPr>
-        <p:spPr>
-          <a:xfrm>
-            <a:off x="311700" y="1152475"/>
-            <a:ext cx="8520600" cy="3416400"/>
-          </a:xfrm>
-          <a:prstGeom prst="rect">
-            <a:avLst/>
-          </a:prstGeom>
-        </p:spPr>
-        <p:txBody>
-          <a:bodyPr anchorCtr="0" anchor="t" bIns="91425" lIns="91425" spcFirstLastPara="1" rIns="91425" wrap="square" tIns="91425">
-            <a:normAutofit/>
-          </a:bodyPr>
-          <a:lstStyle>
-            <a:lvl1pPr indent="-342900" lvl="0" marL="457200">
-              <a:spcBef>
-                <a:spcPts val="0"/>
-              </a:spcBef>
-              <a:spcAft>
-                <a:spcPts val="0"/>
-              </a:spcAft>
-              <a:buSzPts val="1800"/>
-              <a:buChar char="●"/>
-              <a:defRPr/>
-            </a:lvl1pPr>
-            <a:lvl2pPr indent="-317500" lvl="1" marL="914400">
-              <a:spcBef>
-                <a:spcPts val="0"/>
-              </a:spcBef>
-              <a:spcAft>
-                <a:spcPts val="0"/>
-              </a:spcAft>
-              <a:buSzPts val="1400"/>
-              <a:buChar char="○"/>
-              <a:defRPr/>
-            </a:lvl2pPr>
-            <a:lvl3pPr indent="-317500" lvl="2" marL="1371600">
-              <a:spcBef>
-                <a:spcPts val="0"/>
-              </a:spcBef>
-              <a:spcAft>
-                <a:spcPts val="0"/>
-              </a:spcAft>
-              <a:buSzPts val="1400"/>
-              <a:buChar char="■"/>
-              <a:defRPr/>
-            </a:lvl3pPr>
-            <a:lvl4pPr indent="-317500" lvl="3" marL="1828800">
-              <a:spcBef>
-                <a:spcPts val="0"/>
-              </a:spcBef>
-              <a:spcAft>
-                <a:spcPts val="0"/>
-              </a:spcAft>
-              <a:buSzPts val="1400"/>
-              <a:buChar char="●"/>
-              <a:defRPr/>
-            </a:lvl4pPr>
-            <a:lvl5pPr indent="-317500" lvl="4" marL="2286000">
-              <a:spcBef>
-                <a:spcPts val="0"/>
-              </a:spcBef>
-              <a:spcAft>
-                <a:spcPts val="0"/>
-              </a:spcAft>
-              <a:buSzPts val="1400"/>
-              <a:buChar char="○"/>
-              <a:defRPr/>
-            </a:lvl5pPr>
-            <a:lvl6pPr indent="-317500" lvl="5" marL="2743200">
-              <a:spcBef>
-                <a:spcPts val="0"/>
-              </a:spcBef>
-              <a:spcAft>
-                <a:spcPts val="0"/>
-              </a:spcAft>
-              <a:buSzPts val="1400"/>
-              <a:buChar char="■"/>
-              <a:defRPr/>
-            </a:lvl6pPr>
-            <a:lvl7pPr indent="-317500" lvl="6" marL="3200400">
-              <a:spcBef>
-                <a:spcPts val="0"/>
-              </a:spcBef>
-              <a:spcAft>
-                <a:spcPts val="0"/>
-              </a:spcAft>
-              <a:buSzPts val="1400"/>
-              <a:buChar char="●"/>
-              <a:defRPr/>
-            </a:lvl7pPr>
-            <a:lvl8pPr indent="-317500" lvl="7" marL="3657600">
-              <a:spcBef>
-                <a:spcPts val="0"/>
-              </a:spcBef>
-              <a:spcAft>
-                <a:spcPts val="0"/>
-              </a:spcAft>
-              <a:buSzPts val="1400"/>
-              <a:buChar char="○"/>
-              <a:defRPr/>
-            </a:lvl8pPr>
-            <a:lvl9pPr indent="-317500" lvl="8" marL="4114800">
-              <a:spcBef>
-                <a:spcPts val="0"/>
-              </a:spcBef>
-              <a:spcAft>
-                <a:spcPts val="0"/>
-              </a:spcAft>
-              <a:buSzPts val="1400"/>
-              <a:buChar char="■"/>
-              <a:defRPr/>
-            </a:lvl9pPr>
-          </a:lstStyle>
-          <a:p/>
-        </p:txBody>
-      </p:sp>
-      <p:sp>
-        <p:nvSpPr>
-          <p:cNvPr id="19" name="Google Shape;19;p4"/>
+          <p:cNvPr id="18" name="Google Shape;18;p12"/>
           <p:cNvSpPr txBox="1"/>
           <p:nvPr>
             <p:ph idx="12" type="sldNum"/>
@@ -2832,47 +4000,249 @@
           <a:prstGeom prst="rect">
             <a:avLst/>
           </a:prstGeom>
+          <a:noFill/>
+          <a:ln>
+            <a:noFill/>
+          </a:ln>
         </p:spPr>
         <p:txBody>
           <a:bodyPr anchorCtr="0" anchor="ctr" bIns="91425" lIns="91425" spcFirstLastPara="1" rIns="91425" wrap="square" tIns="91425">
             <a:normAutofit/>
           </a:bodyPr>
           <a:lstStyle>
-            <a:lvl1pPr lvl="0">
-              <a:buNone/>
-              <a:defRPr/>
+            <a:lvl1pPr indent="0" lvl="0" marL="0" marR="0" algn="r">
+              <a:lnSpc>
+                <a:spcPct val="100000"/>
+              </a:lnSpc>
+              <a:spcBef>
+                <a:spcPts val="0"/>
+              </a:spcBef>
+              <a:spcAft>
+                <a:spcPts val="0"/>
+              </a:spcAft>
+              <a:buClr>
+                <a:srgbClr val="000000"/>
+              </a:buClr>
+              <a:buSzPts val="1000"/>
+              <a:buFont typeface="Arial"/>
+              <a:buNone/>
+              <a:defRPr b="0" i="0" sz="1000" u="none" cap="none" strike="noStrike">
+                <a:solidFill>
+                  <a:schemeClr val="dk2"/>
+                </a:solidFill>
+                <a:latin typeface="Arial"/>
+                <a:ea typeface="Arial"/>
+                <a:cs typeface="Arial"/>
+                <a:sym typeface="Arial"/>
+              </a:defRPr>
             </a:lvl1pPr>
-            <a:lvl2pPr lvl="1">
-              <a:buNone/>
-              <a:defRPr/>
+            <a:lvl2pPr indent="0" lvl="1" marL="0" marR="0" algn="r">
+              <a:lnSpc>
+                <a:spcPct val="100000"/>
+              </a:lnSpc>
+              <a:spcBef>
+                <a:spcPts val="0"/>
+              </a:spcBef>
+              <a:spcAft>
+                <a:spcPts val="0"/>
+              </a:spcAft>
+              <a:buClr>
+                <a:srgbClr val="000000"/>
+              </a:buClr>
+              <a:buSzPts val="1000"/>
+              <a:buFont typeface="Arial"/>
+              <a:buNone/>
+              <a:defRPr b="0" i="0" sz="1000" u="none" cap="none" strike="noStrike">
+                <a:solidFill>
+                  <a:schemeClr val="dk2"/>
+                </a:solidFill>
+                <a:latin typeface="Arial"/>
+                <a:ea typeface="Arial"/>
+                <a:cs typeface="Arial"/>
+                <a:sym typeface="Arial"/>
+              </a:defRPr>
             </a:lvl2pPr>
-            <a:lvl3pPr lvl="2">
-              <a:buNone/>
-              <a:defRPr/>
+            <a:lvl3pPr indent="0" lvl="2" marL="0" marR="0" algn="r">
+              <a:lnSpc>
+                <a:spcPct val="100000"/>
+              </a:lnSpc>
+              <a:spcBef>
+                <a:spcPts val="0"/>
+              </a:spcBef>
+              <a:spcAft>
+                <a:spcPts val="0"/>
+              </a:spcAft>
+              <a:buClr>
+                <a:srgbClr val="000000"/>
+              </a:buClr>
+              <a:buSzPts val="1000"/>
+              <a:buFont typeface="Arial"/>
+              <a:buNone/>
+              <a:defRPr b="0" i="0" sz="1000" u="none" cap="none" strike="noStrike">
+                <a:solidFill>
+                  <a:schemeClr val="dk2"/>
+                </a:solidFill>
+                <a:latin typeface="Arial"/>
+                <a:ea typeface="Arial"/>
+                <a:cs typeface="Arial"/>
+                <a:sym typeface="Arial"/>
+              </a:defRPr>
             </a:lvl3pPr>
-            <a:lvl4pPr lvl="3">
-              <a:buNone/>
-              <a:defRPr/>
+            <a:lvl4pPr indent="0" lvl="3" marL="0" marR="0" algn="r">
+              <a:lnSpc>
+                <a:spcPct val="100000"/>
+              </a:lnSpc>
+              <a:spcBef>
+                <a:spcPts val="0"/>
+              </a:spcBef>
+              <a:spcAft>
+                <a:spcPts val="0"/>
+              </a:spcAft>
+              <a:buClr>
+                <a:srgbClr val="000000"/>
+              </a:buClr>
+              <a:buSzPts val="1000"/>
+              <a:buFont typeface="Arial"/>
+              <a:buNone/>
+              <a:defRPr b="0" i="0" sz="1000" u="none" cap="none" strike="noStrike">
+                <a:solidFill>
+                  <a:schemeClr val="dk2"/>
+                </a:solidFill>
+                <a:latin typeface="Arial"/>
+                <a:ea typeface="Arial"/>
+                <a:cs typeface="Arial"/>
+                <a:sym typeface="Arial"/>
+              </a:defRPr>
             </a:lvl4pPr>
-            <a:lvl5pPr lvl="4">
-              <a:buNone/>
-              <a:defRPr/>
+            <a:lvl5pPr indent="0" lvl="4" marL="0" marR="0" algn="r">
+              <a:lnSpc>
+                <a:spcPct val="100000"/>
+              </a:lnSpc>
+              <a:spcBef>
+                <a:spcPts val="0"/>
+              </a:spcBef>
+              <a:spcAft>
+                <a:spcPts val="0"/>
+              </a:spcAft>
+              <a:buClr>
+                <a:srgbClr val="000000"/>
+              </a:buClr>
+              <a:buSzPts val="1000"/>
+              <a:buFont typeface="Arial"/>
+              <a:buNone/>
+              <a:defRPr b="0" i="0" sz="1000" u="none" cap="none" strike="noStrike">
+                <a:solidFill>
+                  <a:schemeClr val="dk2"/>
+                </a:solidFill>
+                <a:latin typeface="Arial"/>
+                <a:ea typeface="Arial"/>
+                <a:cs typeface="Arial"/>
+                <a:sym typeface="Arial"/>
+              </a:defRPr>
             </a:lvl5pPr>
-            <a:lvl6pPr lvl="5">
-              <a:buNone/>
-              <a:defRPr/>
+            <a:lvl6pPr indent="0" lvl="5" marL="0" marR="0" algn="r">
+              <a:lnSpc>
+                <a:spcPct val="100000"/>
+              </a:lnSpc>
+              <a:spcBef>
+                <a:spcPts val="0"/>
+              </a:spcBef>
+              <a:spcAft>
+                <a:spcPts val="0"/>
+              </a:spcAft>
+              <a:buClr>
+                <a:srgbClr val="000000"/>
+              </a:buClr>
+              <a:buSzPts val="1000"/>
+              <a:buFont typeface="Arial"/>
+              <a:buNone/>
+              <a:defRPr b="0" i="0" sz="1000" u="none" cap="none" strike="noStrike">
+                <a:solidFill>
+                  <a:schemeClr val="dk2"/>
+                </a:solidFill>
+                <a:latin typeface="Arial"/>
+                <a:ea typeface="Arial"/>
+                <a:cs typeface="Arial"/>
+                <a:sym typeface="Arial"/>
+              </a:defRPr>
             </a:lvl6pPr>
-            <a:lvl7pPr lvl="6">
-              <a:buNone/>
-              <a:defRPr/>
+            <a:lvl7pPr indent="0" lvl="6" marL="0" marR="0" algn="r">
+              <a:lnSpc>
+                <a:spcPct val="100000"/>
+              </a:lnSpc>
+              <a:spcBef>
+                <a:spcPts val="0"/>
+              </a:spcBef>
+              <a:spcAft>
+                <a:spcPts val="0"/>
+              </a:spcAft>
+              <a:buClr>
+                <a:srgbClr val="000000"/>
+              </a:buClr>
+              <a:buSzPts val="1000"/>
+              <a:buFont typeface="Arial"/>
+              <a:buNone/>
+              <a:defRPr b="0" i="0" sz="1000" u="none" cap="none" strike="noStrike">
+                <a:solidFill>
+                  <a:schemeClr val="dk2"/>
+                </a:solidFill>
+                <a:latin typeface="Arial"/>
+                <a:ea typeface="Arial"/>
+                <a:cs typeface="Arial"/>
+                <a:sym typeface="Arial"/>
+              </a:defRPr>
             </a:lvl7pPr>
-            <a:lvl8pPr lvl="7">
-              <a:buNone/>
-              <a:defRPr/>
+            <a:lvl8pPr indent="0" lvl="7" marL="0" marR="0" algn="r">
+              <a:lnSpc>
+                <a:spcPct val="100000"/>
+              </a:lnSpc>
+              <a:spcBef>
+                <a:spcPts val="0"/>
+              </a:spcBef>
+              <a:spcAft>
+                <a:spcPts val="0"/>
+              </a:spcAft>
+              <a:buClr>
+                <a:srgbClr val="000000"/>
+              </a:buClr>
+              <a:buSzPts val="1000"/>
+              <a:buFont typeface="Arial"/>
+              <a:buNone/>
+              <a:defRPr b="0" i="0" sz="1000" u="none" cap="none" strike="noStrike">
+                <a:solidFill>
+                  <a:schemeClr val="dk2"/>
+                </a:solidFill>
+                <a:latin typeface="Arial"/>
+                <a:ea typeface="Arial"/>
+                <a:cs typeface="Arial"/>
+                <a:sym typeface="Arial"/>
+              </a:defRPr>
             </a:lvl8pPr>
-            <a:lvl9pPr lvl="8">
-              <a:buNone/>
-              <a:defRPr/>
+            <a:lvl9pPr indent="0" lvl="8" marL="0" marR="0" algn="r">
+              <a:lnSpc>
+                <a:spcPct val="100000"/>
+              </a:lnSpc>
+              <a:spcBef>
+                <a:spcPts val="0"/>
+              </a:spcBef>
+              <a:spcAft>
+                <a:spcPts val="0"/>
+              </a:spcAft>
+              <a:buClr>
+                <a:srgbClr val="000000"/>
+              </a:buClr>
+              <a:buSzPts val="1000"/>
+              <a:buFont typeface="Arial"/>
+              <a:buNone/>
+              <a:defRPr b="0" i="0" sz="1000" u="none" cap="none" strike="noStrike">
+                <a:solidFill>
+                  <a:schemeClr val="dk2"/>
+                </a:solidFill>
+                <a:latin typeface="Arial"/>
+                <a:ea typeface="Arial"/>
+                <a:cs typeface="Arial"/>
+                <a:sym typeface="Arial"/>
+              </a:defRPr>
             </a:lvl9pPr>
           </a:lstStyle>
           <a:p>
@@ -2902,11 +4272,11 @@
 </file>
 
 <file path=ppt/slideLayouts/slideLayout4.xml><?xml version="1.0" encoding="utf-8"?>
-<p:sldLayout xmlns:a="http://schemas.openxmlformats.org/drawingml/2006/main" xmlns:r="http://schemas.openxmlformats.org/officeDocument/2006/relationships" xmlns:mc="http://schemas.openxmlformats.org/markup-compatibility/2006" xmlns:mv="urn:schemas-microsoft-com:mac:vml" xmlns:p="http://schemas.openxmlformats.org/presentationml/2006/main" xmlns:c="http://schemas.openxmlformats.org/drawingml/2006/chart" xmlns:dgm="http://schemas.openxmlformats.org/drawingml/2006/diagram" xmlns:o="urn:schemas-microsoft-com:office:office" xmlns:v="urn:schemas-microsoft-com:vml" xmlns:pvml="urn:schemas-microsoft-com:office:powerpoint" xmlns:com="http://schemas.openxmlformats.org/drawingml/2006/compatibility" xmlns:p14="http://schemas.microsoft.com/office/powerpoint/2010/main" xmlns:p15="http://schemas.microsoft.com/office/powerpoint/2012/main" xmlns:ahyp="http://schemas.microsoft.com/office/drawing/2018/hyperlinkcolor" matchingName="Title and two columns" type="twoColTx">
-  <p:cSld name="TITLE_AND_TWO_COLUMNS">
+<p:sldLayout xmlns:a="http://schemas.openxmlformats.org/drawingml/2006/main" xmlns:r="http://schemas.openxmlformats.org/officeDocument/2006/relationships" xmlns:mc="http://schemas.openxmlformats.org/markup-compatibility/2006" xmlns:mv="urn:schemas-microsoft-com:mac:vml" xmlns:p="http://schemas.openxmlformats.org/presentationml/2006/main" xmlns:c="http://schemas.openxmlformats.org/drawingml/2006/chart" xmlns:dgm="http://schemas.openxmlformats.org/drawingml/2006/diagram" xmlns:o="urn:schemas-microsoft-com:office:office" xmlns:v="urn:schemas-microsoft-com:vml" xmlns:pvml="urn:schemas-microsoft-com:office:powerpoint" xmlns:com="http://schemas.openxmlformats.org/drawingml/2006/compatibility" xmlns:p14="http://schemas.microsoft.com/office/powerpoint/2010/main" xmlns:p15="http://schemas.microsoft.com/office/powerpoint/2012/main" xmlns:ahyp="http://schemas.microsoft.com/office/drawing/2018/hyperlinkcolor" matchingName="Section header" type="secHead">
+  <p:cSld name="SECTION_HEADER">
     <p:spTree>
       <p:nvGrpSpPr>
-        <p:cNvPr id="20" name="Shape 20"/>
+        <p:cNvPr id="19" name="Shape 19"/>
         <p:cNvGrpSpPr/>
         <p:nvPr/>
       </p:nvGrpSpPr>
@@ -2920,7 +4290,7 @@
       </p:grpSpPr>
       <p:sp>
         <p:nvSpPr>
-          <p:cNvPr id="21" name="Google Shape;21;p5"/>
+          <p:cNvPr id="20" name="Google Shape;20;p13"/>
           <p:cNvSpPr txBox="1"/>
           <p:nvPr>
             <p:ph type="title"/>
@@ -2928,116 +4298,147 @@
         </p:nvSpPr>
         <p:spPr>
           <a:xfrm>
-            <a:off x="311700" y="445025"/>
-            <a:ext cx="8520600" cy="572700"/>
+            <a:off x="311700" y="2150850"/>
+            <a:ext cx="8520600" cy="841800"/>
           </a:xfrm>
           <a:prstGeom prst="rect">
             <a:avLst/>
           </a:prstGeom>
+          <a:noFill/>
+          <a:ln>
+            <a:noFill/>
+          </a:ln>
         </p:spPr>
         <p:txBody>
-          <a:bodyPr anchorCtr="0" anchor="t" bIns="91425" lIns="91425" spcFirstLastPara="1" rIns="91425" wrap="square" tIns="91425">
+          <a:bodyPr anchorCtr="0" anchor="ctr" bIns="91425" lIns="91425" spcFirstLastPara="1" rIns="91425" wrap="square" tIns="91425">
             <a:normAutofit/>
           </a:bodyPr>
           <a:lstStyle>
-            <a:lvl1pPr lvl="0">
-              <a:spcBef>
-                <a:spcPts val="0"/>
-              </a:spcBef>
-              <a:spcAft>
-                <a:spcPts val="0"/>
-              </a:spcAft>
-              <a:buSzPts val="2800"/>
-              <a:buNone/>
-              <a:defRPr/>
+            <a:lvl1pPr lvl="0" algn="ctr">
+              <a:lnSpc>
+                <a:spcPct val="100000"/>
+              </a:lnSpc>
+              <a:spcBef>
+                <a:spcPts val="0"/>
+              </a:spcBef>
+              <a:spcAft>
+                <a:spcPts val="0"/>
+              </a:spcAft>
+              <a:buSzPts val="3600"/>
+              <a:buNone/>
+              <a:defRPr sz="3600"/>
             </a:lvl1pPr>
-            <a:lvl2pPr lvl="1">
-              <a:spcBef>
-                <a:spcPts val="0"/>
-              </a:spcBef>
-              <a:spcAft>
-                <a:spcPts val="0"/>
-              </a:spcAft>
-              <a:buSzPts val="2800"/>
-              <a:buNone/>
-              <a:defRPr/>
+            <a:lvl2pPr lvl="1" algn="ctr">
+              <a:lnSpc>
+                <a:spcPct val="100000"/>
+              </a:lnSpc>
+              <a:spcBef>
+                <a:spcPts val="0"/>
+              </a:spcBef>
+              <a:spcAft>
+                <a:spcPts val="0"/>
+              </a:spcAft>
+              <a:buSzPts val="3600"/>
+              <a:buNone/>
+              <a:defRPr sz="3600"/>
             </a:lvl2pPr>
-            <a:lvl3pPr lvl="2">
-              <a:spcBef>
-                <a:spcPts val="0"/>
-              </a:spcBef>
-              <a:spcAft>
-                <a:spcPts val="0"/>
-              </a:spcAft>
-              <a:buSzPts val="2800"/>
-              <a:buNone/>
-              <a:defRPr/>
+            <a:lvl3pPr lvl="2" algn="ctr">
+              <a:lnSpc>
+                <a:spcPct val="100000"/>
+              </a:lnSpc>
+              <a:spcBef>
+                <a:spcPts val="0"/>
+              </a:spcBef>
+              <a:spcAft>
+                <a:spcPts val="0"/>
+              </a:spcAft>
+              <a:buSzPts val="3600"/>
+              <a:buNone/>
+              <a:defRPr sz="3600"/>
             </a:lvl3pPr>
-            <a:lvl4pPr lvl="3">
-              <a:spcBef>
-                <a:spcPts val="0"/>
-              </a:spcBef>
-              <a:spcAft>
-                <a:spcPts val="0"/>
-              </a:spcAft>
-              <a:buSzPts val="2800"/>
-              <a:buNone/>
-              <a:defRPr/>
+            <a:lvl4pPr lvl="3" algn="ctr">
+              <a:lnSpc>
+                <a:spcPct val="100000"/>
+              </a:lnSpc>
+              <a:spcBef>
+                <a:spcPts val="0"/>
+              </a:spcBef>
+              <a:spcAft>
+                <a:spcPts val="0"/>
+              </a:spcAft>
+              <a:buSzPts val="3600"/>
+              <a:buNone/>
+              <a:defRPr sz="3600"/>
             </a:lvl4pPr>
-            <a:lvl5pPr lvl="4">
-              <a:spcBef>
-                <a:spcPts val="0"/>
-              </a:spcBef>
-              <a:spcAft>
-                <a:spcPts val="0"/>
-              </a:spcAft>
-              <a:buSzPts val="2800"/>
-              <a:buNone/>
-              <a:defRPr/>
+            <a:lvl5pPr lvl="4" algn="ctr">
+              <a:lnSpc>
+                <a:spcPct val="100000"/>
+              </a:lnSpc>
+              <a:spcBef>
+                <a:spcPts val="0"/>
+              </a:spcBef>
+              <a:spcAft>
+                <a:spcPts val="0"/>
+              </a:spcAft>
+              <a:buSzPts val="3600"/>
+              <a:buNone/>
+              <a:defRPr sz="3600"/>
             </a:lvl5pPr>
-            <a:lvl6pPr lvl="5">
-              <a:spcBef>
-                <a:spcPts val="0"/>
-              </a:spcBef>
-              <a:spcAft>
-                <a:spcPts val="0"/>
-              </a:spcAft>
-              <a:buSzPts val="2800"/>
-              <a:buNone/>
-              <a:defRPr/>
+            <a:lvl6pPr lvl="5" algn="ctr">
+              <a:lnSpc>
+                <a:spcPct val="100000"/>
+              </a:lnSpc>
+              <a:spcBef>
+                <a:spcPts val="0"/>
+              </a:spcBef>
+              <a:spcAft>
+                <a:spcPts val="0"/>
+              </a:spcAft>
+              <a:buSzPts val="3600"/>
+              <a:buNone/>
+              <a:defRPr sz="3600"/>
             </a:lvl6pPr>
-            <a:lvl7pPr lvl="6">
-              <a:spcBef>
-                <a:spcPts val="0"/>
-              </a:spcBef>
-              <a:spcAft>
-                <a:spcPts val="0"/>
-              </a:spcAft>
-              <a:buSzPts val="2800"/>
-              <a:buNone/>
-              <a:defRPr/>
+            <a:lvl7pPr lvl="6" algn="ctr">
+              <a:lnSpc>
+                <a:spcPct val="100000"/>
+              </a:lnSpc>
+              <a:spcBef>
+                <a:spcPts val="0"/>
+              </a:spcBef>
+              <a:spcAft>
+                <a:spcPts val="0"/>
+              </a:spcAft>
+              <a:buSzPts val="3600"/>
+              <a:buNone/>
+              <a:defRPr sz="3600"/>
             </a:lvl7pPr>
-            <a:lvl8pPr lvl="7">
-              <a:spcBef>
-                <a:spcPts val="0"/>
-              </a:spcBef>
-              <a:spcAft>
-                <a:spcPts val="0"/>
-              </a:spcAft>
-              <a:buSzPts val="2800"/>
-              <a:buNone/>
-              <a:defRPr/>
+            <a:lvl8pPr lvl="7" algn="ctr">
+              <a:lnSpc>
+                <a:spcPct val="100000"/>
+              </a:lnSpc>
+              <a:spcBef>
+                <a:spcPts val="0"/>
+              </a:spcBef>
+              <a:spcAft>
+                <a:spcPts val="0"/>
+              </a:spcAft>
+              <a:buSzPts val="3600"/>
+              <a:buNone/>
+              <a:defRPr sz="3600"/>
             </a:lvl8pPr>
-            <a:lvl9pPr lvl="8">
-              <a:spcBef>
-                <a:spcPts val="0"/>
-              </a:spcBef>
-              <a:spcAft>
-                <a:spcPts val="0"/>
-              </a:spcAft>
-              <a:buSzPts val="2800"/>
-              <a:buNone/>
-              <a:defRPr/>
+            <a:lvl9pPr lvl="8" algn="ctr">
+              <a:lnSpc>
+                <a:spcPct val="100000"/>
+              </a:lnSpc>
+              <a:spcBef>
+                <a:spcPts val="0"/>
+              </a:spcBef>
+              <a:spcAft>
+                <a:spcPts val="0"/>
+              </a:spcAft>
+              <a:buSzPts val="3600"/>
+              <a:buNone/>
+              <a:defRPr sz="3600"/>
             </a:lvl9pPr>
           </a:lstStyle>
           <a:p/>
@@ -3045,257 +4446,7 @@
       </p:sp>
       <p:sp>
         <p:nvSpPr>
-          <p:cNvPr id="22" name="Google Shape;22;p5"/>
-          <p:cNvSpPr txBox="1"/>
-          <p:nvPr>
-            <p:ph idx="1" type="body"/>
-          </p:nvPr>
-        </p:nvSpPr>
-        <p:spPr>
-          <a:xfrm>
-            <a:off x="311700" y="1152475"/>
-            <a:ext cx="3999900" cy="3416400"/>
-          </a:xfrm>
-          <a:prstGeom prst="rect">
-            <a:avLst/>
-          </a:prstGeom>
-        </p:spPr>
-        <p:txBody>
-          <a:bodyPr anchorCtr="0" anchor="t" bIns="91425" lIns="91425" spcFirstLastPara="1" rIns="91425" wrap="square" tIns="91425">
-            <a:normAutofit/>
-          </a:bodyPr>
-          <a:lstStyle>
-            <a:lvl1pPr indent="-317500" lvl="0" marL="457200">
-              <a:spcBef>
-                <a:spcPts val="0"/>
-              </a:spcBef>
-              <a:spcAft>
-                <a:spcPts val="0"/>
-              </a:spcAft>
-              <a:buSzPts val="1400"/>
-              <a:buChar char="●"/>
-              <a:defRPr sz="1400"/>
-            </a:lvl1pPr>
-            <a:lvl2pPr indent="-304800" lvl="1" marL="914400">
-              <a:spcBef>
-                <a:spcPts val="0"/>
-              </a:spcBef>
-              <a:spcAft>
-                <a:spcPts val="0"/>
-              </a:spcAft>
-              <a:buSzPts val="1200"/>
-              <a:buChar char="○"/>
-              <a:defRPr sz="1200"/>
-            </a:lvl2pPr>
-            <a:lvl3pPr indent="-304800" lvl="2" marL="1371600">
-              <a:spcBef>
-                <a:spcPts val="0"/>
-              </a:spcBef>
-              <a:spcAft>
-                <a:spcPts val="0"/>
-              </a:spcAft>
-              <a:buSzPts val="1200"/>
-              <a:buChar char="■"/>
-              <a:defRPr sz="1200"/>
-            </a:lvl3pPr>
-            <a:lvl4pPr indent="-304800" lvl="3" marL="1828800">
-              <a:spcBef>
-                <a:spcPts val="0"/>
-              </a:spcBef>
-              <a:spcAft>
-                <a:spcPts val="0"/>
-              </a:spcAft>
-              <a:buSzPts val="1200"/>
-              <a:buChar char="●"/>
-              <a:defRPr sz="1200"/>
-            </a:lvl4pPr>
-            <a:lvl5pPr indent="-304800" lvl="4" marL="2286000">
-              <a:spcBef>
-                <a:spcPts val="0"/>
-              </a:spcBef>
-              <a:spcAft>
-                <a:spcPts val="0"/>
-              </a:spcAft>
-              <a:buSzPts val="1200"/>
-              <a:buChar char="○"/>
-              <a:defRPr sz="1200"/>
-            </a:lvl5pPr>
-            <a:lvl6pPr indent="-304800" lvl="5" marL="2743200">
-              <a:spcBef>
-                <a:spcPts val="0"/>
-              </a:spcBef>
-              <a:spcAft>
-                <a:spcPts val="0"/>
-              </a:spcAft>
-              <a:buSzPts val="1200"/>
-              <a:buChar char="■"/>
-              <a:defRPr sz="1200"/>
-            </a:lvl6pPr>
-            <a:lvl7pPr indent="-304800" lvl="6" marL="3200400">
-              <a:spcBef>
-                <a:spcPts val="0"/>
-              </a:spcBef>
-              <a:spcAft>
-                <a:spcPts val="0"/>
-              </a:spcAft>
-              <a:buSzPts val="1200"/>
-              <a:buChar char="●"/>
-              <a:defRPr sz="1200"/>
-            </a:lvl7pPr>
-            <a:lvl8pPr indent="-304800" lvl="7" marL="3657600">
-              <a:spcBef>
-                <a:spcPts val="0"/>
-              </a:spcBef>
-              <a:spcAft>
-                <a:spcPts val="0"/>
-              </a:spcAft>
-              <a:buSzPts val="1200"/>
-              <a:buChar char="○"/>
-              <a:defRPr sz="1200"/>
-            </a:lvl8pPr>
-            <a:lvl9pPr indent="-304800" lvl="8" marL="4114800">
-              <a:spcBef>
-                <a:spcPts val="0"/>
-              </a:spcBef>
-              <a:spcAft>
-                <a:spcPts val="0"/>
-              </a:spcAft>
-              <a:buSzPts val="1200"/>
-              <a:buChar char="■"/>
-              <a:defRPr sz="1200"/>
-            </a:lvl9pPr>
-          </a:lstStyle>
-          <a:p/>
-        </p:txBody>
-      </p:sp>
-      <p:sp>
-        <p:nvSpPr>
-          <p:cNvPr id="23" name="Google Shape;23;p5"/>
-          <p:cNvSpPr txBox="1"/>
-          <p:nvPr>
-            <p:ph idx="2" type="body"/>
-          </p:nvPr>
-        </p:nvSpPr>
-        <p:spPr>
-          <a:xfrm>
-            <a:off x="4832400" y="1152475"/>
-            <a:ext cx="3999900" cy="3416400"/>
-          </a:xfrm>
-          <a:prstGeom prst="rect">
-            <a:avLst/>
-          </a:prstGeom>
-        </p:spPr>
-        <p:txBody>
-          <a:bodyPr anchorCtr="0" anchor="t" bIns="91425" lIns="91425" spcFirstLastPara="1" rIns="91425" wrap="square" tIns="91425">
-            <a:normAutofit/>
-          </a:bodyPr>
-          <a:lstStyle>
-            <a:lvl1pPr indent="-317500" lvl="0" marL="457200">
-              <a:spcBef>
-                <a:spcPts val="0"/>
-              </a:spcBef>
-              <a:spcAft>
-                <a:spcPts val="0"/>
-              </a:spcAft>
-              <a:buSzPts val="1400"/>
-              <a:buChar char="●"/>
-              <a:defRPr sz="1400"/>
-            </a:lvl1pPr>
-            <a:lvl2pPr indent="-304800" lvl="1" marL="914400">
-              <a:spcBef>
-                <a:spcPts val="0"/>
-              </a:spcBef>
-              <a:spcAft>
-                <a:spcPts val="0"/>
-              </a:spcAft>
-              <a:buSzPts val="1200"/>
-              <a:buChar char="○"/>
-              <a:defRPr sz="1200"/>
-            </a:lvl2pPr>
-            <a:lvl3pPr indent="-304800" lvl="2" marL="1371600">
-              <a:spcBef>
-                <a:spcPts val="0"/>
-              </a:spcBef>
-              <a:spcAft>
-                <a:spcPts val="0"/>
-              </a:spcAft>
-              <a:buSzPts val="1200"/>
-              <a:buChar char="■"/>
-              <a:defRPr sz="1200"/>
-            </a:lvl3pPr>
-            <a:lvl4pPr indent="-304800" lvl="3" marL="1828800">
-              <a:spcBef>
-                <a:spcPts val="0"/>
-              </a:spcBef>
-              <a:spcAft>
-                <a:spcPts val="0"/>
-              </a:spcAft>
-              <a:buSzPts val="1200"/>
-              <a:buChar char="●"/>
-              <a:defRPr sz="1200"/>
-            </a:lvl4pPr>
-            <a:lvl5pPr indent="-304800" lvl="4" marL="2286000">
-              <a:spcBef>
-                <a:spcPts val="0"/>
-              </a:spcBef>
-              <a:spcAft>
-                <a:spcPts val="0"/>
-              </a:spcAft>
-              <a:buSzPts val="1200"/>
-              <a:buChar char="○"/>
-              <a:defRPr sz="1200"/>
-            </a:lvl5pPr>
-            <a:lvl6pPr indent="-304800" lvl="5" marL="2743200">
-              <a:spcBef>
-                <a:spcPts val="0"/>
-              </a:spcBef>
-              <a:spcAft>
-                <a:spcPts val="0"/>
-              </a:spcAft>
-              <a:buSzPts val="1200"/>
-              <a:buChar char="■"/>
-              <a:defRPr sz="1200"/>
-            </a:lvl6pPr>
-            <a:lvl7pPr indent="-304800" lvl="6" marL="3200400">
-              <a:spcBef>
-                <a:spcPts val="0"/>
-              </a:spcBef>
-              <a:spcAft>
-                <a:spcPts val="0"/>
-              </a:spcAft>
-              <a:buSzPts val="1200"/>
-              <a:buChar char="●"/>
-              <a:defRPr sz="1200"/>
-            </a:lvl7pPr>
-            <a:lvl8pPr indent="-304800" lvl="7" marL="3657600">
-              <a:spcBef>
-                <a:spcPts val="0"/>
-              </a:spcBef>
-              <a:spcAft>
-                <a:spcPts val="0"/>
-              </a:spcAft>
-              <a:buSzPts val="1200"/>
-              <a:buChar char="○"/>
-              <a:defRPr sz="1200"/>
-            </a:lvl8pPr>
-            <a:lvl9pPr indent="-304800" lvl="8" marL="4114800">
-              <a:spcBef>
-                <a:spcPts val="0"/>
-              </a:spcBef>
-              <a:spcAft>
-                <a:spcPts val="0"/>
-              </a:spcAft>
-              <a:buSzPts val="1200"/>
-              <a:buChar char="■"/>
-              <a:defRPr sz="1200"/>
-            </a:lvl9pPr>
-          </a:lstStyle>
-          <a:p/>
-        </p:txBody>
-      </p:sp>
-      <p:sp>
-        <p:nvSpPr>
-          <p:cNvPr id="24" name="Google Shape;24;p5"/>
+          <p:cNvPr id="21" name="Google Shape;21;p13"/>
           <p:cNvSpPr txBox="1"/>
           <p:nvPr>
             <p:ph idx="12" type="sldNum"/>
@@ -3309,47 +4460,249 @@
           <a:prstGeom prst="rect">
             <a:avLst/>
           </a:prstGeom>
+          <a:noFill/>
+          <a:ln>
+            <a:noFill/>
+          </a:ln>
         </p:spPr>
         <p:txBody>
           <a:bodyPr anchorCtr="0" anchor="ctr" bIns="91425" lIns="91425" spcFirstLastPara="1" rIns="91425" wrap="square" tIns="91425">
             <a:normAutofit/>
           </a:bodyPr>
           <a:lstStyle>
-            <a:lvl1pPr lvl="0">
-              <a:buNone/>
-              <a:defRPr/>
+            <a:lvl1pPr indent="0" lvl="0" marL="0" marR="0" algn="r">
+              <a:lnSpc>
+                <a:spcPct val="100000"/>
+              </a:lnSpc>
+              <a:spcBef>
+                <a:spcPts val="0"/>
+              </a:spcBef>
+              <a:spcAft>
+                <a:spcPts val="0"/>
+              </a:spcAft>
+              <a:buClr>
+                <a:srgbClr val="000000"/>
+              </a:buClr>
+              <a:buSzPts val="1000"/>
+              <a:buFont typeface="Arial"/>
+              <a:buNone/>
+              <a:defRPr b="0" i="0" sz="1000" u="none" cap="none" strike="noStrike">
+                <a:solidFill>
+                  <a:schemeClr val="dk2"/>
+                </a:solidFill>
+                <a:latin typeface="Arial"/>
+                <a:ea typeface="Arial"/>
+                <a:cs typeface="Arial"/>
+                <a:sym typeface="Arial"/>
+              </a:defRPr>
             </a:lvl1pPr>
-            <a:lvl2pPr lvl="1">
-              <a:buNone/>
-              <a:defRPr/>
+            <a:lvl2pPr indent="0" lvl="1" marL="0" marR="0" algn="r">
+              <a:lnSpc>
+                <a:spcPct val="100000"/>
+              </a:lnSpc>
+              <a:spcBef>
+                <a:spcPts val="0"/>
+              </a:spcBef>
+              <a:spcAft>
+                <a:spcPts val="0"/>
+              </a:spcAft>
+              <a:buClr>
+                <a:srgbClr val="000000"/>
+              </a:buClr>
+              <a:buSzPts val="1000"/>
+              <a:buFont typeface="Arial"/>
+              <a:buNone/>
+              <a:defRPr b="0" i="0" sz="1000" u="none" cap="none" strike="noStrike">
+                <a:solidFill>
+                  <a:schemeClr val="dk2"/>
+                </a:solidFill>
+                <a:latin typeface="Arial"/>
+                <a:ea typeface="Arial"/>
+                <a:cs typeface="Arial"/>
+                <a:sym typeface="Arial"/>
+              </a:defRPr>
             </a:lvl2pPr>
-            <a:lvl3pPr lvl="2">
-              <a:buNone/>
-              <a:defRPr/>
+            <a:lvl3pPr indent="0" lvl="2" marL="0" marR="0" algn="r">
+              <a:lnSpc>
+                <a:spcPct val="100000"/>
+              </a:lnSpc>
+              <a:spcBef>
+                <a:spcPts val="0"/>
+              </a:spcBef>
+              <a:spcAft>
+                <a:spcPts val="0"/>
+              </a:spcAft>
+              <a:buClr>
+                <a:srgbClr val="000000"/>
+              </a:buClr>
+              <a:buSzPts val="1000"/>
+              <a:buFont typeface="Arial"/>
+              <a:buNone/>
+              <a:defRPr b="0" i="0" sz="1000" u="none" cap="none" strike="noStrike">
+                <a:solidFill>
+                  <a:schemeClr val="dk2"/>
+                </a:solidFill>
+                <a:latin typeface="Arial"/>
+                <a:ea typeface="Arial"/>
+                <a:cs typeface="Arial"/>
+                <a:sym typeface="Arial"/>
+              </a:defRPr>
             </a:lvl3pPr>
-            <a:lvl4pPr lvl="3">
-              <a:buNone/>
-              <a:defRPr/>
+            <a:lvl4pPr indent="0" lvl="3" marL="0" marR="0" algn="r">
+              <a:lnSpc>
+                <a:spcPct val="100000"/>
+              </a:lnSpc>
+              <a:spcBef>
+                <a:spcPts val="0"/>
+              </a:spcBef>
+              <a:spcAft>
+                <a:spcPts val="0"/>
+              </a:spcAft>
+              <a:buClr>
+                <a:srgbClr val="000000"/>
+              </a:buClr>
+              <a:buSzPts val="1000"/>
+              <a:buFont typeface="Arial"/>
+              <a:buNone/>
+              <a:defRPr b="0" i="0" sz="1000" u="none" cap="none" strike="noStrike">
+                <a:solidFill>
+                  <a:schemeClr val="dk2"/>
+                </a:solidFill>
+                <a:latin typeface="Arial"/>
+                <a:ea typeface="Arial"/>
+                <a:cs typeface="Arial"/>
+                <a:sym typeface="Arial"/>
+              </a:defRPr>
             </a:lvl4pPr>
-            <a:lvl5pPr lvl="4">
-              <a:buNone/>
-              <a:defRPr/>
+            <a:lvl5pPr indent="0" lvl="4" marL="0" marR="0" algn="r">
+              <a:lnSpc>
+                <a:spcPct val="100000"/>
+              </a:lnSpc>
+              <a:spcBef>
+                <a:spcPts val="0"/>
+              </a:spcBef>
+              <a:spcAft>
+                <a:spcPts val="0"/>
+              </a:spcAft>
+              <a:buClr>
+                <a:srgbClr val="000000"/>
+              </a:buClr>
+              <a:buSzPts val="1000"/>
+              <a:buFont typeface="Arial"/>
+              <a:buNone/>
+              <a:defRPr b="0" i="0" sz="1000" u="none" cap="none" strike="noStrike">
+                <a:solidFill>
+                  <a:schemeClr val="dk2"/>
+                </a:solidFill>
+                <a:latin typeface="Arial"/>
+                <a:ea typeface="Arial"/>
+                <a:cs typeface="Arial"/>
+                <a:sym typeface="Arial"/>
+              </a:defRPr>
             </a:lvl5pPr>
-            <a:lvl6pPr lvl="5">
-              <a:buNone/>
-              <a:defRPr/>
+            <a:lvl6pPr indent="0" lvl="5" marL="0" marR="0" algn="r">
+              <a:lnSpc>
+                <a:spcPct val="100000"/>
+              </a:lnSpc>
+              <a:spcBef>
+                <a:spcPts val="0"/>
+              </a:spcBef>
+              <a:spcAft>
+                <a:spcPts val="0"/>
+              </a:spcAft>
+              <a:buClr>
+                <a:srgbClr val="000000"/>
+              </a:buClr>
+              <a:buSzPts val="1000"/>
+              <a:buFont typeface="Arial"/>
+              <a:buNone/>
+              <a:defRPr b="0" i="0" sz="1000" u="none" cap="none" strike="noStrike">
+                <a:solidFill>
+                  <a:schemeClr val="dk2"/>
+                </a:solidFill>
+                <a:latin typeface="Arial"/>
+                <a:ea typeface="Arial"/>
+                <a:cs typeface="Arial"/>
+                <a:sym typeface="Arial"/>
+              </a:defRPr>
             </a:lvl6pPr>
-            <a:lvl7pPr lvl="6">
-              <a:buNone/>
-              <a:defRPr/>
+            <a:lvl7pPr indent="0" lvl="6" marL="0" marR="0" algn="r">
+              <a:lnSpc>
+                <a:spcPct val="100000"/>
+              </a:lnSpc>
+              <a:spcBef>
+                <a:spcPts val="0"/>
+              </a:spcBef>
+              <a:spcAft>
+                <a:spcPts val="0"/>
+              </a:spcAft>
+              <a:buClr>
+                <a:srgbClr val="000000"/>
+              </a:buClr>
+              <a:buSzPts val="1000"/>
+              <a:buFont typeface="Arial"/>
+              <a:buNone/>
+              <a:defRPr b="0" i="0" sz="1000" u="none" cap="none" strike="noStrike">
+                <a:solidFill>
+                  <a:schemeClr val="dk2"/>
+                </a:solidFill>
+                <a:latin typeface="Arial"/>
+                <a:ea typeface="Arial"/>
+                <a:cs typeface="Arial"/>
+                <a:sym typeface="Arial"/>
+              </a:defRPr>
             </a:lvl7pPr>
-            <a:lvl8pPr lvl="7">
-              <a:buNone/>
-              <a:defRPr/>
+            <a:lvl8pPr indent="0" lvl="7" marL="0" marR="0" algn="r">
+              <a:lnSpc>
+                <a:spcPct val="100000"/>
+              </a:lnSpc>
+              <a:spcBef>
+                <a:spcPts val="0"/>
+              </a:spcBef>
+              <a:spcAft>
+                <a:spcPts val="0"/>
+              </a:spcAft>
+              <a:buClr>
+                <a:srgbClr val="000000"/>
+              </a:buClr>
+              <a:buSzPts val="1000"/>
+              <a:buFont typeface="Arial"/>
+              <a:buNone/>
+              <a:defRPr b="0" i="0" sz="1000" u="none" cap="none" strike="noStrike">
+                <a:solidFill>
+                  <a:schemeClr val="dk2"/>
+                </a:solidFill>
+                <a:latin typeface="Arial"/>
+                <a:ea typeface="Arial"/>
+                <a:cs typeface="Arial"/>
+                <a:sym typeface="Arial"/>
+              </a:defRPr>
             </a:lvl8pPr>
-            <a:lvl9pPr lvl="8">
-              <a:buNone/>
-              <a:defRPr/>
+            <a:lvl9pPr indent="0" lvl="8" marL="0" marR="0" algn="r">
+              <a:lnSpc>
+                <a:spcPct val="100000"/>
+              </a:lnSpc>
+              <a:spcBef>
+                <a:spcPts val="0"/>
+              </a:spcBef>
+              <a:spcAft>
+                <a:spcPts val="0"/>
+              </a:spcAft>
+              <a:buClr>
+                <a:srgbClr val="000000"/>
+              </a:buClr>
+              <a:buSzPts val="1000"/>
+              <a:buFont typeface="Arial"/>
+              <a:buNone/>
+              <a:defRPr b="0" i="0" sz="1000" u="none" cap="none" strike="noStrike">
+                <a:solidFill>
+                  <a:schemeClr val="dk2"/>
+                </a:solidFill>
+                <a:latin typeface="Arial"/>
+                <a:ea typeface="Arial"/>
+                <a:cs typeface="Arial"/>
+                <a:sym typeface="Arial"/>
+              </a:defRPr>
             </a:lvl9pPr>
           </a:lstStyle>
           <a:p>
@@ -3379,11 +4732,11 @@
 </file>
 
 <file path=ppt/slideLayouts/slideLayout5.xml><?xml version="1.0" encoding="utf-8"?>
-<p:sldLayout xmlns:a="http://schemas.openxmlformats.org/drawingml/2006/main" xmlns:r="http://schemas.openxmlformats.org/officeDocument/2006/relationships" xmlns:mc="http://schemas.openxmlformats.org/markup-compatibility/2006" xmlns:mv="urn:schemas-microsoft-com:mac:vml" xmlns:p="http://schemas.openxmlformats.org/presentationml/2006/main" xmlns:c="http://schemas.openxmlformats.org/drawingml/2006/chart" xmlns:dgm="http://schemas.openxmlformats.org/drawingml/2006/diagram" xmlns:o="urn:schemas-microsoft-com:office:office" xmlns:v="urn:schemas-microsoft-com:vml" xmlns:pvml="urn:schemas-microsoft-com:office:powerpoint" xmlns:com="http://schemas.openxmlformats.org/drawingml/2006/compatibility" xmlns:p14="http://schemas.microsoft.com/office/powerpoint/2010/main" xmlns:p15="http://schemas.microsoft.com/office/powerpoint/2012/main" xmlns:ahyp="http://schemas.microsoft.com/office/drawing/2018/hyperlinkcolor" matchingName="Title only" type="titleOnly">
-  <p:cSld name="TITLE_ONLY">
+<p:sldLayout xmlns:a="http://schemas.openxmlformats.org/drawingml/2006/main" xmlns:r="http://schemas.openxmlformats.org/officeDocument/2006/relationships" xmlns:mc="http://schemas.openxmlformats.org/markup-compatibility/2006" xmlns:mv="urn:schemas-microsoft-com:mac:vml" xmlns:p="http://schemas.openxmlformats.org/presentationml/2006/main" xmlns:c="http://schemas.openxmlformats.org/drawingml/2006/chart" xmlns:dgm="http://schemas.openxmlformats.org/drawingml/2006/diagram" xmlns:o="urn:schemas-microsoft-com:office:office" xmlns:v="urn:schemas-microsoft-com:vml" xmlns:pvml="urn:schemas-microsoft-com:office:powerpoint" xmlns:com="http://schemas.openxmlformats.org/drawingml/2006/compatibility" xmlns:p14="http://schemas.microsoft.com/office/powerpoint/2010/main" xmlns:p15="http://schemas.microsoft.com/office/powerpoint/2012/main" xmlns:ahyp="http://schemas.microsoft.com/office/drawing/2018/hyperlinkcolor" matchingName="Title and two columns" type="twoColTx">
+  <p:cSld name="TITLE_AND_TWO_COLUMNS">
     <p:spTree>
       <p:nvGrpSpPr>
-        <p:cNvPr id="25" name="Shape 25"/>
+        <p:cNvPr id="22" name="Shape 22"/>
         <p:cNvGrpSpPr/>
         <p:nvPr/>
       </p:nvGrpSpPr>
@@ -3397,7 +4750,7 @@
       </p:grpSpPr>
       <p:sp>
         <p:nvSpPr>
-          <p:cNvPr id="26" name="Google Shape;26;p6"/>
+          <p:cNvPr id="23" name="Google Shape;23;p14"/>
           <p:cNvSpPr txBox="1"/>
           <p:nvPr>
             <p:ph type="title"/>
@@ -3411,13 +4764,20 @@
           <a:prstGeom prst="rect">
             <a:avLst/>
           </a:prstGeom>
+          <a:noFill/>
+          <a:ln>
+            <a:noFill/>
+          </a:ln>
         </p:spPr>
         <p:txBody>
           <a:bodyPr anchorCtr="0" anchor="t" bIns="91425" lIns="91425" spcFirstLastPara="1" rIns="91425" wrap="square" tIns="91425">
             <a:normAutofit/>
           </a:bodyPr>
           <a:lstStyle>
-            <a:lvl1pPr lvl="0">
+            <a:lvl1pPr lvl="0" algn="l">
+              <a:lnSpc>
+                <a:spcPct val="100000"/>
+              </a:lnSpc>
               <a:spcBef>
                 <a:spcPts val="0"/>
               </a:spcBef>
@@ -3428,7 +4788,10 @@
               <a:buNone/>
               <a:defRPr/>
             </a:lvl1pPr>
-            <a:lvl2pPr lvl="1">
+            <a:lvl2pPr lvl="1" algn="l">
+              <a:lnSpc>
+                <a:spcPct val="100000"/>
+              </a:lnSpc>
               <a:spcBef>
                 <a:spcPts val="0"/>
               </a:spcBef>
@@ -3439,7 +4802,10 @@
               <a:buNone/>
               <a:defRPr/>
             </a:lvl2pPr>
-            <a:lvl3pPr lvl="2">
+            <a:lvl3pPr lvl="2" algn="l">
+              <a:lnSpc>
+                <a:spcPct val="100000"/>
+              </a:lnSpc>
               <a:spcBef>
                 <a:spcPts val="0"/>
               </a:spcBef>
@@ -3450,7 +4816,10 @@
               <a:buNone/>
               <a:defRPr/>
             </a:lvl3pPr>
-            <a:lvl4pPr lvl="3">
+            <a:lvl4pPr lvl="3" algn="l">
+              <a:lnSpc>
+                <a:spcPct val="100000"/>
+              </a:lnSpc>
               <a:spcBef>
                 <a:spcPts val="0"/>
               </a:spcBef>
@@ -3461,7 +4830,10 @@
               <a:buNone/>
               <a:defRPr/>
             </a:lvl4pPr>
-            <a:lvl5pPr lvl="4">
+            <a:lvl5pPr lvl="4" algn="l">
+              <a:lnSpc>
+                <a:spcPct val="100000"/>
+              </a:lnSpc>
               <a:spcBef>
                 <a:spcPts val="0"/>
               </a:spcBef>
@@ -3472,7 +4844,10 @@
               <a:buNone/>
               <a:defRPr/>
             </a:lvl5pPr>
-            <a:lvl6pPr lvl="5">
+            <a:lvl6pPr lvl="5" algn="l">
+              <a:lnSpc>
+                <a:spcPct val="100000"/>
+              </a:lnSpc>
               <a:spcBef>
                 <a:spcPts val="0"/>
               </a:spcBef>
@@ -3483,7 +4858,10 @@
               <a:buNone/>
               <a:defRPr/>
             </a:lvl6pPr>
-            <a:lvl7pPr lvl="6">
+            <a:lvl7pPr lvl="6" algn="l">
+              <a:lnSpc>
+                <a:spcPct val="100000"/>
+              </a:lnSpc>
               <a:spcBef>
                 <a:spcPts val="0"/>
               </a:spcBef>
@@ -3494,7 +4872,10 @@
               <a:buNone/>
               <a:defRPr/>
             </a:lvl7pPr>
-            <a:lvl8pPr lvl="7">
+            <a:lvl8pPr lvl="7" algn="l">
+              <a:lnSpc>
+                <a:spcPct val="100000"/>
+              </a:lnSpc>
               <a:spcBef>
                 <a:spcPts val="0"/>
               </a:spcBef>
@@ -3505,7 +4886,10 @@
               <a:buNone/>
               <a:defRPr/>
             </a:lvl8pPr>
-            <a:lvl9pPr lvl="8">
+            <a:lvl9pPr lvl="8" algn="l">
+              <a:lnSpc>
+                <a:spcPct val="100000"/>
+              </a:lnSpc>
               <a:spcBef>
                 <a:spcPts val="0"/>
               </a:spcBef>
@@ -3522,7 +4906,319 @@
       </p:sp>
       <p:sp>
         <p:nvSpPr>
-          <p:cNvPr id="27" name="Google Shape;27;p6"/>
+          <p:cNvPr id="24" name="Google Shape;24;p14"/>
+          <p:cNvSpPr txBox="1"/>
+          <p:nvPr>
+            <p:ph idx="1" type="body"/>
+          </p:nvPr>
+        </p:nvSpPr>
+        <p:spPr>
+          <a:xfrm>
+            <a:off x="311700" y="1152475"/>
+            <a:ext cx="3999900" cy="3416400"/>
+          </a:xfrm>
+          <a:prstGeom prst="rect">
+            <a:avLst/>
+          </a:prstGeom>
+          <a:noFill/>
+          <a:ln>
+            <a:noFill/>
+          </a:ln>
+        </p:spPr>
+        <p:txBody>
+          <a:bodyPr anchorCtr="0" anchor="t" bIns="91425" lIns="91425" spcFirstLastPara="1" rIns="91425" wrap="square" tIns="91425">
+            <a:normAutofit/>
+          </a:bodyPr>
+          <a:lstStyle>
+            <a:lvl1pPr indent="-317500" lvl="0" marL="457200" algn="l">
+              <a:lnSpc>
+                <a:spcPct val="115000"/>
+              </a:lnSpc>
+              <a:spcBef>
+                <a:spcPts val="0"/>
+              </a:spcBef>
+              <a:spcAft>
+                <a:spcPts val="0"/>
+              </a:spcAft>
+              <a:buSzPts val="1400"/>
+              <a:buChar char="●"/>
+              <a:defRPr sz="1400"/>
+            </a:lvl1pPr>
+            <a:lvl2pPr indent="-304800" lvl="1" marL="914400" algn="l">
+              <a:lnSpc>
+                <a:spcPct val="115000"/>
+              </a:lnSpc>
+              <a:spcBef>
+                <a:spcPts val="0"/>
+              </a:spcBef>
+              <a:spcAft>
+                <a:spcPts val="0"/>
+              </a:spcAft>
+              <a:buSzPts val="1200"/>
+              <a:buChar char="○"/>
+              <a:defRPr sz="1200"/>
+            </a:lvl2pPr>
+            <a:lvl3pPr indent="-304800" lvl="2" marL="1371600" algn="l">
+              <a:lnSpc>
+                <a:spcPct val="115000"/>
+              </a:lnSpc>
+              <a:spcBef>
+                <a:spcPts val="0"/>
+              </a:spcBef>
+              <a:spcAft>
+                <a:spcPts val="0"/>
+              </a:spcAft>
+              <a:buSzPts val="1200"/>
+              <a:buChar char="■"/>
+              <a:defRPr sz="1200"/>
+            </a:lvl3pPr>
+            <a:lvl4pPr indent="-304800" lvl="3" marL="1828800" algn="l">
+              <a:lnSpc>
+                <a:spcPct val="115000"/>
+              </a:lnSpc>
+              <a:spcBef>
+                <a:spcPts val="0"/>
+              </a:spcBef>
+              <a:spcAft>
+                <a:spcPts val="0"/>
+              </a:spcAft>
+              <a:buSzPts val="1200"/>
+              <a:buChar char="●"/>
+              <a:defRPr sz="1200"/>
+            </a:lvl4pPr>
+            <a:lvl5pPr indent="-304800" lvl="4" marL="2286000" algn="l">
+              <a:lnSpc>
+                <a:spcPct val="115000"/>
+              </a:lnSpc>
+              <a:spcBef>
+                <a:spcPts val="0"/>
+              </a:spcBef>
+              <a:spcAft>
+                <a:spcPts val="0"/>
+              </a:spcAft>
+              <a:buSzPts val="1200"/>
+              <a:buChar char="○"/>
+              <a:defRPr sz="1200"/>
+            </a:lvl5pPr>
+            <a:lvl6pPr indent="-304800" lvl="5" marL="2743200" algn="l">
+              <a:lnSpc>
+                <a:spcPct val="115000"/>
+              </a:lnSpc>
+              <a:spcBef>
+                <a:spcPts val="0"/>
+              </a:spcBef>
+              <a:spcAft>
+                <a:spcPts val="0"/>
+              </a:spcAft>
+              <a:buSzPts val="1200"/>
+              <a:buChar char="■"/>
+              <a:defRPr sz="1200"/>
+            </a:lvl6pPr>
+            <a:lvl7pPr indent="-304800" lvl="6" marL="3200400" algn="l">
+              <a:lnSpc>
+                <a:spcPct val="115000"/>
+              </a:lnSpc>
+              <a:spcBef>
+                <a:spcPts val="0"/>
+              </a:spcBef>
+              <a:spcAft>
+                <a:spcPts val="0"/>
+              </a:spcAft>
+              <a:buSzPts val="1200"/>
+              <a:buChar char="●"/>
+              <a:defRPr sz="1200"/>
+            </a:lvl7pPr>
+            <a:lvl8pPr indent="-304800" lvl="7" marL="3657600" algn="l">
+              <a:lnSpc>
+                <a:spcPct val="115000"/>
+              </a:lnSpc>
+              <a:spcBef>
+                <a:spcPts val="0"/>
+              </a:spcBef>
+              <a:spcAft>
+                <a:spcPts val="0"/>
+              </a:spcAft>
+              <a:buSzPts val="1200"/>
+              <a:buChar char="○"/>
+              <a:defRPr sz="1200"/>
+            </a:lvl8pPr>
+            <a:lvl9pPr indent="-304800" lvl="8" marL="4114800" algn="l">
+              <a:lnSpc>
+                <a:spcPct val="115000"/>
+              </a:lnSpc>
+              <a:spcBef>
+                <a:spcPts val="0"/>
+              </a:spcBef>
+              <a:spcAft>
+                <a:spcPts val="0"/>
+              </a:spcAft>
+              <a:buSzPts val="1200"/>
+              <a:buChar char="■"/>
+              <a:defRPr sz="1200"/>
+            </a:lvl9pPr>
+          </a:lstStyle>
+          <a:p/>
+        </p:txBody>
+      </p:sp>
+      <p:sp>
+        <p:nvSpPr>
+          <p:cNvPr id="25" name="Google Shape;25;p14"/>
+          <p:cNvSpPr txBox="1"/>
+          <p:nvPr>
+            <p:ph idx="2" type="body"/>
+          </p:nvPr>
+        </p:nvSpPr>
+        <p:spPr>
+          <a:xfrm>
+            <a:off x="4832400" y="1152475"/>
+            <a:ext cx="3999900" cy="3416400"/>
+          </a:xfrm>
+          <a:prstGeom prst="rect">
+            <a:avLst/>
+          </a:prstGeom>
+          <a:noFill/>
+          <a:ln>
+            <a:noFill/>
+          </a:ln>
+        </p:spPr>
+        <p:txBody>
+          <a:bodyPr anchorCtr="0" anchor="t" bIns="91425" lIns="91425" spcFirstLastPara="1" rIns="91425" wrap="square" tIns="91425">
+            <a:normAutofit/>
+          </a:bodyPr>
+          <a:lstStyle>
+            <a:lvl1pPr indent="-317500" lvl="0" marL="457200" algn="l">
+              <a:lnSpc>
+                <a:spcPct val="115000"/>
+              </a:lnSpc>
+              <a:spcBef>
+                <a:spcPts val="0"/>
+              </a:spcBef>
+              <a:spcAft>
+                <a:spcPts val="0"/>
+              </a:spcAft>
+              <a:buSzPts val="1400"/>
+              <a:buChar char="●"/>
+              <a:defRPr sz="1400"/>
+            </a:lvl1pPr>
+            <a:lvl2pPr indent="-304800" lvl="1" marL="914400" algn="l">
+              <a:lnSpc>
+                <a:spcPct val="115000"/>
+              </a:lnSpc>
+              <a:spcBef>
+                <a:spcPts val="0"/>
+              </a:spcBef>
+              <a:spcAft>
+                <a:spcPts val="0"/>
+              </a:spcAft>
+              <a:buSzPts val="1200"/>
+              <a:buChar char="○"/>
+              <a:defRPr sz="1200"/>
+            </a:lvl2pPr>
+            <a:lvl3pPr indent="-304800" lvl="2" marL="1371600" algn="l">
+              <a:lnSpc>
+                <a:spcPct val="115000"/>
+              </a:lnSpc>
+              <a:spcBef>
+                <a:spcPts val="0"/>
+              </a:spcBef>
+              <a:spcAft>
+                <a:spcPts val="0"/>
+              </a:spcAft>
+              <a:buSzPts val="1200"/>
+              <a:buChar char="■"/>
+              <a:defRPr sz="1200"/>
+            </a:lvl3pPr>
+            <a:lvl4pPr indent="-304800" lvl="3" marL="1828800" algn="l">
+              <a:lnSpc>
+                <a:spcPct val="115000"/>
+              </a:lnSpc>
+              <a:spcBef>
+                <a:spcPts val="0"/>
+              </a:spcBef>
+              <a:spcAft>
+                <a:spcPts val="0"/>
+              </a:spcAft>
+              <a:buSzPts val="1200"/>
+              <a:buChar char="●"/>
+              <a:defRPr sz="1200"/>
+            </a:lvl4pPr>
+            <a:lvl5pPr indent="-304800" lvl="4" marL="2286000" algn="l">
+              <a:lnSpc>
+                <a:spcPct val="115000"/>
+              </a:lnSpc>
+              <a:spcBef>
+                <a:spcPts val="0"/>
+              </a:spcBef>
+              <a:spcAft>
+                <a:spcPts val="0"/>
+              </a:spcAft>
+              <a:buSzPts val="1200"/>
+              <a:buChar char="○"/>
+              <a:defRPr sz="1200"/>
+            </a:lvl5pPr>
+            <a:lvl6pPr indent="-304800" lvl="5" marL="2743200" algn="l">
+              <a:lnSpc>
+                <a:spcPct val="115000"/>
+              </a:lnSpc>
+              <a:spcBef>
+                <a:spcPts val="0"/>
+              </a:spcBef>
+              <a:spcAft>
+                <a:spcPts val="0"/>
+              </a:spcAft>
+              <a:buSzPts val="1200"/>
+              <a:buChar char="■"/>
+              <a:defRPr sz="1200"/>
+            </a:lvl6pPr>
+            <a:lvl7pPr indent="-304800" lvl="6" marL="3200400" algn="l">
+              <a:lnSpc>
+                <a:spcPct val="115000"/>
+              </a:lnSpc>
+              <a:spcBef>
+                <a:spcPts val="0"/>
+              </a:spcBef>
+              <a:spcAft>
+                <a:spcPts val="0"/>
+              </a:spcAft>
+              <a:buSzPts val="1200"/>
+              <a:buChar char="●"/>
+              <a:defRPr sz="1200"/>
+            </a:lvl7pPr>
+            <a:lvl8pPr indent="-304800" lvl="7" marL="3657600" algn="l">
+              <a:lnSpc>
+                <a:spcPct val="115000"/>
+              </a:lnSpc>
+              <a:spcBef>
+                <a:spcPts val="0"/>
+              </a:spcBef>
+              <a:spcAft>
+                <a:spcPts val="0"/>
+              </a:spcAft>
+              <a:buSzPts val="1200"/>
+              <a:buChar char="○"/>
+              <a:defRPr sz="1200"/>
+            </a:lvl8pPr>
+            <a:lvl9pPr indent="-304800" lvl="8" marL="4114800" algn="l">
+              <a:lnSpc>
+                <a:spcPct val="115000"/>
+              </a:lnSpc>
+              <a:spcBef>
+                <a:spcPts val="0"/>
+              </a:spcBef>
+              <a:spcAft>
+                <a:spcPts val="0"/>
+              </a:spcAft>
+              <a:buSzPts val="1200"/>
+              <a:buChar char="■"/>
+              <a:defRPr sz="1200"/>
+            </a:lvl9pPr>
+          </a:lstStyle>
+          <a:p/>
+        </p:txBody>
+      </p:sp>
+      <p:sp>
+        <p:nvSpPr>
+          <p:cNvPr id="26" name="Google Shape;26;p14"/>
           <p:cNvSpPr txBox="1"/>
           <p:nvPr>
             <p:ph idx="12" type="sldNum"/>
@@ -3536,47 +5232,249 @@
           <a:prstGeom prst="rect">
             <a:avLst/>
           </a:prstGeom>
+          <a:noFill/>
+          <a:ln>
+            <a:noFill/>
+          </a:ln>
         </p:spPr>
         <p:txBody>
           <a:bodyPr anchorCtr="0" anchor="ctr" bIns="91425" lIns="91425" spcFirstLastPara="1" rIns="91425" wrap="square" tIns="91425">
             <a:normAutofit/>
           </a:bodyPr>
           <a:lstStyle>
-            <a:lvl1pPr lvl="0">
-              <a:buNone/>
-              <a:defRPr/>
+            <a:lvl1pPr indent="0" lvl="0" marL="0" marR="0" algn="r">
+              <a:lnSpc>
+                <a:spcPct val="100000"/>
+              </a:lnSpc>
+              <a:spcBef>
+                <a:spcPts val="0"/>
+              </a:spcBef>
+              <a:spcAft>
+                <a:spcPts val="0"/>
+              </a:spcAft>
+              <a:buClr>
+                <a:srgbClr val="000000"/>
+              </a:buClr>
+              <a:buSzPts val="1000"/>
+              <a:buFont typeface="Arial"/>
+              <a:buNone/>
+              <a:defRPr b="0" i="0" sz="1000" u="none" cap="none" strike="noStrike">
+                <a:solidFill>
+                  <a:schemeClr val="dk2"/>
+                </a:solidFill>
+                <a:latin typeface="Arial"/>
+                <a:ea typeface="Arial"/>
+                <a:cs typeface="Arial"/>
+                <a:sym typeface="Arial"/>
+              </a:defRPr>
             </a:lvl1pPr>
-            <a:lvl2pPr lvl="1">
-              <a:buNone/>
-              <a:defRPr/>
+            <a:lvl2pPr indent="0" lvl="1" marL="0" marR="0" algn="r">
+              <a:lnSpc>
+                <a:spcPct val="100000"/>
+              </a:lnSpc>
+              <a:spcBef>
+                <a:spcPts val="0"/>
+              </a:spcBef>
+              <a:spcAft>
+                <a:spcPts val="0"/>
+              </a:spcAft>
+              <a:buClr>
+                <a:srgbClr val="000000"/>
+              </a:buClr>
+              <a:buSzPts val="1000"/>
+              <a:buFont typeface="Arial"/>
+              <a:buNone/>
+              <a:defRPr b="0" i="0" sz="1000" u="none" cap="none" strike="noStrike">
+                <a:solidFill>
+                  <a:schemeClr val="dk2"/>
+                </a:solidFill>
+                <a:latin typeface="Arial"/>
+                <a:ea typeface="Arial"/>
+                <a:cs typeface="Arial"/>
+                <a:sym typeface="Arial"/>
+              </a:defRPr>
             </a:lvl2pPr>
-            <a:lvl3pPr lvl="2">
-              <a:buNone/>
-              <a:defRPr/>
+            <a:lvl3pPr indent="0" lvl="2" marL="0" marR="0" algn="r">
+              <a:lnSpc>
+                <a:spcPct val="100000"/>
+              </a:lnSpc>
+              <a:spcBef>
+                <a:spcPts val="0"/>
+              </a:spcBef>
+              <a:spcAft>
+                <a:spcPts val="0"/>
+              </a:spcAft>
+              <a:buClr>
+                <a:srgbClr val="000000"/>
+              </a:buClr>
+              <a:buSzPts val="1000"/>
+              <a:buFont typeface="Arial"/>
+              <a:buNone/>
+              <a:defRPr b="0" i="0" sz="1000" u="none" cap="none" strike="noStrike">
+                <a:solidFill>
+                  <a:schemeClr val="dk2"/>
+                </a:solidFill>
+                <a:latin typeface="Arial"/>
+                <a:ea typeface="Arial"/>
+                <a:cs typeface="Arial"/>
+                <a:sym typeface="Arial"/>
+              </a:defRPr>
             </a:lvl3pPr>
-            <a:lvl4pPr lvl="3">
-              <a:buNone/>
-              <a:defRPr/>
+            <a:lvl4pPr indent="0" lvl="3" marL="0" marR="0" algn="r">
+              <a:lnSpc>
+                <a:spcPct val="100000"/>
+              </a:lnSpc>
+              <a:spcBef>
+                <a:spcPts val="0"/>
+              </a:spcBef>
+              <a:spcAft>
+                <a:spcPts val="0"/>
+              </a:spcAft>
+              <a:buClr>
+                <a:srgbClr val="000000"/>
+              </a:buClr>
+              <a:buSzPts val="1000"/>
+              <a:buFont typeface="Arial"/>
+              <a:buNone/>
+              <a:defRPr b="0" i="0" sz="1000" u="none" cap="none" strike="noStrike">
+                <a:solidFill>
+                  <a:schemeClr val="dk2"/>
+                </a:solidFill>
+                <a:latin typeface="Arial"/>
+                <a:ea typeface="Arial"/>
+                <a:cs typeface="Arial"/>
+                <a:sym typeface="Arial"/>
+              </a:defRPr>
             </a:lvl4pPr>
-            <a:lvl5pPr lvl="4">
-              <a:buNone/>
-              <a:defRPr/>
+            <a:lvl5pPr indent="0" lvl="4" marL="0" marR="0" algn="r">
+              <a:lnSpc>
+                <a:spcPct val="100000"/>
+              </a:lnSpc>
+              <a:spcBef>
+                <a:spcPts val="0"/>
+              </a:spcBef>
+              <a:spcAft>
+                <a:spcPts val="0"/>
+              </a:spcAft>
+              <a:buClr>
+                <a:srgbClr val="000000"/>
+              </a:buClr>
+              <a:buSzPts val="1000"/>
+              <a:buFont typeface="Arial"/>
+              <a:buNone/>
+              <a:defRPr b="0" i="0" sz="1000" u="none" cap="none" strike="noStrike">
+                <a:solidFill>
+                  <a:schemeClr val="dk2"/>
+                </a:solidFill>
+                <a:latin typeface="Arial"/>
+                <a:ea typeface="Arial"/>
+                <a:cs typeface="Arial"/>
+                <a:sym typeface="Arial"/>
+              </a:defRPr>
             </a:lvl5pPr>
-            <a:lvl6pPr lvl="5">
-              <a:buNone/>
-              <a:defRPr/>
+            <a:lvl6pPr indent="0" lvl="5" marL="0" marR="0" algn="r">
+              <a:lnSpc>
+                <a:spcPct val="100000"/>
+              </a:lnSpc>
+              <a:spcBef>
+                <a:spcPts val="0"/>
+              </a:spcBef>
+              <a:spcAft>
+                <a:spcPts val="0"/>
+              </a:spcAft>
+              <a:buClr>
+                <a:srgbClr val="000000"/>
+              </a:buClr>
+              <a:buSzPts val="1000"/>
+              <a:buFont typeface="Arial"/>
+              <a:buNone/>
+              <a:defRPr b="0" i="0" sz="1000" u="none" cap="none" strike="noStrike">
+                <a:solidFill>
+                  <a:schemeClr val="dk2"/>
+                </a:solidFill>
+                <a:latin typeface="Arial"/>
+                <a:ea typeface="Arial"/>
+                <a:cs typeface="Arial"/>
+                <a:sym typeface="Arial"/>
+              </a:defRPr>
             </a:lvl6pPr>
-            <a:lvl7pPr lvl="6">
-              <a:buNone/>
-              <a:defRPr/>
+            <a:lvl7pPr indent="0" lvl="6" marL="0" marR="0" algn="r">
+              <a:lnSpc>
+                <a:spcPct val="100000"/>
+              </a:lnSpc>
+              <a:spcBef>
+                <a:spcPts val="0"/>
+              </a:spcBef>
+              <a:spcAft>
+                <a:spcPts val="0"/>
+              </a:spcAft>
+              <a:buClr>
+                <a:srgbClr val="000000"/>
+              </a:buClr>
+              <a:buSzPts val="1000"/>
+              <a:buFont typeface="Arial"/>
+              <a:buNone/>
+              <a:defRPr b="0" i="0" sz="1000" u="none" cap="none" strike="noStrike">
+                <a:solidFill>
+                  <a:schemeClr val="dk2"/>
+                </a:solidFill>
+                <a:latin typeface="Arial"/>
+                <a:ea typeface="Arial"/>
+                <a:cs typeface="Arial"/>
+                <a:sym typeface="Arial"/>
+              </a:defRPr>
             </a:lvl7pPr>
-            <a:lvl8pPr lvl="7">
-              <a:buNone/>
-              <a:defRPr/>
+            <a:lvl8pPr indent="0" lvl="7" marL="0" marR="0" algn="r">
+              <a:lnSpc>
+                <a:spcPct val="100000"/>
+              </a:lnSpc>
+              <a:spcBef>
+                <a:spcPts val="0"/>
+              </a:spcBef>
+              <a:spcAft>
+                <a:spcPts val="0"/>
+              </a:spcAft>
+              <a:buClr>
+                <a:srgbClr val="000000"/>
+              </a:buClr>
+              <a:buSzPts val="1000"/>
+              <a:buFont typeface="Arial"/>
+              <a:buNone/>
+              <a:defRPr b="0" i="0" sz="1000" u="none" cap="none" strike="noStrike">
+                <a:solidFill>
+                  <a:schemeClr val="dk2"/>
+                </a:solidFill>
+                <a:latin typeface="Arial"/>
+                <a:ea typeface="Arial"/>
+                <a:cs typeface="Arial"/>
+                <a:sym typeface="Arial"/>
+              </a:defRPr>
             </a:lvl8pPr>
-            <a:lvl9pPr lvl="8">
-              <a:buNone/>
-              <a:defRPr/>
+            <a:lvl9pPr indent="0" lvl="8" marL="0" marR="0" algn="r">
+              <a:lnSpc>
+                <a:spcPct val="100000"/>
+              </a:lnSpc>
+              <a:spcBef>
+                <a:spcPts val="0"/>
+              </a:spcBef>
+              <a:spcAft>
+                <a:spcPts val="0"/>
+              </a:spcAft>
+              <a:buClr>
+                <a:srgbClr val="000000"/>
+              </a:buClr>
+              <a:buSzPts val="1000"/>
+              <a:buFont typeface="Arial"/>
+              <a:buNone/>
+              <a:defRPr b="0" i="0" sz="1000" u="none" cap="none" strike="noStrike">
+                <a:solidFill>
+                  <a:schemeClr val="dk2"/>
+                </a:solidFill>
+                <a:latin typeface="Arial"/>
+                <a:ea typeface="Arial"/>
+                <a:cs typeface="Arial"/>
+                <a:sym typeface="Arial"/>
+              </a:defRPr>
             </a:lvl9pPr>
           </a:lstStyle>
           <a:p>
@@ -3606,11 +5504,11 @@
 </file>
 
 <file path=ppt/slideLayouts/slideLayout6.xml><?xml version="1.0" encoding="utf-8"?>
-<p:sldLayout xmlns:a="http://schemas.openxmlformats.org/drawingml/2006/main" xmlns:r="http://schemas.openxmlformats.org/officeDocument/2006/relationships" xmlns:mc="http://schemas.openxmlformats.org/markup-compatibility/2006" xmlns:mv="urn:schemas-microsoft-com:mac:vml" xmlns:p="http://schemas.openxmlformats.org/presentationml/2006/main" xmlns:c="http://schemas.openxmlformats.org/drawingml/2006/chart" xmlns:dgm="http://schemas.openxmlformats.org/drawingml/2006/diagram" xmlns:o="urn:schemas-microsoft-com:office:office" xmlns:v="urn:schemas-microsoft-com:vml" xmlns:pvml="urn:schemas-microsoft-com:office:powerpoint" xmlns:com="http://schemas.openxmlformats.org/drawingml/2006/compatibility" xmlns:p14="http://schemas.microsoft.com/office/powerpoint/2010/main" xmlns:p15="http://schemas.microsoft.com/office/powerpoint/2012/main" xmlns:ahyp="http://schemas.microsoft.com/office/drawing/2018/hyperlinkcolor" matchingName="One column text">
-  <p:cSld name="ONE_COLUMN_TEXT">
+<p:sldLayout xmlns:a="http://schemas.openxmlformats.org/drawingml/2006/main" xmlns:r="http://schemas.openxmlformats.org/officeDocument/2006/relationships" xmlns:mc="http://schemas.openxmlformats.org/markup-compatibility/2006" xmlns:mv="urn:schemas-microsoft-com:mac:vml" xmlns:p="http://schemas.openxmlformats.org/presentationml/2006/main" xmlns:c="http://schemas.openxmlformats.org/drawingml/2006/chart" xmlns:dgm="http://schemas.openxmlformats.org/drawingml/2006/diagram" xmlns:o="urn:schemas-microsoft-com:office:office" xmlns:v="urn:schemas-microsoft-com:vml" xmlns:pvml="urn:schemas-microsoft-com:office:powerpoint" xmlns:com="http://schemas.openxmlformats.org/drawingml/2006/compatibility" xmlns:p14="http://schemas.microsoft.com/office/powerpoint/2010/main" xmlns:p15="http://schemas.microsoft.com/office/powerpoint/2012/main" xmlns:ahyp="http://schemas.microsoft.com/office/drawing/2018/hyperlinkcolor" matchingName="Title only" type="titleOnly">
+  <p:cSld name="TITLE_ONLY">
     <p:spTree>
       <p:nvGrpSpPr>
-        <p:cNvPr id="28" name="Shape 28"/>
+        <p:cNvPr id="27" name="Shape 27"/>
         <p:cNvGrpSpPr/>
         <p:nvPr/>
       </p:nvGrpSpPr>
@@ -3624,7 +5522,7 @@
       </p:grpSpPr>
       <p:sp>
         <p:nvSpPr>
-          <p:cNvPr id="29" name="Google Shape;29;p7"/>
+          <p:cNvPr id="28" name="Google Shape;28;p15"/>
           <p:cNvSpPr txBox="1"/>
           <p:nvPr>
             <p:ph type="title"/>
@@ -3632,116 +5530,147 @@
         </p:nvSpPr>
         <p:spPr>
           <a:xfrm>
-            <a:off x="311700" y="555600"/>
-            <a:ext cx="2808000" cy="755700"/>
+            <a:off x="311700" y="445025"/>
+            <a:ext cx="8520600" cy="572700"/>
           </a:xfrm>
           <a:prstGeom prst="rect">
             <a:avLst/>
           </a:prstGeom>
+          <a:noFill/>
+          <a:ln>
+            <a:noFill/>
+          </a:ln>
         </p:spPr>
         <p:txBody>
-          <a:bodyPr anchorCtr="0" anchor="b" bIns="91425" lIns="91425" spcFirstLastPara="1" rIns="91425" wrap="square" tIns="91425">
+          <a:bodyPr anchorCtr="0" anchor="t" bIns="91425" lIns="91425" spcFirstLastPara="1" rIns="91425" wrap="square" tIns="91425">
             <a:normAutofit/>
           </a:bodyPr>
           <a:lstStyle>
-            <a:lvl1pPr lvl="0">
-              <a:spcBef>
-                <a:spcPts val="0"/>
-              </a:spcBef>
-              <a:spcAft>
-                <a:spcPts val="0"/>
-              </a:spcAft>
-              <a:buSzPts val="2400"/>
-              <a:buNone/>
-              <a:defRPr sz="2400"/>
+            <a:lvl1pPr lvl="0" algn="l">
+              <a:lnSpc>
+                <a:spcPct val="100000"/>
+              </a:lnSpc>
+              <a:spcBef>
+                <a:spcPts val="0"/>
+              </a:spcBef>
+              <a:spcAft>
+                <a:spcPts val="0"/>
+              </a:spcAft>
+              <a:buSzPts val="2800"/>
+              <a:buNone/>
+              <a:defRPr/>
             </a:lvl1pPr>
-            <a:lvl2pPr lvl="1">
-              <a:spcBef>
-                <a:spcPts val="0"/>
-              </a:spcBef>
-              <a:spcAft>
-                <a:spcPts val="0"/>
-              </a:spcAft>
-              <a:buSzPts val="2400"/>
-              <a:buNone/>
-              <a:defRPr sz="2400"/>
+            <a:lvl2pPr lvl="1" algn="l">
+              <a:lnSpc>
+                <a:spcPct val="100000"/>
+              </a:lnSpc>
+              <a:spcBef>
+                <a:spcPts val="0"/>
+              </a:spcBef>
+              <a:spcAft>
+                <a:spcPts val="0"/>
+              </a:spcAft>
+              <a:buSzPts val="2800"/>
+              <a:buNone/>
+              <a:defRPr/>
             </a:lvl2pPr>
-            <a:lvl3pPr lvl="2">
-              <a:spcBef>
-                <a:spcPts val="0"/>
-              </a:spcBef>
-              <a:spcAft>
-                <a:spcPts val="0"/>
-              </a:spcAft>
-              <a:buSzPts val="2400"/>
-              <a:buNone/>
-              <a:defRPr sz="2400"/>
+            <a:lvl3pPr lvl="2" algn="l">
+              <a:lnSpc>
+                <a:spcPct val="100000"/>
+              </a:lnSpc>
+              <a:spcBef>
+                <a:spcPts val="0"/>
+              </a:spcBef>
+              <a:spcAft>
+                <a:spcPts val="0"/>
+              </a:spcAft>
+              <a:buSzPts val="2800"/>
+              <a:buNone/>
+              <a:defRPr/>
             </a:lvl3pPr>
-            <a:lvl4pPr lvl="3">
-              <a:spcBef>
-                <a:spcPts val="0"/>
-              </a:spcBef>
-              <a:spcAft>
-                <a:spcPts val="0"/>
-              </a:spcAft>
-              <a:buSzPts val="2400"/>
-              <a:buNone/>
-              <a:defRPr sz="2400"/>
+            <a:lvl4pPr lvl="3" algn="l">
+              <a:lnSpc>
+                <a:spcPct val="100000"/>
+              </a:lnSpc>
+              <a:spcBef>
+                <a:spcPts val="0"/>
+              </a:spcBef>
+              <a:spcAft>
+                <a:spcPts val="0"/>
+              </a:spcAft>
+              <a:buSzPts val="2800"/>
+              <a:buNone/>
+              <a:defRPr/>
             </a:lvl4pPr>
-            <a:lvl5pPr lvl="4">
-              <a:spcBef>
-                <a:spcPts val="0"/>
-              </a:spcBef>
-              <a:spcAft>
-                <a:spcPts val="0"/>
-              </a:spcAft>
-              <a:buSzPts val="2400"/>
-              <a:buNone/>
-              <a:defRPr sz="2400"/>
+            <a:lvl5pPr lvl="4" algn="l">
+              <a:lnSpc>
+                <a:spcPct val="100000"/>
+              </a:lnSpc>
+              <a:spcBef>
+                <a:spcPts val="0"/>
+              </a:spcBef>
+              <a:spcAft>
+                <a:spcPts val="0"/>
+              </a:spcAft>
+              <a:buSzPts val="2800"/>
+              <a:buNone/>
+              <a:defRPr/>
             </a:lvl5pPr>
-            <a:lvl6pPr lvl="5">
-              <a:spcBef>
-                <a:spcPts val="0"/>
-              </a:spcBef>
-              <a:spcAft>
-                <a:spcPts val="0"/>
-              </a:spcAft>
-              <a:buSzPts val="2400"/>
-              <a:buNone/>
-              <a:defRPr sz="2400"/>
+            <a:lvl6pPr lvl="5" algn="l">
+              <a:lnSpc>
+                <a:spcPct val="100000"/>
+              </a:lnSpc>
+              <a:spcBef>
+                <a:spcPts val="0"/>
+              </a:spcBef>
+              <a:spcAft>
+                <a:spcPts val="0"/>
+              </a:spcAft>
+              <a:buSzPts val="2800"/>
+              <a:buNone/>
+              <a:defRPr/>
             </a:lvl6pPr>
-            <a:lvl7pPr lvl="6">
-              <a:spcBef>
-                <a:spcPts val="0"/>
-              </a:spcBef>
-              <a:spcAft>
-                <a:spcPts val="0"/>
-              </a:spcAft>
-              <a:buSzPts val="2400"/>
-              <a:buNone/>
-              <a:defRPr sz="2400"/>
+            <a:lvl7pPr lvl="6" algn="l">
+              <a:lnSpc>
+                <a:spcPct val="100000"/>
+              </a:lnSpc>
+              <a:spcBef>
+                <a:spcPts val="0"/>
+              </a:spcBef>
+              <a:spcAft>
+                <a:spcPts val="0"/>
+              </a:spcAft>
+              <a:buSzPts val="2800"/>
+              <a:buNone/>
+              <a:defRPr/>
             </a:lvl7pPr>
-            <a:lvl8pPr lvl="7">
-              <a:spcBef>
-                <a:spcPts val="0"/>
-              </a:spcBef>
-              <a:spcAft>
-                <a:spcPts val="0"/>
-              </a:spcAft>
-              <a:buSzPts val="2400"/>
-              <a:buNone/>
-              <a:defRPr sz="2400"/>
+            <a:lvl8pPr lvl="7" algn="l">
+              <a:lnSpc>
+                <a:spcPct val="100000"/>
+              </a:lnSpc>
+              <a:spcBef>
+                <a:spcPts val="0"/>
+              </a:spcBef>
+              <a:spcAft>
+                <a:spcPts val="0"/>
+              </a:spcAft>
+              <a:buSzPts val="2800"/>
+              <a:buNone/>
+              <a:defRPr/>
             </a:lvl8pPr>
-            <a:lvl9pPr lvl="8">
-              <a:spcBef>
-                <a:spcPts val="0"/>
-              </a:spcBef>
-              <a:spcAft>
-                <a:spcPts val="0"/>
-              </a:spcAft>
-              <a:buSzPts val="2400"/>
-              <a:buNone/>
-              <a:defRPr sz="2400"/>
+            <a:lvl9pPr lvl="8" algn="l">
+              <a:lnSpc>
+                <a:spcPct val="100000"/>
+              </a:lnSpc>
+              <a:spcBef>
+                <a:spcPts val="0"/>
+              </a:spcBef>
+              <a:spcAft>
+                <a:spcPts val="0"/>
+              </a:spcAft>
+              <a:buSzPts val="2800"/>
+              <a:buNone/>
+              <a:defRPr/>
             </a:lvl9pPr>
           </a:lstStyle>
           <a:p/>
@@ -3749,132 +5678,7 @@
       </p:sp>
       <p:sp>
         <p:nvSpPr>
-          <p:cNvPr id="30" name="Google Shape;30;p7"/>
-          <p:cNvSpPr txBox="1"/>
-          <p:nvPr>
-            <p:ph idx="1" type="body"/>
-          </p:nvPr>
-        </p:nvSpPr>
-        <p:spPr>
-          <a:xfrm>
-            <a:off x="311700" y="1389600"/>
-            <a:ext cx="2808000" cy="3179400"/>
-          </a:xfrm>
-          <a:prstGeom prst="rect">
-            <a:avLst/>
-          </a:prstGeom>
-        </p:spPr>
-        <p:txBody>
-          <a:bodyPr anchorCtr="0" anchor="t" bIns="91425" lIns="91425" spcFirstLastPara="1" rIns="91425" wrap="square" tIns="91425">
-            <a:normAutofit/>
-          </a:bodyPr>
-          <a:lstStyle>
-            <a:lvl1pPr indent="-304800" lvl="0" marL="457200">
-              <a:spcBef>
-                <a:spcPts val="0"/>
-              </a:spcBef>
-              <a:spcAft>
-                <a:spcPts val="0"/>
-              </a:spcAft>
-              <a:buSzPts val="1200"/>
-              <a:buChar char="●"/>
-              <a:defRPr sz="1200"/>
-            </a:lvl1pPr>
-            <a:lvl2pPr indent="-304800" lvl="1" marL="914400">
-              <a:spcBef>
-                <a:spcPts val="0"/>
-              </a:spcBef>
-              <a:spcAft>
-                <a:spcPts val="0"/>
-              </a:spcAft>
-              <a:buSzPts val="1200"/>
-              <a:buChar char="○"/>
-              <a:defRPr sz="1200"/>
-            </a:lvl2pPr>
-            <a:lvl3pPr indent="-304800" lvl="2" marL="1371600">
-              <a:spcBef>
-                <a:spcPts val="0"/>
-              </a:spcBef>
-              <a:spcAft>
-                <a:spcPts val="0"/>
-              </a:spcAft>
-              <a:buSzPts val="1200"/>
-              <a:buChar char="■"/>
-              <a:defRPr sz="1200"/>
-            </a:lvl3pPr>
-            <a:lvl4pPr indent="-304800" lvl="3" marL="1828800">
-              <a:spcBef>
-                <a:spcPts val="0"/>
-              </a:spcBef>
-              <a:spcAft>
-                <a:spcPts val="0"/>
-              </a:spcAft>
-              <a:buSzPts val="1200"/>
-              <a:buChar char="●"/>
-              <a:defRPr sz="1200"/>
-            </a:lvl4pPr>
-            <a:lvl5pPr indent="-304800" lvl="4" marL="2286000">
-              <a:spcBef>
-                <a:spcPts val="0"/>
-              </a:spcBef>
-              <a:spcAft>
-                <a:spcPts val="0"/>
-              </a:spcAft>
-              <a:buSzPts val="1200"/>
-              <a:buChar char="○"/>
-              <a:defRPr sz="1200"/>
-            </a:lvl5pPr>
-            <a:lvl6pPr indent="-304800" lvl="5" marL="2743200">
-              <a:spcBef>
-                <a:spcPts val="0"/>
-              </a:spcBef>
-              <a:spcAft>
-                <a:spcPts val="0"/>
-              </a:spcAft>
-              <a:buSzPts val="1200"/>
-              <a:buChar char="■"/>
-              <a:defRPr sz="1200"/>
-            </a:lvl6pPr>
-            <a:lvl7pPr indent="-304800" lvl="6" marL="3200400">
-              <a:spcBef>
-                <a:spcPts val="0"/>
-              </a:spcBef>
-              <a:spcAft>
-                <a:spcPts val="0"/>
-              </a:spcAft>
-              <a:buSzPts val="1200"/>
-              <a:buChar char="●"/>
-              <a:defRPr sz="1200"/>
-            </a:lvl7pPr>
-            <a:lvl8pPr indent="-304800" lvl="7" marL="3657600">
-              <a:spcBef>
-                <a:spcPts val="0"/>
-              </a:spcBef>
-              <a:spcAft>
-                <a:spcPts val="0"/>
-              </a:spcAft>
-              <a:buSzPts val="1200"/>
-              <a:buChar char="○"/>
-              <a:defRPr sz="1200"/>
-            </a:lvl8pPr>
-            <a:lvl9pPr indent="-304800" lvl="8" marL="4114800">
-              <a:spcBef>
-                <a:spcPts val="0"/>
-              </a:spcBef>
-              <a:spcAft>
-                <a:spcPts val="0"/>
-              </a:spcAft>
-              <a:buSzPts val="1200"/>
-              <a:buChar char="■"/>
-              <a:defRPr sz="1200"/>
-            </a:lvl9pPr>
-          </a:lstStyle>
-          <a:p/>
-        </p:txBody>
-      </p:sp>
-      <p:sp>
-        <p:nvSpPr>
-          <p:cNvPr id="31" name="Google Shape;31;p7"/>
+          <p:cNvPr id="29" name="Google Shape;29;p15"/>
           <p:cNvSpPr txBox="1"/>
           <p:nvPr>
             <p:ph idx="12" type="sldNum"/>
@@ -3888,47 +5692,249 @@
           <a:prstGeom prst="rect">
             <a:avLst/>
           </a:prstGeom>
+          <a:noFill/>
+          <a:ln>
+            <a:noFill/>
+          </a:ln>
         </p:spPr>
         <p:txBody>
           <a:bodyPr anchorCtr="0" anchor="ctr" bIns="91425" lIns="91425" spcFirstLastPara="1" rIns="91425" wrap="square" tIns="91425">
             <a:normAutofit/>
           </a:bodyPr>
           <a:lstStyle>
-            <a:lvl1pPr lvl="0">
-              <a:buNone/>
-              <a:defRPr/>
+            <a:lvl1pPr indent="0" lvl="0" marL="0" marR="0" algn="r">
+              <a:lnSpc>
+                <a:spcPct val="100000"/>
+              </a:lnSpc>
+              <a:spcBef>
+                <a:spcPts val="0"/>
+              </a:spcBef>
+              <a:spcAft>
+                <a:spcPts val="0"/>
+              </a:spcAft>
+              <a:buClr>
+                <a:srgbClr val="000000"/>
+              </a:buClr>
+              <a:buSzPts val="1000"/>
+              <a:buFont typeface="Arial"/>
+              <a:buNone/>
+              <a:defRPr b="0" i="0" sz="1000" u="none" cap="none" strike="noStrike">
+                <a:solidFill>
+                  <a:schemeClr val="dk2"/>
+                </a:solidFill>
+                <a:latin typeface="Arial"/>
+                <a:ea typeface="Arial"/>
+                <a:cs typeface="Arial"/>
+                <a:sym typeface="Arial"/>
+              </a:defRPr>
             </a:lvl1pPr>
-            <a:lvl2pPr lvl="1">
-              <a:buNone/>
-              <a:defRPr/>
+            <a:lvl2pPr indent="0" lvl="1" marL="0" marR="0" algn="r">
+              <a:lnSpc>
+                <a:spcPct val="100000"/>
+              </a:lnSpc>
+              <a:spcBef>
+                <a:spcPts val="0"/>
+              </a:spcBef>
+              <a:spcAft>
+                <a:spcPts val="0"/>
+              </a:spcAft>
+              <a:buClr>
+                <a:srgbClr val="000000"/>
+              </a:buClr>
+              <a:buSzPts val="1000"/>
+              <a:buFont typeface="Arial"/>
+              <a:buNone/>
+              <a:defRPr b="0" i="0" sz="1000" u="none" cap="none" strike="noStrike">
+                <a:solidFill>
+                  <a:schemeClr val="dk2"/>
+                </a:solidFill>
+                <a:latin typeface="Arial"/>
+                <a:ea typeface="Arial"/>
+                <a:cs typeface="Arial"/>
+                <a:sym typeface="Arial"/>
+              </a:defRPr>
             </a:lvl2pPr>
-            <a:lvl3pPr lvl="2">
-              <a:buNone/>
-              <a:defRPr/>
+            <a:lvl3pPr indent="0" lvl="2" marL="0" marR="0" algn="r">
+              <a:lnSpc>
+                <a:spcPct val="100000"/>
+              </a:lnSpc>
+              <a:spcBef>
+                <a:spcPts val="0"/>
+              </a:spcBef>
+              <a:spcAft>
+                <a:spcPts val="0"/>
+              </a:spcAft>
+              <a:buClr>
+                <a:srgbClr val="000000"/>
+              </a:buClr>
+              <a:buSzPts val="1000"/>
+              <a:buFont typeface="Arial"/>
+              <a:buNone/>
+              <a:defRPr b="0" i="0" sz="1000" u="none" cap="none" strike="noStrike">
+                <a:solidFill>
+                  <a:schemeClr val="dk2"/>
+                </a:solidFill>
+                <a:latin typeface="Arial"/>
+                <a:ea typeface="Arial"/>
+                <a:cs typeface="Arial"/>
+                <a:sym typeface="Arial"/>
+              </a:defRPr>
             </a:lvl3pPr>
-            <a:lvl4pPr lvl="3">
-              <a:buNone/>
-              <a:defRPr/>
+            <a:lvl4pPr indent="0" lvl="3" marL="0" marR="0" algn="r">
+              <a:lnSpc>
+                <a:spcPct val="100000"/>
+              </a:lnSpc>
+              <a:spcBef>
+                <a:spcPts val="0"/>
+              </a:spcBef>
+              <a:spcAft>
+                <a:spcPts val="0"/>
+              </a:spcAft>
+              <a:buClr>
+                <a:srgbClr val="000000"/>
+              </a:buClr>
+              <a:buSzPts val="1000"/>
+              <a:buFont typeface="Arial"/>
+              <a:buNone/>
+              <a:defRPr b="0" i="0" sz="1000" u="none" cap="none" strike="noStrike">
+                <a:solidFill>
+                  <a:schemeClr val="dk2"/>
+                </a:solidFill>
+                <a:latin typeface="Arial"/>
+                <a:ea typeface="Arial"/>
+                <a:cs typeface="Arial"/>
+                <a:sym typeface="Arial"/>
+              </a:defRPr>
             </a:lvl4pPr>
-            <a:lvl5pPr lvl="4">
-              <a:buNone/>
-              <a:defRPr/>
+            <a:lvl5pPr indent="0" lvl="4" marL="0" marR="0" algn="r">
+              <a:lnSpc>
+                <a:spcPct val="100000"/>
+              </a:lnSpc>
+              <a:spcBef>
+                <a:spcPts val="0"/>
+              </a:spcBef>
+              <a:spcAft>
+                <a:spcPts val="0"/>
+              </a:spcAft>
+              <a:buClr>
+                <a:srgbClr val="000000"/>
+              </a:buClr>
+              <a:buSzPts val="1000"/>
+              <a:buFont typeface="Arial"/>
+              <a:buNone/>
+              <a:defRPr b="0" i="0" sz="1000" u="none" cap="none" strike="noStrike">
+                <a:solidFill>
+                  <a:schemeClr val="dk2"/>
+                </a:solidFill>
+                <a:latin typeface="Arial"/>
+                <a:ea typeface="Arial"/>
+                <a:cs typeface="Arial"/>
+                <a:sym typeface="Arial"/>
+              </a:defRPr>
             </a:lvl5pPr>
-            <a:lvl6pPr lvl="5">
-              <a:buNone/>
-              <a:defRPr/>
+            <a:lvl6pPr indent="0" lvl="5" marL="0" marR="0" algn="r">
+              <a:lnSpc>
+                <a:spcPct val="100000"/>
+              </a:lnSpc>
+              <a:spcBef>
+                <a:spcPts val="0"/>
+              </a:spcBef>
+              <a:spcAft>
+                <a:spcPts val="0"/>
+              </a:spcAft>
+              <a:buClr>
+                <a:srgbClr val="000000"/>
+              </a:buClr>
+              <a:buSzPts val="1000"/>
+              <a:buFont typeface="Arial"/>
+              <a:buNone/>
+              <a:defRPr b="0" i="0" sz="1000" u="none" cap="none" strike="noStrike">
+                <a:solidFill>
+                  <a:schemeClr val="dk2"/>
+                </a:solidFill>
+                <a:latin typeface="Arial"/>
+                <a:ea typeface="Arial"/>
+                <a:cs typeface="Arial"/>
+                <a:sym typeface="Arial"/>
+              </a:defRPr>
             </a:lvl6pPr>
-            <a:lvl7pPr lvl="6">
-              <a:buNone/>
-              <a:defRPr/>
+            <a:lvl7pPr indent="0" lvl="6" marL="0" marR="0" algn="r">
+              <a:lnSpc>
+                <a:spcPct val="100000"/>
+              </a:lnSpc>
+              <a:spcBef>
+                <a:spcPts val="0"/>
+              </a:spcBef>
+              <a:spcAft>
+                <a:spcPts val="0"/>
+              </a:spcAft>
+              <a:buClr>
+                <a:srgbClr val="000000"/>
+              </a:buClr>
+              <a:buSzPts val="1000"/>
+              <a:buFont typeface="Arial"/>
+              <a:buNone/>
+              <a:defRPr b="0" i="0" sz="1000" u="none" cap="none" strike="noStrike">
+                <a:solidFill>
+                  <a:schemeClr val="dk2"/>
+                </a:solidFill>
+                <a:latin typeface="Arial"/>
+                <a:ea typeface="Arial"/>
+                <a:cs typeface="Arial"/>
+                <a:sym typeface="Arial"/>
+              </a:defRPr>
             </a:lvl7pPr>
-            <a:lvl8pPr lvl="7">
-              <a:buNone/>
-              <a:defRPr/>
+            <a:lvl8pPr indent="0" lvl="7" marL="0" marR="0" algn="r">
+              <a:lnSpc>
+                <a:spcPct val="100000"/>
+              </a:lnSpc>
+              <a:spcBef>
+                <a:spcPts val="0"/>
+              </a:spcBef>
+              <a:spcAft>
+                <a:spcPts val="0"/>
+              </a:spcAft>
+              <a:buClr>
+                <a:srgbClr val="000000"/>
+              </a:buClr>
+              <a:buSzPts val="1000"/>
+              <a:buFont typeface="Arial"/>
+              <a:buNone/>
+              <a:defRPr b="0" i="0" sz="1000" u="none" cap="none" strike="noStrike">
+                <a:solidFill>
+                  <a:schemeClr val="dk2"/>
+                </a:solidFill>
+                <a:latin typeface="Arial"/>
+                <a:ea typeface="Arial"/>
+                <a:cs typeface="Arial"/>
+                <a:sym typeface="Arial"/>
+              </a:defRPr>
             </a:lvl8pPr>
-            <a:lvl9pPr lvl="8">
-              <a:buNone/>
-              <a:defRPr/>
+            <a:lvl9pPr indent="0" lvl="8" marL="0" marR="0" algn="r">
+              <a:lnSpc>
+                <a:spcPct val="100000"/>
+              </a:lnSpc>
+              <a:spcBef>
+                <a:spcPts val="0"/>
+              </a:spcBef>
+              <a:spcAft>
+                <a:spcPts val="0"/>
+              </a:spcAft>
+              <a:buClr>
+                <a:srgbClr val="000000"/>
+              </a:buClr>
+              <a:buSzPts val="1000"/>
+              <a:buFont typeface="Arial"/>
+              <a:buNone/>
+              <a:defRPr b="0" i="0" sz="1000" u="none" cap="none" strike="noStrike">
+                <a:solidFill>
+                  <a:schemeClr val="dk2"/>
+                </a:solidFill>
+                <a:latin typeface="Arial"/>
+                <a:ea typeface="Arial"/>
+                <a:cs typeface="Arial"/>
+                <a:sym typeface="Arial"/>
+              </a:defRPr>
             </a:lvl9pPr>
           </a:lstStyle>
           <a:p>
@@ -3958,11 +5964,11 @@
 </file>
 
 <file path=ppt/slideLayouts/slideLayout7.xml><?xml version="1.0" encoding="utf-8"?>
-<p:sldLayout xmlns:a="http://schemas.openxmlformats.org/drawingml/2006/main" xmlns:r="http://schemas.openxmlformats.org/officeDocument/2006/relationships" xmlns:mc="http://schemas.openxmlformats.org/markup-compatibility/2006" xmlns:mv="urn:schemas-microsoft-com:mac:vml" xmlns:p="http://schemas.openxmlformats.org/presentationml/2006/main" xmlns:c="http://schemas.openxmlformats.org/drawingml/2006/chart" xmlns:dgm="http://schemas.openxmlformats.org/drawingml/2006/diagram" xmlns:o="urn:schemas-microsoft-com:office:office" xmlns:v="urn:schemas-microsoft-com:vml" xmlns:pvml="urn:schemas-microsoft-com:office:powerpoint" xmlns:com="http://schemas.openxmlformats.org/drawingml/2006/compatibility" xmlns:p14="http://schemas.microsoft.com/office/powerpoint/2010/main" xmlns:p15="http://schemas.microsoft.com/office/powerpoint/2012/main" xmlns:ahyp="http://schemas.microsoft.com/office/drawing/2018/hyperlinkcolor" matchingName="Main point">
-  <p:cSld name="MAIN_POINT">
+<p:sldLayout xmlns:a="http://schemas.openxmlformats.org/drawingml/2006/main" xmlns:r="http://schemas.openxmlformats.org/officeDocument/2006/relationships" xmlns:mc="http://schemas.openxmlformats.org/markup-compatibility/2006" xmlns:mv="urn:schemas-microsoft-com:mac:vml" xmlns:p="http://schemas.openxmlformats.org/presentationml/2006/main" xmlns:c="http://schemas.openxmlformats.org/drawingml/2006/chart" xmlns:dgm="http://schemas.openxmlformats.org/drawingml/2006/diagram" xmlns:o="urn:schemas-microsoft-com:office:office" xmlns:v="urn:schemas-microsoft-com:vml" xmlns:pvml="urn:schemas-microsoft-com:office:powerpoint" xmlns:com="http://schemas.openxmlformats.org/drawingml/2006/compatibility" xmlns:p14="http://schemas.microsoft.com/office/powerpoint/2010/main" xmlns:p15="http://schemas.microsoft.com/office/powerpoint/2012/main" xmlns:ahyp="http://schemas.microsoft.com/office/drawing/2018/hyperlinkcolor" matchingName="One column text">
+  <p:cSld name="ONE_COLUMN_TEXT">
     <p:spTree>
       <p:nvGrpSpPr>
-        <p:cNvPr id="32" name="Shape 32"/>
+        <p:cNvPr id="30" name="Shape 30"/>
         <p:cNvGrpSpPr/>
         <p:nvPr/>
       </p:nvGrpSpPr>
@@ -3976,7 +5982,7 @@
       </p:grpSpPr>
       <p:sp>
         <p:nvSpPr>
-          <p:cNvPr id="33" name="Google Shape;33;p8"/>
+          <p:cNvPr id="31" name="Google Shape;31;p16"/>
           <p:cNvSpPr txBox="1"/>
           <p:nvPr>
             <p:ph type="title"/>
@@ -3984,116 +5990,147 @@
         </p:nvSpPr>
         <p:spPr>
           <a:xfrm>
-            <a:off x="490250" y="450150"/>
-            <a:ext cx="6367800" cy="4090800"/>
+            <a:off x="311700" y="555600"/>
+            <a:ext cx="2808000" cy="755700"/>
           </a:xfrm>
           <a:prstGeom prst="rect">
             <a:avLst/>
           </a:prstGeom>
+          <a:noFill/>
+          <a:ln>
+            <a:noFill/>
+          </a:ln>
         </p:spPr>
         <p:txBody>
-          <a:bodyPr anchorCtr="0" anchor="ctr" bIns="91425" lIns="91425" spcFirstLastPara="1" rIns="91425" wrap="square" tIns="91425">
+          <a:bodyPr anchorCtr="0" anchor="b" bIns="91425" lIns="91425" spcFirstLastPara="1" rIns="91425" wrap="square" tIns="91425">
             <a:normAutofit/>
           </a:bodyPr>
           <a:lstStyle>
-            <a:lvl1pPr lvl="0">
-              <a:spcBef>
-                <a:spcPts val="0"/>
-              </a:spcBef>
-              <a:spcAft>
-                <a:spcPts val="0"/>
-              </a:spcAft>
-              <a:buSzPts val="4800"/>
-              <a:buNone/>
-              <a:defRPr sz="4800"/>
+            <a:lvl1pPr lvl="0" algn="l">
+              <a:lnSpc>
+                <a:spcPct val="100000"/>
+              </a:lnSpc>
+              <a:spcBef>
+                <a:spcPts val="0"/>
+              </a:spcBef>
+              <a:spcAft>
+                <a:spcPts val="0"/>
+              </a:spcAft>
+              <a:buSzPts val="2400"/>
+              <a:buNone/>
+              <a:defRPr sz="2400"/>
             </a:lvl1pPr>
-            <a:lvl2pPr lvl="1">
-              <a:spcBef>
-                <a:spcPts val="0"/>
-              </a:spcBef>
-              <a:spcAft>
-                <a:spcPts val="0"/>
-              </a:spcAft>
-              <a:buSzPts val="4800"/>
-              <a:buNone/>
-              <a:defRPr sz="4800"/>
+            <a:lvl2pPr lvl="1" algn="l">
+              <a:lnSpc>
+                <a:spcPct val="100000"/>
+              </a:lnSpc>
+              <a:spcBef>
+                <a:spcPts val="0"/>
+              </a:spcBef>
+              <a:spcAft>
+                <a:spcPts val="0"/>
+              </a:spcAft>
+              <a:buSzPts val="2400"/>
+              <a:buNone/>
+              <a:defRPr sz="2400"/>
             </a:lvl2pPr>
-            <a:lvl3pPr lvl="2">
-              <a:spcBef>
-                <a:spcPts val="0"/>
-              </a:spcBef>
-              <a:spcAft>
-                <a:spcPts val="0"/>
-              </a:spcAft>
-              <a:buSzPts val="4800"/>
-              <a:buNone/>
-              <a:defRPr sz="4800"/>
+            <a:lvl3pPr lvl="2" algn="l">
+              <a:lnSpc>
+                <a:spcPct val="100000"/>
+              </a:lnSpc>
+              <a:spcBef>
+                <a:spcPts val="0"/>
+              </a:spcBef>
+              <a:spcAft>
+                <a:spcPts val="0"/>
+              </a:spcAft>
+              <a:buSzPts val="2400"/>
+              <a:buNone/>
+              <a:defRPr sz="2400"/>
             </a:lvl3pPr>
-            <a:lvl4pPr lvl="3">
-              <a:spcBef>
-                <a:spcPts val="0"/>
-              </a:spcBef>
-              <a:spcAft>
-                <a:spcPts val="0"/>
-              </a:spcAft>
-              <a:buSzPts val="4800"/>
-              <a:buNone/>
-              <a:defRPr sz="4800"/>
+            <a:lvl4pPr lvl="3" algn="l">
+              <a:lnSpc>
+                <a:spcPct val="100000"/>
+              </a:lnSpc>
+              <a:spcBef>
+                <a:spcPts val="0"/>
+              </a:spcBef>
+              <a:spcAft>
+                <a:spcPts val="0"/>
+              </a:spcAft>
+              <a:buSzPts val="2400"/>
+              <a:buNone/>
+              <a:defRPr sz="2400"/>
             </a:lvl4pPr>
-            <a:lvl5pPr lvl="4">
-              <a:spcBef>
-                <a:spcPts val="0"/>
-              </a:spcBef>
-              <a:spcAft>
-                <a:spcPts val="0"/>
-              </a:spcAft>
-              <a:buSzPts val="4800"/>
-              <a:buNone/>
-              <a:defRPr sz="4800"/>
+            <a:lvl5pPr lvl="4" algn="l">
+              <a:lnSpc>
+                <a:spcPct val="100000"/>
+              </a:lnSpc>
+              <a:spcBef>
+                <a:spcPts val="0"/>
+              </a:spcBef>
+              <a:spcAft>
+                <a:spcPts val="0"/>
+              </a:spcAft>
+              <a:buSzPts val="2400"/>
+              <a:buNone/>
+              <a:defRPr sz="2400"/>
             </a:lvl5pPr>
-            <a:lvl6pPr lvl="5">
-              <a:spcBef>
-                <a:spcPts val="0"/>
-              </a:spcBef>
-              <a:spcAft>
-                <a:spcPts val="0"/>
-              </a:spcAft>
-              <a:buSzPts val="4800"/>
-              <a:buNone/>
-              <a:defRPr sz="4800"/>
+            <a:lvl6pPr lvl="5" algn="l">
+              <a:lnSpc>
+                <a:spcPct val="100000"/>
+              </a:lnSpc>
+              <a:spcBef>
+                <a:spcPts val="0"/>
+              </a:spcBef>
+              <a:spcAft>
+                <a:spcPts val="0"/>
+              </a:spcAft>
+              <a:buSzPts val="2400"/>
+              <a:buNone/>
+              <a:defRPr sz="2400"/>
             </a:lvl6pPr>
-            <a:lvl7pPr lvl="6">
-              <a:spcBef>
-                <a:spcPts val="0"/>
-              </a:spcBef>
-              <a:spcAft>
-                <a:spcPts val="0"/>
-              </a:spcAft>
-              <a:buSzPts val="4800"/>
-              <a:buNone/>
-              <a:defRPr sz="4800"/>
+            <a:lvl7pPr lvl="6" algn="l">
+              <a:lnSpc>
+                <a:spcPct val="100000"/>
+              </a:lnSpc>
+              <a:spcBef>
+                <a:spcPts val="0"/>
+              </a:spcBef>
+              <a:spcAft>
+                <a:spcPts val="0"/>
+              </a:spcAft>
+              <a:buSzPts val="2400"/>
+              <a:buNone/>
+              <a:defRPr sz="2400"/>
             </a:lvl7pPr>
-            <a:lvl8pPr lvl="7">
-              <a:spcBef>
-                <a:spcPts val="0"/>
-              </a:spcBef>
-              <a:spcAft>
-                <a:spcPts val="0"/>
-              </a:spcAft>
-              <a:buSzPts val="4800"/>
-              <a:buNone/>
-              <a:defRPr sz="4800"/>
+            <a:lvl8pPr lvl="7" algn="l">
+              <a:lnSpc>
+                <a:spcPct val="100000"/>
+              </a:lnSpc>
+              <a:spcBef>
+                <a:spcPts val="0"/>
+              </a:spcBef>
+              <a:spcAft>
+                <a:spcPts val="0"/>
+              </a:spcAft>
+              <a:buSzPts val="2400"/>
+              <a:buNone/>
+              <a:defRPr sz="2400"/>
             </a:lvl8pPr>
-            <a:lvl9pPr lvl="8">
-              <a:spcBef>
-                <a:spcPts val="0"/>
-              </a:spcBef>
-              <a:spcAft>
-                <a:spcPts val="0"/>
-              </a:spcAft>
-              <a:buSzPts val="4800"/>
-              <a:buNone/>
-              <a:defRPr sz="4800"/>
+            <a:lvl9pPr lvl="8" algn="l">
+              <a:lnSpc>
+                <a:spcPct val="100000"/>
+              </a:lnSpc>
+              <a:spcBef>
+                <a:spcPts val="0"/>
+              </a:spcBef>
+              <a:spcAft>
+                <a:spcPts val="0"/>
+              </a:spcAft>
+              <a:buSzPts val="2400"/>
+              <a:buNone/>
+              <a:defRPr sz="2400"/>
             </a:lvl9pPr>
           </a:lstStyle>
           <a:p/>
@@ -4101,7 +6138,163 @@
       </p:sp>
       <p:sp>
         <p:nvSpPr>
-          <p:cNvPr id="34" name="Google Shape;34;p8"/>
+          <p:cNvPr id="32" name="Google Shape;32;p16"/>
+          <p:cNvSpPr txBox="1"/>
+          <p:nvPr>
+            <p:ph idx="1" type="body"/>
+          </p:nvPr>
+        </p:nvSpPr>
+        <p:spPr>
+          <a:xfrm>
+            <a:off x="311700" y="1389600"/>
+            <a:ext cx="2808000" cy="3179400"/>
+          </a:xfrm>
+          <a:prstGeom prst="rect">
+            <a:avLst/>
+          </a:prstGeom>
+          <a:noFill/>
+          <a:ln>
+            <a:noFill/>
+          </a:ln>
+        </p:spPr>
+        <p:txBody>
+          <a:bodyPr anchorCtr="0" anchor="t" bIns="91425" lIns="91425" spcFirstLastPara="1" rIns="91425" wrap="square" tIns="91425">
+            <a:normAutofit/>
+          </a:bodyPr>
+          <a:lstStyle>
+            <a:lvl1pPr indent="-304800" lvl="0" marL="457200" algn="l">
+              <a:lnSpc>
+                <a:spcPct val="115000"/>
+              </a:lnSpc>
+              <a:spcBef>
+                <a:spcPts val="0"/>
+              </a:spcBef>
+              <a:spcAft>
+                <a:spcPts val="0"/>
+              </a:spcAft>
+              <a:buSzPts val="1200"/>
+              <a:buChar char="●"/>
+              <a:defRPr sz="1200"/>
+            </a:lvl1pPr>
+            <a:lvl2pPr indent="-304800" lvl="1" marL="914400" algn="l">
+              <a:lnSpc>
+                <a:spcPct val="115000"/>
+              </a:lnSpc>
+              <a:spcBef>
+                <a:spcPts val="0"/>
+              </a:spcBef>
+              <a:spcAft>
+                <a:spcPts val="0"/>
+              </a:spcAft>
+              <a:buSzPts val="1200"/>
+              <a:buChar char="○"/>
+              <a:defRPr sz="1200"/>
+            </a:lvl2pPr>
+            <a:lvl3pPr indent="-304800" lvl="2" marL="1371600" algn="l">
+              <a:lnSpc>
+                <a:spcPct val="115000"/>
+              </a:lnSpc>
+              <a:spcBef>
+                <a:spcPts val="0"/>
+              </a:spcBef>
+              <a:spcAft>
+                <a:spcPts val="0"/>
+              </a:spcAft>
+              <a:buSzPts val="1200"/>
+              <a:buChar char="■"/>
+              <a:defRPr sz="1200"/>
+            </a:lvl3pPr>
+            <a:lvl4pPr indent="-304800" lvl="3" marL="1828800" algn="l">
+              <a:lnSpc>
+                <a:spcPct val="115000"/>
+              </a:lnSpc>
+              <a:spcBef>
+                <a:spcPts val="0"/>
+              </a:spcBef>
+              <a:spcAft>
+                <a:spcPts val="0"/>
+              </a:spcAft>
+              <a:buSzPts val="1200"/>
+              <a:buChar char="●"/>
+              <a:defRPr sz="1200"/>
+            </a:lvl4pPr>
+            <a:lvl5pPr indent="-304800" lvl="4" marL="2286000" algn="l">
+              <a:lnSpc>
+                <a:spcPct val="115000"/>
+              </a:lnSpc>
+              <a:spcBef>
+                <a:spcPts val="0"/>
+              </a:spcBef>
+              <a:spcAft>
+                <a:spcPts val="0"/>
+              </a:spcAft>
+              <a:buSzPts val="1200"/>
+              <a:buChar char="○"/>
+              <a:defRPr sz="1200"/>
+            </a:lvl5pPr>
+            <a:lvl6pPr indent="-304800" lvl="5" marL="2743200" algn="l">
+              <a:lnSpc>
+                <a:spcPct val="115000"/>
+              </a:lnSpc>
+              <a:spcBef>
+                <a:spcPts val="0"/>
+              </a:spcBef>
+              <a:spcAft>
+                <a:spcPts val="0"/>
+              </a:spcAft>
+              <a:buSzPts val="1200"/>
+              <a:buChar char="■"/>
+              <a:defRPr sz="1200"/>
+            </a:lvl6pPr>
+            <a:lvl7pPr indent="-304800" lvl="6" marL="3200400" algn="l">
+              <a:lnSpc>
+                <a:spcPct val="115000"/>
+              </a:lnSpc>
+              <a:spcBef>
+                <a:spcPts val="0"/>
+              </a:spcBef>
+              <a:spcAft>
+                <a:spcPts val="0"/>
+              </a:spcAft>
+              <a:buSzPts val="1200"/>
+              <a:buChar char="●"/>
+              <a:defRPr sz="1200"/>
+            </a:lvl7pPr>
+            <a:lvl8pPr indent="-304800" lvl="7" marL="3657600" algn="l">
+              <a:lnSpc>
+                <a:spcPct val="115000"/>
+              </a:lnSpc>
+              <a:spcBef>
+                <a:spcPts val="0"/>
+              </a:spcBef>
+              <a:spcAft>
+                <a:spcPts val="0"/>
+              </a:spcAft>
+              <a:buSzPts val="1200"/>
+              <a:buChar char="○"/>
+              <a:defRPr sz="1200"/>
+            </a:lvl8pPr>
+            <a:lvl9pPr indent="-304800" lvl="8" marL="4114800" algn="l">
+              <a:lnSpc>
+                <a:spcPct val="115000"/>
+              </a:lnSpc>
+              <a:spcBef>
+                <a:spcPts val="0"/>
+              </a:spcBef>
+              <a:spcAft>
+                <a:spcPts val="0"/>
+              </a:spcAft>
+              <a:buSzPts val="1200"/>
+              <a:buChar char="■"/>
+              <a:defRPr sz="1200"/>
+            </a:lvl9pPr>
+          </a:lstStyle>
+          <a:p/>
+        </p:txBody>
+      </p:sp>
+      <p:sp>
+        <p:nvSpPr>
+          <p:cNvPr id="33" name="Google Shape;33;p16"/>
           <p:cNvSpPr txBox="1"/>
           <p:nvPr>
             <p:ph idx="12" type="sldNum"/>
@@ -4115,47 +6308,249 @@
           <a:prstGeom prst="rect">
             <a:avLst/>
           </a:prstGeom>
+          <a:noFill/>
+          <a:ln>
+            <a:noFill/>
+          </a:ln>
         </p:spPr>
         <p:txBody>
           <a:bodyPr anchorCtr="0" anchor="ctr" bIns="91425" lIns="91425" spcFirstLastPara="1" rIns="91425" wrap="square" tIns="91425">
             <a:normAutofit/>
           </a:bodyPr>
           <a:lstStyle>
-            <a:lvl1pPr lvl="0">
-              <a:buNone/>
-              <a:defRPr/>
+            <a:lvl1pPr indent="0" lvl="0" marL="0" marR="0" algn="r">
+              <a:lnSpc>
+                <a:spcPct val="100000"/>
+              </a:lnSpc>
+              <a:spcBef>
+                <a:spcPts val="0"/>
+              </a:spcBef>
+              <a:spcAft>
+                <a:spcPts val="0"/>
+              </a:spcAft>
+              <a:buClr>
+                <a:srgbClr val="000000"/>
+              </a:buClr>
+              <a:buSzPts val="1000"/>
+              <a:buFont typeface="Arial"/>
+              <a:buNone/>
+              <a:defRPr b="0" i="0" sz="1000" u="none" cap="none" strike="noStrike">
+                <a:solidFill>
+                  <a:schemeClr val="dk2"/>
+                </a:solidFill>
+                <a:latin typeface="Arial"/>
+                <a:ea typeface="Arial"/>
+                <a:cs typeface="Arial"/>
+                <a:sym typeface="Arial"/>
+              </a:defRPr>
             </a:lvl1pPr>
-            <a:lvl2pPr lvl="1">
-              <a:buNone/>
-              <a:defRPr/>
+            <a:lvl2pPr indent="0" lvl="1" marL="0" marR="0" algn="r">
+              <a:lnSpc>
+                <a:spcPct val="100000"/>
+              </a:lnSpc>
+              <a:spcBef>
+                <a:spcPts val="0"/>
+              </a:spcBef>
+              <a:spcAft>
+                <a:spcPts val="0"/>
+              </a:spcAft>
+              <a:buClr>
+                <a:srgbClr val="000000"/>
+              </a:buClr>
+              <a:buSzPts val="1000"/>
+              <a:buFont typeface="Arial"/>
+              <a:buNone/>
+              <a:defRPr b="0" i="0" sz="1000" u="none" cap="none" strike="noStrike">
+                <a:solidFill>
+                  <a:schemeClr val="dk2"/>
+                </a:solidFill>
+                <a:latin typeface="Arial"/>
+                <a:ea typeface="Arial"/>
+                <a:cs typeface="Arial"/>
+                <a:sym typeface="Arial"/>
+              </a:defRPr>
             </a:lvl2pPr>
-            <a:lvl3pPr lvl="2">
-              <a:buNone/>
-              <a:defRPr/>
+            <a:lvl3pPr indent="0" lvl="2" marL="0" marR="0" algn="r">
+              <a:lnSpc>
+                <a:spcPct val="100000"/>
+              </a:lnSpc>
+              <a:spcBef>
+                <a:spcPts val="0"/>
+              </a:spcBef>
+              <a:spcAft>
+                <a:spcPts val="0"/>
+              </a:spcAft>
+              <a:buClr>
+                <a:srgbClr val="000000"/>
+              </a:buClr>
+              <a:buSzPts val="1000"/>
+              <a:buFont typeface="Arial"/>
+              <a:buNone/>
+              <a:defRPr b="0" i="0" sz="1000" u="none" cap="none" strike="noStrike">
+                <a:solidFill>
+                  <a:schemeClr val="dk2"/>
+                </a:solidFill>
+                <a:latin typeface="Arial"/>
+                <a:ea typeface="Arial"/>
+                <a:cs typeface="Arial"/>
+                <a:sym typeface="Arial"/>
+              </a:defRPr>
             </a:lvl3pPr>
-            <a:lvl4pPr lvl="3">
-              <a:buNone/>
-              <a:defRPr/>
+            <a:lvl4pPr indent="0" lvl="3" marL="0" marR="0" algn="r">
+              <a:lnSpc>
+                <a:spcPct val="100000"/>
+              </a:lnSpc>
+              <a:spcBef>
+                <a:spcPts val="0"/>
+              </a:spcBef>
+              <a:spcAft>
+                <a:spcPts val="0"/>
+              </a:spcAft>
+              <a:buClr>
+                <a:srgbClr val="000000"/>
+              </a:buClr>
+              <a:buSzPts val="1000"/>
+              <a:buFont typeface="Arial"/>
+              <a:buNone/>
+              <a:defRPr b="0" i="0" sz="1000" u="none" cap="none" strike="noStrike">
+                <a:solidFill>
+                  <a:schemeClr val="dk2"/>
+                </a:solidFill>
+                <a:latin typeface="Arial"/>
+                <a:ea typeface="Arial"/>
+                <a:cs typeface="Arial"/>
+                <a:sym typeface="Arial"/>
+              </a:defRPr>
             </a:lvl4pPr>
-            <a:lvl5pPr lvl="4">
-              <a:buNone/>
-              <a:defRPr/>
+            <a:lvl5pPr indent="0" lvl="4" marL="0" marR="0" algn="r">
+              <a:lnSpc>
+                <a:spcPct val="100000"/>
+              </a:lnSpc>
+              <a:spcBef>
+                <a:spcPts val="0"/>
+              </a:spcBef>
+              <a:spcAft>
+                <a:spcPts val="0"/>
+              </a:spcAft>
+              <a:buClr>
+                <a:srgbClr val="000000"/>
+              </a:buClr>
+              <a:buSzPts val="1000"/>
+              <a:buFont typeface="Arial"/>
+              <a:buNone/>
+              <a:defRPr b="0" i="0" sz="1000" u="none" cap="none" strike="noStrike">
+                <a:solidFill>
+                  <a:schemeClr val="dk2"/>
+                </a:solidFill>
+                <a:latin typeface="Arial"/>
+                <a:ea typeface="Arial"/>
+                <a:cs typeface="Arial"/>
+                <a:sym typeface="Arial"/>
+              </a:defRPr>
             </a:lvl5pPr>
-            <a:lvl6pPr lvl="5">
-              <a:buNone/>
-              <a:defRPr/>
+            <a:lvl6pPr indent="0" lvl="5" marL="0" marR="0" algn="r">
+              <a:lnSpc>
+                <a:spcPct val="100000"/>
+              </a:lnSpc>
+              <a:spcBef>
+                <a:spcPts val="0"/>
+              </a:spcBef>
+              <a:spcAft>
+                <a:spcPts val="0"/>
+              </a:spcAft>
+              <a:buClr>
+                <a:srgbClr val="000000"/>
+              </a:buClr>
+              <a:buSzPts val="1000"/>
+              <a:buFont typeface="Arial"/>
+              <a:buNone/>
+              <a:defRPr b="0" i="0" sz="1000" u="none" cap="none" strike="noStrike">
+                <a:solidFill>
+                  <a:schemeClr val="dk2"/>
+                </a:solidFill>
+                <a:latin typeface="Arial"/>
+                <a:ea typeface="Arial"/>
+                <a:cs typeface="Arial"/>
+                <a:sym typeface="Arial"/>
+              </a:defRPr>
             </a:lvl6pPr>
-            <a:lvl7pPr lvl="6">
-              <a:buNone/>
-              <a:defRPr/>
+            <a:lvl7pPr indent="0" lvl="6" marL="0" marR="0" algn="r">
+              <a:lnSpc>
+                <a:spcPct val="100000"/>
+              </a:lnSpc>
+              <a:spcBef>
+                <a:spcPts val="0"/>
+              </a:spcBef>
+              <a:spcAft>
+                <a:spcPts val="0"/>
+              </a:spcAft>
+              <a:buClr>
+                <a:srgbClr val="000000"/>
+              </a:buClr>
+              <a:buSzPts val="1000"/>
+              <a:buFont typeface="Arial"/>
+              <a:buNone/>
+              <a:defRPr b="0" i="0" sz="1000" u="none" cap="none" strike="noStrike">
+                <a:solidFill>
+                  <a:schemeClr val="dk2"/>
+                </a:solidFill>
+                <a:latin typeface="Arial"/>
+                <a:ea typeface="Arial"/>
+                <a:cs typeface="Arial"/>
+                <a:sym typeface="Arial"/>
+              </a:defRPr>
             </a:lvl7pPr>
-            <a:lvl8pPr lvl="7">
-              <a:buNone/>
-              <a:defRPr/>
+            <a:lvl8pPr indent="0" lvl="7" marL="0" marR="0" algn="r">
+              <a:lnSpc>
+                <a:spcPct val="100000"/>
+              </a:lnSpc>
+              <a:spcBef>
+                <a:spcPts val="0"/>
+              </a:spcBef>
+              <a:spcAft>
+                <a:spcPts val="0"/>
+              </a:spcAft>
+              <a:buClr>
+                <a:srgbClr val="000000"/>
+              </a:buClr>
+              <a:buSzPts val="1000"/>
+              <a:buFont typeface="Arial"/>
+              <a:buNone/>
+              <a:defRPr b="0" i="0" sz="1000" u="none" cap="none" strike="noStrike">
+                <a:solidFill>
+                  <a:schemeClr val="dk2"/>
+                </a:solidFill>
+                <a:latin typeface="Arial"/>
+                <a:ea typeface="Arial"/>
+                <a:cs typeface="Arial"/>
+                <a:sym typeface="Arial"/>
+              </a:defRPr>
             </a:lvl8pPr>
-            <a:lvl9pPr lvl="8">
-              <a:buNone/>
-              <a:defRPr/>
+            <a:lvl9pPr indent="0" lvl="8" marL="0" marR="0" algn="r">
+              <a:lnSpc>
+                <a:spcPct val="100000"/>
+              </a:lnSpc>
+              <a:spcBef>
+                <a:spcPts val="0"/>
+              </a:spcBef>
+              <a:spcAft>
+                <a:spcPts val="0"/>
+              </a:spcAft>
+              <a:buClr>
+                <a:srgbClr val="000000"/>
+              </a:buClr>
+              <a:buSzPts val="1000"/>
+              <a:buFont typeface="Arial"/>
+              <a:buNone/>
+              <a:defRPr b="0" i="0" sz="1000" u="none" cap="none" strike="noStrike">
+                <a:solidFill>
+                  <a:schemeClr val="dk2"/>
+                </a:solidFill>
+                <a:latin typeface="Arial"/>
+                <a:ea typeface="Arial"/>
+                <a:cs typeface="Arial"/>
+                <a:sym typeface="Arial"/>
+              </a:defRPr>
             </a:lvl9pPr>
           </a:lstStyle>
           <a:p>
@@ -4185,11 +6580,11 @@
 </file>
 
 <file path=ppt/slideLayouts/slideLayout8.xml><?xml version="1.0" encoding="utf-8"?>
-<p:sldLayout xmlns:a="http://schemas.openxmlformats.org/drawingml/2006/main" xmlns:r="http://schemas.openxmlformats.org/officeDocument/2006/relationships" xmlns:mc="http://schemas.openxmlformats.org/markup-compatibility/2006" xmlns:mv="urn:schemas-microsoft-com:mac:vml" xmlns:p="http://schemas.openxmlformats.org/presentationml/2006/main" xmlns:c="http://schemas.openxmlformats.org/drawingml/2006/chart" xmlns:dgm="http://schemas.openxmlformats.org/drawingml/2006/diagram" xmlns:o="urn:schemas-microsoft-com:office:office" xmlns:v="urn:schemas-microsoft-com:vml" xmlns:pvml="urn:schemas-microsoft-com:office:powerpoint" xmlns:com="http://schemas.openxmlformats.org/drawingml/2006/compatibility" xmlns:p14="http://schemas.microsoft.com/office/powerpoint/2010/main" xmlns:p15="http://schemas.microsoft.com/office/powerpoint/2012/main" xmlns:ahyp="http://schemas.microsoft.com/office/drawing/2018/hyperlinkcolor" matchingName="Section title and description">
-  <p:cSld name="SECTION_TITLE_AND_DESCRIPTION">
+<p:sldLayout xmlns:a="http://schemas.openxmlformats.org/drawingml/2006/main" xmlns:r="http://schemas.openxmlformats.org/officeDocument/2006/relationships" xmlns:mc="http://schemas.openxmlformats.org/markup-compatibility/2006" xmlns:mv="urn:schemas-microsoft-com:mac:vml" xmlns:p="http://schemas.openxmlformats.org/presentationml/2006/main" xmlns:c="http://schemas.openxmlformats.org/drawingml/2006/chart" xmlns:dgm="http://schemas.openxmlformats.org/drawingml/2006/diagram" xmlns:o="urn:schemas-microsoft-com:office:office" xmlns:v="urn:schemas-microsoft-com:vml" xmlns:pvml="urn:schemas-microsoft-com:office:powerpoint" xmlns:com="http://schemas.openxmlformats.org/drawingml/2006/compatibility" xmlns:p14="http://schemas.microsoft.com/office/powerpoint/2010/main" xmlns:p15="http://schemas.microsoft.com/office/powerpoint/2012/main" xmlns:ahyp="http://schemas.microsoft.com/office/drawing/2018/hyperlinkcolor" matchingName="Main point">
+  <p:cSld name="MAIN_POINT">
     <p:spTree>
       <p:nvGrpSpPr>
-        <p:cNvPr id="35" name="Shape 35"/>
+        <p:cNvPr id="34" name="Shape 34"/>
         <p:cNvGrpSpPr/>
         <p:nvPr/>
       </p:nvGrpSpPr>
@@ -4203,7 +6598,467 @@
       </p:grpSpPr>
       <p:sp>
         <p:nvSpPr>
-          <p:cNvPr id="36" name="Google Shape;36;p9"/>
+          <p:cNvPr id="35" name="Google Shape;35;p17"/>
+          <p:cNvSpPr txBox="1"/>
+          <p:nvPr>
+            <p:ph type="title"/>
+          </p:nvPr>
+        </p:nvSpPr>
+        <p:spPr>
+          <a:xfrm>
+            <a:off x="490250" y="450150"/>
+            <a:ext cx="6367800" cy="4090800"/>
+          </a:xfrm>
+          <a:prstGeom prst="rect">
+            <a:avLst/>
+          </a:prstGeom>
+          <a:noFill/>
+          <a:ln>
+            <a:noFill/>
+          </a:ln>
+        </p:spPr>
+        <p:txBody>
+          <a:bodyPr anchorCtr="0" anchor="ctr" bIns="91425" lIns="91425" spcFirstLastPara="1" rIns="91425" wrap="square" tIns="91425">
+            <a:normAutofit/>
+          </a:bodyPr>
+          <a:lstStyle>
+            <a:lvl1pPr lvl="0" algn="l">
+              <a:lnSpc>
+                <a:spcPct val="100000"/>
+              </a:lnSpc>
+              <a:spcBef>
+                <a:spcPts val="0"/>
+              </a:spcBef>
+              <a:spcAft>
+                <a:spcPts val="0"/>
+              </a:spcAft>
+              <a:buSzPts val="4800"/>
+              <a:buNone/>
+              <a:defRPr sz="4800"/>
+            </a:lvl1pPr>
+            <a:lvl2pPr lvl="1" algn="l">
+              <a:lnSpc>
+                <a:spcPct val="100000"/>
+              </a:lnSpc>
+              <a:spcBef>
+                <a:spcPts val="0"/>
+              </a:spcBef>
+              <a:spcAft>
+                <a:spcPts val="0"/>
+              </a:spcAft>
+              <a:buSzPts val="4800"/>
+              <a:buNone/>
+              <a:defRPr sz="4800"/>
+            </a:lvl2pPr>
+            <a:lvl3pPr lvl="2" algn="l">
+              <a:lnSpc>
+                <a:spcPct val="100000"/>
+              </a:lnSpc>
+              <a:spcBef>
+                <a:spcPts val="0"/>
+              </a:spcBef>
+              <a:spcAft>
+                <a:spcPts val="0"/>
+              </a:spcAft>
+              <a:buSzPts val="4800"/>
+              <a:buNone/>
+              <a:defRPr sz="4800"/>
+            </a:lvl3pPr>
+            <a:lvl4pPr lvl="3" algn="l">
+              <a:lnSpc>
+                <a:spcPct val="100000"/>
+              </a:lnSpc>
+              <a:spcBef>
+                <a:spcPts val="0"/>
+              </a:spcBef>
+              <a:spcAft>
+                <a:spcPts val="0"/>
+              </a:spcAft>
+              <a:buSzPts val="4800"/>
+              <a:buNone/>
+              <a:defRPr sz="4800"/>
+            </a:lvl4pPr>
+            <a:lvl5pPr lvl="4" algn="l">
+              <a:lnSpc>
+                <a:spcPct val="100000"/>
+              </a:lnSpc>
+              <a:spcBef>
+                <a:spcPts val="0"/>
+              </a:spcBef>
+              <a:spcAft>
+                <a:spcPts val="0"/>
+              </a:spcAft>
+              <a:buSzPts val="4800"/>
+              <a:buNone/>
+              <a:defRPr sz="4800"/>
+            </a:lvl5pPr>
+            <a:lvl6pPr lvl="5" algn="l">
+              <a:lnSpc>
+                <a:spcPct val="100000"/>
+              </a:lnSpc>
+              <a:spcBef>
+                <a:spcPts val="0"/>
+              </a:spcBef>
+              <a:spcAft>
+                <a:spcPts val="0"/>
+              </a:spcAft>
+              <a:buSzPts val="4800"/>
+              <a:buNone/>
+              <a:defRPr sz="4800"/>
+            </a:lvl6pPr>
+            <a:lvl7pPr lvl="6" algn="l">
+              <a:lnSpc>
+                <a:spcPct val="100000"/>
+              </a:lnSpc>
+              <a:spcBef>
+                <a:spcPts val="0"/>
+              </a:spcBef>
+              <a:spcAft>
+                <a:spcPts val="0"/>
+              </a:spcAft>
+              <a:buSzPts val="4800"/>
+              <a:buNone/>
+              <a:defRPr sz="4800"/>
+            </a:lvl7pPr>
+            <a:lvl8pPr lvl="7" algn="l">
+              <a:lnSpc>
+                <a:spcPct val="100000"/>
+              </a:lnSpc>
+              <a:spcBef>
+                <a:spcPts val="0"/>
+              </a:spcBef>
+              <a:spcAft>
+                <a:spcPts val="0"/>
+              </a:spcAft>
+              <a:buSzPts val="4800"/>
+              <a:buNone/>
+              <a:defRPr sz="4800"/>
+            </a:lvl8pPr>
+            <a:lvl9pPr lvl="8" algn="l">
+              <a:lnSpc>
+                <a:spcPct val="100000"/>
+              </a:lnSpc>
+              <a:spcBef>
+                <a:spcPts val="0"/>
+              </a:spcBef>
+              <a:spcAft>
+                <a:spcPts val="0"/>
+              </a:spcAft>
+              <a:buSzPts val="4800"/>
+              <a:buNone/>
+              <a:defRPr sz="4800"/>
+            </a:lvl9pPr>
+          </a:lstStyle>
+          <a:p/>
+        </p:txBody>
+      </p:sp>
+      <p:sp>
+        <p:nvSpPr>
+          <p:cNvPr id="36" name="Google Shape;36;p17"/>
+          <p:cNvSpPr txBox="1"/>
+          <p:nvPr>
+            <p:ph idx="12" type="sldNum"/>
+          </p:nvPr>
+        </p:nvSpPr>
+        <p:spPr>
+          <a:xfrm>
+            <a:off x="8472458" y="4663217"/>
+            <a:ext cx="548700" cy="393600"/>
+          </a:xfrm>
+          <a:prstGeom prst="rect">
+            <a:avLst/>
+          </a:prstGeom>
+          <a:noFill/>
+          <a:ln>
+            <a:noFill/>
+          </a:ln>
+        </p:spPr>
+        <p:txBody>
+          <a:bodyPr anchorCtr="0" anchor="ctr" bIns="91425" lIns="91425" spcFirstLastPara="1" rIns="91425" wrap="square" tIns="91425">
+            <a:normAutofit/>
+          </a:bodyPr>
+          <a:lstStyle>
+            <a:lvl1pPr indent="0" lvl="0" marL="0" marR="0" algn="r">
+              <a:lnSpc>
+                <a:spcPct val="100000"/>
+              </a:lnSpc>
+              <a:spcBef>
+                <a:spcPts val="0"/>
+              </a:spcBef>
+              <a:spcAft>
+                <a:spcPts val="0"/>
+              </a:spcAft>
+              <a:buClr>
+                <a:srgbClr val="000000"/>
+              </a:buClr>
+              <a:buSzPts val="1000"/>
+              <a:buFont typeface="Arial"/>
+              <a:buNone/>
+              <a:defRPr b="0" i="0" sz="1000" u="none" cap="none" strike="noStrike">
+                <a:solidFill>
+                  <a:schemeClr val="dk2"/>
+                </a:solidFill>
+                <a:latin typeface="Arial"/>
+                <a:ea typeface="Arial"/>
+                <a:cs typeface="Arial"/>
+                <a:sym typeface="Arial"/>
+              </a:defRPr>
+            </a:lvl1pPr>
+            <a:lvl2pPr indent="0" lvl="1" marL="0" marR="0" algn="r">
+              <a:lnSpc>
+                <a:spcPct val="100000"/>
+              </a:lnSpc>
+              <a:spcBef>
+                <a:spcPts val="0"/>
+              </a:spcBef>
+              <a:spcAft>
+                <a:spcPts val="0"/>
+              </a:spcAft>
+              <a:buClr>
+                <a:srgbClr val="000000"/>
+              </a:buClr>
+              <a:buSzPts val="1000"/>
+              <a:buFont typeface="Arial"/>
+              <a:buNone/>
+              <a:defRPr b="0" i="0" sz="1000" u="none" cap="none" strike="noStrike">
+                <a:solidFill>
+                  <a:schemeClr val="dk2"/>
+                </a:solidFill>
+                <a:latin typeface="Arial"/>
+                <a:ea typeface="Arial"/>
+                <a:cs typeface="Arial"/>
+                <a:sym typeface="Arial"/>
+              </a:defRPr>
+            </a:lvl2pPr>
+            <a:lvl3pPr indent="0" lvl="2" marL="0" marR="0" algn="r">
+              <a:lnSpc>
+                <a:spcPct val="100000"/>
+              </a:lnSpc>
+              <a:spcBef>
+                <a:spcPts val="0"/>
+              </a:spcBef>
+              <a:spcAft>
+                <a:spcPts val="0"/>
+              </a:spcAft>
+              <a:buClr>
+                <a:srgbClr val="000000"/>
+              </a:buClr>
+              <a:buSzPts val="1000"/>
+              <a:buFont typeface="Arial"/>
+              <a:buNone/>
+              <a:defRPr b="0" i="0" sz="1000" u="none" cap="none" strike="noStrike">
+                <a:solidFill>
+                  <a:schemeClr val="dk2"/>
+                </a:solidFill>
+                <a:latin typeface="Arial"/>
+                <a:ea typeface="Arial"/>
+                <a:cs typeface="Arial"/>
+                <a:sym typeface="Arial"/>
+              </a:defRPr>
+            </a:lvl3pPr>
+            <a:lvl4pPr indent="0" lvl="3" marL="0" marR="0" algn="r">
+              <a:lnSpc>
+                <a:spcPct val="100000"/>
+              </a:lnSpc>
+              <a:spcBef>
+                <a:spcPts val="0"/>
+              </a:spcBef>
+              <a:spcAft>
+                <a:spcPts val="0"/>
+              </a:spcAft>
+              <a:buClr>
+                <a:srgbClr val="000000"/>
+              </a:buClr>
+              <a:buSzPts val="1000"/>
+              <a:buFont typeface="Arial"/>
+              <a:buNone/>
+              <a:defRPr b="0" i="0" sz="1000" u="none" cap="none" strike="noStrike">
+                <a:solidFill>
+                  <a:schemeClr val="dk2"/>
+                </a:solidFill>
+                <a:latin typeface="Arial"/>
+                <a:ea typeface="Arial"/>
+                <a:cs typeface="Arial"/>
+                <a:sym typeface="Arial"/>
+              </a:defRPr>
+            </a:lvl4pPr>
+            <a:lvl5pPr indent="0" lvl="4" marL="0" marR="0" algn="r">
+              <a:lnSpc>
+                <a:spcPct val="100000"/>
+              </a:lnSpc>
+              <a:spcBef>
+                <a:spcPts val="0"/>
+              </a:spcBef>
+              <a:spcAft>
+                <a:spcPts val="0"/>
+              </a:spcAft>
+              <a:buClr>
+                <a:srgbClr val="000000"/>
+              </a:buClr>
+              <a:buSzPts val="1000"/>
+              <a:buFont typeface="Arial"/>
+              <a:buNone/>
+              <a:defRPr b="0" i="0" sz="1000" u="none" cap="none" strike="noStrike">
+                <a:solidFill>
+                  <a:schemeClr val="dk2"/>
+                </a:solidFill>
+                <a:latin typeface="Arial"/>
+                <a:ea typeface="Arial"/>
+                <a:cs typeface="Arial"/>
+                <a:sym typeface="Arial"/>
+              </a:defRPr>
+            </a:lvl5pPr>
+            <a:lvl6pPr indent="0" lvl="5" marL="0" marR="0" algn="r">
+              <a:lnSpc>
+                <a:spcPct val="100000"/>
+              </a:lnSpc>
+              <a:spcBef>
+                <a:spcPts val="0"/>
+              </a:spcBef>
+              <a:spcAft>
+                <a:spcPts val="0"/>
+              </a:spcAft>
+              <a:buClr>
+                <a:srgbClr val="000000"/>
+              </a:buClr>
+              <a:buSzPts val="1000"/>
+              <a:buFont typeface="Arial"/>
+              <a:buNone/>
+              <a:defRPr b="0" i="0" sz="1000" u="none" cap="none" strike="noStrike">
+                <a:solidFill>
+                  <a:schemeClr val="dk2"/>
+                </a:solidFill>
+                <a:latin typeface="Arial"/>
+                <a:ea typeface="Arial"/>
+                <a:cs typeface="Arial"/>
+                <a:sym typeface="Arial"/>
+              </a:defRPr>
+            </a:lvl6pPr>
+            <a:lvl7pPr indent="0" lvl="6" marL="0" marR="0" algn="r">
+              <a:lnSpc>
+                <a:spcPct val="100000"/>
+              </a:lnSpc>
+              <a:spcBef>
+                <a:spcPts val="0"/>
+              </a:spcBef>
+              <a:spcAft>
+                <a:spcPts val="0"/>
+              </a:spcAft>
+              <a:buClr>
+                <a:srgbClr val="000000"/>
+              </a:buClr>
+              <a:buSzPts val="1000"/>
+              <a:buFont typeface="Arial"/>
+              <a:buNone/>
+              <a:defRPr b="0" i="0" sz="1000" u="none" cap="none" strike="noStrike">
+                <a:solidFill>
+                  <a:schemeClr val="dk2"/>
+                </a:solidFill>
+                <a:latin typeface="Arial"/>
+                <a:ea typeface="Arial"/>
+                <a:cs typeface="Arial"/>
+                <a:sym typeface="Arial"/>
+              </a:defRPr>
+            </a:lvl7pPr>
+            <a:lvl8pPr indent="0" lvl="7" marL="0" marR="0" algn="r">
+              <a:lnSpc>
+                <a:spcPct val="100000"/>
+              </a:lnSpc>
+              <a:spcBef>
+                <a:spcPts val="0"/>
+              </a:spcBef>
+              <a:spcAft>
+                <a:spcPts val="0"/>
+              </a:spcAft>
+              <a:buClr>
+                <a:srgbClr val="000000"/>
+              </a:buClr>
+              <a:buSzPts val="1000"/>
+              <a:buFont typeface="Arial"/>
+              <a:buNone/>
+              <a:defRPr b="0" i="0" sz="1000" u="none" cap="none" strike="noStrike">
+                <a:solidFill>
+                  <a:schemeClr val="dk2"/>
+                </a:solidFill>
+                <a:latin typeface="Arial"/>
+                <a:ea typeface="Arial"/>
+                <a:cs typeface="Arial"/>
+                <a:sym typeface="Arial"/>
+              </a:defRPr>
+            </a:lvl8pPr>
+            <a:lvl9pPr indent="0" lvl="8" marL="0" marR="0" algn="r">
+              <a:lnSpc>
+                <a:spcPct val="100000"/>
+              </a:lnSpc>
+              <a:spcBef>
+                <a:spcPts val="0"/>
+              </a:spcBef>
+              <a:spcAft>
+                <a:spcPts val="0"/>
+              </a:spcAft>
+              <a:buClr>
+                <a:srgbClr val="000000"/>
+              </a:buClr>
+              <a:buSzPts val="1000"/>
+              <a:buFont typeface="Arial"/>
+              <a:buNone/>
+              <a:defRPr b="0" i="0" sz="1000" u="none" cap="none" strike="noStrike">
+                <a:solidFill>
+                  <a:schemeClr val="dk2"/>
+                </a:solidFill>
+                <a:latin typeface="Arial"/>
+                <a:ea typeface="Arial"/>
+                <a:cs typeface="Arial"/>
+                <a:sym typeface="Arial"/>
+              </a:defRPr>
+            </a:lvl9pPr>
+          </a:lstStyle>
+          <a:p>
+            <a:pPr indent="0" lvl="0" marL="0" rtl="0" algn="r">
+              <a:spcBef>
+                <a:spcPts val="0"/>
+              </a:spcBef>
+              <a:spcAft>
+                <a:spcPts val="0"/>
+              </a:spcAft>
+              <a:buNone/>
+            </a:pPr>
+            <a:fld id="{00000000-1234-1234-1234-123412341234}" type="slidenum">
+              <a:rPr lang="en"/>
+              <a:t>‹#›</a:t>
+            </a:fld>
+            <a:endParaRPr/>
+          </a:p>
+        </p:txBody>
+      </p:sp>
+    </p:spTree>
+  </p:cSld>
+  <p:clrMapOvr>
+    <a:masterClrMapping/>
+  </p:clrMapOvr>
+</p:sldLayout>
+</file>
+
+<file path=ppt/slideLayouts/slideLayout9.xml><?xml version="1.0" encoding="utf-8"?>
+<p:sldLayout xmlns:a="http://schemas.openxmlformats.org/drawingml/2006/main" xmlns:r="http://schemas.openxmlformats.org/officeDocument/2006/relationships" xmlns:mc="http://schemas.openxmlformats.org/markup-compatibility/2006" xmlns:mv="urn:schemas-microsoft-com:mac:vml" xmlns:p="http://schemas.openxmlformats.org/presentationml/2006/main" xmlns:c="http://schemas.openxmlformats.org/drawingml/2006/chart" xmlns:dgm="http://schemas.openxmlformats.org/drawingml/2006/diagram" xmlns:o="urn:schemas-microsoft-com:office:office" xmlns:v="urn:schemas-microsoft-com:vml" xmlns:pvml="urn:schemas-microsoft-com:office:powerpoint" xmlns:com="http://schemas.openxmlformats.org/drawingml/2006/compatibility" xmlns:p14="http://schemas.microsoft.com/office/powerpoint/2010/main" xmlns:p15="http://schemas.microsoft.com/office/powerpoint/2012/main" xmlns:ahyp="http://schemas.microsoft.com/office/drawing/2018/hyperlinkcolor" matchingName="Section title and description">
+  <p:cSld name="SECTION_TITLE_AND_DESCRIPTION">
+    <p:spTree>
+      <p:nvGrpSpPr>
+        <p:cNvPr id="37" name="Shape 37"/>
+        <p:cNvGrpSpPr/>
+        <p:nvPr/>
+      </p:nvGrpSpPr>
+      <p:grpSpPr>
+        <a:xfrm>
+          <a:off x="0" y="0"/>
+          <a:ext cx="0" cy="0"/>
+          <a:chOff x="0" y="0"/>
+          <a:chExt cx="0" cy="0"/>
+        </a:xfrm>
+      </p:grpSpPr>
+      <p:sp>
+        <p:nvSpPr>
+          <p:cNvPr id="38" name="Google Shape;38;p18"/>
           <p:cNvSpPr/>
           <p:nvPr/>
         </p:nvSpPr>
@@ -4228,25 +7083,41 @@
           </a:bodyPr>
           <a:lstStyle/>
           <a:p>
-            <a:pPr indent="0" lvl="0" marL="0" rtl="0" algn="l">
-              <a:spcBef>
-                <a:spcPts val="0"/>
-              </a:spcBef>
-              <a:spcAft>
-                <a:spcPts val="0"/>
-              </a:spcAft>
+            <a:pPr indent="0" lvl="0" marL="0" marR="0" rtl="0" algn="l">
+              <a:lnSpc>
+                <a:spcPct val="100000"/>
+              </a:lnSpc>
+              <a:spcBef>
+                <a:spcPts val="0"/>
+              </a:spcBef>
+              <a:spcAft>
+                <a:spcPts val="0"/>
+              </a:spcAft>
+              <a:buClr>
+                <a:srgbClr val="000000"/>
+              </a:buClr>
+              <a:buSzPts val="1400"/>
+              <a:buFont typeface="Arial"/>
               <a:buNone/>
             </a:pPr>
             <a:r>
               <a:t/>
             </a:r>
-            <a:endParaRPr/>
+            <a:endParaRPr b="0" i="0" sz="1400" u="none" cap="none" strike="noStrike">
+              <a:solidFill>
+                <a:srgbClr val="000000"/>
+              </a:solidFill>
+              <a:latin typeface="Arial"/>
+              <a:ea typeface="Arial"/>
+              <a:cs typeface="Arial"/>
+              <a:sym typeface="Arial"/>
+            </a:endParaRPr>
           </a:p>
         </p:txBody>
       </p:sp>
       <p:sp>
         <p:nvSpPr>
-          <p:cNvPr id="37" name="Google Shape;37;p9"/>
+          <p:cNvPr id="39" name="Google Shape;39;p18"/>
           <p:cNvSpPr txBox="1"/>
           <p:nvPr>
             <p:ph type="title"/>
@@ -4260,6 +7131,10 @@
           <a:prstGeom prst="rect">
             <a:avLst/>
           </a:prstGeom>
+          <a:noFill/>
+          <a:ln>
+            <a:noFill/>
+          </a:ln>
         </p:spPr>
         <p:txBody>
           <a:bodyPr anchorCtr="0" anchor="b" bIns="91425" lIns="91425" spcFirstLastPara="1" rIns="91425" wrap="square" tIns="91425">
@@ -4267,6 +7142,9 @@
           </a:bodyPr>
           <a:lstStyle>
             <a:lvl1pPr lvl="0" algn="ctr">
+              <a:lnSpc>
+                <a:spcPct val="100000"/>
+              </a:lnSpc>
               <a:spcBef>
                 <a:spcPts val="0"/>
               </a:spcBef>
@@ -4278,6 +7156,9 @@
               <a:defRPr sz="4200"/>
             </a:lvl1pPr>
             <a:lvl2pPr lvl="1" algn="ctr">
+              <a:lnSpc>
+                <a:spcPct val="100000"/>
+              </a:lnSpc>
               <a:spcBef>
                 <a:spcPts val="0"/>
               </a:spcBef>
@@ -4289,6 +7170,9 @@
               <a:defRPr sz="4200"/>
             </a:lvl2pPr>
             <a:lvl3pPr lvl="2" algn="ctr">
+              <a:lnSpc>
+                <a:spcPct val="100000"/>
+              </a:lnSpc>
               <a:spcBef>
                 <a:spcPts val="0"/>
               </a:spcBef>
@@ -4300,6 +7184,9 @@
               <a:defRPr sz="4200"/>
             </a:lvl3pPr>
             <a:lvl4pPr lvl="3" algn="ctr">
+              <a:lnSpc>
+                <a:spcPct val="100000"/>
+              </a:lnSpc>
               <a:spcBef>
                 <a:spcPts val="0"/>
               </a:spcBef>
@@ -4311,6 +7198,9 @@
               <a:defRPr sz="4200"/>
             </a:lvl4pPr>
             <a:lvl5pPr lvl="4" algn="ctr">
+              <a:lnSpc>
+                <a:spcPct val="100000"/>
+              </a:lnSpc>
               <a:spcBef>
                 <a:spcPts val="0"/>
               </a:spcBef>
@@ -4322,6 +7212,9 @@
               <a:defRPr sz="4200"/>
             </a:lvl5pPr>
             <a:lvl6pPr lvl="5" algn="ctr">
+              <a:lnSpc>
+                <a:spcPct val="100000"/>
+              </a:lnSpc>
               <a:spcBef>
                 <a:spcPts val="0"/>
               </a:spcBef>
@@ -4333,6 +7226,9 @@
               <a:defRPr sz="4200"/>
             </a:lvl6pPr>
             <a:lvl7pPr lvl="6" algn="ctr">
+              <a:lnSpc>
+                <a:spcPct val="100000"/>
+              </a:lnSpc>
               <a:spcBef>
                 <a:spcPts val="0"/>
               </a:spcBef>
@@ -4344,6 +7240,9 @@
               <a:defRPr sz="4200"/>
             </a:lvl7pPr>
             <a:lvl8pPr lvl="7" algn="ctr">
+              <a:lnSpc>
+                <a:spcPct val="100000"/>
+              </a:lnSpc>
               <a:spcBef>
                 <a:spcPts val="0"/>
               </a:spcBef>
@@ -4355,6 +7254,9 @@
               <a:defRPr sz="4200"/>
             </a:lvl8pPr>
             <a:lvl9pPr lvl="8" algn="ctr">
+              <a:lnSpc>
+                <a:spcPct val="100000"/>
+              </a:lnSpc>
               <a:spcBef>
                 <a:spcPts val="0"/>
               </a:spcBef>
@@ -4371,7 +7273,7 @@
       </p:sp>
       <p:sp>
         <p:nvSpPr>
-          <p:cNvPr id="38" name="Google Shape;38;p9"/>
+          <p:cNvPr id="40" name="Google Shape;40;p18"/>
           <p:cNvSpPr txBox="1"/>
           <p:nvPr>
             <p:ph idx="1" type="subTitle"/>
@@ -4385,6 +7287,10 @@
           <a:prstGeom prst="rect">
             <a:avLst/>
           </a:prstGeom>
+          <a:noFill/>
+          <a:ln>
+            <a:noFill/>
+          </a:ln>
         </p:spPr>
         <p:txBody>
           <a:bodyPr anchorCtr="0" anchor="t" bIns="91425" lIns="91425" spcFirstLastPara="1" rIns="91425" wrap="square" tIns="91425">
@@ -4523,7 +7429,7 @@
       </p:sp>
       <p:sp>
         <p:nvSpPr>
-          <p:cNvPr id="39" name="Google Shape;39;p9"/>
+          <p:cNvPr id="41" name="Google Shape;41;p18"/>
           <p:cNvSpPr txBox="1"/>
           <p:nvPr>
             <p:ph idx="2" type="body"/>
@@ -4537,13 +7443,20 @@
           <a:prstGeom prst="rect">
             <a:avLst/>
           </a:prstGeom>
+          <a:noFill/>
+          <a:ln>
+            <a:noFill/>
+          </a:ln>
         </p:spPr>
         <p:txBody>
           <a:bodyPr anchorCtr="0" anchor="ctr" bIns="91425" lIns="91425" spcFirstLastPara="1" rIns="91425" wrap="square" tIns="91425">
             <a:normAutofit/>
           </a:bodyPr>
           <a:lstStyle>
-            <a:lvl1pPr indent="-342900" lvl="0" marL="457200">
+            <a:lvl1pPr indent="-342900" lvl="0" marL="457200" algn="l">
+              <a:lnSpc>
+                <a:spcPct val="115000"/>
+              </a:lnSpc>
               <a:spcBef>
                 <a:spcPts val="0"/>
               </a:spcBef>
@@ -4554,7 +7467,10 @@
               <a:buChar char="●"/>
               <a:defRPr/>
             </a:lvl1pPr>
-            <a:lvl2pPr indent="-317500" lvl="1" marL="914400">
+            <a:lvl2pPr indent="-317500" lvl="1" marL="914400" algn="l">
+              <a:lnSpc>
+                <a:spcPct val="115000"/>
+              </a:lnSpc>
               <a:spcBef>
                 <a:spcPts val="0"/>
               </a:spcBef>
@@ -4565,7 +7481,10 @@
               <a:buChar char="○"/>
               <a:defRPr/>
             </a:lvl2pPr>
-            <a:lvl3pPr indent="-317500" lvl="2" marL="1371600">
+            <a:lvl3pPr indent="-317500" lvl="2" marL="1371600" algn="l">
+              <a:lnSpc>
+                <a:spcPct val="115000"/>
+              </a:lnSpc>
               <a:spcBef>
                 <a:spcPts val="0"/>
               </a:spcBef>
@@ -4576,7 +7495,10 @@
               <a:buChar char="■"/>
               <a:defRPr/>
             </a:lvl3pPr>
-            <a:lvl4pPr indent="-317500" lvl="3" marL="1828800">
+            <a:lvl4pPr indent="-317500" lvl="3" marL="1828800" algn="l">
+              <a:lnSpc>
+                <a:spcPct val="115000"/>
+              </a:lnSpc>
               <a:spcBef>
                 <a:spcPts val="0"/>
               </a:spcBef>
@@ -4587,7 +7509,10 @@
               <a:buChar char="●"/>
               <a:defRPr/>
             </a:lvl4pPr>
-            <a:lvl5pPr indent="-317500" lvl="4" marL="2286000">
+            <a:lvl5pPr indent="-317500" lvl="4" marL="2286000" algn="l">
+              <a:lnSpc>
+                <a:spcPct val="115000"/>
+              </a:lnSpc>
               <a:spcBef>
                 <a:spcPts val="0"/>
               </a:spcBef>
@@ -4598,7 +7523,10 @@
               <a:buChar char="○"/>
               <a:defRPr/>
             </a:lvl5pPr>
-            <a:lvl6pPr indent="-317500" lvl="5" marL="2743200">
+            <a:lvl6pPr indent="-317500" lvl="5" marL="2743200" algn="l">
+              <a:lnSpc>
+                <a:spcPct val="115000"/>
+              </a:lnSpc>
               <a:spcBef>
                 <a:spcPts val="0"/>
               </a:spcBef>
@@ -4609,7 +7537,10 @@
               <a:buChar char="■"/>
               <a:defRPr/>
             </a:lvl6pPr>
-            <a:lvl7pPr indent="-317500" lvl="6" marL="3200400">
+            <a:lvl7pPr indent="-317500" lvl="6" marL="3200400" algn="l">
+              <a:lnSpc>
+                <a:spcPct val="115000"/>
+              </a:lnSpc>
               <a:spcBef>
                 <a:spcPts val="0"/>
               </a:spcBef>
@@ -4620,7 +7551,10 @@
               <a:buChar char="●"/>
               <a:defRPr/>
             </a:lvl7pPr>
-            <a:lvl8pPr indent="-317500" lvl="7" marL="3657600">
+            <a:lvl8pPr indent="-317500" lvl="7" marL="3657600" algn="l">
+              <a:lnSpc>
+                <a:spcPct val="115000"/>
+              </a:lnSpc>
               <a:spcBef>
                 <a:spcPts val="0"/>
               </a:spcBef>
@@ -4631,7 +7565,10 @@
               <a:buChar char="○"/>
               <a:defRPr/>
             </a:lvl8pPr>
-            <a:lvl9pPr indent="-317500" lvl="8" marL="4114800">
+            <a:lvl9pPr indent="-317500" lvl="8" marL="4114800" algn="l">
+              <a:lnSpc>
+                <a:spcPct val="115000"/>
+              </a:lnSpc>
               <a:spcBef>
                 <a:spcPts val="0"/>
               </a:spcBef>
@@ -4648,7 +7585,7 @@
       </p:sp>
       <p:sp>
         <p:nvSpPr>
-          <p:cNvPr id="40" name="Google Shape;40;p9"/>
+          <p:cNvPr id="42" name="Google Shape;42;p18"/>
           <p:cNvSpPr txBox="1"/>
           <p:nvPr>
             <p:ph idx="12" type="sldNum"/>
@@ -4662,189 +7599,249 @@
           <a:prstGeom prst="rect">
             <a:avLst/>
           </a:prstGeom>
+          <a:noFill/>
+          <a:ln>
+            <a:noFill/>
+          </a:ln>
         </p:spPr>
         <p:txBody>
           <a:bodyPr anchorCtr="0" anchor="ctr" bIns="91425" lIns="91425" spcFirstLastPara="1" rIns="91425" wrap="square" tIns="91425">
             <a:normAutofit/>
           </a:bodyPr>
           <a:lstStyle>
-            <a:lvl1pPr lvl="0">
-              <a:buNone/>
-              <a:defRPr/>
+            <a:lvl1pPr indent="0" lvl="0" marL="0" marR="0" algn="r">
+              <a:lnSpc>
+                <a:spcPct val="100000"/>
+              </a:lnSpc>
+              <a:spcBef>
+                <a:spcPts val="0"/>
+              </a:spcBef>
+              <a:spcAft>
+                <a:spcPts val="0"/>
+              </a:spcAft>
+              <a:buClr>
+                <a:srgbClr val="000000"/>
+              </a:buClr>
+              <a:buSzPts val="1000"/>
+              <a:buFont typeface="Arial"/>
+              <a:buNone/>
+              <a:defRPr b="0" i="0" sz="1000" u="none" cap="none" strike="noStrike">
+                <a:solidFill>
+                  <a:schemeClr val="dk2"/>
+                </a:solidFill>
+                <a:latin typeface="Arial"/>
+                <a:ea typeface="Arial"/>
+                <a:cs typeface="Arial"/>
+                <a:sym typeface="Arial"/>
+              </a:defRPr>
             </a:lvl1pPr>
-            <a:lvl2pPr lvl="1">
-              <a:buNone/>
-              <a:defRPr/>
+            <a:lvl2pPr indent="0" lvl="1" marL="0" marR="0" algn="r">
+              <a:lnSpc>
+                <a:spcPct val="100000"/>
+              </a:lnSpc>
+              <a:spcBef>
+                <a:spcPts val="0"/>
+              </a:spcBef>
+              <a:spcAft>
+                <a:spcPts val="0"/>
+              </a:spcAft>
+              <a:buClr>
+                <a:srgbClr val="000000"/>
+              </a:buClr>
+              <a:buSzPts val="1000"/>
+              <a:buFont typeface="Arial"/>
+              <a:buNone/>
+              <a:defRPr b="0" i="0" sz="1000" u="none" cap="none" strike="noStrike">
+                <a:solidFill>
+                  <a:schemeClr val="dk2"/>
+                </a:solidFill>
+                <a:latin typeface="Arial"/>
+                <a:ea typeface="Arial"/>
+                <a:cs typeface="Arial"/>
+                <a:sym typeface="Arial"/>
+              </a:defRPr>
             </a:lvl2pPr>
-            <a:lvl3pPr lvl="2">
-              <a:buNone/>
-              <a:defRPr/>
+            <a:lvl3pPr indent="0" lvl="2" marL="0" marR="0" algn="r">
+              <a:lnSpc>
+                <a:spcPct val="100000"/>
+              </a:lnSpc>
+              <a:spcBef>
+                <a:spcPts val="0"/>
+              </a:spcBef>
+              <a:spcAft>
+                <a:spcPts val="0"/>
+              </a:spcAft>
+              <a:buClr>
+                <a:srgbClr val="000000"/>
+              </a:buClr>
+              <a:buSzPts val="1000"/>
+              <a:buFont typeface="Arial"/>
+              <a:buNone/>
+              <a:defRPr b="0" i="0" sz="1000" u="none" cap="none" strike="noStrike">
+                <a:solidFill>
+                  <a:schemeClr val="dk2"/>
+                </a:solidFill>
+                <a:latin typeface="Arial"/>
+                <a:ea typeface="Arial"/>
+                <a:cs typeface="Arial"/>
+                <a:sym typeface="Arial"/>
+              </a:defRPr>
             </a:lvl3pPr>
-            <a:lvl4pPr lvl="3">
-              <a:buNone/>
-              <a:defRPr/>
+            <a:lvl4pPr indent="0" lvl="3" marL="0" marR="0" algn="r">
+              <a:lnSpc>
+                <a:spcPct val="100000"/>
+              </a:lnSpc>
+              <a:spcBef>
+                <a:spcPts val="0"/>
+              </a:spcBef>
+              <a:spcAft>
+                <a:spcPts val="0"/>
+              </a:spcAft>
+              <a:buClr>
+                <a:srgbClr val="000000"/>
+              </a:buClr>
+              <a:buSzPts val="1000"/>
+              <a:buFont typeface="Arial"/>
+              <a:buNone/>
+              <a:defRPr b="0" i="0" sz="1000" u="none" cap="none" strike="noStrike">
+                <a:solidFill>
+                  <a:schemeClr val="dk2"/>
+                </a:solidFill>
+                <a:latin typeface="Arial"/>
+                <a:ea typeface="Arial"/>
+                <a:cs typeface="Arial"/>
+                <a:sym typeface="Arial"/>
+              </a:defRPr>
             </a:lvl4pPr>
-            <a:lvl5pPr lvl="4">
-              <a:buNone/>
-              <a:defRPr/>
+            <a:lvl5pPr indent="0" lvl="4" marL="0" marR="0" algn="r">
+              <a:lnSpc>
+                <a:spcPct val="100000"/>
+              </a:lnSpc>
+              <a:spcBef>
+                <a:spcPts val="0"/>
+              </a:spcBef>
+              <a:spcAft>
+                <a:spcPts val="0"/>
+              </a:spcAft>
+              <a:buClr>
+                <a:srgbClr val="000000"/>
+              </a:buClr>
+              <a:buSzPts val="1000"/>
+              <a:buFont typeface="Arial"/>
+              <a:buNone/>
+              <a:defRPr b="0" i="0" sz="1000" u="none" cap="none" strike="noStrike">
+                <a:solidFill>
+                  <a:schemeClr val="dk2"/>
+                </a:solidFill>
+                <a:latin typeface="Arial"/>
+                <a:ea typeface="Arial"/>
+                <a:cs typeface="Arial"/>
+                <a:sym typeface="Arial"/>
+              </a:defRPr>
             </a:lvl5pPr>
-            <a:lvl6pPr lvl="5">
-              <a:buNone/>
-              <a:defRPr/>
+            <a:lvl6pPr indent="0" lvl="5" marL="0" marR="0" algn="r">
+              <a:lnSpc>
+                <a:spcPct val="100000"/>
+              </a:lnSpc>
+              <a:spcBef>
+                <a:spcPts val="0"/>
+              </a:spcBef>
+              <a:spcAft>
+                <a:spcPts val="0"/>
+              </a:spcAft>
+              <a:buClr>
+                <a:srgbClr val="000000"/>
+              </a:buClr>
+              <a:buSzPts val="1000"/>
+              <a:buFont typeface="Arial"/>
+              <a:buNone/>
+              <a:defRPr b="0" i="0" sz="1000" u="none" cap="none" strike="noStrike">
+                <a:solidFill>
+                  <a:schemeClr val="dk2"/>
+                </a:solidFill>
+                <a:latin typeface="Arial"/>
+                <a:ea typeface="Arial"/>
+                <a:cs typeface="Arial"/>
+                <a:sym typeface="Arial"/>
+              </a:defRPr>
             </a:lvl6pPr>
-            <a:lvl7pPr lvl="6">
-              <a:buNone/>
-              <a:defRPr/>
+            <a:lvl7pPr indent="0" lvl="6" marL="0" marR="0" algn="r">
+              <a:lnSpc>
+                <a:spcPct val="100000"/>
+              </a:lnSpc>
+              <a:spcBef>
+                <a:spcPts val="0"/>
+              </a:spcBef>
+              <a:spcAft>
+                <a:spcPts val="0"/>
+              </a:spcAft>
+              <a:buClr>
+                <a:srgbClr val="000000"/>
+              </a:buClr>
+              <a:buSzPts val="1000"/>
+              <a:buFont typeface="Arial"/>
+              <a:buNone/>
+              <a:defRPr b="0" i="0" sz="1000" u="none" cap="none" strike="noStrike">
+                <a:solidFill>
+                  <a:schemeClr val="dk2"/>
+                </a:solidFill>
+                <a:latin typeface="Arial"/>
+                <a:ea typeface="Arial"/>
+                <a:cs typeface="Arial"/>
+                <a:sym typeface="Arial"/>
+              </a:defRPr>
             </a:lvl7pPr>
-            <a:lvl8pPr lvl="7">
-              <a:buNone/>
-              <a:defRPr/>
+            <a:lvl8pPr indent="0" lvl="7" marL="0" marR="0" algn="r">
+              <a:lnSpc>
+                <a:spcPct val="100000"/>
+              </a:lnSpc>
+              <a:spcBef>
+                <a:spcPts val="0"/>
+              </a:spcBef>
+              <a:spcAft>
+                <a:spcPts val="0"/>
+              </a:spcAft>
+              <a:buClr>
+                <a:srgbClr val="000000"/>
+              </a:buClr>
+              <a:buSzPts val="1000"/>
+              <a:buFont typeface="Arial"/>
+              <a:buNone/>
+              <a:defRPr b="0" i="0" sz="1000" u="none" cap="none" strike="noStrike">
+                <a:solidFill>
+                  <a:schemeClr val="dk2"/>
+                </a:solidFill>
+                <a:latin typeface="Arial"/>
+                <a:ea typeface="Arial"/>
+                <a:cs typeface="Arial"/>
+                <a:sym typeface="Arial"/>
+              </a:defRPr>
             </a:lvl8pPr>
-            <a:lvl9pPr lvl="8">
-              <a:buNone/>
-              <a:defRPr/>
-            </a:lvl9pPr>
-          </a:lstStyle>
-          <a:p>
-            <a:pPr indent="0" lvl="0" marL="0" rtl="0" algn="r">
-              <a:spcBef>
-                <a:spcPts val="0"/>
-              </a:spcBef>
-              <a:spcAft>
-                <a:spcPts val="0"/>
-              </a:spcAft>
-              <a:buNone/>
-            </a:pPr>
-            <a:fld id="{00000000-1234-1234-1234-123412341234}" type="slidenum">
-              <a:rPr lang="en"/>
-              <a:t>‹#›</a:t>
-            </a:fld>
-            <a:endParaRPr/>
-          </a:p>
-        </p:txBody>
-      </p:sp>
-    </p:spTree>
-  </p:cSld>
-  <p:clrMapOvr>
-    <a:masterClrMapping/>
-  </p:clrMapOvr>
-</p:sldLayout>
-</file>
-
-<file path=ppt/slideLayouts/slideLayout9.xml><?xml version="1.0" encoding="utf-8"?>
-<p:sldLayout xmlns:a="http://schemas.openxmlformats.org/drawingml/2006/main" xmlns:r="http://schemas.openxmlformats.org/officeDocument/2006/relationships" xmlns:mc="http://schemas.openxmlformats.org/markup-compatibility/2006" xmlns:mv="urn:schemas-microsoft-com:mac:vml" xmlns:p="http://schemas.openxmlformats.org/presentationml/2006/main" xmlns:c="http://schemas.openxmlformats.org/drawingml/2006/chart" xmlns:dgm="http://schemas.openxmlformats.org/drawingml/2006/diagram" xmlns:o="urn:schemas-microsoft-com:office:office" xmlns:v="urn:schemas-microsoft-com:vml" xmlns:pvml="urn:schemas-microsoft-com:office:powerpoint" xmlns:com="http://schemas.openxmlformats.org/drawingml/2006/compatibility" xmlns:p14="http://schemas.microsoft.com/office/powerpoint/2010/main" xmlns:p15="http://schemas.microsoft.com/office/powerpoint/2012/main" xmlns:ahyp="http://schemas.microsoft.com/office/drawing/2018/hyperlinkcolor" matchingName="Caption">
-  <p:cSld name="CAPTION_ONLY">
-    <p:spTree>
-      <p:nvGrpSpPr>
-        <p:cNvPr id="41" name="Shape 41"/>
-        <p:cNvGrpSpPr/>
-        <p:nvPr/>
-      </p:nvGrpSpPr>
-      <p:grpSpPr>
-        <a:xfrm>
-          <a:off x="0" y="0"/>
-          <a:ext cx="0" cy="0"/>
-          <a:chOff x="0" y="0"/>
-          <a:chExt cx="0" cy="0"/>
-        </a:xfrm>
-      </p:grpSpPr>
-      <p:sp>
-        <p:nvSpPr>
-          <p:cNvPr id="42" name="Google Shape;42;p10"/>
-          <p:cNvSpPr txBox="1"/>
-          <p:nvPr>
-            <p:ph idx="1" type="body"/>
-          </p:nvPr>
-        </p:nvSpPr>
-        <p:spPr>
-          <a:xfrm>
-            <a:off x="311700" y="4230575"/>
-            <a:ext cx="5998800" cy="605100"/>
-          </a:xfrm>
-          <a:prstGeom prst="rect">
-            <a:avLst/>
-          </a:prstGeom>
-        </p:spPr>
-        <p:txBody>
-          <a:bodyPr anchorCtr="0" anchor="ctr" bIns="91425" lIns="91425" spcFirstLastPara="1" rIns="91425" wrap="square" tIns="91425">
-            <a:normAutofit/>
-          </a:bodyPr>
-          <a:lstStyle>
-            <a:lvl1pPr indent="-228600" lvl="0" marL="457200">
-              <a:lnSpc>
-                <a:spcPct val="100000"/>
-              </a:lnSpc>
-              <a:spcBef>
-                <a:spcPts val="0"/>
-              </a:spcBef>
-              <a:spcAft>
-                <a:spcPts val="0"/>
-              </a:spcAft>
-              <a:buSzPts val="1800"/>
-              <a:buNone/>
-              <a:defRPr/>
-            </a:lvl1pPr>
-          </a:lstStyle>
-          <a:p/>
-        </p:txBody>
-      </p:sp>
-      <p:sp>
-        <p:nvSpPr>
-          <p:cNvPr id="43" name="Google Shape;43;p10"/>
-          <p:cNvSpPr txBox="1"/>
-          <p:nvPr>
-            <p:ph idx="12" type="sldNum"/>
-          </p:nvPr>
-        </p:nvSpPr>
-        <p:spPr>
-          <a:xfrm>
-            <a:off x="8472458" y="4663217"/>
-            <a:ext cx="548700" cy="393600"/>
-          </a:xfrm>
-          <a:prstGeom prst="rect">
-            <a:avLst/>
-          </a:prstGeom>
-        </p:spPr>
-        <p:txBody>
-          <a:bodyPr anchorCtr="0" anchor="ctr" bIns="91425" lIns="91425" spcFirstLastPara="1" rIns="91425" wrap="square" tIns="91425">
-            <a:normAutofit/>
-          </a:bodyPr>
-          <a:lstStyle>
-            <a:lvl1pPr lvl="0">
-              <a:buNone/>
-              <a:defRPr/>
-            </a:lvl1pPr>
-            <a:lvl2pPr lvl="1">
-              <a:buNone/>
-              <a:defRPr/>
-            </a:lvl2pPr>
-            <a:lvl3pPr lvl="2">
-              <a:buNone/>
-              <a:defRPr/>
-            </a:lvl3pPr>
-            <a:lvl4pPr lvl="3">
-              <a:buNone/>
-              <a:defRPr/>
-            </a:lvl4pPr>
-            <a:lvl5pPr lvl="4">
-              <a:buNone/>
-              <a:defRPr/>
-            </a:lvl5pPr>
-            <a:lvl6pPr lvl="5">
-              <a:buNone/>
-              <a:defRPr/>
-            </a:lvl6pPr>
-            <a:lvl7pPr lvl="6">
-              <a:buNone/>
-              <a:defRPr/>
-            </a:lvl7pPr>
-            <a:lvl8pPr lvl="7">
-              <a:buNone/>
-              <a:defRPr/>
-            </a:lvl8pPr>
-            <a:lvl9pPr lvl="8">
-              <a:buNone/>
-              <a:defRPr/>
+            <a:lvl9pPr indent="0" lvl="8" marL="0" marR="0" algn="r">
+              <a:lnSpc>
+                <a:spcPct val="100000"/>
+              </a:lnSpc>
+              <a:spcBef>
+                <a:spcPts val="0"/>
+              </a:spcBef>
+              <a:spcAft>
+                <a:spcPts val="0"/>
+              </a:spcAft>
+              <a:buClr>
+                <a:srgbClr val="000000"/>
+              </a:buClr>
+              <a:buSzPts val="1000"/>
+              <a:buFont typeface="Arial"/>
+              <a:buNone/>
+              <a:defRPr b="0" i="0" sz="1000" u="none" cap="none" strike="noStrike">
+                <a:solidFill>
+                  <a:schemeClr val="dk2"/>
+                </a:solidFill>
+                <a:latin typeface="Arial"/>
+                <a:ea typeface="Arial"/>
+                <a:cs typeface="Arial"/>
+                <a:sym typeface="Arial"/>
+              </a:defRPr>
             </a:lvl9pPr>
           </a:lstStyle>
           <a:p>
@@ -4899,7 +7896,7 @@
       </p:grpSpPr>
       <p:sp>
         <p:nvSpPr>
-          <p:cNvPr id="6" name="Google Shape;6;p1"/>
+          <p:cNvPr id="6" name="Google Shape;6;p9"/>
           <p:cNvSpPr txBox="1"/>
           <p:nvPr>
             <p:ph type="title"/>
@@ -4923,7 +7920,10 @@
             <a:normAutofit/>
           </a:bodyPr>
           <a:lstStyle>
-            <a:lvl1pPr lvl="0">
+            <a:lvl1pPr lvl="0" marR="0" rtl="0" algn="l">
+              <a:lnSpc>
+                <a:spcPct val="100000"/>
+              </a:lnSpc>
               <a:spcBef>
                 <a:spcPts val="0"/>
               </a:spcBef>
@@ -4934,14 +7934,22 @@
                 <a:schemeClr val="dk1"/>
               </a:buClr>
               <a:buSzPts val="2800"/>
-              <a:buNone/>
-              <a:defRPr sz="2800">
+              <a:buFont typeface="Arial"/>
+              <a:buNone/>
+              <a:defRPr b="0" i="0" sz="2800" u="none" cap="none" strike="noStrike">
                 <a:solidFill>
                   <a:schemeClr val="dk1"/>
                 </a:solidFill>
+                <a:latin typeface="Arial"/>
+                <a:ea typeface="Arial"/>
+                <a:cs typeface="Arial"/>
+                <a:sym typeface="Arial"/>
               </a:defRPr>
             </a:lvl1pPr>
-            <a:lvl2pPr lvl="1">
+            <a:lvl2pPr lvl="1" marR="0" rtl="0" algn="l">
+              <a:lnSpc>
+                <a:spcPct val="100000"/>
+              </a:lnSpc>
               <a:spcBef>
                 <a:spcPts val="0"/>
               </a:spcBef>
@@ -4952,14 +7960,22 @@
                 <a:schemeClr val="dk1"/>
               </a:buClr>
               <a:buSzPts val="2800"/>
-              <a:buNone/>
-              <a:defRPr sz="2800">
+              <a:buFont typeface="Arial"/>
+              <a:buNone/>
+              <a:defRPr b="0" i="0" sz="2800" u="none" cap="none" strike="noStrike">
                 <a:solidFill>
                   <a:schemeClr val="dk1"/>
                 </a:solidFill>
+                <a:latin typeface="Arial"/>
+                <a:ea typeface="Arial"/>
+                <a:cs typeface="Arial"/>
+                <a:sym typeface="Arial"/>
               </a:defRPr>
             </a:lvl2pPr>
-            <a:lvl3pPr lvl="2">
+            <a:lvl3pPr lvl="2" marR="0" rtl="0" algn="l">
+              <a:lnSpc>
+                <a:spcPct val="100000"/>
+              </a:lnSpc>
               <a:spcBef>
                 <a:spcPts val="0"/>
               </a:spcBef>
@@ -4970,14 +7986,22 @@
                 <a:schemeClr val="dk1"/>
               </a:buClr>
               <a:buSzPts val="2800"/>
-              <a:buNone/>
-              <a:defRPr sz="2800">
+              <a:buFont typeface="Arial"/>
+              <a:buNone/>
+              <a:defRPr b="0" i="0" sz="2800" u="none" cap="none" strike="noStrike">
                 <a:solidFill>
                   <a:schemeClr val="dk1"/>
                 </a:solidFill>
+                <a:latin typeface="Arial"/>
+                <a:ea typeface="Arial"/>
+                <a:cs typeface="Arial"/>
+                <a:sym typeface="Arial"/>
               </a:defRPr>
             </a:lvl3pPr>
-            <a:lvl4pPr lvl="3">
+            <a:lvl4pPr lvl="3" marR="0" rtl="0" algn="l">
+              <a:lnSpc>
+                <a:spcPct val="100000"/>
+              </a:lnSpc>
               <a:spcBef>
                 <a:spcPts val="0"/>
               </a:spcBef>
@@ -4988,14 +8012,22 @@
                 <a:schemeClr val="dk1"/>
               </a:buClr>
               <a:buSzPts val="2800"/>
-              <a:buNone/>
-              <a:defRPr sz="2800">
+              <a:buFont typeface="Arial"/>
+              <a:buNone/>
+              <a:defRPr b="0" i="0" sz="2800" u="none" cap="none" strike="noStrike">
                 <a:solidFill>
                   <a:schemeClr val="dk1"/>
                 </a:solidFill>
+                <a:latin typeface="Arial"/>
+                <a:ea typeface="Arial"/>
+                <a:cs typeface="Arial"/>
+                <a:sym typeface="Arial"/>
               </a:defRPr>
             </a:lvl4pPr>
-            <a:lvl5pPr lvl="4">
+            <a:lvl5pPr lvl="4" marR="0" rtl="0" algn="l">
+              <a:lnSpc>
+                <a:spcPct val="100000"/>
+              </a:lnSpc>
               <a:spcBef>
                 <a:spcPts val="0"/>
               </a:spcBef>
@@ -5006,14 +8038,22 @@
                 <a:schemeClr val="dk1"/>
               </a:buClr>
               <a:buSzPts val="2800"/>
-              <a:buNone/>
-              <a:defRPr sz="2800">
+              <a:buFont typeface="Arial"/>
+              <a:buNone/>
+              <a:defRPr b="0" i="0" sz="2800" u="none" cap="none" strike="noStrike">
                 <a:solidFill>
                   <a:schemeClr val="dk1"/>
                 </a:solidFill>
+                <a:latin typeface="Arial"/>
+                <a:ea typeface="Arial"/>
+                <a:cs typeface="Arial"/>
+                <a:sym typeface="Arial"/>
               </a:defRPr>
             </a:lvl5pPr>
-            <a:lvl6pPr lvl="5">
+            <a:lvl6pPr lvl="5" marR="0" rtl="0" algn="l">
+              <a:lnSpc>
+                <a:spcPct val="100000"/>
+              </a:lnSpc>
               <a:spcBef>
                 <a:spcPts val="0"/>
               </a:spcBef>
@@ -5024,14 +8064,22 @@
                 <a:schemeClr val="dk1"/>
               </a:buClr>
               <a:buSzPts val="2800"/>
-              <a:buNone/>
-              <a:defRPr sz="2800">
+              <a:buFont typeface="Arial"/>
+              <a:buNone/>
+              <a:defRPr b="0" i="0" sz="2800" u="none" cap="none" strike="noStrike">
                 <a:solidFill>
                   <a:schemeClr val="dk1"/>
                 </a:solidFill>
+                <a:latin typeface="Arial"/>
+                <a:ea typeface="Arial"/>
+                <a:cs typeface="Arial"/>
+                <a:sym typeface="Arial"/>
               </a:defRPr>
             </a:lvl6pPr>
-            <a:lvl7pPr lvl="6">
+            <a:lvl7pPr lvl="6" marR="0" rtl="0" algn="l">
+              <a:lnSpc>
+                <a:spcPct val="100000"/>
+              </a:lnSpc>
               <a:spcBef>
                 <a:spcPts val="0"/>
               </a:spcBef>
@@ -5042,14 +8090,22 @@
                 <a:schemeClr val="dk1"/>
               </a:buClr>
               <a:buSzPts val="2800"/>
-              <a:buNone/>
-              <a:defRPr sz="2800">
+              <a:buFont typeface="Arial"/>
+              <a:buNone/>
+              <a:defRPr b="0" i="0" sz="2800" u="none" cap="none" strike="noStrike">
                 <a:solidFill>
                   <a:schemeClr val="dk1"/>
                 </a:solidFill>
+                <a:latin typeface="Arial"/>
+                <a:ea typeface="Arial"/>
+                <a:cs typeface="Arial"/>
+                <a:sym typeface="Arial"/>
               </a:defRPr>
             </a:lvl7pPr>
-            <a:lvl8pPr lvl="7">
+            <a:lvl8pPr lvl="7" marR="0" rtl="0" algn="l">
+              <a:lnSpc>
+                <a:spcPct val="100000"/>
+              </a:lnSpc>
               <a:spcBef>
                 <a:spcPts val="0"/>
               </a:spcBef>
@@ -5060,14 +8116,22 @@
                 <a:schemeClr val="dk1"/>
               </a:buClr>
               <a:buSzPts val="2800"/>
-              <a:buNone/>
-              <a:defRPr sz="2800">
+              <a:buFont typeface="Arial"/>
+              <a:buNone/>
+              <a:defRPr b="0" i="0" sz="2800" u="none" cap="none" strike="noStrike">
                 <a:solidFill>
                   <a:schemeClr val="dk1"/>
                 </a:solidFill>
+                <a:latin typeface="Arial"/>
+                <a:ea typeface="Arial"/>
+                <a:cs typeface="Arial"/>
+                <a:sym typeface="Arial"/>
               </a:defRPr>
             </a:lvl8pPr>
-            <a:lvl9pPr lvl="8">
+            <a:lvl9pPr lvl="8" marR="0" rtl="0" algn="l">
+              <a:lnSpc>
+                <a:spcPct val="100000"/>
+              </a:lnSpc>
               <a:spcBef>
                 <a:spcPts val="0"/>
               </a:spcBef>
@@ -5078,11 +8142,16 @@
                 <a:schemeClr val="dk1"/>
               </a:buClr>
               <a:buSzPts val="2800"/>
-              <a:buNone/>
-              <a:defRPr sz="2800">
+              <a:buFont typeface="Arial"/>
+              <a:buNone/>
+              <a:defRPr b="0" i="0" sz="2800" u="none" cap="none" strike="noStrike">
                 <a:solidFill>
                   <a:schemeClr val="dk1"/>
                 </a:solidFill>
+                <a:latin typeface="Arial"/>
+                <a:ea typeface="Arial"/>
+                <a:cs typeface="Arial"/>
+                <a:sym typeface="Arial"/>
               </a:defRPr>
             </a:lvl9pPr>
           </a:lstStyle>
@@ -5091,7 +8160,7 @@
       </p:sp>
       <p:sp>
         <p:nvSpPr>
-          <p:cNvPr id="7" name="Google Shape;7;p1"/>
+          <p:cNvPr id="7" name="Google Shape;7;p9"/>
           <p:cNvSpPr txBox="1"/>
           <p:nvPr>
             <p:ph idx="1" type="body"/>
@@ -5115,7 +8184,7 @@
             <a:normAutofit/>
           </a:bodyPr>
           <a:lstStyle>
-            <a:lvl1pPr indent="-342900" lvl="0" marL="457200">
+            <a:lvl1pPr indent="-342900" lvl="0" marL="457200" marR="0" rtl="0" algn="l">
               <a:lnSpc>
                 <a:spcPct val="115000"/>
               </a:lnSpc>
@@ -5129,14 +8198,19 @@
                 <a:schemeClr val="dk2"/>
               </a:buClr>
               <a:buSzPts val="1800"/>
+              <a:buFont typeface="Arial"/>
               <a:buChar char="●"/>
-              <a:defRPr sz="1800">
+              <a:defRPr b="0" i="0" sz="1800" u="none" cap="none" strike="noStrike">
                 <a:solidFill>
                   <a:schemeClr val="dk2"/>
                 </a:solidFill>
+                <a:latin typeface="Arial"/>
+                <a:ea typeface="Arial"/>
+                <a:cs typeface="Arial"/>
+                <a:sym typeface="Arial"/>
               </a:defRPr>
             </a:lvl1pPr>
-            <a:lvl2pPr indent="-317500" lvl="1" marL="914400">
+            <a:lvl2pPr indent="-317500" lvl="1" marL="914400" marR="0" rtl="0" algn="l">
               <a:lnSpc>
                 <a:spcPct val="115000"/>
               </a:lnSpc>
@@ -5150,14 +8224,19 @@
                 <a:schemeClr val="dk2"/>
               </a:buClr>
               <a:buSzPts val="1400"/>
+              <a:buFont typeface="Arial"/>
               <a:buChar char="○"/>
-              <a:defRPr>
+              <a:defRPr b="0" i="0" sz="1400" u="none" cap="none" strike="noStrike">
                 <a:solidFill>
                   <a:schemeClr val="dk2"/>
                 </a:solidFill>
+                <a:latin typeface="Arial"/>
+                <a:ea typeface="Arial"/>
+                <a:cs typeface="Arial"/>
+                <a:sym typeface="Arial"/>
               </a:defRPr>
             </a:lvl2pPr>
-            <a:lvl3pPr indent="-317500" lvl="2" marL="1371600">
+            <a:lvl3pPr indent="-317500" lvl="2" marL="1371600" marR="0" rtl="0" algn="l">
               <a:lnSpc>
                 <a:spcPct val="115000"/>
               </a:lnSpc>
@@ -5171,14 +8250,19 @@
                 <a:schemeClr val="dk2"/>
               </a:buClr>
               <a:buSzPts val="1400"/>
+              <a:buFont typeface="Arial"/>
               <a:buChar char="■"/>
-              <a:defRPr>
+              <a:defRPr b="0" i="0" sz="1400" u="none" cap="none" strike="noStrike">
                 <a:solidFill>
                   <a:schemeClr val="dk2"/>
                 </a:solidFill>
+                <a:latin typeface="Arial"/>
+                <a:ea typeface="Arial"/>
+                <a:cs typeface="Arial"/>
+                <a:sym typeface="Arial"/>
               </a:defRPr>
             </a:lvl3pPr>
-            <a:lvl4pPr indent="-317500" lvl="3" marL="1828800">
+            <a:lvl4pPr indent="-317500" lvl="3" marL="1828800" marR="0" rtl="0" algn="l">
               <a:lnSpc>
                 <a:spcPct val="115000"/>
               </a:lnSpc>
@@ -5192,14 +8276,19 @@
                 <a:schemeClr val="dk2"/>
               </a:buClr>
               <a:buSzPts val="1400"/>
+              <a:buFont typeface="Arial"/>
               <a:buChar char="●"/>
-              <a:defRPr>
+              <a:defRPr b="0" i="0" sz="1400" u="none" cap="none" strike="noStrike">
                 <a:solidFill>
                   <a:schemeClr val="dk2"/>
                 </a:solidFill>
+                <a:latin typeface="Arial"/>
+                <a:ea typeface="Arial"/>
+                <a:cs typeface="Arial"/>
+                <a:sym typeface="Arial"/>
               </a:defRPr>
             </a:lvl4pPr>
-            <a:lvl5pPr indent="-317500" lvl="4" marL="2286000">
+            <a:lvl5pPr indent="-317500" lvl="4" marL="2286000" marR="0" rtl="0" algn="l">
               <a:lnSpc>
                 <a:spcPct val="115000"/>
               </a:lnSpc>
@@ -5213,14 +8302,19 @@
                 <a:schemeClr val="dk2"/>
               </a:buClr>
               <a:buSzPts val="1400"/>
+              <a:buFont typeface="Arial"/>
               <a:buChar char="○"/>
-              <a:defRPr>
+              <a:defRPr b="0" i="0" sz="1400" u="none" cap="none" strike="noStrike">
                 <a:solidFill>
                   <a:schemeClr val="dk2"/>
                 </a:solidFill>
+                <a:latin typeface="Arial"/>
+                <a:ea typeface="Arial"/>
+                <a:cs typeface="Arial"/>
+                <a:sym typeface="Arial"/>
               </a:defRPr>
             </a:lvl5pPr>
-            <a:lvl6pPr indent="-317500" lvl="5" marL="2743200">
+            <a:lvl6pPr indent="-317500" lvl="5" marL="2743200" marR="0" rtl="0" algn="l">
               <a:lnSpc>
                 <a:spcPct val="115000"/>
               </a:lnSpc>
@@ -5234,14 +8328,19 @@
                 <a:schemeClr val="dk2"/>
               </a:buClr>
               <a:buSzPts val="1400"/>
+              <a:buFont typeface="Arial"/>
               <a:buChar char="■"/>
-              <a:defRPr>
+              <a:defRPr b="0" i="0" sz="1400" u="none" cap="none" strike="noStrike">
                 <a:solidFill>
                   <a:schemeClr val="dk2"/>
                 </a:solidFill>
+                <a:latin typeface="Arial"/>
+                <a:ea typeface="Arial"/>
+                <a:cs typeface="Arial"/>
+                <a:sym typeface="Arial"/>
               </a:defRPr>
             </a:lvl6pPr>
-            <a:lvl7pPr indent="-317500" lvl="6" marL="3200400">
+            <a:lvl7pPr indent="-317500" lvl="6" marL="3200400" marR="0" rtl="0" algn="l">
               <a:lnSpc>
                 <a:spcPct val="115000"/>
               </a:lnSpc>
@@ -5255,14 +8354,19 @@
                 <a:schemeClr val="dk2"/>
               </a:buClr>
               <a:buSzPts val="1400"/>
+              <a:buFont typeface="Arial"/>
               <a:buChar char="●"/>
-              <a:defRPr>
+              <a:defRPr b="0" i="0" sz="1400" u="none" cap="none" strike="noStrike">
                 <a:solidFill>
                   <a:schemeClr val="dk2"/>
                 </a:solidFill>
+                <a:latin typeface="Arial"/>
+                <a:ea typeface="Arial"/>
+                <a:cs typeface="Arial"/>
+                <a:sym typeface="Arial"/>
               </a:defRPr>
             </a:lvl7pPr>
-            <a:lvl8pPr indent="-317500" lvl="7" marL="3657600">
+            <a:lvl8pPr indent="-317500" lvl="7" marL="3657600" marR="0" rtl="0" algn="l">
               <a:lnSpc>
                 <a:spcPct val="115000"/>
               </a:lnSpc>
@@ -5276,14 +8380,19 @@
                 <a:schemeClr val="dk2"/>
               </a:buClr>
               <a:buSzPts val="1400"/>
+              <a:buFont typeface="Arial"/>
               <a:buChar char="○"/>
-              <a:defRPr>
+              <a:defRPr b="0" i="0" sz="1400" u="none" cap="none" strike="noStrike">
                 <a:solidFill>
                   <a:schemeClr val="dk2"/>
                 </a:solidFill>
+                <a:latin typeface="Arial"/>
+                <a:ea typeface="Arial"/>
+                <a:cs typeface="Arial"/>
+                <a:sym typeface="Arial"/>
               </a:defRPr>
             </a:lvl8pPr>
-            <a:lvl9pPr indent="-317500" lvl="8" marL="4114800">
+            <a:lvl9pPr indent="-317500" lvl="8" marL="4114800" marR="0" rtl="0" algn="l">
               <a:lnSpc>
                 <a:spcPct val="115000"/>
               </a:lnSpc>
@@ -5297,11 +8406,16 @@
                 <a:schemeClr val="dk2"/>
               </a:buClr>
               <a:buSzPts val="1400"/>
+              <a:buFont typeface="Arial"/>
               <a:buChar char="■"/>
-              <a:defRPr>
+              <a:defRPr b="0" i="0" sz="1400" u="none" cap="none" strike="noStrike">
                 <a:solidFill>
                   <a:schemeClr val="dk2"/>
                 </a:solidFill>
+                <a:latin typeface="Arial"/>
+                <a:ea typeface="Arial"/>
+                <a:cs typeface="Arial"/>
+                <a:sym typeface="Arial"/>
               </a:defRPr>
             </a:lvl9pPr>
           </a:lstStyle>
@@ -5310,7 +8424,7 @@
       </p:sp>
       <p:sp>
         <p:nvSpPr>
-          <p:cNvPr id="8" name="Google Shape;8;p1"/>
+          <p:cNvPr id="8" name="Google Shape;8;p9"/>
           <p:cNvSpPr txBox="1"/>
           <p:nvPr>
             <p:ph idx="12" type="sldNum"/>
@@ -5334,76 +8448,238 @@
             <a:normAutofit/>
           </a:bodyPr>
           <a:lstStyle>
-            <a:lvl1pPr lvl="0" algn="r">
-              <a:buNone/>
-              <a:defRPr sz="1000">
+            <a:lvl1pPr indent="0" lvl="0" marL="0" marR="0" rtl="0" algn="r">
+              <a:lnSpc>
+                <a:spcPct val="100000"/>
+              </a:lnSpc>
+              <a:spcBef>
+                <a:spcPts val="0"/>
+              </a:spcBef>
+              <a:spcAft>
+                <a:spcPts val="0"/>
+              </a:spcAft>
+              <a:buClr>
+                <a:srgbClr val="000000"/>
+              </a:buClr>
+              <a:buSzPts val="1000"/>
+              <a:buFont typeface="Arial"/>
+              <a:buNone/>
+              <a:defRPr b="0" i="0" sz="1000" u="none" cap="none" strike="noStrike">
                 <a:solidFill>
                   <a:schemeClr val="dk2"/>
                 </a:solidFill>
+                <a:latin typeface="Arial"/>
+                <a:ea typeface="Arial"/>
+                <a:cs typeface="Arial"/>
+                <a:sym typeface="Arial"/>
               </a:defRPr>
             </a:lvl1pPr>
-            <a:lvl2pPr lvl="1" algn="r">
-              <a:buNone/>
-              <a:defRPr sz="1000">
+            <a:lvl2pPr indent="0" lvl="1" marL="0" marR="0" rtl="0" algn="r">
+              <a:lnSpc>
+                <a:spcPct val="100000"/>
+              </a:lnSpc>
+              <a:spcBef>
+                <a:spcPts val="0"/>
+              </a:spcBef>
+              <a:spcAft>
+                <a:spcPts val="0"/>
+              </a:spcAft>
+              <a:buClr>
+                <a:srgbClr val="000000"/>
+              </a:buClr>
+              <a:buSzPts val="1000"/>
+              <a:buFont typeface="Arial"/>
+              <a:buNone/>
+              <a:defRPr b="0" i="0" sz="1000" u="none" cap="none" strike="noStrike">
                 <a:solidFill>
                   <a:schemeClr val="dk2"/>
                 </a:solidFill>
+                <a:latin typeface="Arial"/>
+                <a:ea typeface="Arial"/>
+                <a:cs typeface="Arial"/>
+                <a:sym typeface="Arial"/>
               </a:defRPr>
             </a:lvl2pPr>
-            <a:lvl3pPr lvl="2" algn="r">
-              <a:buNone/>
-              <a:defRPr sz="1000">
+            <a:lvl3pPr indent="0" lvl="2" marL="0" marR="0" rtl="0" algn="r">
+              <a:lnSpc>
+                <a:spcPct val="100000"/>
+              </a:lnSpc>
+              <a:spcBef>
+                <a:spcPts val="0"/>
+              </a:spcBef>
+              <a:spcAft>
+                <a:spcPts val="0"/>
+              </a:spcAft>
+              <a:buClr>
+                <a:srgbClr val="000000"/>
+              </a:buClr>
+              <a:buSzPts val="1000"/>
+              <a:buFont typeface="Arial"/>
+              <a:buNone/>
+              <a:defRPr b="0" i="0" sz="1000" u="none" cap="none" strike="noStrike">
                 <a:solidFill>
                   <a:schemeClr val="dk2"/>
                 </a:solidFill>
+                <a:latin typeface="Arial"/>
+                <a:ea typeface="Arial"/>
+                <a:cs typeface="Arial"/>
+                <a:sym typeface="Arial"/>
               </a:defRPr>
             </a:lvl3pPr>
-            <a:lvl4pPr lvl="3" algn="r">
-              <a:buNone/>
-              <a:defRPr sz="1000">
+            <a:lvl4pPr indent="0" lvl="3" marL="0" marR="0" rtl="0" algn="r">
+              <a:lnSpc>
+                <a:spcPct val="100000"/>
+              </a:lnSpc>
+              <a:spcBef>
+                <a:spcPts val="0"/>
+              </a:spcBef>
+              <a:spcAft>
+                <a:spcPts val="0"/>
+              </a:spcAft>
+              <a:buClr>
+                <a:srgbClr val="000000"/>
+              </a:buClr>
+              <a:buSzPts val="1000"/>
+              <a:buFont typeface="Arial"/>
+              <a:buNone/>
+              <a:defRPr b="0" i="0" sz="1000" u="none" cap="none" strike="noStrike">
                 <a:solidFill>
                   <a:schemeClr val="dk2"/>
                 </a:solidFill>
+                <a:latin typeface="Arial"/>
+                <a:ea typeface="Arial"/>
+                <a:cs typeface="Arial"/>
+                <a:sym typeface="Arial"/>
               </a:defRPr>
             </a:lvl4pPr>
-            <a:lvl5pPr lvl="4" algn="r">
-              <a:buNone/>
-              <a:defRPr sz="1000">
+            <a:lvl5pPr indent="0" lvl="4" marL="0" marR="0" rtl="0" algn="r">
+              <a:lnSpc>
+                <a:spcPct val="100000"/>
+              </a:lnSpc>
+              <a:spcBef>
+                <a:spcPts val="0"/>
+              </a:spcBef>
+              <a:spcAft>
+                <a:spcPts val="0"/>
+              </a:spcAft>
+              <a:buClr>
+                <a:srgbClr val="000000"/>
+              </a:buClr>
+              <a:buSzPts val="1000"/>
+              <a:buFont typeface="Arial"/>
+              <a:buNone/>
+              <a:defRPr b="0" i="0" sz="1000" u="none" cap="none" strike="noStrike">
                 <a:solidFill>
                   <a:schemeClr val="dk2"/>
                 </a:solidFill>
+                <a:latin typeface="Arial"/>
+                <a:ea typeface="Arial"/>
+                <a:cs typeface="Arial"/>
+                <a:sym typeface="Arial"/>
               </a:defRPr>
             </a:lvl5pPr>
-            <a:lvl6pPr lvl="5" algn="r">
-              <a:buNone/>
-              <a:defRPr sz="1000">
+            <a:lvl6pPr indent="0" lvl="5" marL="0" marR="0" rtl="0" algn="r">
+              <a:lnSpc>
+                <a:spcPct val="100000"/>
+              </a:lnSpc>
+              <a:spcBef>
+                <a:spcPts val="0"/>
+              </a:spcBef>
+              <a:spcAft>
+                <a:spcPts val="0"/>
+              </a:spcAft>
+              <a:buClr>
+                <a:srgbClr val="000000"/>
+              </a:buClr>
+              <a:buSzPts val="1000"/>
+              <a:buFont typeface="Arial"/>
+              <a:buNone/>
+              <a:defRPr b="0" i="0" sz="1000" u="none" cap="none" strike="noStrike">
                 <a:solidFill>
                   <a:schemeClr val="dk2"/>
                 </a:solidFill>
+                <a:latin typeface="Arial"/>
+                <a:ea typeface="Arial"/>
+                <a:cs typeface="Arial"/>
+                <a:sym typeface="Arial"/>
               </a:defRPr>
             </a:lvl6pPr>
-            <a:lvl7pPr lvl="6" algn="r">
-              <a:buNone/>
-              <a:defRPr sz="1000">
+            <a:lvl7pPr indent="0" lvl="6" marL="0" marR="0" rtl="0" algn="r">
+              <a:lnSpc>
+                <a:spcPct val="100000"/>
+              </a:lnSpc>
+              <a:spcBef>
+                <a:spcPts val="0"/>
+              </a:spcBef>
+              <a:spcAft>
+                <a:spcPts val="0"/>
+              </a:spcAft>
+              <a:buClr>
+                <a:srgbClr val="000000"/>
+              </a:buClr>
+              <a:buSzPts val="1000"/>
+              <a:buFont typeface="Arial"/>
+              <a:buNone/>
+              <a:defRPr b="0" i="0" sz="1000" u="none" cap="none" strike="noStrike">
                 <a:solidFill>
                   <a:schemeClr val="dk2"/>
                 </a:solidFill>
+                <a:latin typeface="Arial"/>
+                <a:ea typeface="Arial"/>
+                <a:cs typeface="Arial"/>
+                <a:sym typeface="Arial"/>
               </a:defRPr>
             </a:lvl7pPr>
-            <a:lvl8pPr lvl="7" algn="r">
-              <a:buNone/>
-              <a:defRPr sz="1000">
+            <a:lvl8pPr indent="0" lvl="7" marL="0" marR="0" rtl="0" algn="r">
+              <a:lnSpc>
+                <a:spcPct val="100000"/>
+              </a:lnSpc>
+              <a:spcBef>
+                <a:spcPts val="0"/>
+              </a:spcBef>
+              <a:spcAft>
+                <a:spcPts val="0"/>
+              </a:spcAft>
+              <a:buClr>
+                <a:srgbClr val="000000"/>
+              </a:buClr>
+              <a:buSzPts val="1000"/>
+              <a:buFont typeface="Arial"/>
+              <a:buNone/>
+              <a:defRPr b="0" i="0" sz="1000" u="none" cap="none" strike="noStrike">
                 <a:solidFill>
                   <a:schemeClr val="dk2"/>
                 </a:solidFill>
+                <a:latin typeface="Arial"/>
+                <a:ea typeface="Arial"/>
+                <a:cs typeface="Arial"/>
+                <a:sym typeface="Arial"/>
               </a:defRPr>
             </a:lvl8pPr>
-            <a:lvl9pPr lvl="8" algn="r">
-              <a:buNone/>
-              <a:defRPr sz="1000">
+            <a:lvl9pPr indent="0" lvl="8" marL="0" marR="0" rtl="0" algn="r">
+              <a:lnSpc>
+                <a:spcPct val="100000"/>
+              </a:lnSpc>
+              <a:spcBef>
+                <a:spcPts val="0"/>
+              </a:spcBef>
+              <a:spcAft>
+                <a:spcPts val="0"/>
+              </a:spcAft>
+              <a:buClr>
+                <a:srgbClr val="000000"/>
+              </a:buClr>
+              <a:buSzPts val="1000"/>
+              <a:buFont typeface="Arial"/>
+              <a:buNone/>
+              <a:defRPr b="0" i="0" sz="1000" u="none" cap="none" strike="noStrike">
                 <a:solidFill>
                   <a:schemeClr val="dk2"/>
                 </a:solidFill>
+                <a:latin typeface="Arial"/>
+                <a:ea typeface="Arial"/>
+                <a:cs typeface="Arial"/>
+                <a:sym typeface="Arial"/>
               </a:defRPr>
             </a:lvl9pPr>
           </a:lstStyle>
@@ -5429,17 +8705,17 @@
   </p:cSld>
   <p:clrMap accent1="accent1" accent2="accent2" accent3="accent3" accent4="accent4" accent5="accent5" accent6="accent6" bg1="lt1" bg2="dk2" tx1="dk1" tx2="lt2" folHlink="folHlink" hlink="hlink"/>
   <p:sldLayoutIdLst>
-    <p:sldLayoutId id="2147483648" r:id="rId1"/>
-    <p:sldLayoutId id="2147483649" r:id="rId2"/>
-    <p:sldLayoutId id="2147483650" r:id="rId3"/>
-    <p:sldLayoutId id="2147483651" r:id="rId4"/>
-    <p:sldLayoutId id="2147483652" r:id="rId5"/>
-    <p:sldLayoutId id="2147483653" r:id="rId6"/>
-    <p:sldLayoutId id="2147483654" r:id="rId7"/>
-    <p:sldLayoutId id="2147483655" r:id="rId8"/>
-    <p:sldLayoutId id="2147483656" r:id="rId9"/>
-    <p:sldLayoutId id="2147483657" r:id="rId10"/>
-    <p:sldLayoutId id="2147483658" r:id="rId11"/>
+    <p:sldLayoutId id="2147483649" r:id="rId1"/>
+    <p:sldLayoutId id="2147483650" r:id="rId2"/>
+    <p:sldLayoutId id="2147483651" r:id="rId3"/>
+    <p:sldLayoutId id="2147483652" r:id="rId4"/>
+    <p:sldLayoutId id="2147483653" r:id="rId5"/>
+    <p:sldLayoutId id="2147483654" r:id="rId6"/>
+    <p:sldLayoutId id="2147483655" r:id="rId7"/>
+    <p:sldLayoutId id="2147483656" r:id="rId8"/>
+    <p:sldLayoutId id="2147483657" r:id="rId9"/>
+    <p:sldLayoutId id="2147483658" r:id="rId10"/>
+    <p:sldLayoutId id="2147483659" r:id="rId11"/>
   </p:sldLayoutIdLst>
   <p:hf dt="0" ftr="0" hdr="0" sldNum="0"/>
   <p:txStyles>
@@ -6153,7 +9429,7 @@
       </p:grpSpPr>
       <p:sp>
         <p:nvSpPr>
-          <p:cNvPr id="54" name="Google Shape;54;p13"/>
+          <p:cNvPr id="54" name="Google Shape;54;p1"/>
           <p:cNvSpPr txBox="1"/>
           <p:nvPr>
             <p:ph type="ctrTitle"/>
@@ -6167,6 +9443,10 @@
           <a:prstGeom prst="rect">
             <a:avLst/>
           </a:prstGeom>
+          <a:noFill/>
+          <a:ln>
+            <a:noFill/>
+          </a:ln>
         </p:spPr>
         <p:txBody>
           <a:bodyPr anchorCtr="0" anchor="b" bIns="91425" lIns="91425" spcFirstLastPara="1" rIns="91425" wrap="square" tIns="91425">
@@ -6208,7 +9488,7 @@
       </p:sp>
       <p:sp>
         <p:nvSpPr>
-          <p:cNvPr id="55" name="Google Shape;55;p13"/>
+          <p:cNvPr id="55" name="Google Shape;55;p1"/>
           <p:cNvSpPr txBox="1"/>
           <p:nvPr>
             <p:ph idx="1" type="subTitle"/>
@@ -6222,6 +9502,10 @@
           <a:prstGeom prst="rect">
             <a:avLst/>
           </a:prstGeom>
+          <a:noFill/>
+          <a:ln>
+            <a:noFill/>
+          </a:ln>
         </p:spPr>
         <p:txBody>
           <a:bodyPr anchorCtr="0" anchor="t" bIns="91425" lIns="91425" spcFirstLastPara="1" rIns="91425" wrap="square" tIns="91425">
@@ -6252,7 +9536,7 @@
                   <a:schemeClr val="dk1"/>
                 </a:solidFill>
               </a:rPr>
-              <a:t>Continuously Adaptive Convergence to Drive the Best Actions</a:t>
+              <a:t>Continuously Adaptive Convergence to Drive the Best Actions  </a:t>
             </a:r>
             <a:endParaRPr i="1" sz="3300"/>
           </a:p>
@@ -6260,7 +9544,7 @@
       </p:sp>
       <p:pic>
         <p:nvPicPr>
-          <p:cNvPr id="56" name="Google Shape;56;p13"/>
+          <p:cNvPr id="56" name="Google Shape;56;p1"/>
           <p:cNvPicPr preferRelativeResize="0"/>
           <p:nvPr/>
         </p:nvPicPr>
@@ -6287,7 +9571,7 @@
       </p:pic>
       <p:sp>
         <p:nvSpPr>
-          <p:cNvPr id="57" name="Google Shape;57;p13"/>
+          <p:cNvPr id="57" name="Google Shape;57;p1"/>
           <p:cNvSpPr txBox="1"/>
           <p:nvPr/>
         </p:nvSpPr>
@@ -6310,52 +9594,124 @@
           </a:bodyPr>
           <a:lstStyle/>
           <a:p>
-            <a:pPr indent="0" lvl="0" marL="0" rtl="0" algn="l">
-              <a:spcBef>
-                <a:spcPts val="0"/>
-              </a:spcBef>
-              <a:spcAft>
-                <a:spcPts val="0"/>
-              </a:spcAft>
+            <a:pPr indent="0" lvl="0" marL="0" marR="0" rtl="0" algn="l">
+              <a:lnSpc>
+                <a:spcPct val="100000"/>
+              </a:lnSpc>
+              <a:spcBef>
+                <a:spcPts val="0"/>
+              </a:spcBef>
+              <a:spcAft>
+                <a:spcPts val="0"/>
+              </a:spcAft>
+              <a:buClr>
+                <a:srgbClr val="000000"/>
+              </a:buClr>
+              <a:buSzPts val="1400"/>
+              <a:buFont typeface="Arial"/>
               <a:buNone/>
             </a:pPr>
             <a:r>
-              <a:rPr b="1" lang="en"/>
+              <a:rPr b="1" i="0" lang="en" sz="1400" u="none" cap="none" strike="noStrike">
+                <a:solidFill>
+                  <a:srgbClr val="000000"/>
+                </a:solidFill>
+                <a:latin typeface="Arial"/>
+                <a:ea typeface="Arial"/>
+                <a:cs typeface="Arial"/>
+                <a:sym typeface="Arial"/>
+              </a:rPr>
               <a:t>John Hebeler, PhD</a:t>
             </a:r>
-            <a:endParaRPr b="1"/>
+            <a:endParaRPr b="1" i="0" sz="1400" u="none" cap="none" strike="noStrike">
+              <a:solidFill>
+                <a:srgbClr val="000000"/>
+              </a:solidFill>
+              <a:latin typeface="Arial"/>
+              <a:ea typeface="Arial"/>
+              <a:cs typeface="Arial"/>
+              <a:sym typeface="Arial"/>
+            </a:endParaRPr>
           </a:p>
           <a:p>
-            <a:pPr indent="0" lvl="0" marL="0" rtl="0" algn="l">
-              <a:spcBef>
-                <a:spcPts val="0"/>
-              </a:spcBef>
-              <a:spcAft>
-                <a:spcPts val="0"/>
-              </a:spcAft>
+            <a:pPr indent="0" lvl="0" marL="0" marR="0" rtl="0" algn="l">
+              <a:lnSpc>
+                <a:spcPct val="100000"/>
+              </a:lnSpc>
+              <a:spcBef>
+                <a:spcPts val="0"/>
+              </a:spcBef>
+              <a:spcAft>
+                <a:spcPts val="0"/>
+              </a:spcAft>
+              <a:buClr>
+                <a:srgbClr val="000000"/>
+              </a:buClr>
+              <a:buSzPts val="1400"/>
+              <a:buFont typeface="Arial"/>
               <a:buNone/>
             </a:pPr>
             <a:r>
-              <a:rPr lang="en"/>
+              <a:rPr b="0" i="0" lang="en" sz="1400" u="none" cap="none" strike="noStrike">
+                <a:solidFill>
+                  <a:srgbClr val="000000"/>
+                </a:solidFill>
+                <a:latin typeface="Arial"/>
+                <a:ea typeface="Arial"/>
+                <a:cs typeface="Arial"/>
+                <a:sym typeface="Arial"/>
+              </a:rPr>
               <a:t>Lockheed Martin Fellow</a:t>
             </a:r>
-            <a:endParaRPr/>
+            <a:endParaRPr b="0" i="0" sz="1400" u="none" cap="none" strike="noStrike">
+              <a:solidFill>
+                <a:srgbClr val="000000"/>
+              </a:solidFill>
+              <a:latin typeface="Arial"/>
+              <a:ea typeface="Arial"/>
+              <a:cs typeface="Arial"/>
+              <a:sym typeface="Arial"/>
+            </a:endParaRPr>
           </a:p>
           <a:p>
-            <a:pPr indent="0" lvl="0" marL="0" rtl="0" algn="l">
-              <a:spcBef>
-                <a:spcPts val="0"/>
-              </a:spcBef>
-              <a:spcAft>
-                <a:spcPts val="0"/>
-              </a:spcAft>
+            <a:pPr indent="0" lvl="0" marL="0" marR="0" rtl="0" algn="l">
+              <a:lnSpc>
+                <a:spcPct val="100000"/>
+              </a:lnSpc>
+              <a:spcBef>
+                <a:spcPts val="0"/>
+              </a:spcBef>
+              <a:spcAft>
+                <a:spcPts val="0"/>
+              </a:spcAft>
+              <a:buClr>
+                <a:srgbClr val="000000"/>
+              </a:buClr>
+              <a:buSzPts val="1400"/>
+              <a:buFont typeface="Arial"/>
               <a:buNone/>
             </a:pPr>
             <a:r>
-              <a:rPr lang="en"/>
+              <a:rPr b="0" i="0" lang="en" sz="1400" u="none" cap="none" strike="noStrike">
+                <a:solidFill>
+                  <a:srgbClr val="000000"/>
+                </a:solidFill>
+                <a:latin typeface="Arial"/>
+                <a:ea typeface="Arial"/>
+                <a:cs typeface="Arial"/>
+                <a:sym typeface="Arial"/>
+              </a:rPr>
               <a:t>john.w.hebeler@lmco.com</a:t>
             </a:r>
-            <a:endParaRPr/>
+            <a:endParaRPr b="0" i="0" sz="1400" u="none" cap="none" strike="noStrike">
+              <a:solidFill>
+                <a:srgbClr val="000000"/>
+              </a:solidFill>
+              <a:latin typeface="Arial"/>
+              <a:ea typeface="Arial"/>
+              <a:cs typeface="Arial"/>
+              <a:sym typeface="Arial"/>
+            </a:endParaRPr>
           </a:p>
         </p:txBody>
       </p:sp>
@@ -6386,7 +9742,7 @@
       </p:grpSpPr>
       <p:sp>
         <p:nvSpPr>
-          <p:cNvPr id="62" name="Google Shape;62;p14"/>
+          <p:cNvPr id="62" name="Google Shape;62;p2"/>
           <p:cNvSpPr txBox="1"/>
           <p:nvPr>
             <p:ph type="title"/>
@@ -6400,6 +9756,10 @@
           <a:prstGeom prst="rect">
             <a:avLst/>
           </a:prstGeom>
+          <a:noFill/>
+          <a:ln>
+            <a:noFill/>
+          </a:ln>
         </p:spPr>
         <p:txBody>
           <a:bodyPr anchorCtr="0" anchor="t" bIns="91425" lIns="91425" spcFirstLastPara="1" rIns="91425" wrap="square" tIns="91425">
@@ -6408,12 +9768,16 @@
           <a:lstStyle/>
           <a:p>
             <a:pPr indent="0" lvl="0" marL="0" rtl="0" algn="l">
-              <a:spcBef>
-                <a:spcPts val="0"/>
-              </a:spcBef>
-              <a:spcAft>
-                <a:spcPts val="0"/>
-              </a:spcAft>
+              <a:lnSpc>
+                <a:spcPct val="100000"/>
+              </a:lnSpc>
+              <a:spcBef>
+                <a:spcPts val="0"/>
+              </a:spcBef>
+              <a:spcAft>
+                <a:spcPts val="0"/>
+              </a:spcAft>
+              <a:buSzPct val="111111"/>
               <a:buNone/>
             </a:pPr>
             <a:r>
@@ -6426,7 +9790,7 @@
       </p:sp>
       <p:sp>
         <p:nvSpPr>
-          <p:cNvPr id="63" name="Google Shape;63;p14"/>
+          <p:cNvPr id="63" name="Google Shape;63;p2"/>
           <p:cNvSpPr txBox="1"/>
           <p:nvPr>
             <p:ph idx="1" type="body"/>
@@ -6440,6 +9804,10 @@
           <a:prstGeom prst="rect">
             <a:avLst/>
           </a:prstGeom>
+          <a:noFill/>
+          <a:ln>
+            <a:noFill/>
+          </a:ln>
         </p:spPr>
         <p:txBody>
           <a:bodyPr anchorCtr="0" anchor="t" bIns="91425" lIns="91425" spcFirstLastPara="1" rIns="91425" wrap="square" tIns="91425">
@@ -6448,6 +9816,9 @@
           <a:lstStyle/>
           <a:p>
             <a:pPr indent="-342900" lvl="0" marL="457200" rtl="0" algn="l">
+              <a:lnSpc>
+                <a:spcPct val="115000"/>
+              </a:lnSpc>
               <a:spcBef>
                 <a:spcPts val="0"/>
               </a:spcBef>
@@ -6465,6 +9836,9 @@
           </a:p>
           <a:p>
             <a:pPr indent="-342900" lvl="0" marL="457200" rtl="0" algn="l">
+              <a:lnSpc>
+                <a:spcPct val="115000"/>
+              </a:lnSpc>
               <a:spcBef>
                 <a:spcPts val="0"/>
               </a:spcBef>
@@ -6482,6 +9856,9 @@
           </a:p>
           <a:p>
             <a:pPr indent="-342900" lvl="0" marL="457200" rtl="0" algn="l">
+              <a:lnSpc>
+                <a:spcPct val="115000"/>
+              </a:lnSpc>
               <a:spcBef>
                 <a:spcPts val="0"/>
               </a:spcBef>
@@ -6499,6 +9876,9 @@
           </a:p>
           <a:p>
             <a:pPr indent="-342900" lvl="0" marL="457200" rtl="0" algn="l">
+              <a:lnSpc>
+                <a:spcPct val="115000"/>
+              </a:lnSpc>
               <a:spcBef>
                 <a:spcPts val="0"/>
               </a:spcBef>
@@ -6516,6 +9896,9 @@
           </a:p>
           <a:p>
             <a:pPr indent="-342900" lvl="0" marL="457200" rtl="0" algn="l">
+              <a:lnSpc>
+                <a:spcPct val="115000"/>
+              </a:lnSpc>
               <a:spcBef>
                 <a:spcPts val="0"/>
               </a:spcBef>
@@ -6533,6 +9916,9 @@
           </a:p>
           <a:p>
             <a:pPr indent="-342900" lvl="0" marL="457200" rtl="0" algn="l">
+              <a:lnSpc>
+                <a:spcPct val="115000"/>
+              </a:lnSpc>
               <a:spcBef>
                 <a:spcPts val="0"/>
               </a:spcBef>
@@ -6552,17 +9938,16 @@
       </p:sp>
       <p:pic>
         <p:nvPicPr>
-          <p:cNvPr id="64" name="Google Shape;64;p14"/>
+          <p:cNvPr id="64" name="Google Shape;64;p2"/>
           <p:cNvPicPr preferRelativeResize="0"/>
           <p:nvPr/>
         </p:nvPicPr>
-        <p:blipFill>
+        <p:blipFill rotWithShape="1">
           <a:blip r:embed="rId3">
             <a:alphaModFix/>
           </a:blip>
-          <a:stretch>
-            <a:fillRect/>
-          </a:stretch>
+          <a:srcRect b="0" l="0" r="0" t="0"/>
+          <a:stretch/>
         </p:blipFill>
         <p:spPr>
           <a:xfrm>
@@ -6580,7 +9965,7 @@
       </p:pic>
       <p:sp>
         <p:nvSpPr>
-          <p:cNvPr id="65" name="Google Shape;65;p14"/>
+          <p:cNvPr id="65" name="Google Shape;65;p2"/>
           <p:cNvSpPr txBox="1"/>
           <p:nvPr/>
         </p:nvSpPr>
@@ -6603,26 +9988,50 @@
           </a:bodyPr>
           <a:lstStyle/>
           <a:p>
-            <a:pPr indent="0" lvl="0" marL="0" rtl="0" algn="l">
-              <a:spcBef>
-                <a:spcPts val="0"/>
-              </a:spcBef>
-              <a:spcAft>
-                <a:spcPts val="0"/>
-              </a:spcAft>
+            <a:pPr indent="0" lvl="0" marL="0" marR="0" rtl="0" algn="l">
+              <a:lnSpc>
+                <a:spcPct val="100000"/>
+              </a:lnSpc>
+              <a:spcBef>
+                <a:spcPts val="0"/>
+              </a:spcBef>
+              <a:spcAft>
+                <a:spcPts val="0"/>
+              </a:spcAft>
+              <a:buClr>
+                <a:srgbClr val="000000"/>
+              </a:buClr>
+              <a:buSzPts val="1400"/>
+              <a:buFont typeface="Arial"/>
               <a:buNone/>
             </a:pPr>
             <a:r>
-              <a:rPr lang="en"/>
+              <a:rPr b="0" i="0" lang="en" sz="1400" u="none" cap="none" strike="noStrike">
+                <a:solidFill>
+                  <a:srgbClr val="000000"/>
+                </a:solidFill>
+                <a:latin typeface="Arial"/>
+                <a:ea typeface="Arial"/>
+                <a:cs typeface="Arial"/>
+                <a:sym typeface="Arial"/>
+              </a:rPr>
               <a:t>Code available at…</a:t>
             </a:r>
-            <a:endParaRPr/>
+            <a:endParaRPr b="0" i="0" sz="1400" u="none" cap="none" strike="noStrike">
+              <a:solidFill>
+                <a:srgbClr val="000000"/>
+              </a:solidFill>
+              <a:latin typeface="Arial"/>
+              <a:ea typeface="Arial"/>
+              <a:cs typeface="Arial"/>
+              <a:sym typeface="Arial"/>
+            </a:endParaRPr>
           </a:p>
         </p:txBody>
       </p:sp>
       <p:pic>
         <p:nvPicPr>
-          <p:cNvPr id="66" name="Google Shape;66;p14">
+          <p:cNvPr id="66" name="Google Shape;66;p2">
             <a:hlinkClick r:id="rId4"/>
           </p:cNvPr>
           <p:cNvPicPr preferRelativeResize="0"/>
@@ -6632,7 +10041,7 @@
           <a:blip r:embed="rId5">
             <a:alphaModFix/>
           </a:blip>
-          <a:srcRect b="0" l="26136" r="25192" t="0"/>
+          <a:srcRect b="0" l="26136" r="25191" t="0"/>
           <a:stretch/>
         </p:blipFill>
         <p:spPr>
@@ -6651,7 +10060,7 @@
       </p:pic>
       <p:pic>
         <p:nvPicPr>
-          <p:cNvPr id="67" name="Google Shape;67;p14">
+          <p:cNvPr id="67" name="Google Shape;67;p2">
             <a:hlinkClick r:id="rId6"/>
           </p:cNvPr>
           <p:cNvPicPr preferRelativeResize="0"/>
@@ -6661,7 +10070,7 @@
           <a:blip r:embed="rId5">
             <a:alphaModFix/>
           </a:blip>
-          <a:srcRect b="0" l="26136" r="25192" t="0"/>
+          <a:srcRect b="0" l="26136" r="25191" t="0"/>
           <a:stretch/>
         </p:blipFill>
         <p:spPr>
@@ -6705,7 +10114,7 @@
       </p:grpSpPr>
       <p:sp>
         <p:nvSpPr>
-          <p:cNvPr id="72" name="Google Shape;72;p15"/>
+          <p:cNvPr id="72" name="Google Shape;72;p3"/>
           <p:cNvSpPr/>
           <p:nvPr/>
         </p:nvSpPr>
@@ -6736,25 +10145,41 @@
           </a:bodyPr>
           <a:lstStyle/>
           <a:p>
-            <a:pPr indent="0" lvl="0" marL="0" rtl="0" algn="l">
-              <a:spcBef>
-                <a:spcPts val="0"/>
-              </a:spcBef>
-              <a:spcAft>
-                <a:spcPts val="0"/>
-              </a:spcAft>
+            <a:pPr indent="0" lvl="0" marL="0" marR="0" rtl="0" algn="l">
+              <a:lnSpc>
+                <a:spcPct val="100000"/>
+              </a:lnSpc>
+              <a:spcBef>
+                <a:spcPts val="0"/>
+              </a:spcBef>
+              <a:spcAft>
+                <a:spcPts val="0"/>
+              </a:spcAft>
+              <a:buClr>
+                <a:srgbClr val="000000"/>
+              </a:buClr>
+              <a:buSzPts val="1400"/>
+              <a:buFont typeface="Arial"/>
               <a:buNone/>
             </a:pPr>
             <a:r>
               <a:t/>
             </a:r>
-            <a:endParaRPr/>
+            <a:endParaRPr b="0" i="0" sz="1400" u="none" cap="none" strike="noStrike">
+              <a:solidFill>
+                <a:srgbClr val="000000"/>
+              </a:solidFill>
+              <a:latin typeface="Arial"/>
+              <a:ea typeface="Arial"/>
+              <a:cs typeface="Arial"/>
+              <a:sym typeface="Arial"/>
+            </a:endParaRPr>
           </a:p>
         </p:txBody>
       </p:sp>
       <p:sp>
         <p:nvSpPr>
-          <p:cNvPr id="73" name="Google Shape;73;p15"/>
+          <p:cNvPr id="73" name="Google Shape;73;p3"/>
           <p:cNvSpPr txBox="1"/>
           <p:nvPr>
             <p:ph type="title"/>
@@ -6768,6 +10193,10 @@
           <a:prstGeom prst="rect">
             <a:avLst/>
           </a:prstGeom>
+          <a:noFill/>
+          <a:ln>
+            <a:noFill/>
+          </a:ln>
         </p:spPr>
         <p:txBody>
           <a:bodyPr anchorCtr="0" anchor="t" bIns="91425" lIns="91425" spcFirstLastPara="1" rIns="91425" wrap="square" tIns="91425">
@@ -6776,21 +10205,21 @@
           <a:lstStyle/>
           <a:p>
             <a:pPr indent="0" lvl="0" marL="0" rtl="0" algn="l">
-              <a:spcBef>
-                <a:spcPts val="0"/>
-              </a:spcBef>
-              <a:spcAft>
-                <a:spcPts val="0"/>
-              </a:spcAft>
+              <a:lnSpc>
+                <a:spcPct val="100000"/>
+              </a:lnSpc>
+              <a:spcBef>
+                <a:spcPts val="0"/>
+              </a:spcBef>
+              <a:spcAft>
+                <a:spcPts val="0"/>
+              </a:spcAft>
+              <a:buSzPct val="111111"/>
               <a:buNone/>
             </a:pPr>
             <a:r>
               <a:rPr b="1" lang="en"/>
-              <a:t>M</a:t>
-            </a:r>
-            <a:r>
-              <a:rPr b="1" lang="en"/>
-              <a:t>L Types</a:t>
+              <a:t>ML Types</a:t>
             </a:r>
             <a:endParaRPr b="1"/>
           </a:p>
@@ -6798,7 +10227,7 @@
       </p:sp>
       <p:pic>
         <p:nvPicPr>
-          <p:cNvPr id="74" name="Google Shape;74;p15"/>
+          <p:cNvPr id="74" name="Google Shape;74;p3"/>
           <p:cNvPicPr preferRelativeResize="0"/>
           <p:nvPr/>
         </p:nvPicPr>
@@ -6806,7 +10235,7 @@
           <a:blip r:embed="rId3">
             <a:alphaModFix/>
           </a:blip>
-          <a:srcRect b="2719" l="2624" r="5624" t="25908"/>
+          <a:srcRect b="2719" l="2623" r="5624" t="25908"/>
           <a:stretch/>
         </p:blipFill>
         <p:spPr>
@@ -6825,7 +10254,7 @@
       </p:pic>
       <p:sp>
         <p:nvSpPr>
-          <p:cNvPr id="75" name="Google Shape;75;p15"/>
+          <p:cNvPr id="75" name="Google Shape;75;p3"/>
           <p:cNvSpPr/>
           <p:nvPr/>
         </p:nvSpPr>
@@ -6856,35 +10285,50 @@
           </a:bodyPr>
           <a:lstStyle/>
           <a:p>
-            <a:pPr indent="0" lvl="0" marL="0" rtl="0" algn="l">
-              <a:spcBef>
-                <a:spcPts val="0"/>
-              </a:spcBef>
-              <a:spcAft>
-                <a:spcPts val="0"/>
-              </a:spcAft>
+            <a:pPr indent="0" lvl="0" marL="0" marR="0" rtl="0" algn="l">
+              <a:lnSpc>
+                <a:spcPct val="100000"/>
+              </a:lnSpc>
+              <a:spcBef>
+                <a:spcPts val="0"/>
+              </a:spcBef>
+              <a:spcAft>
+                <a:spcPts val="0"/>
+              </a:spcAft>
+              <a:buClr>
+                <a:srgbClr val="000000"/>
+              </a:buClr>
+              <a:buSzPts val="1400"/>
+              <a:buFont typeface="Arial"/>
               <a:buNone/>
             </a:pPr>
             <a:r>
               <a:t/>
             </a:r>
-            <a:endParaRPr/>
+            <a:endParaRPr b="0" i="0" sz="1400" u="none" cap="none" strike="noStrike">
+              <a:solidFill>
+                <a:srgbClr val="000000"/>
+              </a:solidFill>
+              <a:latin typeface="Arial"/>
+              <a:ea typeface="Arial"/>
+              <a:cs typeface="Arial"/>
+              <a:sym typeface="Arial"/>
+            </a:endParaRPr>
           </a:p>
         </p:txBody>
       </p:sp>
       <p:pic>
         <p:nvPicPr>
-          <p:cNvPr id="76" name="Google Shape;76;p15"/>
+          <p:cNvPr id="76" name="Google Shape;76;p3"/>
           <p:cNvPicPr preferRelativeResize="0"/>
           <p:nvPr/>
         </p:nvPicPr>
-        <p:blipFill>
+        <p:blipFill rotWithShape="1">
           <a:blip r:embed="rId4">
             <a:alphaModFix/>
           </a:blip>
-          <a:stretch>
-            <a:fillRect/>
-          </a:stretch>
+          <a:srcRect b="0" l="0" r="0" t="0"/>
+          <a:stretch/>
         </p:blipFill>
         <p:spPr>
           <a:xfrm>
@@ -6902,7 +10346,7 @@
       </p:pic>
       <p:pic>
         <p:nvPicPr>
-          <p:cNvPr id="77" name="Google Shape;77;p15"/>
+          <p:cNvPr id="77" name="Google Shape;77;p3"/>
           <p:cNvPicPr preferRelativeResize="0"/>
           <p:nvPr/>
         </p:nvPicPr>
@@ -6954,7 +10398,7 @@
       </p:grpSpPr>
       <p:sp>
         <p:nvSpPr>
-          <p:cNvPr id="82" name="Google Shape;82;p16"/>
+          <p:cNvPr id="82" name="Google Shape;82;p4"/>
           <p:cNvSpPr txBox="1"/>
           <p:nvPr/>
         </p:nvSpPr>
@@ -6977,36 +10421,59 @@
           </a:bodyPr>
           <a:lstStyle/>
           <a:p>
-            <a:pPr indent="0" lvl="0" marL="0" rtl="0" algn="l">
-              <a:spcBef>
-                <a:spcPts val="0"/>
-              </a:spcBef>
-              <a:spcAft>
-                <a:spcPts val="0"/>
-              </a:spcAft>
+            <a:pPr indent="0" lvl="0" marL="0" marR="0" rtl="0" algn="l">
+              <a:lnSpc>
+                <a:spcPct val="100000"/>
+              </a:lnSpc>
+              <a:spcBef>
+                <a:spcPts val="0"/>
+              </a:spcBef>
+              <a:spcAft>
+                <a:spcPts val="0"/>
+              </a:spcAft>
+              <a:buClr>
+                <a:srgbClr val="000000"/>
+              </a:buClr>
+              <a:buSzPts val="1400"/>
+              <a:buFont typeface="Arial"/>
               <a:buNone/>
             </a:pPr>
             <a:r>
-              <a:rPr lang="en"/>
+              <a:rPr b="0" i="0" lang="en" sz="1400" u="none" cap="none" strike="noStrike">
+                <a:solidFill>
+                  <a:srgbClr val="000000"/>
+                </a:solidFill>
+                <a:latin typeface="Arial"/>
+                <a:ea typeface="Arial"/>
+                <a:cs typeface="Arial"/>
+                <a:sym typeface="Arial"/>
+              </a:rPr>
               <a:t>https://plotly.com/~jhebeler/1/</a:t>
             </a:r>
-            <a:endParaRPr/>
+            <a:endParaRPr b="0" i="0" sz="1400" u="none" cap="none" strike="noStrike">
+              <a:solidFill>
+                <a:srgbClr val="000000"/>
+              </a:solidFill>
+              <a:latin typeface="Arial"/>
+              <a:ea typeface="Arial"/>
+              <a:cs typeface="Arial"/>
+              <a:sym typeface="Arial"/>
+            </a:endParaRPr>
           </a:p>
         </p:txBody>
       </p:sp>
       <p:pic>
         <p:nvPicPr>
-          <p:cNvPr id="83" name="Google Shape;83;p16"/>
+          <p:cNvPr id="83" name="Google Shape;83;p4"/>
           <p:cNvPicPr preferRelativeResize="0"/>
           <p:nvPr/>
         </p:nvPicPr>
-        <p:blipFill>
+        <p:blipFill rotWithShape="1">
           <a:blip r:embed="rId3">
             <a:alphaModFix/>
           </a:blip>
-          <a:stretch>
-            <a:fillRect/>
-          </a:stretch>
+          <a:srcRect b="0" l="0" r="0" t="0"/>
+          <a:stretch/>
         </p:blipFill>
         <p:spPr>
           <a:xfrm>
@@ -7049,7 +10516,7 @@
       </p:grpSpPr>
       <p:sp>
         <p:nvSpPr>
-          <p:cNvPr id="88" name="Google Shape;88;p17"/>
+          <p:cNvPr id="88" name="Google Shape;88;p5"/>
           <p:cNvSpPr txBox="1"/>
           <p:nvPr>
             <p:ph type="title"/>
@@ -7063,6 +10530,10 @@
           <a:prstGeom prst="rect">
             <a:avLst/>
           </a:prstGeom>
+          <a:noFill/>
+          <a:ln>
+            <a:noFill/>
+          </a:ln>
         </p:spPr>
         <p:txBody>
           <a:bodyPr anchorCtr="0" anchor="t" bIns="91425" lIns="91425" spcFirstLastPara="1" rIns="91425" wrap="square" tIns="91425">
@@ -7071,12 +10542,16 @@
           <a:lstStyle/>
           <a:p>
             <a:pPr indent="0" lvl="0" marL="0" rtl="0" algn="l">
-              <a:spcBef>
-                <a:spcPts val="0"/>
-              </a:spcBef>
-              <a:spcAft>
-                <a:spcPts val="0"/>
-              </a:spcAft>
+              <a:lnSpc>
+                <a:spcPct val="100000"/>
+              </a:lnSpc>
+              <a:spcBef>
+                <a:spcPts val="0"/>
+              </a:spcBef>
+              <a:spcAft>
+                <a:spcPts val="0"/>
+              </a:spcAft>
+              <a:buSzPct val="111111"/>
               <a:buNone/>
             </a:pPr>
             <a:r>
@@ -7089,7 +10564,7 @@
       </p:sp>
       <p:sp>
         <p:nvSpPr>
-          <p:cNvPr id="89" name="Google Shape;89;p17"/>
+          <p:cNvPr id="89" name="Google Shape;89;p5"/>
           <p:cNvSpPr txBox="1"/>
           <p:nvPr>
             <p:ph idx="1" type="body"/>
@@ -7103,6 +10578,10 @@
           <a:prstGeom prst="rect">
             <a:avLst/>
           </a:prstGeom>
+          <a:noFill/>
+          <a:ln>
+            <a:noFill/>
+          </a:ln>
         </p:spPr>
         <p:txBody>
           <a:bodyPr anchorCtr="0" anchor="t" bIns="91425" lIns="91425" spcFirstLastPara="1" rIns="91425" wrap="square" tIns="91425">
@@ -7111,6 +10590,9 @@
           <a:lstStyle/>
           <a:p>
             <a:pPr indent="-342900" lvl="0" marL="457200" rtl="0" algn="l">
+              <a:lnSpc>
+                <a:spcPct val="115000"/>
+              </a:lnSpc>
               <a:spcBef>
                 <a:spcPts val="0"/>
               </a:spcBef>
@@ -7128,6 +10610,9 @@
           </a:p>
           <a:p>
             <a:pPr indent="-342900" lvl="0" marL="457200" rtl="0" algn="l">
+              <a:lnSpc>
+                <a:spcPct val="115000"/>
+              </a:lnSpc>
               <a:spcBef>
                 <a:spcPts val="0"/>
               </a:spcBef>
@@ -7145,6 +10630,9 @@
           </a:p>
           <a:p>
             <a:pPr indent="-342900" lvl="0" marL="457200" rtl="0" algn="l">
+              <a:lnSpc>
+                <a:spcPct val="115000"/>
+              </a:lnSpc>
               <a:spcBef>
                 <a:spcPts val="0"/>
               </a:spcBef>
@@ -7162,6 +10650,9 @@
           </a:p>
           <a:p>
             <a:pPr indent="-342900" lvl="0" marL="457200" rtl="0" algn="l">
+              <a:lnSpc>
+                <a:spcPct val="115000"/>
+              </a:lnSpc>
               <a:spcBef>
                 <a:spcPts val="0"/>
               </a:spcBef>
@@ -7179,6 +10670,9 @@
           </a:p>
           <a:p>
             <a:pPr indent="-342900" lvl="0" marL="457200" rtl="0" algn="l">
+              <a:lnSpc>
+                <a:spcPct val="115000"/>
+              </a:lnSpc>
               <a:spcBef>
                 <a:spcPts val="0"/>
               </a:spcBef>
@@ -7223,7 +10717,7 @@
       </p:grpSpPr>
       <p:sp>
         <p:nvSpPr>
-          <p:cNvPr id="94" name="Google Shape;94;p18"/>
+          <p:cNvPr id="94" name="Google Shape;94;p6"/>
           <p:cNvSpPr txBox="1"/>
           <p:nvPr>
             <p:ph type="title"/>
@@ -7237,6 +10731,10 @@
           <a:prstGeom prst="rect">
             <a:avLst/>
           </a:prstGeom>
+          <a:noFill/>
+          <a:ln>
+            <a:noFill/>
+          </a:ln>
         </p:spPr>
         <p:txBody>
           <a:bodyPr anchorCtr="0" anchor="t" bIns="91425" lIns="91425" spcFirstLastPara="1" rIns="91425" wrap="square" tIns="91425">
@@ -7245,12 +10743,16 @@
           <a:lstStyle/>
           <a:p>
             <a:pPr indent="0" lvl="0" marL="0" rtl="0" algn="l">
-              <a:spcBef>
-                <a:spcPts val="0"/>
-              </a:spcBef>
-              <a:spcAft>
-                <a:spcPts val="0"/>
-              </a:spcAft>
+              <a:lnSpc>
+                <a:spcPct val="100000"/>
+              </a:lnSpc>
+              <a:spcBef>
+                <a:spcPts val="0"/>
+              </a:spcBef>
+              <a:spcAft>
+                <a:spcPts val="0"/>
+              </a:spcAft>
+              <a:buSzPct val="111111"/>
               <a:buNone/>
             </a:pPr>
             <a:r>
@@ -7263,7 +10765,7 @@
       </p:sp>
       <p:sp>
         <p:nvSpPr>
-          <p:cNvPr id="95" name="Google Shape;95;p18"/>
+          <p:cNvPr id="95" name="Google Shape;95;p6"/>
           <p:cNvSpPr txBox="1"/>
           <p:nvPr>
             <p:ph idx="1" type="body"/>
@@ -7277,6 +10779,10 @@
           <a:prstGeom prst="rect">
             <a:avLst/>
           </a:prstGeom>
+          <a:noFill/>
+          <a:ln>
+            <a:noFill/>
+          </a:ln>
         </p:spPr>
         <p:txBody>
           <a:bodyPr anchorCtr="0" anchor="t" bIns="91425" lIns="91425" spcFirstLastPara="1" rIns="91425" wrap="square" tIns="91425">
@@ -7285,6 +10791,9 @@
           <a:lstStyle/>
           <a:p>
             <a:pPr indent="-342900" lvl="0" marL="457200" rtl="0" algn="l">
+              <a:lnSpc>
+                <a:spcPct val="115000"/>
+              </a:lnSpc>
               <a:spcBef>
                 <a:spcPts val="0"/>
               </a:spcBef>
@@ -7302,6 +10811,9 @@
           </a:p>
           <a:p>
             <a:pPr indent="-342900" lvl="0" marL="457200" rtl="0" algn="l">
+              <a:lnSpc>
+                <a:spcPct val="115000"/>
+              </a:lnSpc>
               <a:spcBef>
                 <a:spcPts val="0"/>
               </a:spcBef>
@@ -7319,6 +10831,9 @@
           </a:p>
           <a:p>
             <a:pPr indent="-342900" lvl="0" marL="457200" rtl="0" algn="l">
+              <a:lnSpc>
+                <a:spcPct val="115000"/>
+              </a:lnSpc>
               <a:spcBef>
                 <a:spcPts val="0"/>
               </a:spcBef>
@@ -7330,20 +10845,15 @@
             </a:pPr>
             <a:r>
               <a:rPr lang="en"/>
-              <a:t>How do I model the </a:t>
-            </a:r>
-            <a:r>
-              <a:rPr lang="en"/>
-              <a:t>environment</a:t>
-            </a:r>
-            <a:r>
-              <a:rPr lang="en"/>
-              <a:t>?</a:t>
+              <a:t>How do I model the environment?</a:t>
             </a:r>
             <a:endParaRPr/>
           </a:p>
           <a:p>
             <a:pPr indent="-342900" lvl="0" marL="457200" rtl="0" algn="l">
+              <a:lnSpc>
+                <a:spcPct val="115000"/>
+              </a:lnSpc>
               <a:spcBef>
                 <a:spcPts val="0"/>
               </a:spcBef>
@@ -7355,20 +10865,15 @@
             </a:pPr>
             <a:r>
               <a:rPr lang="en"/>
-              <a:t>How do I determine the </a:t>
-            </a:r>
-            <a:r>
-              <a:rPr lang="en"/>
-              <a:t>current</a:t>
-            </a:r>
-            <a:r>
-              <a:rPr lang="en"/>
-              <a:t> state?</a:t>
+              <a:t>How do I determine the current state?</a:t>
             </a:r>
             <a:endParaRPr/>
           </a:p>
           <a:p>
             <a:pPr indent="-342900" lvl="0" marL="457200" rtl="0" algn="l">
+              <a:lnSpc>
+                <a:spcPct val="115000"/>
+              </a:lnSpc>
               <a:spcBef>
                 <a:spcPts val="0"/>
               </a:spcBef>
@@ -7386,6 +10891,9 @@
           </a:p>
           <a:p>
             <a:pPr indent="-342900" lvl="0" marL="457200" rtl="0" algn="l">
+              <a:lnSpc>
+                <a:spcPct val="115000"/>
+              </a:lnSpc>
               <a:spcBef>
                 <a:spcPts val="0"/>
               </a:spcBef>
@@ -7430,7 +10938,7 @@
       </p:grpSpPr>
       <p:sp>
         <p:nvSpPr>
-          <p:cNvPr id="100" name="Google Shape;100;p19"/>
+          <p:cNvPr id="100" name="Google Shape;100;p7"/>
           <p:cNvSpPr txBox="1"/>
           <p:nvPr>
             <p:ph type="title"/>
@@ -7444,6 +10952,10 @@
           <a:prstGeom prst="rect">
             <a:avLst/>
           </a:prstGeom>
+          <a:noFill/>
+          <a:ln>
+            <a:noFill/>
+          </a:ln>
         </p:spPr>
         <p:txBody>
           <a:bodyPr anchorCtr="0" anchor="t" bIns="91425" lIns="91425" spcFirstLastPara="1" rIns="91425" wrap="square" tIns="91425">
@@ -7452,12 +10964,16 @@
           <a:lstStyle/>
           <a:p>
             <a:pPr indent="0" lvl="0" marL="0" rtl="0" algn="l">
-              <a:spcBef>
-                <a:spcPts val="0"/>
-              </a:spcBef>
-              <a:spcAft>
-                <a:spcPts val="0"/>
-              </a:spcAft>
+              <a:lnSpc>
+                <a:spcPct val="100000"/>
+              </a:lnSpc>
+              <a:spcBef>
+                <a:spcPts val="0"/>
+              </a:spcBef>
+              <a:spcAft>
+                <a:spcPts val="0"/>
+              </a:spcAft>
+              <a:buSzPct val="111111"/>
               <a:buNone/>
             </a:pPr>
             <a:r>
@@ -7470,7 +10986,7 @@
       </p:sp>
       <p:sp>
         <p:nvSpPr>
-          <p:cNvPr id="101" name="Google Shape;101;p19"/>
+          <p:cNvPr id="101" name="Google Shape;101;p7"/>
           <p:cNvSpPr txBox="1"/>
           <p:nvPr>
             <p:ph idx="1" type="body"/>
@@ -7484,6 +11000,10 @@
           <a:prstGeom prst="rect">
             <a:avLst/>
           </a:prstGeom>
+          <a:noFill/>
+          <a:ln>
+            <a:noFill/>
+          </a:ln>
         </p:spPr>
         <p:txBody>
           <a:bodyPr anchorCtr="0" anchor="t" bIns="91425" lIns="91425" spcFirstLastPara="1" rIns="91425" wrap="square" tIns="91425">
@@ -7492,6 +11012,9 @@
           <a:lstStyle/>
           <a:p>
             <a:pPr indent="-342900" lvl="0" marL="457200" rtl="0" algn="l">
+              <a:lnSpc>
+                <a:spcPct val="115000"/>
+              </a:lnSpc>
               <a:spcBef>
                 <a:spcPts val="0"/>
               </a:spcBef>
@@ -7509,6 +11032,9 @@
           </a:p>
           <a:p>
             <a:pPr indent="-317500" lvl="1" marL="914400" rtl="0" algn="l">
+              <a:lnSpc>
+                <a:spcPct val="115000"/>
+              </a:lnSpc>
               <a:spcBef>
                 <a:spcPts val="0"/>
               </a:spcBef>
@@ -7526,6 +11052,9 @@
           </a:p>
           <a:p>
             <a:pPr indent="-317500" lvl="1" marL="914400" rtl="0" algn="l">
+              <a:lnSpc>
+                <a:spcPct val="115000"/>
+              </a:lnSpc>
               <a:spcBef>
                 <a:spcPts val="0"/>
               </a:spcBef>
@@ -7543,6 +11072,9 @@
           </a:p>
           <a:p>
             <a:pPr indent="-342900" lvl="0" marL="457200" rtl="0" algn="l">
+              <a:lnSpc>
+                <a:spcPct val="115000"/>
+              </a:lnSpc>
               <a:spcBef>
                 <a:spcPts val="0"/>
               </a:spcBef>
@@ -7560,6 +11092,9 @@
           </a:p>
           <a:p>
             <a:pPr indent="-342900" lvl="0" marL="457200" rtl="0" algn="l">
+              <a:lnSpc>
+                <a:spcPct val="115000"/>
+              </a:lnSpc>
               <a:spcBef>
                 <a:spcPts val="0"/>
               </a:spcBef>
@@ -7577,6 +11112,9 @@
           </a:p>
           <a:p>
             <a:pPr indent="-342900" lvl="0" marL="457200" rtl="0" algn="l">
+              <a:lnSpc>
+                <a:spcPct val="115000"/>
+              </a:lnSpc>
               <a:spcBef>
                 <a:spcPts val="0"/>
               </a:spcBef>
@@ -7594,12 +11132,16 @@
           </a:p>
           <a:p>
             <a:pPr indent="0" lvl="0" marL="457200" rtl="0" algn="l">
+              <a:lnSpc>
+                <a:spcPct val="115000"/>
+              </a:lnSpc>
               <a:spcBef>
                 <a:spcPts val="1200"/>
               </a:spcBef>
               <a:spcAft>
                 <a:spcPts val="1200"/>
               </a:spcAft>
+              <a:buSzPts val="1800"/>
               <a:buNone/>
             </a:pPr>
             <a:r>
@@ -7636,7 +11178,7 @@
       </p:grpSpPr>
       <p:sp>
         <p:nvSpPr>
-          <p:cNvPr id="106" name="Google Shape;106;p20"/>
+          <p:cNvPr id="106" name="Google Shape;106;p8"/>
           <p:cNvSpPr txBox="1"/>
           <p:nvPr>
             <p:ph type="title"/>
@@ -7650,6 +11192,10 @@
           <a:prstGeom prst="rect">
             <a:avLst/>
           </a:prstGeom>
+          <a:noFill/>
+          <a:ln>
+            <a:noFill/>
+          </a:ln>
         </p:spPr>
         <p:txBody>
           <a:bodyPr anchorCtr="0" anchor="t" bIns="91425" lIns="91425" spcFirstLastPara="1" rIns="91425" wrap="square" tIns="91425">
@@ -7658,12 +11204,16 @@
           <a:lstStyle/>
           <a:p>
             <a:pPr indent="0" lvl="0" marL="0" rtl="0" algn="l">
-              <a:spcBef>
-                <a:spcPts val="0"/>
-              </a:spcBef>
-              <a:spcAft>
-                <a:spcPts val="0"/>
-              </a:spcAft>
+              <a:lnSpc>
+                <a:spcPct val="100000"/>
+              </a:lnSpc>
+              <a:spcBef>
+                <a:spcPts val="0"/>
+              </a:spcBef>
+              <a:spcAft>
+                <a:spcPts val="0"/>
+              </a:spcAft>
+              <a:buSzPct val="111111"/>
               <a:buNone/>
             </a:pPr>
             <a:r>
@@ -7676,7 +11226,7 @@
       </p:sp>
       <p:sp>
         <p:nvSpPr>
-          <p:cNvPr id="107" name="Google Shape;107;p20"/>
+          <p:cNvPr id="107" name="Google Shape;107;p8"/>
           <p:cNvSpPr txBox="1"/>
           <p:nvPr>
             <p:ph idx="1" type="body"/>
@@ -7690,6 +11240,10 @@
           <a:prstGeom prst="rect">
             <a:avLst/>
           </a:prstGeom>
+          <a:noFill/>
+          <a:ln>
+            <a:noFill/>
+          </a:ln>
         </p:spPr>
         <p:txBody>
           <a:bodyPr anchorCtr="0" anchor="t" bIns="91425" lIns="91425" spcFirstLastPara="1" rIns="91425" wrap="square" tIns="91425">
@@ -7698,12 +11252,16 @@
           <a:lstStyle/>
           <a:p>
             <a:pPr indent="0" lvl="0" marL="0" rtl="0" algn="l">
-              <a:spcBef>
-                <a:spcPts val="0"/>
-              </a:spcBef>
-              <a:spcAft>
-                <a:spcPts val="0"/>
-              </a:spcAft>
+              <a:lnSpc>
+                <a:spcPct val="115000"/>
+              </a:lnSpc>
+              <a:spcBef>
+                <a:spcPts val="0"/>
+              </a:spcBef>
+              <a:spcAft>
+                <a:spcPts val="0"/>
+              </a:spcAft>
+              <a:buSzPts val="1800"/>
               <a:buNone/>
             </a:pPr>
             <a:r>
@@ -7714,12 +11272,16 @@
           </a:p>
           <a:p>
             <a:pPr indent="0" lvl="0" marL="0" rtl="0" algn="l">
+              <a:lnSpc>
+                <a:spcPct val="115000"/>
+              </a:lnSpc>
               <a:spcBef>
                 <a:spcPts val="1200"/>
               </a:spcBef>
               <a:spcAft>
                 <a:spcPts val="0"/>
               </a:spcAft>
+              <a:buSzPts val="1800"/>
               <a:buNone/>
             </a:pPr>
             <a:r>
@@ -7730,12 +11292,16 @@
           </a:p>
           <a:p>
             <a:pPr indent="0" lvl="0" marL="0" rtl="0" algn="l">
+              <a:lnSpc>
+                <a:spcPct val="115000"/>
+              </a:lnSpc>
               <a:spcBef>
                 <a:spcPts val="1200"/>
               </a:spcBef>
               <a:spcAft>
                 <a:spcPts val="1200"/>
               </a:spcAft>
+              <a:buSzPts val="1800"/>
               <a:buNone/>
             </a:pPr>
             <a:r>

--- a/ReinforcmentLearning.pptx
+++ b/ReinforcmentLearning.pptx
@@ -9536,7 +9536,7 @@
                   <a:schemeClr val="dk1"/>
                 </a:solidFill>
               </a:rPr>
-              <a:t>Continuously Adaptive Convergence to Drive the Best Actions  </a:t>
+              <a:t>Continuously Adaptive Convergence to Drive the Best Actions  FANTASTIC</a:t>
             </a:r>
             <a:endParaRPr i="1" sz="3300"/>
           </a:p>
@@ -11321,6 +11321,285 @@
 </file>
 
 <file path=ppt/theme/theme1.xml><?xml version="1.0" encoding="utf-8"?>
+<a:theme xmlns:a="http://schemas.openxmlformats.org/drawingml/2006/main" xmlns:r="http://schemas.openxmlformats.org/officeDocument/2006/relationships" name="Simple Light">
+  <a:themeElements>
+    <a:clrScheme name="Simple Light">
+      <a:dk1>
+        <a:srgbClr val="000000"/>
+      </a:dk1>
+      <a:lt1>
+        <a:srgbClr val="FFFFFF"/>
+      </a:lt1>
+      <a:dk2>
+        <a:srgbClr val="595959"/>
+      </a:dk2>
+      <a:lt2>
+        <a:srgbClr val="EEEEEE"/>
+      </a:lt2>
+      <a:accent1>
+        <a:srgbClr val="4285F4"/>
+      </a:accent1>
+      <a:accent2>
+        <a:srgbClr val="212121"/>
+      </a:accent2>
+      <a:accent3>
+        <a:srgbClr val="78909C"/>
+      </a:accent3>
+      <a:accent4>
+        <a:srgbClr val="FFAB40"/>
+      </a:accent4>
+      <a:accent5>
+        <a:srgbClr val="0097A7"/>
+      </a:accent5>
+      <a:accent6>
+        <a:srgbClr val="EEFF41"/>
+      </a:accent6>
+      <a:hlink>
+        <a:srgbClr val="0097A7"/>
+      </a:hlink>
+      <a:folHlink>
+        <a:srgbClr val="0097A7"/>
+      </a:folHlink>
+    </a:clrScheme>
+    <a:fontScheme name="Office">
+      <a:majorFont>
+        <a:latin typeface="Arial"/>
+        <a:ea typeface=""/>
+        <a:cs typeface=""/>
+        <a:font script="Jpan" typeface="ＭＳ Ｐゴシック"/>
+        <a:font script="Hang" typeface="맑은 고딕"/>
+        <a:font script="Hans" typeface="宋体"/>
+        <a:font script="Hant" typeface="新細明體"/>
+        <a:font script="Arab" typeface="Times New Roman"/>
+        <a:font script="Hebr" typeface="Times New Roman"/>
+        <a:font script="Thai" typeface="Angsana New"/>
+        <a:font script="Ethi" typeface="Nyala"/>
+        <a:font script="Beng" typeface="Vrinda"/>
+        <a:font script="Gujr" typeface="Shruti"/>
+        <a:font script="Khmr" typeface="MoolBoran"/>
+        <a:font script="Knda" typeface="Tunga"/>
+        <a:font script="Guru" typeface="Raavi"/>
+        <a:font script="Cans" typeface="Euphemia"/>
+        <a:font script="Cher" typeface="Plantagenet Cherokee"/>
+        <a:font script="Yiii" typeface="Microsoft Yi Baiti"/>
+        <a:font script="Tibt" typeface="Microsoft Himalaya"/>
+        <a:font script="Thaa" typeface="MV Boli"/>
+        <a:font script="Deva" typeface="Mangal"/>
+        <a:font script="Telu" typeface="Gautami"/>
+        <a:font script="Taml" typeface="Latha"/>
+        <a:font script="Syrc" typeface="Estrangelo Edessa"/>
+        <a:font script="Orya" typeface="Kalinga"/>
+        <a:font script="Mlym" typeface="Kartika"/>
+        <a:font script="Laoo" typeface="DokChampa"/>
+        <a:font script="Sinh" typeface="Iskoola Pota"/>
+        <a:font script="Mong" typeface="Mongolian Baiti"/>
+        <a:font script="Viet" typeface="Times New Roman"/>
+        <a:font script="Uigh" typeface="Microsoft Uighur"/>
+        <a:font script="Geor" typeface="Sylfaen"/>
+      </a:majorFont>
+      <a:minorFont>
+        <a:latin typeface="Arial"/>
+        <a:ea typeface=""/>
+        <a:cs typeface=""/>
+        <a:font script="Jpan" typeface="ＭＳ Ｐゴシック"/>
+        <a:font script="Hang" typeface="맑은 고딕"/>
+        <a:font script="Hans" typeface="宋体"/>
+        <a:font script="Hant" typeface="新細明體"/>
+        <a:font script="Arab" typeface="Arial"/>
+        <a:font script="Hebr" typeface="Arial"/>
+        <a:font script="Thai" typeface="Cordia New"/>
+        <a:font script="Ethi" typeface="Nyala"/>
+        <a:font script="Beng" typeface="Vrinda"/>
+        <a:font script="Gujr" typeface="Shruti"/>
+        <a:font script="Khmr" typeface="DaunPenh"/>
+        <a:font script="Knda" typeface="Tunga"/>
+        <a:font script="Guru" typeface="Raavi"/>
+        <a:font script="Cans" typeface="Euphemia"/>
+        <a:font script="Cher" typeface="Plantagenet Cherokee"/>
+        <a:font script="Yiii" typeface="Microsoft Yi Baiti"/>
+        <a:font script="Tibt" typeface="Microsoft Himalaya"/>
+        <a:font script="Thaa" typeface="MV Boli"/>
+        <a:font script="Deva" typeface="Mangal"/>
+        <a:font script="Telu" typeface="Gautami"/>
+        <a:font script="Taml" typeface="Latha"/>
+        <a:font script="Syrc" typeface="Estrangelo Edessa"/>
+        <a:font script="Orya" typeface="Kalinga"/>
+        <a:font script="Mlym" typeface="Kartika"/>
+        <a:font script="Laoo" typeface="DokChampa"/>
+        <a:font script="Sinh" typeface="Iskoola Pota"/>
+        <a:font script="Mong" typeface="Mongolian Baiti"/>
+        <a:font script="Viet" typeface="Arial"/>
+        <a:font script="Uigh" typeface="Microsoft Uighur"/>
+        <a:font script="Geor" typeface="Sylfaen"/>
+      </a:minorFont>
+    </a:fontScheme>
+    <a:fmtScheme name="Office">
+      <a:fillStyleLst>
+        <a:solidFill>
+          <a:schemeClr val="phClr"/>
+        </a:solidFill>
+        <a:gradFill rotWithShape="1">
+          <a:gsLst>
+            <a:gs pos="0">
+              <a:schemeClr val="phClr">
+                <a:tint val="50000"/>
+                <a:satMod val="300000"/>
+              </a:schemeClr>
+            </a:gs>
+            <a:gs pos="35000">
+              <a:schemeClr val="phClr">
+                <a:tint val="37000"/>
+                <a:satMod val="300000"/>
+              </a:schemeClr>
+            </a:gs>
+            <a:gs pos="100000">
+              <a:schemeClr val="phClr">
+                <a:tint val="15000"/>
+                <a:satMod val="350000"/>
+              </a:schemeClr>
+            </a:gs>
+          </a:gsLst>
+          <a:lin ang="16200000" scaled="1"/>
+        </a:gradFill>
+        <a:gradFill rotWithShape="1">
+          <a:gsLst>
+            <a:gs pos="0">
+              <a:schemeClr val="phClr">
+                <a:tint val="100000"/>
+                <a:shade val="100000"/>
+                <a:satMod val="130000"/>
+              </a:schemeClr>
+            </a:gs>
+            <a:gs pos="100000">
+              <a:schemeClr val="phClr">
+                <a:tint val="50000"/>
+                <a:shade val="100000"/>
+                <a:satMod val="350000"/>
+              </a:schemeClr>
+            </a:gs>
+          </a:gsLst>
+          <a:lin ang="16200000" scaled="0"/>
+        </a:gradFill>
+      </a:fillStyleLst>
+      <a:lnStyleLst>
+        <a:ln w="9525" cap="flat" cmpd="sng" algn="ctr">
+          <a:solidFill>
+            <a:schemeClr val="phClr">
+              <a:shade val="95000"/>
+              <a:satMod val="105000"/>
+            </a:schemeClr>
+          </a:solidFill>
+          <a:prstDash val="solid"/>
+        </a:ln>
+        <a:ln w="25400" cap="flat" cmpd="sng" algn="ctr">
+          <a:solidFill>
+            <a:schemeClr val="phClr"/>
+          </a:solidFill>
+          <a:prstDash val="solid"/>
+        </a:ln>
+        <a:ln w="38100" cap="flat" cmpd="sng" algn="ctr">
+          <a:solidFill>
+            <a:schemeClr val="phClr"/>
+          </a:solidFill>
+          <a:prstDash val="solid"/>
+        </a:ln>
+      </a:lnStyleLst>
+      <a:effectStyleLst>
+        <a:effectStyle>
+          <a:effectLst>
+            <a:outerShdw blurRad="40000" dist="20000" dir="5400000" rotWithShape="0">
+              <a:srgbClr val="000000">
+                <a:alpha val="38000"/>
+              </a:srgbClr>
+            </a:outerShdw>
+          </a:effectLst>
+        </a:effectStyle>
+        <a:effectStyle>
+          <a:effectLst>
+            <a:outerShdw blurRad="40000" dist="23000" dir="5400000" rotWithShape="0">
+              <a:srgbClr val="000000">
+                <a:alpha val="35000"/>
+              </a:srgbClr>
+            </a:outerShdw>
+          </a:effectLst>
+        </a:effectStyle>
+        <a:effectStyle>
+          <a:effectLst>
+            <a:outerShdw blurRad="40000" dist="23000" dir="5400000" rotWithShape="0">
+              <a:srgbClr val="000000">
+                <a:alpha val="35000"/>
+              </a:srgbClr>
+            </a:outerShdw>
+          </a:effectLst>
+          <a:scene3d>
+            <a:camera prst="orthographicFront">
+              <a:rot lat="0" lon="0" rev="0"/>
+            </a:camera>
+            <a:lightRig rig="threePt" dir="t">
+              <a:rot lat="0" lon="0" rev="1200000"/>
+            </a:lightRig>
+          </a:scene3d>
+          <a:sp3d>
+            <a:bevelT w="63500" h="25400"/>
+          </a:sp3d>
+        </a:effectStyle>
+      </a:effectStyleLst>
+      <a:bgFillStyleLst>
+        <a:solidFill>
+          <a:schemeClr val="phClr"/>
+        </a:solidFill>
+        <a:gradFill rotWithShape="1">
+          <a:gsLst>
+            <a:gs pos="0">
+              <a:schemeClr val="phClr">
+                <a:tint val="40000"/>
+                <a:satMod val="350000"/>
+              </a:schemeClr>
+            </a:gs>
+            <a:gs pos="40000">
+              <a:schemeClr val="phClr">
+                <a:tint val="45000"/>
+                <a:shade val="99000"/>
+                <a:satMod val="350000"/>
+              </a:schemeClr>
+            </a:gs>
+            <a:gs pos="100000">
+              <a:schemeClr val="phClr">
+                <a:shade val="20000"/>
+                <a:satMod val="255000"/>
+              </a:schemeClr>
+            </a:gs>
+          </a:gsLst>
+          <a:path path="circle">
+            <a:fillToRect l="50000" t="-80000" r="50000" b="180000"/>
+          </a:path>
+        </a:gradFill>
+        <a:gradFill rotWithShape="1">
+          <a:gsLst>
+            <a:gs pos="0">
+              <a:schemeClr val="phClr">
+                <a:tint val="80000"/>
+                <a:satMod val="300000"/>
+              </a:schemeClr>
+            </a:gs>
+            <a:gs pos="100000">
+              <a:schemeClr val="phClr">
+                <a:shade val="30000"/>
+                <a:satMod val="200000"/>
+              </a:schemeClr>
+            </a:gs>
+          </a:gsLst>
+          <a:path path="circle">
+            <a:fillToRect l="50000" t="50000" r="50000" b="50000"/>
+          </a:path>
+        </a:gradFill>
+      </a:bgFillStyleLst>
+    </a:fmtScheme>
+  </a:themeElements>
+</a:theme>
+</file>
+
+<file path=ppt/theme/theme2.xml><?xml version="1.0" encoding="utf-8"?>
 <a:theme xmlns:a="http://schemas.openxmlformats.org/drawingml/2006/main" xmlns:r="http://schemas.openxmlformats.org/officeDocument/2006/relationships">
   <a:themeElements>
     <a:clrScheme name="Default">
@@ -11597,283 +11876,4 @@
     </a:fmtScheme>
   </a:themeElements>
 </a:theme>
-</file>
-
-<file path=ppt/theme/theme2.xml><?xml version="1.0" encoding="utf-8"?>
-<a:theme xmlns:a="http://schemas.openxmlformats.org/drawingml/2006/main" xmlns:r="http://schemas.openxmlformats.org/officeDocument/2006/relationships" name="Simple Light">
-  <a:themeElements>
-    <a:clrScheme name="Simple Light">
-      <a:dk1>
-        <a:srgbClr val="000000"/>
-      </a:dk1>
-      <a:lt1>
-        <a:srgbClr val="FFFFFF"/>
-      </a:lt1>
-      <a:dk2>
-        <a:srgbClr val="595959"/>
-      </a:dk2>
-      <a:lt2>
-        <a:srgbClr val="EEEEEE"/>
-      </a:lt2>
-      <a:accent1>
-        <a:srgbClr val="4285F4"/>
-      </a:accent1>
-      <a:accent2>
-        <a:srgbClr val="212121"/>
-      </a:accent2>
-      <a:accent3>
-        <a:srgbClr val="78909C"/>
-      </a:accent3>
-      <a:accent4>
-        <a:srgbClr val="FFAB40"/>
-      </a:accent4>
-      <a:accent5>
-        <a:srgbClr val="0097A7"/>
-      </a:accent5>
-      <a:accent6>
-        <a:srgbClr val="EEFF41"/>
-      </a:accent6>
-      <a:hlink>
-        <a:srgbClr val="0097A7"/>
-      </a:hlink>
-      <a:folHlink>
-        <a:srgbClr val="0097A7"/>
-      </a:folHlink>
-    </a:clrScheme>
-    <a:fontScheme name="Office">
-      <a:majorFont>
-        <a:latin typeface="Arial"/>
-        <a:ea typeface=""/>
-        <a:cs typeface=""/>
-        <a:font script="Jpan" typeface="ＭＳ Ｐゴシック"/>
-        <a:font script="Hang" typeface="맑은 고딕"/>
-        <a:font script="Hans" typeface="宋体"/>
-        <a:font script="Hant" typeface="新細明體"/>
-        <a:font script="Arab" typeface="Times New Roman"/>
-        <a:font script="Hebr" typeface="Times New Roman"/>
-        <a:font script="Thai" typeface="Angsana New"/>
-        <a:font script="Ethi" typeface="Nyala"/>
-        <a:font script="Beng" typeface="Vrinda"/>
-        <a:font script="Gujr" typeface="Shruti"/>
-        <a:font script="Khmr" typeface="MoolBoran"/>
-        <a:font script="Knda" typeface="Tunga"/>
-        <a:font script="Guru" typeface="Raavi"/>
-        <a:font script="Cans" typeface="Euphemia"/>
-        <a:font script="Cher" typeface="Plantagenet Cherokee"/>
-        <a:font script="Yiii" typeface="Microsoft Yi Baiti"/>
-        <a:font script="Tibt" typeface="Microsoft Himalaya"/>
-        <a:font script="Thaa" typeface="MV Boli"/>
-        <a:font script="Deva" typeface="Mangal"/>
-        <a:font script="Telu" typeface="Gautami"/>
-        <a:font script="Taml" typeface="Latha"/>
-        <a:font script="Syrc" typeface="Estrangelo Edessa"/>
-        <a:font script="Orya" typeface="Kalinga"/>
-        <a:font script="Mlym" typeface="Kartika"/>
-        <a:font script="Laoo" typeface="DokChampa"/>
-        <a:font script="Sinh" typeface="Iskoola Pota"/>
-        <a:font script="Mong" typeface="Mongolian Baiti"/>
-        <a:font script="Viet" typeface="Times New Roman"/>
-        <a:font script="Uigh" typeface="Microsoft Uighur"/>
-        <a:font script="Geor" typeface="Sylfaen"/>
-      </a:majorFont>
-      <a:minorFont>
-        <a:latin typeface="Arial"/>
-        <a:ea typeface=""/>
-        <a:cs typeface=""/>
-        <a:font script="Jpan" typeface="ＭＳ Ｐゴシック"/>
-        <a:font script="Hang" typeface="맑은 고딕"/>
-        <a:font script="Hans" typeface="宋体"/>
-        <a:font script="Hant" typeface="新細明體"/>
-        <a:font script="Arab" typeface="Arial"/>
-        <a:font script="Hebr" typeface="Arial"/>
-        <a:font script="Thai" typeface="Cordia New"/>
-        <a:font script="Ethi" typeface="Nyala"/>
-        <a:font script="Beng" typeface="Vrinda"/>
-        <a:font script="Gujr" typeface="Shruti"/>
-        <a:font script="Khmr" typeface="DaunPenh"/>
-        <a:font script="Knda" typeface="Tunga"/>
-        <a:font script="Guru" typeface="Raavi"/>
-        <a:font script="Cans" typeface="Euphemia"/>
-        <a:font script="Cher" typeface="Plantagenet Cherokee"/>
-        <a:font script="Yiii" typeface="Microsoft Yi Baiti"/>
-        <a:font script="Tibt" typeface="Microsoft Himalaya"/>
-        <a:font script="Thaa" typeface="MV Boli"/>
-        <a:font script="Deva" typeface="Mangal"/>
-        <a:font script="Telu" typeface="Gautami"/>
-        <a:font script="Taml" typeface="Latha"/>
-        <a:font script="Syrc" typeface="Estrangelo Edessa"/>
-        <a:font script="Orya" typeface="Kalinga"/>
-        <a:font script="Mlym" typeface="Kartika"/>
-        <a:font script="Laoo" typeface="DokChampa"/>
-        <a:font script="Sinh" typeface="Iskoola Pota"/>
-        <a:font script="Mong" typeface="Mongolian Baiti"/>
-        <a:font script="Viet" typeface="Arial"/>
-        <a:font script="Uigh" typeface="Microsoft Uighur"/>
-        <a:font script="Geor" typeface="Sylfaen"/>
-      </a:minorFont>
-    </a:fontScheme>
-    <a:fmtScheme name="Office">
-      <a:fillStyleLst>
-        <a:solidFill>
-          <a:schemeClr val="phClr"/>
-        </a:solidFill>
-        <a:gradFill rotWithShape="1">
-          <a:gsLst>
-            <a:gs pos="0">
-              <a:schemeClr val="phClr">
-                <a:tint val="50000"/>
-                <a:satMod val="300000"/>
-              </a:schemeClr>
-            </a:gs>
-            <a:gs pos="35000">
-              <a:schemeClr val="phClr">
-                <a:tint val="37000"/>
-                <a:satMod val="300000"/>
-              </a:schemeClr>
-            </a:gs>
-            <a:gs pos="100000">
-              <a:schemeClr val="phClr">
-                <a:tint val="15000"/>
-                <a:satMod val="350000"/>
-              </a:schemeClr>
-            </a:gs>
-          </a:gsLst>
-          <a:lin ang="16200000" scaled="1"/>
-        </a:gradFill>
-        <a:gradFill rotWithShape="1">
-          <a:gsLst>
-            <a:gs pos="0">
-              <a:schemeClr val="phClr">
-                <a:tint val="100000"/>
-                <a:shade val="100000"/>
-                <a:satMod val="130000"/>
-              </a:schemeClr>
-            </a:gs>
-            <a:gs pos="100000">
-              <a:schemeClr val="phClr">
-                <a:tint val="50000"/>
-                <a:shade val="100000"/>
-                <a:satMod val="350000"/>
-              </a:schemeClr>
-            </a:gs>
-          </a:gsLst>
-          <a:lin ang="16200000" scaled="0"/>
-        </a:gradFill>
-      </a:fillStyleLst>
-      <a:lnStyleLst>
-        <a:ln w="9525" cap="flat" cmpd="sng" algn="ctr">
-          <a:solidFill>
-            <a:schemeClr val="phClr">
-              <a:shade val="95000"/>
-              <a:satMod val="105000"/>
-            </a:schemeClr>
-          </a:solidFill>
-          <a:prstDash val="solid"/>
-        </a:ln>
-        <a:ln w="25400" cap="flat" cmpd="sng" algn="ctr">
-          <a:solidFill>
-            <a:schemeClr val="phClr"/>
-          </a:solidFill>
-          <a:prstDash val="solid"/>
-        </a:ln>
-        <a:ln w="38100" cap="flat" cmpd="sng" algn="ctr">
-          <a:solidFill>
-            <a:schemeClr val="phClr"/>
-          </a:solidFill>
-          <a:prstDash val="solid"/>
-        </a:ln>
-      </a:lnStyleLst>
-      <a:effectStyleLst>
-        <a:effectStyle>
-          <a:effectLst>
-            <a:outerShdw blurRad="40000" dist="20000" dir="5400000" rotWithShape="0">
-              <a:srgbClr val="000000">
-                <a:alpha val="38000"/>
-              </a:srgbClr>
-            </a:outerShdw>
-          </a:effectLst>
-        </a:effectStyle>
-        <a:effectStyle>
-          <a:effectLst>
-            <a:outerShdw blurRad="40000" dist="23000" dir="5400000" rotWithShape="0">
-              <a:srgbClr val="000000">
-                <a:alpha val="35000"/>
-              </a:srgbClr>
-            </a:outerShdw>
-          </a:effectLst>
-        </a:effectStyle>
-        <a:effectStyle>
-          <a:effectLst>
-            <a:outerShdw blurRad="40000" dist="23000" dir="5400000" rotWithShape="0">
-              <a:srgbClr val="000000">
-                <a:alpha val="35000"/>
-              </a:srgbClr>
-            </a:outerShdw>
-          </a:effectLst>
-          <a:scene3d>
-            <a:camera prst="orthographicFront">
-              <a:rot lat="0" lon="0" rev="0"/>
-            </a:camera>
-            <a:lightRig rig="threePt" dir="t">
-              <a:rot lat="0" lon="0" rev="1200000"/>
-            </a:lightRig>
-          </a:scene3d>
-          <a:sp3d>
-            <a:bevelT w="63500" h="25400"/>
-          </a:sp3d>
-        </a:effectStyle>
-      </a:effectStyleLst>
-      <a:bgFillStyleLst>
-        <a:solidFill>
-          <a:schemeClr val="phClr"/>
-        </a:solidFill>
-        <a:gradFill rotWithShape="1">
-          <a:gsLst>
-            <a:gs pos="0">
-              <a:schemeClr val="phClr">
-                <a:tint val="40000"/>
-                <a:satMod val="350000"/>
-              </a:schemeClr>
-            </a:gs>
-            <a:gs pos="40000">
-              <a:schemeClr val="phClr">
-                <a:tint val="45000"/>
-                <a:shade val="99000"/>
-                <a:satMod val="350000"/>
-              </a:schemeClr>
-            </a:gs>
-            <a:gs pos="100000">
-              <a:schemeClr val="phClr">
-                <a:shade val="20000"/>
-                <a:satMod val="255000"/>
-              </a:schemeClr>
-            </a:gs>
-          </a:gsLst>
-          <a:path path="circle">
-            <a:fillToRect l="50000" t="-80000" r="50000" b="180000"/>
-          </a:path>
-        </a:gradFill>
-        <a:gradFill rotWithShape="1">
-          <a:gsLst>
-            <a:gs pos="0">
-              <a:schemeClr val="phClr">
-                <a:tint val="80000"/>
-                <a:satMod val="300000"/>
-              </a:schemeClr>
-            </a:gs>
-            <a:gs pos="100000">
-              <a:schemeClr val="phClr">
-                <a:shade val="30000"/>
-                <a:satMod val="200000"/>
-              </a:schemeClr>
-            </a:gs>
-          </a:gsLst>
-          <a:path path="circle">
-            <a:fillToRect l="50000" t="50000" r="50000" b="50000"/>
-          </a:path>
-        </a:gradFill>
-      </a:bgFillStyleLst>
-    </a:fmtScheme>
-  </a:themeElements>
-</a:theme>
 </file>